--- a/MCP_Servers_Presentation.pptx
+++ b/MCP_Servers_Presentation.pptx
@@ -5,7 +5,7 @@
     <p:sldMasterId id="2147483648" r:id="rId1"/>
   </p:sldMasterIdLst>
   <p:notesMasterIdLst>
-    <p:notesMasterId r:id="rId17"/>
+    <p:notesMasterId r:id="rId21"/>
   </p:notesMasterIdLst>
   <p:sldIdLst>
     <p:sldId id="2561" r:id="rId2"/>
@@ -15,14 +15,18 @@
     <p:sldId id="2565" r:id="rId6"/>
     <p:sldId id="2566" r:id="rId7"/>
     <p:sldId id="2567" r:id="rId8"/>
-    <p:sldId id="2568" r:id="rId9"/>
-    <p:sldId id="2569" r:id="rId10"/>
-    <p:sldId id="2570" r:id="rId11"/>
-    <p:sldId id="2571" r:id="rId12"/>
-    <p:sldId id="2572" r:id="rId13"/>
-    <p:sldId id="2573" r:id="rId14"/>
-    <p:sldId id="2574" r:id="rId15"/>
-    <p:sldId id="2575" r:id="rId16"/>
+    <p:sldId id="2576" r:id="rId9"/>
+    <p:sldId id="2577" r:id="rId10"/>
+    <p:sldId id="2568" r:id="rId11"/>
+    <p:sldId id="2569" r:id="rId12"/>
+    <p:sldId id="2570" r:id="rId13"/>
+    <p:sldId id="2571" r:id="rId14"/>
+    <p:sldId id="2578" r:id="rId15"/>
+    <p:sldId id="2572" r:id="rId16"/>
+    <p:sldId id="2573" r:id="rId17"/>
+    <p:sldId id="2579" r:id="rId18"/>
+    <p:sldId id="2574" r:id="rId19"/>
+    <p:sldId id="2575" r:id="rId20"/>
   </p:sldIdLst>
   <p:sldSz cx="12192000" cy="6858000"/>
   <p:notesSz cx="6858000" cy="9144000"/>
@@ -145,6 +149,8 @@
           <p14:sldIdLst>
             <p14:sldId id="2566"/>
             <p14:sldId id="2567"/>
+            <p14:sldId id="2576"/>
+            <p14:sldId id="2577"/>
           </p14:sldIdLst>
         </p14:section>
         <p14:section name="Practical Applications of MCP" id="{448EDF95-677C-4EBE-9128-DC41D5705C6F}">
@@ -157,12 +163,14 @@
           <p14:sldIdLst>
             <p14:sldId id="2570"/>
             <p14:sldId id="2571"/>
+            <p14:sldId id="2578"/>
           </p14:sldIdLst>
         </p14:section>
         <p14:section name="Benefits of Standardized AI Integration" id="{B2FBCA7D-29C9-45F1-997E-C3EFA67EB4B3}">
           <p14:sldIdLst>
             <p14:sldId id="2572"/>
             <p14:sldId id="2573"/>
+            <p14:sldId id="2579"/>
           </p14:sldIdLst>
         </p14:section>
         <p14:section name="Conclusion and Call to Action" id="{5DAD68D4-82E8-47C2-9B58-14CEC2AB746A}">
@@ -690,7 +698,7 @@
           <a:lstStyle/>
           <a:p>
             <a:fld id="{322C3404-B6AB-4EFE-9F4E-60BD52F02861}" type="slidenum">
-              <a:t>10</a:t>
+              <a:t>12</a:t>
             </a:fld>
             <a:endParaRPr lang="en-US"/>
           </a:p>
@@ -777,7 +785,7 @@
           <a:lstStyle/>
           <a:p>
             <a:fld id="{322C3404-B6AB-4EFE-9F4E-60BD52F02861}" type="slidenum">
-              <a:t>11</a:t>
+              <a:t>13</a:t>
             </a:fld>
             <a:endParaRPr lang="en-US"/>
           </a:p>
@@ -863,7 +871,7 @@
           <a:lstStyle/>
           <a:p>
             <a:fld id="{322C3404-B6AB-4EFE-9F4E-60BD52F02861}" type="slidenum">
-              <a:t>12</a:t>
+              <a:t>15</a:t>
             </a:fld>
             <a:endParaRPr lang="en-US"/>
           </a:p>
@@ -950,7 +958,7 @@
           <a:lstStyle/>
           <a:p>
             <a:fld id="{322C3404-B6AB-4EFE-9F4E-60BD52F02861}" type="slidenum">
-              <a:t>13</a:t>
+              <a:t>16</a:t>
             </a:fld>
             <a:endParaRPr lang="en-US"/>
           </a:p>
@@ -1036,7 +1044,7 @@
           <a:lstStyle/>
           <a:p>
             <a:fld id="{322C3404-B6AB-4EFE-9F4E-60BD52F02861}" type="slidenum">
-              <a:t>14</a:t>
+              <a:t>18</a:t>
             </a:fld>
             <a:endParaRPr lang="en-US"/>
           </a:p>
@@ -1123,7 +1131,7 @@
           <a:lstStyle/>
           <a:p>
             <a:fld id="{322C3404-B6AB-4EFE-9F4E-60BD52F02861}" type="slidenum">
-              <a:t>15</a:t>
+              <a:t>19</a:t>
             </a:fld>
             <a:endParaRPr lang="en-US"/>
           </a:p>
@@ -1728,7 +1736,7 @@
           <a:lstStyle/>
           <a:p>
             <a:fld id="{322C3404-B6AB-4EFE-9F4E-60BD52F02861}" type="slidenum">
-              <a:t>8</a:t>
+              <a:t>10</a:t>
             </a:fld>
             <a:endParaRPr lang="en-US"/>
           </a:p>
@@ -1815,7 +1823,7 @@
           <a:lstStyle/>
           <a:p>
             <a:fld id="{322C3404-B6AB-4EFE-9F4E-60BD52F02861}" type="slidenum">
-              <a:t>9</a:t>
+              <a:t>11</a:t>
             </a:fld>
             <a:endParaRPr lang="en-US"/>
           </a:p>
@@ -23203,7 +23211,7 @@
           <p:cNvPr id="2" name="Title 1">
             <a:extLst>
               <a:ext uri="{FF2B5EF4-FFF2-40B4-BE49-F238E27FC236}">
-                <a16:creationId xmlns:a16="http://schemas.microsoft.com/office/drawing/2014/main" id="{FEED6FC7-35F1-DA06-E86F-3CC1B8CFBC17}"/>
+                <a16:creationId xmlns:a16="http://schemas.microsoft.com/office/drawing/2014/main" id="{8B4B9F77-7C54-2104-5F6C-E688747EC6C9}"/>
               </a:ext>
             </a:extLst>
           </p:cNvPr>
@@ -23228,7 +23236,7 @@
           <a:p>
             <a:r>
               <a:rPr lang="en-US"/>
-              <a:t>Custom MCP Server Development</a:t>
+              <a:t>Practical Applications of MCP</a:t>
             </a:r>
           </a:p>
         </p:txBody>
@@ -23236,7 +23244,7 @@
     </p:spTree>
     <p:extLst>
       <p:ext uri="{BB962C8B-B14F-4D97-AF65-F5344CB8AC3E}">
-        <p14:creationId xmlns:p14="http://schemas.microsoft.com/office/powerpoint/2010/main" val="530894598"/>
+        <p14:creationId xmlns:p14="http://schemas.microsoft.com/office/powerpoint/2010/main" val="179381628"/>
       </p:ext>
     </p:extLst>
   </p:cSld>
@@ -23363,7 +23371,7 @@
           <p:cNvPr id="2" name="Title 1">
             <a:extLst>
               <a:ext uri="{FF2B5EF4-FFF2-40B4-BE49-F238E27FC236}">
-                <a16:creationId xmlns:a16="http://schemas.microsoft.com/office/drawing/2014/main" id="{A335E622-C0AE-1ED1-E440-9CF62F3CED00}"/>
+                <a16:creationId xmlns:a16="http://schemas.microsoft.com/office/drawing/2014/main" id="{DF9CDBE1-F8C2-0718-4FF4-E02624620516}"/>
               </a:ext>
             </a:extLst>
           </p:cNvPr>
@@ -23388,17 +23396,17 @@
           <a:p>
             <a:r>
               <a:rPr lang="en-US"/>
-              <a:t>Building and Securing Custom Integrations</a:t>
+              <a:t>Using Pre-built MCP Servers</a:t>
             </a:r>
           </a:p>
         </p:txBody>
       </p:sp>
       <p:pic>
         <p:nvPicPr>
-          <p:cNvPr id="5" name="Content Placeholder 4" descr="Digital security concept lock and shield network">
-            <a:extLst>
-              <a:ext uri="{FF2B5EF4-FFF2-40B4-BE49-F238E27FC236}">
-                <a16:creationId xmlns:a16="http://schemas.microsoft.com/office/drawing/2014/main" id="{ED0EA37C-2940-4CDA-A145-69350B1431F2}"/>
+          <p:cNvPr id="5" name="Content Placeholder 4" descr="Desktop computers connected in a network.See all my">
+            <a:extLst>
+              <a:ext uri="{FF2B5EF4-FFF2-40B4-BE49-F238E27FC236}">
+                <a16:creationId xmlns:a16="http://schemas.microsoft.com/office/drawing/2014/main" id="{FB8440F1-C5C9-46D0-86DE-11582134EAA6}"/>
               </a:ext>
             </a:extLst>
           </p:cNvPr>
@@ -23411,7 +23419,7 @@
         </p:nvPicPr>
         <p:blipFill>
           <a:blip r:embed="rId3"/>
-          <a:srcRect l="5860" r="7119" b="-2"/>
+          <a:srcRect l="7140" r="5839" b="-2"/>
           <a:stretch>
             <a:fillRect/>
           </a:stretch>
@@ -23432,7 +23440,7 @@
           <p:cNvPr id="4" name="Content Placeholder 3">
             <a:extLst>
               <a:ext uri="{FF2B5EF4-FFF2-40B4-BE49-F238E27FC236}">
-                <a16:creationId xmlns:a16="http://schemas.microsoft.com/office/drawing/2014/main" id="{2F65A35B-2412-0971-1F2E-EA4A22143A86}"/>
+                <a16:creationId xmlns:a16="http://schemas.microsoft.com/office/drawing/2014/main" id="{338DEC36-6EBB-F7F9-9667-A0F621C2DD63}"/>
               </a:ext>
             </a:extLst>
           </p:cNvPr>
@@ -23474,7 +23482,7 @@
             </a:pPr>
             <a:r>
               <a:rPr lang="en-US" b="1"/>
-              <a:t>Custom Integration Development</a:t>
+              <a:t>Instant Tool Integration</a:t>
             </a:r>
           </a:p>
           <a:p>
@@ -23483,7 +23491,7 @@
               <a:buNone/>
             </a:pPr>
             <a:r>
-              <a:t>Developers create custom MCP servers to expose proprietary data and APIs with secure, compliant interfaces.</a:t>
+              <a:t>Pre-built MCP servers enable instant connection of AI models to popular tools like Git, Slack, and databases.</a:t>
             </a:r>
             <a:endParaRPr lang="en-US"/>
           </a:p>
@@ -23497,7 +23505,7 @@
             </a:pPr>
             <a:r>
               <a:rPr lang="en-US" b="1"/>
-              <a:t>Security and Compliance</a:t>
+              <a:t>Standardized Interfaces and Security</a:t>
             </a:r>
           </a:p>
           <a:p>
@@ -23506,7 +23514,7 @@
               <a:buNone/>
             </a:pPr>
             <a:r>
-              <a:t>Robust authentication and authorization ensure data control while enabling AI model access to tools.</a:t>
+              <a:t>These servers provide standardized interfaces and robust security features for safe and reliable interactions.</a:t>
             </a:r>
             <a:endParaRPr lang="en-US"/>
           </a:p>
@@ -23520,7 +23528,7 @@
             </a:pPr>
             <a:r>
               <a:rPr lang="en-US" b="1"/>
-              <a:t>Tailored Use Cases</a:t>
+              <a:t>Accelerated Development</a:t>
             </a:r>
           </a:p>
           <a:p>
@@ -23529,7 +23537,7 @@
               <a:buNone/>
             </a:pPr>
             <a:r>
-              <a:t>Custom servers support diverse applications like sales databases, IoT monitoring, and legacy system interaction.</a:t>
+              <a:t>Leverages ready-made integrations to speed up prototyping and deployment of AI agents without custom coding.</a:t>
             </a:r>
             <a:endParaRPr lang="en-US"/>
           </a:p>
@@ -23543,7 +23551,7 @@
             </a:pPr>
             <a:r>
               <a:rPr lang="en-US" b="1"/>
-              <a:t>Scalable and Future-proof</a:t>
+              <a:t>Encourages Experimentation and Learning</a:t>
             </a:r>
           </a:p>
           <a:p>
@@ -23552,7 +23560,7 @@
               <a:buNone/>
             </a:pPr>
             <a:r>
-              <a:t>Following MCP guidelines ensures interoperability and scalable, maintainable AI infrastructure integration.</a:t>
+              <a:t>Availability of open-source servers lowers barriers, fostering exploration and contribution in the MCP ecosystem.</a:t>
             </a:r>
             <a:endParaRPr lang="en-US"/>
           </a:p>
@@ -23561,7 +23569,7 @@
     </p:spTree>
     <p:extLst>
       <p:ext uri="{BB962C8B-B14F-4D97-AF65-F5344CB8AC3E}">
-        <p14:creationId xmlns:p14="http://schemas.microsoft.com/office/powerpoint/2010/main" val="3157731947"/>
+        <p14:creationId xmlns:p14="http://schemas.microsoft.com/office/powerpoint/2010/main" val="2523612650"/>
       </p:ext>
     </p:extLst>
   </p:cSld>
@@ -23734,7 +23742,7 @@
           <p:cNvPr id="2" name="Title 1">
             <a:extLst>
               <a:ext uri="{FF2B5EF4-FFF2-40B4-BE49-F238E27FC236}">
-                <a16:creationId xmlns:a16="http://schemas.microsoft.com/office/drawing/2014/main" id="{CD6229AB-4900-6D0D-7C23-C5AFBFD62778}"/>
+                <a16:creationId xmlns:a16="http://schemas.microsoft.com/office/drawing/2014/main" id="{FEED6FC7-35F1-DA06-E86F-3CC1B8CFBC17}"/>
               </a:ext>
             </a:extLst>
           </p:cNvPr>
@@ -23759,7 +23767,7 @@
           <a:p>
             <a:r>
               <a:rPr lang="en-US"/>
-              <a:t>Benefits of Standardized AI Integration</a:t>
+              <a:t>Custom MCP Server Development</a:t>
             </a:r>
           </a:p>
         </p:txBody>
@@ -23767,7 +23775,7 @@
     </p:spTree>
     <p:extLst>
       <p:ext uri="{BB962C8B-B14F-4D97-AF65-F5344CB8AC3E}">
-        <p14:creationId xmlns:p14="http://schemas.microsoft.com/office/powerpoint/2010/main" val="2241670716"/>
+        <p14:creationId xmlns:p14="http://schemas.microsoft.com/office/powerpoint/2010/main" val="530894598"/>
       </p:ext>
     </p:extLst>
   </p:cSld>
@@ -23805,7 +23813,7 @@
                                   <p:stCondLst>
                                     <p:cond delay="500"/>
                                   </p:stCondLst>
-                                  <p:iterate type="lt">
+                                  <p:iterate>
                                     <p:tmPct val="10000"/>
                                   </p:iterate>
                                   <p:childTnLst>
@@ -23829,7 +23837,7 @@
                                     </p:set>
                                     <p:animEffect transition="in" filter="fade">
                                       <p:cBhvr>
-                                        <p:cTn id="7" dur="400"/>
+                                        <p:cTn id="7" dur="700"/>
                                         <p:tgtEl>
                                           <p:spTgt spid="2"/>
                                         </p:tgtEl>
@@ -23894,7 +23902,7 @@
           <p:cNvPr id="2" name="Title 1">
             <a:extLst>
               <a:ext uri="{FF2B5EF4-FFF2-40B4-BE49-F238E27FC236}">
-                <a16:creationId xmlns:a16="http://schemas.microsoft.com/office/drawing/2014/main" id="{785D3AFE-3495-46C3-E3C0-41904BD03F26}"/>
+                <a16:creationId xmlns:a16="http://schemas.microsoft.com/office/drawing/2014/main" id="{A335E622-C0AE-1ED1-E440-9CF62F3CED00}"/>
               </a:ext>
             </a:extLst>
           </p:cNvPr>
@@ -23919,17 +23927,17 @@
           <a:p>
             <a:r>
               <a:rPr lang="en-US"/>
-              <a:t>Creating a Collaborative Ecosystem</a:t>
+              <a:t>Building and Securing Custom Integrations</a:t>
             </a:r>
           </a:p>
         </p:txBody>
       </p:sp>
       <p:pic>
         <p:nvPicPr>
-          <p:cNvPr id="5" name="Content Placeholder 4" descr="Social media icons people communication connection">
-            <a:extLst>
-              <a:ext uri="{FF2B5EF4-FFF2-40B4-BE49-F238E27FC236}">
-                <a16:creationId xmlns:a16="http://schemas.microsoft.com/office/drawing/2014/main" id="{6325C82B-CEAD-4646-8F9B-05955FB81A80}"/>
+          <p:cNvPr id="5" name="Content Placeholder 4" descr="Digital security concept lock and shield network">
+            <a:extLst>
+              <a:ext uri="{FF2B5EF4-FFF2-40B4-BE49-F238E27FC236}">
+                <a16:creationId xmlns:a16="http://schemas.microsoft.com/office/drawing/2014/main" id="{ED0EA37C-2940-4CDA-A145-69350B1431F2}"/>
               </a:ext>
             </a:extLst>
           </p:cNvPr>
@@ -23942,7 +23950,7 @@
         </p:nvPicPr>
         <p:blipFill>
           <a:blip r:embed="rId3"/>
-          <a:srcRect l="7793" r="5186" b="-2"/>
+          <a:srcRect l="5860" r="7119" b="-2"/>
           <a:stretch>
             <a:fillRect/>
           </a:stretch>
@@ -23963,7 +23971,7 @@
           <p:cNvPr id="4" name="Content Placeholder 3">
             <a:extLst>
               <a:ext uri="{FF2B5EF4-FFF2-40B4-BE49-F238E27FC236}">
-                <a16:creationId xmlns:a16="http://schemas.microsoft.com/office/drawing/2014/main" id="{7F833F27-3808-6D2D-D058-5125C61FAB3F}"/>
+                <a16:creationId xmlns:a16="http://schemas.microsoft.com/office/drawing/2014/main" id="{2F65A35B-2412-0971-1F2E-EA4A22143A86}"/>
               </a:ext>
             </a:extLst>
           </p:cNvPr>
@@ -24005,7 +24013,7 @@
             </a:pPr>
             <a:r>
               <a:rPr lang="en-US" b="1"/>
-              <a:t>Efficiency Through Standardization</a:t>
+              <a:t>Custom Integration Development</a:t>
             </a:r>
           </a:p>
           <a:p>
@@ -24014,7 +24022,7 @@
               <a:buNone/>
             </a:pPr>
             <a:r>
-              <a:t>Standard protocols reduce reliance on bespoke connectors, saving time and improving reliability in AI tool integration.</a:t>
+              <a:t>Developers create custom MCP servers to expose proprietary data and APIs with secure, compliant interfaces.</a:t>
             </a:r>
             <a:endParaRPr lang="en-US"/>
           </a:p>
@@ -24028,7 +24036,7 @@
             </a:pPr>
             <a:r>
               <a:rPr lang="en-US" b="1"/>
-              <a:t>Collaborative Developer Community</a:t>
+              <a:t>Security and Compliance</a:t>
             </a:r>
           </a:p>
           <a:p>
@@ -24037,7 +24045,7 @@
               <a:buNone/>
             </a:pPr>
             <a:r>
-              <a:t>Sharing tools and best practices fosters innovation and accelerates progress across the AI community.</a:t>
+              <a:t>Robust authentication and authorization ensure data control while enabling AI model access to tools.</a:t>
             </a:r>
             <a:endParaRPr lang="en-US"/>
           </a:p>
@@ -24051,7 +24059,7 @@
             </a:pPr>
             <a:r>
               <a:rPr lang="en-US" b="1"/>
-              <a:t>Enhanced Security and Compliance</a:t>
+              <a:t>Tailored Use Cases</a:t>
             </a:r>
           </a:p>
           <a:p>
@@ -24060,7 +24068,7 @@
               <a:buNone/>
             </a:pPr>
             <a:r>
-              <a:t>Consistent authentication and data access mechanisms improve security and regulatory compliance.</a:t>
+              <a:t>Custom servers support diverse applications like sales databases, IoT monitoring, and legacy system interaction.</a:t>
             </a:r>
             <a:endParaRPr lang="en-US"/>
           </a:p>
@@ -24074,7 +24082,7 @@
             </a:pPr>
             <a:r>
               <a:rPr lang="en-US" b="1"/>
-              <a:t>Intelligent, Actionable Agents</a:t>
+              <a:t>Scalable and Future-proof</a:t>
             </a:r>
           </a:p>
           <a:p>
@@ -24083,7 +24091,7 @@
               <a:buNone/>
             </a:pPr>
             <a:r>
-              <a:t>Standardization enables AI agents to understand context, generate content, and take meaningful actions.</a:t>
+              <a:t>Following MCP guidelines ensures interoperability and scalable, maintainable AI infrastructure integration.</a:t>
             </a:r>
             <a:endParaRPr lang="en-US"/>
           </a:p>
@@ -24092,7 +24100,7 @@
     </p:spTree>
     <p:extLst>
       <p:ext uri="{BB962C8B-B14F-4D97-AF65-F5344CB8AC3E}">
-        <p14:creationId xmlns:p14="http://schemas.microsoft.com/office/powerpoint/2010/main" val="1060877882"/>
+        <p14:creationId xmlns:p14="http://schemas.microsoft.com/office/powerpoint/2010/main" val="3157731947"/>
       </p:ext>
     </p:extLst>
   </p:cSld>
@@ -24248,6 +24256,725 @@
   <p:cSld>
     <p:spTree>
       <p:nvGrpSpPr>
+        <p:cNvPr id="1" name="">
+          <a:extLst>
+            <a:ext uri="{FF2B5EF4-FFF2-40B4-BE49-F238E27FC236}">
+              <a16:creationId xmlns:a16="http://schemas.microsoft.com/office/drawing/2014/main" id="{C4BDE6A7-85BF-5666-4701-28A4013CE43E}"/>
+            </a:ext>
+          </a:extLst>
+        </p:cNvPr>
+        <p:cNvGrpSpPr/>
+        <p:nvPr/>
+      </p:nvGrpSpPr>
+      <p:grpSpPr>
+        <a:xfrm>
+          <a:off x="0" y="0"/>
+          <a:ext cx="0" cy="0"/>
+          <a:chOff x="0" y="0"/>
+          <a:chExt cx="0" cy="0"/>
+        </a:xfrm>
+      </p:grpSpPr>
+      <p:sp>
+        <p:nvSpPr>
+          <p:cNvPr id="5" name="Title 4">
+            <a:extLst>
+              <a:ext uri="{FF2B5EF4-FFF2-40B4-BE49-F238E27FC236}">
+                <a16:creationId xmlns:a16="http://schemas.microsoft.com/office/drawing/2014/main" id="{5A9CD526-5EA1-1625-2371-B1DE80C7D52F}"/>
+              </a:ext>
+            </a:extLst>
+          </p:cNvPr>
+          <p:cNvSpPr>
+            <a:spLocks noGrp="1"/>
+          </p:cNvSpPr>
+          <p:nvPr>
+            <p:ph type="ctrTitle"/>
+          </p:nvPr>
+        </p:nvSpPr>
+        <p:spPr/>
+        <p:txBody>
+          <a:bodyPr/>
+          <a:lstStyle/>
+          <a:p>
+            <a:r>
+              <a:rPr lang="en-US" dirty="0" err="1"/>
+              <a:t>Scryfall</a:t>
+            </a:r>
+            <a:r>
+              <a:rPr lang="en-US" dirty="0"/>
+              <a:t> MCP Server</a:t>
+            </a:r>
+          </a:p>
+        </p:txBody>
+      </p:sp>
+      <p:sp>
+        <p:nvSpPr>
+          <p:cNvPr id="6" name="Subtitle 5">
+            <a:extLst>
+              <a:ext uri="{FF2B5EF4-FFF2-40B4-BE49-F238E27FC236}">
+                <a16:creationId xmlns:a16="http://schemas.microsoft.com/office/drawing/2014/main" id="{0B18BF4F-18CD-9EDC-1D86-86938268BE30}"/>
+              </a:ext>
+            </a:extLst>
+          </p:cNvPr>
+          <p:cNvSpPr>
+            <a:spLocks noGrp="1"/>
+          </p:cNvSpPr>
+          <p:nvPr>
+            <p:ph type="subTitle" idx="1"/>
+          </p:nvPr>
+        </p:nvSpPr>
+        <p:spPr/>
+        <p:txBody>
+          <a:bodyPr/>
+          <a:lstStyle/>
+          <a:p>
+            <a:r>
+              <a:rPr lang="en-US" dirty="0"/>
+              <a:t>Demonstration</a:t>
+            </a:r>
+          </a:p>
+        </p:txBody>
+      </p:sp>
+    </p:spTree>
+    <p:extLst>
+      <p:ext uri="{BB962C8B-B14F-4D97-AF65-F5344CB8AC3E}">
+        <p14:creationId xmlns:p14="http://schemas.microsoft.com/office/powerpoint/2010/main" val="4275181899"/>
+      </p:ext>
+    </p:extLst>
+  </p:cSld>
+  <p:clrMapOvr>
+    <a:masterClrMapping/>
+  </p:clrMapOvr>
+</p:sld>
+</file>
+
+<file path=ppt/slides/slide15.xml><?xml version="1.0" encoding="utf-8"?>
+<p:sld xmlns:a="http://schemas.openxmlformats.org/drawingml/2006/main" xmlns:r="http://schemas.openxmlformats.org/officeDocument/2006/relationships" xmlns:p="http://schemas.openxmlformats.org/presentationml/2006/main">
+  <p:cSld>
+    <p:spTree>
+      <p:nvGrpSpPr>
+        <p:cNvPr id="1" name=""/>
+        <p:cNvGrpSpPr/>
+        <p:nvPr/>
+      </p:nvGrpSpPr>
+      <p:grpSpPr>
+        <a:xfrm>
+          <a:off x="0" y="0"/>
+          <a:ext cx="0" cy="0"/>
+          <a:chOff x="0" y="0"/>
+          <a:chExt cx="0" cy="0"/>
+        </a:xfrm>
+      </p:grpSpPr>
+      <p:sp>
+        <p:nvSpPr>
+          <p:cNvPr id="2" name="Title 1">
+            <a:extLst>
+              <a:ext uri="{FF2B5EF4-FFF2-40B4-BE49-F238E27FC236}">
+                <a16:creationId xmlns:a16="http://schemas.microsoft.com/office/drawing/2014/main" id="{CD6229AB-4900-6D0D-7C23-C5AFBFD62778}"/>
+              </a:ext>
+            </a:extLst>
+          </p:cNvPr>
+          <p:cNvSpPr>
+            <a:spLocks noGrp="1"/>
+          </p:cNvSpPr>
+          <p:nvPr>
+            <p:ph type="title"/>
+          </p:nvPr>
+        </p:nvSpPr>
+        <p:spPr>
+          <a:xfrm>
+            <a:off x="612648" y="2093976"/>
+            <a:ext cx="8229600" cy="4178808"/>
+          </a:xfrm>
+        </p:spPr>
+        <p:txBody>
+          <a:bodyPr anchor="b">
+            <a:normAutofit/>
+          </a:bodyPr>
+          <a:lstStyle/>
+          <a:p>
+            <a:r>
+              <a:rPr lang="en-US"/>
+              <a:t>Benefits of Standardized AI Integration</a:t>
+            </a:r>
+          </a:p>
+        </p:txBody>
+      </p:sp>
+    </p:spTree>
+    <p:extLst>
+      <p:ext uri="{BB962C8B-B14F-4D97-AF65-F5344CB8AC3E}">
+        <p14:creationId xmlns:p14="http://schemas.microsoft.com/office/powerpoint/2010/main" val="2241670716"/>
+      </p:ext>
+    </p:extLst>
+  </p:cSld>
+  <p:clrMapOvr>
+    <a:masterClrMapping/>
+  </p:clrMapOvr>
+  <p:transition>
+    <p:fade/>
+  </p:transition>
+  <p:timing>
+    <p:tnLst>
+      <p:par>
+        <p:cTn id="1" dur="indefinite" restart="never" nodeType="tmRoot">
+          <p:childTnLst>
+            <p:seq concurrent="1" nextAc="seek">
+              <p:cTn id="2" dur="indefinite" nodeType="mainSeq">
+                <p:childTnLst>
+                  <p:par>
+                    <p:cTn id="3" fill="hold">
+                      <p:stCondLst>
+                        <p:cond delay="indefinite"/>
+                        <p:cond evt="onBegin" delay="0">
+                          <p:tn val="2"/>
+                        </p:cond>
+                      </p:stCondLst>
+                      <p:childTnLst>
+                        <p:par>
+                          <p:cTn id="4" fill="hold">
+                            <p:stCondLst>
+                              <p:cond delay="0"/>
+                            </p:stCondLst>
+                            <p:childTnLst>
+                              <p:par>
+                                <p:cTn id="5" presetID="10" presetClass="entr" presetSubtype="0" fill="hold" grpId="0" nodeType="withEffect">
+                                  <p:stCondLst>
+                                    <p:cond delay="500"/>
+                                  </p:stCondLst>
+                                  <p:iterate type="lt">
+                                    <p:tmPct val="10000"/>
+                                  </p:iterate>
+                                  <p:childTnLst>
+                                    <p:set>
+                                      <p:cBhvr>
+                                        <p:cTn id="6" dur="1" fill="hold">
+                                          <p:stCondLst>
+                                            <p:cond delay="0"/>
+                                          </p:stCondLst>
+                                        </p:cTn>
+                                        <p:tgtEl>
+                                          <p:spTgt spid="2"/>
+                                        </p:tgtEl>
+                                        <p:attrNameLst>
+                                          <p:attrName>style.visibility</p:attrName>
+                                        </p:attrNameLst>
+                                      </p:cBhvr>
+                                      <p:to>
+                                        <p:strVal val="visible"/>
+                                      </p:to>
+                                    </p:set>
+                                    <p:animEffect transition="in" filter="fade">
+                                      <p:cBhvr>
+                                        <p:cTn id="7" dur="400"/>
+                                        <p:tgtEl>
+                                          <p:spTgt spid="2"/>
+                                        </p:tgtEl>
+                                      </p:cBhvr>
+                                    </p:animEffect>
+                                  </p:childTnLst>
+                                </p:cTn>
+                              </p:par>
+                            </p:childTnLst>
+                          </p:cTn>
+                        </p:par>
+                      </p:childTnLst>
+                    </p:cTn>
+                  </p:par>
+                </p:childTnLst>
+              </p:cTn>
+              <p:prevCondLst>
+                <p:cond evt="onPrev" delay="0">
+                  <p:tgtEl>
+                    <p:sldTgt/>
+                  </p:tgtEl>
+                </p:cond>
+              </p:prevCondLst>
+              <p:nextCondLst>
+                <p:cond evt="onNext" delay="0">
+                  <p:tgtEl>
+                    <p:sldTgt/>
+                  </p:tgtEl>
+                </p:cond>
+              </p:nextCondLst>
+            </p:seq>
+          </p:childTnLst>
+        </p:cTn>
+      </p:par>
+    </p:tnLst>
+    <p:bldLst>
+      <p:bldP spid="2" grpId="0"/>
+    </p:bldLst>
+  </p:timing>
+</p:sld>
+</file>
+
+<file path=ppt/slides/slide16.xml><?xml version="1.0" encoding="utf-8"?>
+<p:sld xmlns:a="http://schemas.openxmlformats.org/drawingml/2006/main" xmlns:r="http://schemas.openxmlformats.org/officeDocument/2006/relationships" xmlns:p="http://schemas.openxmlformats.org/presentationml/2006/main">
+  <p:cSld>
+    <p:spTree>
+      <p:nvGrpSpPr>
+        <p:cNvPr id="1" name=""/>
+        <p:cNvGrpSpPr/>
+        <p:nvPr/>
+      </p:nvGrpSpPr>
+      <p:grpSpPr>
+        <a:xfrm>
+          <a:off x="0" y="0"/>
+          <a:ext cx="0" cy="0"/>
+          <a:chOff x="0" y="0"/>
+          <a:chExt cx="0" cy="0"/>
+        </a:xfrm>
+      </p:grpSpPr>
+      <p:sp>
+        <p:nvSpPr>
+          <p:cNvPr id="2" name="Title 1">
+            <a:extLst>
+              <a:ext uri="{FF2B5EF4-FFF2-40B4-BE49-F238E27FC236}">
+                <a16:creationId xmlns:a16="http://schemas.microsoft.com/office/drawing/2014/main" id="{785D3AFE-3495-46C3-E3C0-41904BD03F26}"/>
+              </a:ext>
+            </a:extLst>
+          </p:cNvPr>
+          <p:cNvSpPr>
+            <a:spLocks noGrp="1"/>
+          </p:cNvSpPr>
+          <p:nvPr>
+            <p:ph type="title"/>
+          </p:nvPr>
+        </p:nvSpPr>
+        <p:spPr>
+          <a:xfrm>
+            <a:off x="612648" y="502920"/>
+            <a:ext cx="4669536" cy="1453896"/>
+          </a:xfrm>
+        </p:spPr>
+        <p:txBody>
+          <a:bodyPr anchor="t">
+            <a:normAutofit/>
+          </a:bodyPr>
+          <a:lstStyle/>
+          <a:p>
+            <a:r>
+              <a:rPr lang="en-US"/>
+              <a:t>Creating a Collaborative Ecosystem</a:t>
+            </a:r>
+          </a:p>
+        </p:txBody>
+      </p:sp>
+      <p:pic>
+        <p:nvPicPr>
+          <p:cNvPr id="5" name="Content Placeholder 4" descr="Social media icons people communication connection">
+            <a:extLst>
+              <a:ext uri="{FF2B5EF4-FFF2-40B4-BE49-F238E27FC236}">
+                <a16:creationId xmlns:a16="http://schemas.microsoft.com/office/drawing/2014/main" id="{6325C82B-CEAD-4646-8F9B-05955FB81A80}"/>
+              </a:ext>
+            </a:extLst>
+          </p:cNvPr>
+          <p:cNvPicPr>
+            <a:picLocks noGrp="1" noChangeAspect="1"/>
+          </p:cNvPicPr>
+          <p:nvPr>
+            <p:ph type="pic" sz="quarter" idx="15"/>
+          </p:nvPr>
+        </p:nvPicPr>
+        <p:blipFill>
+          <a:blip r:embed="rId3"/>
+          <a:srcRect l="7793" r="5186" b="-2"/>
+          <a:stretch>
+            <a:fillRect/>
+          </a:stretch>
+        </p:blipFill>
+        <p:spPr>
+          <a:xfrm>
+            <a:off x="612648" y="2293938"/>
+            <a:ext cx="4669536" cy="4024566"/>
+          </a:xfrm>
+          <a:prstGeom prst="rect">
+            <a:avLst/>
+          </a:prstGeom>
+          <a:noFill/>
+        </p:spPr>
+      </p:pic>
+      <p:sp>
+        <p:nvSpPr>
+          <p:cNvPr id="4" name="Content Placeholder 3">
+            <a:extLst>
+              <a:ext uri="{FF2B5EF4-FFF2-40B4-BE49-F238E27FC236}">
+                <a16:creationId xmlns:a16="http://schemas.microsoft.com/office/drawing/2014/main" id="{7F833F27-3808-6D2D-D058-5125C61FAB3F}"/>
+              </a:ext>
+            </a:extLst>
+          </p:cNvPr>
+          <p:cNvSpPr>
+            <a:spLocks noGrp="1"/>
+          </p:cNvSpPr>
+          <p:nvPr>
+            <p:ph sz="quarter" idx="14"/>
+            <p:extLst>
+              <p:ext uri="{E7BDC344-281C-4309-B0C6-D0EE65EED2A8}">
+                <p202:designPr xmlns:p202="http://schemas.microsoft.com/office/powerpoint/2020/02/main">
+                  <p202:designTagLst>
+                    <p202:designTag name="ARCH:1:CLS" val="InformationBlock"/>
+                    <p202:designTag name="ARCH:1:VSVAR" val="TitledTextBox"/>
+                  </p202:designTagLst>
+                </p202:designPr>
+              </p:ext>
+            </p:extLst>
+          </p:nvPr>
+        </p:nvSpPr>
+        <p:spPr>
+          <a:xfrm>
+            <a:off x="6096000" y="502919"/>
+            <a:ext cx="5471160" cy="5815585"/>
+          </a:xfrm>
+        </p:spPr>
+        <p:txBody>
+          <a:bodyPr>
+            <a:normAutofit/>
+          </a:bodyPr>
+          <a:lstStyle/>
+          <a:p>
+            <a:pPr marL="0" indent="0">
+              <a:spcBef>
+                <a:spcPts val="2500"/>
+              </a:spcBef>
+              <a:buFont typeface="Arial" panose="020B0604020202020204" pitchFamily="34" charset="0"/>
+              <a:buNone/>
+            </a:pPr>
+            <a:r>
+              <a:rPr lang="en-US" b="1"/>
+              <a:t>Efficiency Through Standardization</a:t>
+            </a:r>
+          </a:p>
+          <a:p>
+            <a:pPr marL="0" lvl="1" indent="0">
+              <a:buFont typeface="Arial" panose="020B0604020202020204" pitchFamily="34" charset="0"/>
+              <a:buNone/>
+            </a:pPr>
+            <a:r>
+              <a:t>Standard protocols reduce reliance on bespoke connectors, saving time and improving reliability in AI tool integration.</a:t>
+            </a:r>
+            <a:endParaRPr lang="en-US"/>
+          </a:p>
+          <a:p>
+            <a:pPr marL="0" indent="0">
+              <a:spcBef>
+                <a:spcPts val="2500"/>
+              </a:spcBef>
+              <a:buFont typeface="Arial" panose="020B0604020202020204" pitchFamily="34" charset="0"/>
+              <a:buNone/>
+            </a:pPr>
+            <a:r>
+              <a:rPr lang="en-US" b="1"/>
+              <a:t>Collaborative Developer Community</a:t>
+            </a:r>
+          </a:p>
+          <a:p>
+            <a:pPr marL="0" lvl="1" indent="0">
+              <a:buFont typeface="Arial" panose="020B0604020202020204" pitchFamily="34" charset="0"/>
+              <a:buNone/>
+            </a:pPr>
+            <a:r>
+              <a:t>Sharing tools and best practices fosters innovation and accelerates progress across the AI community.</a:t>
+            </a:r>
+            <a:endParaRPr lang="en-US"/>
+          </a:p>
+          <a:p>
+            <a:pPr marL="0" indent="0">
+              <a:spcBef>
+                <a:spcPts val="2500"/>
+              </a:spcBef>
+              <a:buFont typeface="Arial" panose="020B0604020202020204" pitchFamily="34" charset="0"/>
+              <a:buNone/>
+            </a:pPr>
+            <a:r>
+              <a:rPr lang="en-US" b="1"/>
+              <a:t>Enhanced Security and Compliance</a:t>
+            </a:r>
+          </a:p>
+          <a:p>
+            <a:pPr marL="0" lvl="1" indent="0">
+              <a:buFont typeface="Arial" panose="020B0604020202020204" pitchFamily="34" charset="0"/>
+              <a:buNone/>
+            </a:pPr>
+            <a:r>
+              <a:t>Consistent authentication and data access mechanisms improve security and regulatory compliance.</a:t>
+            </a:r>
+            <a:endParaRPr lang="en-US"/>
+          </a:p>
+          <a:p>
+            <a:pPr marL="0" indent="0">
+              <a:spcBef>
+                <a:spcPts val="2500"/>
+              </a:spcBef>
+              <a:buFont typeface="Arial" panose="020B0604020202020204" pitchFamily="34" charset="0"/>
+              <a:buNone/>
+            </a:pPr>
+            <a:r>
+              <a:rPr lang="en-US" b="1"/>
+              <a:t>Intelligent, Actionable Agents</a:t>
+            </a:r>
+          </a:p>
+          <a:p>
+            <a:pPr marL="0" lvl="1" indent="0">
+              <a:buFont typeface="Arial" panose="020B0604020202020204" pitchFamily="34" charset="0"/>
+              <a:buNone/>
+            </a:pPr>
+            <a:r>
+              <a:t>Standardization enables AI agents to understand context, generate content, and take meaningful actions.</a:t>
+            </a:r>
+            <a:endParaRPr lang="en-US"/>
+          </a:p>
+        </p:txBody>
+      </p:sp>
+    </p:spTree>
+    <p:extLst>
+      <p:ext uri="{BB962C8B-B14F-4D97-AF65-F5344CB8AC3E}">
+        <p14:creationId xmlns:p14="http://schemas.microsoft.com/office/powerpoint/2010/main" val="1060877882"/>
+      </p:ext>
+    </p:extLst>
+  </p:cSld>
+  <p:clrMapOvr>
+    <a:masterClrMapping/>
+  </p:clrMapOvr>
+  <p:transition>
+    <p:fade/>
+  </p:transition>
+  <p:timing>
+    <p:tnLst>
+      <p:par>
+        <p:cTn id="1" dur="indefinite" restart="never" nodeType="tmRoot">
+          <p:childTnLst>
+            <p:seq concurrent="1" nextAc="seek">
+              <p:cTn id="2" dur="indefinite" nodeType="mainSeq">
+                <p:childTnLst>
+                  <p:par>
+                    <p:cTn id="3" fill="hold">
+                      <p:stCondLst>
+                        <p:cond delay="indefinite"/>
+                        <p:cond evt="onBegin" delay="0">
+                          <p:tn val="2"/>
+                        </p:cond>
+                      </p:stCondLst>
+                      <p:childTnLst>
+                        <p:par>
+                          <p:cTn id="4" fill="hold">
+                            <p:stCondLst>
+                              <p:cond delay="0"/>
+                            </p:stCondLst>
+                            <p:childTnLst>
+                              <p:par>
+                                <p:cTn id="5" presetID="42" presetClass="entr" presetSubtype="0" fill="hold" grpId="0" nodeType="withEffect">
+                                  <p:stCondLst>
+                                    <p:cond delay="250"/>
+                                  </p:stCondLst>
+                                  <p:iterate>
+                                    <p:tmPct val="10000"/>
+                                  </p:iterate>
+                                  <p:childTnLst>
+                                    <p:set>
+                                      <p:cBhvr>
+                                        <p:cTn id="6" dur="1" fill="hold">
+                                          <p:stCondLst>
+                                            <p:cond delay="0"/>
+                                          </p:stCondLst>
+                                        </p:cTn>
+                                        <p:tgtEl>
+                                          <p:spTgt spid="4"/>
+                                        </p:tgtEl>
+                                        <p:attrNameLst>
+                                          <p:attrName>style.visibility</p:attrName>
+                                        </p:attrNameLst>
+                                      </p:cBhvr>
+                                      <p:to>
+                                        <p:strVal val="visible"/>
+                                      </p:to>
+                                    </p:set>
+                                    <p:animEffect transition="in" filter="fade">
+                                      <p:cBhvr>
+                                        <p:cTn id="7" dur="250"/>
+                                        <p:tgtEl>
+                                          <p:spTgt spid="4"/>
+                                        </p:tgtEl>
+                                      </p:cBhvr>
+                                    </p:animEffect>
+                                    <p:anim calcmode="lin" valueType="num">
+                                      <p:cBhvr>
+                                        <p:cTn id="8" dur="250" fill="hold"/>
+                                        <p:tgtEl>
+                                          <p:spTgt spid="4"/>
+                                        </p:tgtEl>
+                                        <p:attrNameLst>
+                                          <p:attrName>ppt_x</p:attrName>
+                                        </p:attrNameLst>
+                                      </p:cBhvr>
+                                      <p:tavLst>
+                                        <p:tav tm="0">
+                                          <p:val>
+                                            <p:strVal val="#ppt_x"/>
+                                          </p:val>
+                                        </p:tav>
+                                        <p:tav tm="100000">
+                                          <p:val>
+                                            <p:strVal val="#ppt_x"/>
+                                          </p:val>
+                                        </p:tav>
+                                      </p:tavLst>
+                                    </p:anim>
+                                    <p:anim calcmode="lin" valueType="num">
+                                      <p:cBhvr>
+                                        <p:cTn id="9" dur="250" fill="hold"/>
+                                        <p:tgtEl>
+                                          <p:spTgt spid="4"/>
+                                        </p:tgtEl>
+                                        <p:attrNameLst>
+                                          <p:attrName>ppt_y</p:attrName>
+                                        </p:attrNameLst>
+                                      </p:cBhvr>
+                                      <p:tavLst>
+                                        <p:tav tm="0">
+                                          <p:val>
+                                            <p:strVal val="#ppt_y+.1"/>
+                                          </p:val>
+                                        </p:tav>
+                                        <p:tav tm="100000">
+                                          <p:val>
+                                            <p:strVal val="#ppt_y"/>
+                                          </p:val>
+                                        </p:tav>
+                                      </p:tavLst>
+                                    </p:anim>
+                                  </p:childTnLst>
+                                </p:cTn>
+                              </p:par>
+                            </p:childTnLst>
+                          </p:cTn>
+                        </p:par>
+                      </p:childTnLst>
+                    </p:cTn>
+                  </p:par>
+                </p:childTnLst>
+              </p:cTn>
+              <p:prevCondLst>
+                <p:cond evt="onPrev" delay="0">
+                  <p:tgtEl>
+                    <p:sldTgt/>
+                  </p:tgtEl>
+                </p:cond>
+              </p:prevCondLst>
+              <p:nextCondLst>
+                <p:cond evt="onNext" delay="0">
+                  <p:tgtEl>
+                    <p:sldTgt/>
+                  </p:tgtEl>
+                </p:cond>
+              </p:nextCondLst>
+            </p:seq>
+          </p:childTnLst>
+        </p:cTn>
+      </p:par>
+    </p:tnLst>
+    <p:bldLst>
+      <p:bldP spid="4" grpId="0"/>
+    </p:bldLst>
+  </p:timing>
+</p:sld>
+</file>
+
+<file path=ppt/slides/slide17.xml><?xml version="1.0" encoding="utf-8"?>
+<p:sld xmlns:a="http://schemas.openxmlformats.org/drawingml/2006/main" xmlns:r="http://schemas.openxmlformats.org/officeDocument/2006/relationships" xmlns:p="http://schemas.openxmlformats.org/presentationml/2006/main">
+  <p:cSld>
+    <p:spTree>
+      <p:nvGrpSpPr>
+        <p:cNvPr id="1" name="">
+          <a:extLst>
+            <a:ext uri="{FF2B5EF4-FFF2-40B4-BE49-F238E27FC236}">
+              <a16:creationId xmlns:a16="http://schemas.microsoft.com/office/drawing/2014/main" id="{82B8FD0F-5302-A751-1558-1C8B3723DB65}"/>
+            </a:ext>
+          </a:extLst>
+        </p:cNvPr>
+        <p:cNvGrpSpPr/>
+        <p:nvPr/>
+      </p:nvGrpSpPr>
+      <p:grpSpPr>
+        <a:xfrm>
+          <a:off x="0" y="0"/>
+          <a:ext cx="0" cy="0"/>
+          <a:chOff x="0" y="0"/>
+          <a:chExt cx="0" cy="0"/>
+        </a:xfrm>
+      </p:grpSpPr>
+      <p:sp>
+        <p:nvSpPr>
+          <p:cNvPr id="5" name="Title 4">
+            <a:extLst>
+              <a:ext uri="{FF2B5EF4-FFF2-40B4-BE49-F238E27FC236}">
+                <a16:creationId xmlns:a16="http://schemas.microsoft.com/office/drawing/2014/main" id="{59BF88C3-1EC6-1F20-6EAA-5A7F87F83AC2}"/>
+              </a:ext>
+            </a:extLst>
+          </p:cNvPr>
+          <p:cNvSpPr>
+            <a:spLocks noGrp="1"/>
+          </p:cNvSpPr>
+          <p:nvPr>
+            <p:ph type="ctrTitle"/>
+          </p:nvPr>
+        </p:nvSpPr>
+        <p:spPr/>
+        <p:txBody>
+          <a:bodyPr/>
+          <a:lstStyle/>
+          <a:p>
+            <a:r>
+              <a:rPr lang="en-US" dirty="0"/>
+              <a:t>Playwright MCP Server</a:t>
+            </a:r>
+          </a:p>
+        </p:txBody>
+      </p:sp>
+      <p:sp>
+        <p:nvSpPr>
+          <p:cNvPr id="6" name="Subtitle 5">
+            <a:extLst>
+              <a:ext uri="{FF2B5EF4-FFF2-40B4-BE49-F238E27FC236}">
+                <a16:creationId xmlns:a16="http://schemas.microsoft.com/office/drawing/2014/main" id="{9DE8CD6B-7D6A-212B-00D2-21E30FD7DB32}"/>
+              </a:ext>
+            </a:extLst>
+          </p:cNvPr>
+          <p:cNvSpPr>
+            <a:spLocks noGrp="1"/>
+          </p:cNvSpPr>
+          <p:nvPr>
+            <p:ph type="subTitle" idx="1"/>
+          </p:nvPr>
+        </p:nvSpPr>
+        <p:spPr/>
+        <p:txBody>
+          <a:bodyPr/>
+          <a:lstStyle/>
+          <a:p>
+            <a:r>
+              <a:rPr lang="en-US" dirty="0"/>
+              <a:t>Demonstration</a:t>
+            </a:r>
+          </a:p>
+        </p:txBody>
+      </p:sp>
+    </p:spTree>
+    <p:extLst>
+      <p:ext uri="{BB962C8B-B14F-4D97-AF65-F5344CB8AC3E}">
+        <p14:creationId xmlns:p14="http://schemas.microsoft.com/office/powerpoint/2010/main" val="1566337932"/>
+      </p:ext>
+    </p:extLst>
+  </p:cSld>
+  <p:clrMapOvr>
+    <a:masterClrMapping/>
+  </p:clrMapOvr>
+</p:sld>
+</file>
+
+<file path=ppt/slides/slide18.xml><?xml version="1.0" encoding="utf-8"?>
+<p:sld xmlns:a="http://schemas.openxmlformats.org/drawingml/2006/main" xmlns:r="http://schemas.openxmlformats.org/officeDocument/2006/relationships" xmlns:p="http://schemas.openxmlformats.org/presentationml/2006/main">
+  <p:cSld>
+    <p:spTree>
+      <p:nvGrpSpPr>
         <p:cNvPr id="1" name=""/>
         <p:cNvGrpSpPr/>
         <p:nvPr/>
@@ -24403,7 +25130,7 @@
 </p:sld>
 </file>
 
-<file path=ppt/slides/slide15.xml><?xml version="1.0" encoding="utf-8"?>
+<file path=ppt/slides/slide19.xml><?xml version="1.0" encoding="utf-8"?>
 <p:sld xmlns:a="http://schemas.openxmlformats.org/drawingml/2006/main" xmlns:r="http://schemas.openxmlformats.org/officeDocument/2006/relationships" xmlns:p="http://schemas.openxmlformats.org/presentationml/2006/main">
   <p:cSld>
     <p:spTree>
@@ -26128,7 +26855,7 @@
               <a:buNone/>
             </a:pPr>
             <a:r>
-              <a:rPr lang="en-US" b="1"/>
+              <a:rPr lang="en-US" sz="1800" b="1" dirty="0"/>
               <a:t>Universal AI Connector</a:t>
             </a:r>
           </a:p>
@@ -26138,9 +26865,10 @@
               <a:buNone/>
             </a:pPr>
             <a:r>
+              <a:rPr sz="1800" dirty="0"/>
               <a:t>MCP acts as a universal connector, standardizing how AI models discover and use external tools.</a:t>
             </a:r>
-            <a:endParaRPr lang="en-US"/>
+            <a:endParaRPr lang="en-US" sz="1800" dirty="0"/>
           </a:p>
           <a:p>
             <a:pPr marL="0" indent="0">
@@ -26151,7 +26879,7 @@
               <a:buNone/>
             </a:pPr>
             <a:r>
-              <a:rPr lang="en-US" b="1"/>
+              <a:rPr lang="en-US" sz="1800" b="1" dirty="0"/>
               <a:t>Client-Server Architecture</a:t>
             </a:r>
           </a:p>
@@ -26161,9 +26889,10 @@
               <a:buNone/>
             </a:pPr>
             <a:r>
+              <a:rPr sz="1800" dirty="0"/>
               <a:t>MCP uses a robust client-server model to enable secure and scalable interaction between AI agents and tools.</a:t>
             </a:r>
-            <a:endParaRPr lang="en-US"/>
+            <a:endParaRPr lang="en-US" sz="1800" dirty="0"/>
           </a:p>
           <a:p>
             <a:pPr marL="0" indent="0">
@@ -26174,7 +26903,7 @@
               <a:buNone/>
             </a:pPr>
             <a:r>
-              <a:rPr lang="en-US" b="1"/>
+              <a:rPr lang="en-US" sz="1800" b="1" dirty="0"/>
               <a:t>Standardized Tool Interface</a:t>
             </a:r>
           </a:p>
@@ -26184,9 +26913,10 @@
               <a:buNone/>
             </a:pPr>
             <a:r>
+              <a:rPr sz="1800" dirty="0"/>
               <a:t>The protocol defines consistent interfaces for tool discovery, invocation, and context management.</a:t>
             </a:r>
-            <a:endParaRPr lang="en-US"/>
+            <a:endParaRPr lang="en-US" sz="1800" dirty="0"/>
           </a:p>
           <a:p>
             <a:pPr marL="0" indent="0">
@@ -26197,7 +26927,7 @@
               <a:buNone/>
             </a:pPr>
             <a:r>
-              <a:rPr lang="en-US" b="1"/>
+              <a:rPr lang="en-US" sz="1800" b="1" dirty="0"/>
               <a:t>Enhanced Interoperability</a:t>
             </a:r>
           </a:p>
@@ -26207,9 +26937,10 @@
               <a:buNone/>
             </a:pPr>
             <a:r>
+              <a:rPr sz="1800" dirty="0"/>
               <a:t>Adopting MCP reduces integration overhead, improving interoperability and accelerating AI development.</a:t>
             </a:r>
-            <a:endParaRPr lang="en-US"/>
+            <a:endParaRPr lang="en-US" sz="1800" dirty="0"/>
           </a:p>
         </p:txBody>
       </p:sp>
@@ -26389,7 +27120,7 @@
           <p:cNvPr id="2" name="Title 1">
             <a:extLst>
               <a:ext uri="{FF2B5EF4-FFF2-40B4-BE49-F238E27FC236}">
-                <a16:creationId xmlns:a16="http://schemas.microsoft.com/office/drawing/2014/main" id="{8B4B9F77-7C54-2104-5F6C-E688747EC6C9}"/>
+                <a16:creationId xmlns:a16="http://schemas.microsoft.com/office/drawing/2014/main" id="{F943BBDF-3479-BFE8-20B9-A4E397309DE1}"/>
               </a:ext>
             </a:extLst>
           </p:cNvPr>
@@ -26400,130 +27131,165 @@
             <p:ph type="title"/>
           </p:nvPr>
         </p:nvSpPr>
-        <p:spPr>
-          <a:xfrm>
-            <a:off x="612648" y="2093976"/>
-            <a:ext cx="8229600" cy="4178808"/>
-          </a:xfrm>
-        </p:spPr>
-        <p:txBody>
-          <a:bodyPr anchor="b">
-            <a:normAutofit/>
-          </a:bodyPr>
+        <p:spPr/>
+        <p:txBody>
+          <a:bodyPr/>
           <a:lstStyle/>
           <a:p>
             <a:r>
-              <a:rPr lang="en-US"/>
-              <a:t>Practical Applications of MCP</a:t>
-            </a:r>
+              <a:rPr lang="en-US" dirty="0"/>
+              <a:t>The Protocol for </a:t>
+            </a:r>
+            <a:br>
+              <a:rPr lang="en-US" dirty="0"/>
+            </a:br>
+            <a:r>
+              <a:rPr lang="en-US" dirty="0"/>
+              <a:t>Direct AI Connections</a:t>
+            </a:r>
+          </a:p>
+        </p:txBody>
+      </p:sp>
+      <p:pic>
+        <p:nvPicPr>
+          <p:cNvPr id="6" name="Picture Placeholder 5" descr="Moving bus">
+            <a:extLst>
+              <a:ext uri="{FF2B5EF4-FFF2-40B4-BE49-F238E27FC236}">
+                <a16:creationId xmlns:a16="http://schemas.microsoft.com/office/drawing/2014/main" id="{4410B7F8-9126-7450-5CE8-A8AD17D4B9E5}"/>
+              </a:ext>
+            </a:extLst>
+          </p:cNvPr>
+          <p:cNvPicPr>
+            <a:picLocks noGrp="1" noChangeAspect="1"/>
+          </p:cNvPicPr>
+          <p:nvPr>
+            <p:ph type="pic" sz="quarter" idx="15"/>
+          </p:nvPr>
+        </p:nvPicPr>
+        <p:blipFill>
+          <a:blip r:embed="rId2" cstate="print">
+            <a:extLst>
+              <a:ext uri="{28A0092B-C50C-407E-A947-70E740481C1C}">
+                <a14:useLocalDpi xmlns:a14="http://schemas.microsoft.com/office/drawing/2010/main" val="0"/>
+              </a:ext>
+            </a:extLst>
+          </a:blip>
+          <a:srcRect l="11332" r="11332"/>
+          <a:stretch>
+            <a:fillRect/>
+          </a:stretch>
+        </p:blipFill>
+        <p:spPr/>
+      </p:pic>
+      <p:sp>
+        <p:nvSpPr>
+          <p:cNvPr id="4" name="Content Placeholder 3">
+            <a:extLst>
+              <a:ext uri="{FF2B5EF4-FFF2-40B4-BE49-F238E27FC236}">
+                <a16:creationId xmlns:a16="http://schemas.microsoft.com/office/drawing/2014/main" id="{B1761C51-E898-52AF-E1C9-FA5EF15AA94E}"/>
+              </a:ext>
+            </a:extLst>
+          </p:cNvPr>
+          <p:cNvSpPr>
+            <a:spLocks noGrp="1"/>
+          </p:cNvSpPr>
+          <p:nvPr>
+            <p:ph sz="quarter" idx="14"/>
+          </p:nvPr>
+        </p:nvSpPr>
+        <p:spPr/>
+        <p:txBody>
+          <a:bodyPr/>
+          <a:lstStyle/>
+          <a:p>
+            <a:pPr marL="0" indent="0">
+              <a:spcBef>
+                <a:spcPts val="2500"/>
+              </a:spcBef>
+              <a:buNone/>
+            </a:pPr>
+            <a:r>
+              <a:rPr lang="en-US" sz="1800" b="1" dirty="0"/>
+              <a:t>Does not solve Tool or Agent Discovery</a:t>
+            </a:r>
+          </a:p>
+          <a:p>
+            <a:pPr marL="0" lvl="1" indent="0">
+              <a:buNone/>
+            </a:pPr>
+            <a:r>
+              <a:rPr lang="en-US" sz="1800" dirty="0"/>
+              <a:t>You need some sort of registry to find MCP servers either that you can run, or that are hosted online.</a:t>
+            </a:r>
+          </a:p>
+          <a:p>
+            <a:pPr marL="0" indent="0">
+              <a:spcBef>
+                <a:spcPts val="2500"/>
+              </a:spcBef>
+              <a:buNone/>
+            </a:pPr>
+            <a:r>
+              <a:rPr lang="en-US" sz="1800" b="1" dirty="0"/>
+              <a:t>Does not let one tool directly call another</a:t>
+            </a:r>
+          </a:p>
+          <a:p>
+            <a:pPr marL="0" lvl="1" indent="0">
+              <a:buNone/>
+            </a:pPr>
+            <a:r>
+              <a:rPr lang="en-US" sz="1800" dirty="0"/>
+              <a:t>This does not handle </a:t>
+            </a:r>
+            <a:r>
+              <a:rPr lang="en-US" sz="1800" dirty="0" err="1"/>
+              <a:t>eventing</a:t>
+            </a:r>
+            <a:r>
+              <a:rPr lang="en-US" sz="1800" dirty="0"/>
+              <a:t> between agents.</a:t>
+            </a:r>
+          </a:p>
+          <a:p>
+            <a:pPr marL="0" indent="0">
+              <a:spcBef>
+                <a:spcPts val="2500"/>
+              </a:spcBef>
+              <a:buNone/>
+            </a:pPr>
+            <a:r>
+              <a:rPr lang="en-US" sz="1800" b="1" dirty="0"/>
+              <a:t>Protocol Adoption is In Progress</a:t>
+            </a:r>
+          </a:p>
+          <a:p>
+            <a:pPr marL="0" lvl="1" indent="0">
+              <a:buNone/>
+            </a:pPr>
+            <a:r>
+              <a:rPr lang="en-US" sz="1800" dirty="0"/>
+              <a:t>The protocol has become the clear front-runner in the space, but few tools fully support it today.</a:t>
+            </a:r>
+          </a:p>
+          <a:p>
+            <a:pPr marL="0" indent="0">
+              <a:buNone/>
+            </a:pPr>
+            <a:endParaRPr lang="en-US" dirty="0"/>
           </a:p>
         </p:txBody>
       </p:sp>
     </p:spTree>
     <p:extLst>
       <p:ext uri="{BB962C8B-B14F-4D97-AF65-F5344CB8AC3E}">
-        <p14:creationId xmlns:p14="http://schemas.microsoft.com/office/powerpoint/2010/main" val="179381628"/>
+        <p14:creationId xmlns:p14="http://schemas.microsoft.com/office/powerpoint/2010/main" val="3262718414"/>
       </p:ext>
     </p:extLst>
   </p:cSld>
   <p:clrMapOvr>
     <a:masterClrMapping/>
   </p:clrMapOvr>
-  <p:transition>
-    <p:fade/>
-  </p:transition>
-  <p:timing>
-    <p:tnLst>
-      <p:par>
-        <p:cTn id="1" dur="indefinite" restart="never" nodeType="tmRoot">
-          <p:childTnLst>
-            <p:seq concurrent="1" nextAc="seek">
-              <p:cTn id="2" dur="indefinite" nodeType="mainSeq">
-                <p:childTnLst>
-                  <p:par>
-                    <p:cTn id="3" fill="hold">
-                      <p:stCondLst>
-                        <p:cond delay="indefinite"/>
-                        <p:cond evt="onBegin" delay="0">
-                          <p:tn val="2"/>
-                        </p:cond>
-                      </p:stCondLst>
-                      <p:childTnLst>
-                        <p:par>
-                          <p:cTn id="4" fill="hold">
-                            <p:stCondLst>
-                              <p:cond delay="0"/>
-                            </p:stCondLst>
-                            <p:childTnLst>
-                              <p:par>
-                                <p:cTn id="5" presetID="10" presetClass="entr" presetSubtype="0" fill="hold" grpId="0" nodeType="withEffect">
-                                  <p:stCondLst>
-                                    <p:cond delay="500"/>
-                                  </p:stCondLst>
-                                  <p:iterate>
-                                    <p:tmPct val="10000"/>
-                                  </p:iterate>
-                                  <p:childTnLst>
-                                    <p:set>
-                                      <p:cBhvr>
-                                        <p:cTn id="6" dur="1" fill="hold">
-                                          <p:stCondLst>
-                                            <p:cond delay="0"/>
-                                          </p:stCondLst>
-                                        </p:cTn>
-                                        <p:tgtEl>
-                                          <p:spTgt spid="2"/>
-                                        </p:tgtEl>
-                                        <p:attrNameLst>
-                                          <p:attrName>style.visibility</p:attrName>
-                                        </p:attrNameLst>
-                                      </p:cBhvr>
-                                      <p:to>
-                                        <p:strVal val="visible"/>
-                                      </p:to>
-                                    </p:set>
-                                    <p:animEffect transition="in" filter="fade">
-                                      <p:cBhvr>
-                                        <p:cTn id="7" dur="700"/>
-                                        <p:tgtEl>
-                                          <p:spTgt spid="2"/>
-                                        </p:tgtEl>
-                                      </p:cBhvr>
-                                    </p:animEffect>
-                                  </p:childTnLst>
-                                </p:cTn>
-                              </p:par>
-                            </p:childTnLst>
-                          </p:cTn>
-                        </p:par>
-                      </p:childTnLst>
-                    </p:cTn>
-                  </p:par>
-                </p:childTnLst>
-              </p:cTn>
-              <p:prevCondLst>
-                <p:cond evt="onPrev" delay="0">
-                  <p:tgtEl>
-                    <p:sldTgt/>
-                  </p:tgtEl>
-                </p:cond>
-              </p:prevCondLst>
-              <p:nextCondLst>
-                <p:cond evt="onNext" delay="0">
-                  <p:tgtEl>
-                    <p:sldTgt/>
-                  </p:tgtEl>
-                </p:cond>
-              </p:nextCondLst>
-            </p:seq>
-          </p:childTnLst>
-        </p:cTn>
-      </p:par>
-    </p:tnLst>
-    <p:bldLst>
-      <p:bldP spid="2" grpId="0"/>
-    </p:bldLst>
-  </p:timing>
 </p:sld>
 </file>
 
@@ -26546,355 +27312,70 @@
       </p:grpSpPr>
       <p:sp>
         <p:nvSpPr>
-          <p:cNvPr id="2" name="Title 1">
-            <a:extLst>
-              <a:ext uri="{FF2B5EF4-FFF2-40B4-BE49-F238E27FC236}">
-                <a16:creationId xmlns:a16="http://schemas.microsoft.com/office/drawing/2014/main" id="{DF9CDBE1-F8C2-0718-4FF4-E02624620516}"/>
-              </a:ext>
-            </a:extLst>
-          </p:cNvPr>
-          <p:cNvSpPr>
-            <a:spLocks noGrp="1"/>
-          </p:cNvSpPr>
-          <p:nvPr>
-            <p:ph type="title"/>
-          </p:nvPr>
-        </p:nvSpPr>
-        <p:spPr>
-          <a:xfrm>
-            <a:off x="612648" y="502920"/>
-            <a:ext cx="4669536" cy="1453896"/>
-          </a:xfrm>
-        </p:spPr>
-        <p:txBody>
-          <a:bodyPr anchor="t">
-            <a:normAutofit/>
-          </a:bodyPr>
+          <p:cNvPr id="5" name="Title 4">
+            <a:extLst>
+              <a:ext uri="{FF2B5EF4-FFF2-40B4-BE49-F238E27FC236}">
+                <a16:creationId xmlns:a16="http://schemas.microsoft.com/office/drawing/2014/main" id="{A18D4A22-5F39-C9F4-EF5A-FB81BC8128D7}"/>
+              </a:ext>
+            </a:extLst>
+          </p:cNvPr>
+          <p:cNvSpPr>
+            <a:spLocks noGrp="1"/>
+          </p:cNvSpPr>
+          <p:nvPr>
+            <p:ph type="ctrTitle"/>
+          </p:nvPr>
+        </p:nvSpPr>
+        <p:spPr/>
+        <p:txBody>
+          <a:bodyPr/>
           <a:lstStyle/>
           <a:p>
             <a:r>
-              <a:rPr lang="en-US"/>
-              <a:t>Using Pre-built MCP Servers</a:t>
-            </a:r>
-          </a:p>
-        </p:txBody>
-      </p:sp>
-      <p:pic>
-        <p:nvPicPr>
-          <p:cNvPr id="5" name="Content Placeholder 4" descr="Desktop computers connected in a network.See all my">
-            <a:extLst>
-              <a:ext uri="{FF2B5EF4-FFF2-40B4-BE49-F238E27FC236}">
-                <a16:creationId xmlns:a16="http://schemas.microsoft.com/office/drawing/2014/main" id="{FB8440F1-C5C9-46D0-86DE-11582134EAA6}"/>
-              </a:ext>
-            </a:extLst>
-          </p:cNvPr>
-          <p:cNvPicPr>
-            <a:picLocks noGrp="1" noChangeAspect="1"/>
-          </p:cNvPicPr>
-          <p:nvPr>
-            <p:ph type="pic" sz="quarter" idx="15"/>
-          </p:nvPr>
-        </p:nvPicPr>
-        <p:blipFill>
-          <a:blip r:embed="rId3"/>
-          <a:srcRect l="7140" r="5839" b="-2"/>
-          <a:stretch>
-            <a:fillRect/>
-          </a:stretch>
-        </p:blipFill>
-        <p:spPr>
-          <a:xfrm>
-            <a:off x="612648" y="2293938"/>
-            <a:ext cx="4669536" cy="4024566"/>
-          </a:xfrm>
-          <a:prstGeom prst="rect">
-            <a:avLst/>
-          </a:prstGeom>
-          <a:noFill/>
-        </p:spPr>
-      </p:pic>
-      <p:sp>
-        <p:nvSpPr>
-          <p:cNvPr id="4" name="Content Placeholder 3">
-            <a:extLst>
-              <a:ext uri="{FF2B5EF4-FFF2-40B4-BE49-F238E27FC236}">
-                <a16:creationId xmlns:a16="http://schemas.microsoft.com/office/drawing/2014/main" id="{338DEC36-6EBB-F7F9-9667-A0F621C2DD63}"/>
-              </a:ext>
-            </a:extLst>
-          </p:cNvPr>
-          <p:cNvSpPr>
-            <a:spLocks noGrp="1"/>
-          </p:cNvSpPr>
-          <p:nvPr>
-            <p:ph sz="quarter" idx="14"/>
-            <p:extLst>
-              <p:ext uri="{E7BDC344-281C-4309-B0C6-D0EE65EED2A8}">
-                <p202:designPr xmlns:p202="http://schemas.microsoft.com/office/powerpoint/2020/02/main">
-                  <p202:designTagLst>
-                    <p202:designTag name="ARCH:1:CLS" val="InformationBlock"/>
-                    <p202:designTag name="ARCH:1:VSVAR" val="TitledTextBox"/>
-                  </p202:designTagLst>
-                </p202:designPr>
-              </p:ext>
-            </p:extLst>
-          </p:nvPr>
-        </p:nvSpPr>
-        <p:spPr>
-          <a:xfrm>
-            <a:off x="6096000" y="502919"/>
-            <a:ext cx="5471160" cy="5815585"/>
-          </a:xfrm>
-        </p:spPr>
-        <p:txBody>
-          <a:bodyPr>
-            <a:normAutofit/>
-          </a:bodyPr>
+              <a:rPr lang="en-US" dirty="0"/>
+              <a:t>GitHub Remote Server</a:t>
+            </a:r>
+          </a:p>
+        </p:txBody>
+      </p:sp>
+      <p:sp>
+        <p:nvSpPr>
+          <p:cNvPr id="6" name="Subtitle 5">
+            <a:extLst>
+              <a:ext uri="{FF2B5EF4-FFF2-40B4-BE49-F238E27FC236}">
+                <a16:creationId xmlns:a16="http://schemas.microsoft.com/office/drawing/2014/main" id="{43994C03-9C0C-B305-596C-072F88C94D5B}"/>
+              </a:ext>
+            </a:extLst>
+          </p:cNvPr>
+          <p:cNvSpPr>
+            <a:spLocks noGrp="1"/>
+          </p:cNvSpPr>
+          <p:nvPr>
+            <p:ph type="subTitle" idx="1"/>
+          </p:nvPr>
+        </p:nvSpPr>
+        <p:spPr/>
+        <p:txBody>
+          <a:bodyPr/>
           <a:lstStyle/>
           <a:p>
-            <a:pPr marL="0" indent="0">
-              <a:spcBef>
-                <a:spcPts val="2500"/>
-              </a:spcBef>
-              <a:buFont typeface="Arial" panose="020B0604020202020204" pitchFamily="34" charset="0"/>
-              <a:buNone/>
-            </a:pPr>
-            <a:r>
-              <a:rPr lang="en-US" b="1"/>
-              <a:t>Instant Tool Integration</a:t>
-            </a:r>
-          </a:p>
-          <a:p>
-            <a:pPr marL="0" lvl="1" indent="0">
-              <a:buFont typeface="Arial" panose="020B0604020202020204" pitchFamily="34" charset="0"/>
-              <a:buNone/>
-            </a:pPr>
-            <a:r>
-              <a:t>Pre-built MCP servers enable instant connection of AI models to popular tools like Git, Slack, and databases.</a:t>
-            </a:r>
-            <a:endParaRPr lang="en-US"/>
-          </a:p>
-          <a:p>
-            <a:pPr marL="0" indent="0">
-              <a:spcBef>
-                <a:spcPts val="2500"/>
-              </a:spcBef>
-              <a:buFont typeface="Arial" panose="020B0604020202020204" pitchFamily="34" charset="0"/>
-              <a:buNone/>
-            </a:pPr>
-            <a:r>
-              <a:rPr lang="en-US" b="1"/>
-              <a:t>Standardized Interfaces and Security</a:t>
-            </a:r>
-          </a:p>
-          <a:p>
-            <a:pPr marL="0" lvl="1" indent="0">
-              <a:buFont typeface="Arial" panose="020B0604020202020204" pitchFamily="34" charset="0"/>
-              <a:buNone/>
-            </a:pPr>
-            <a:r>
-              <a:t>These servers provide standardized interfaces and robust security features for safe and reliable interactions.</a:t>
-            </a:r>
-            <a:endParaRPr lang="en-US"/>
-          </a:p>
-          <a:p>
-            <a:pPr marL="0" indent="0">
-              <a:spcBef>
-                <a:spcPts val="2500"/>
-              </a:spcBef>
-              <a:buFont typeface="Arial" panose="020B0604020202020204" pitchFamily="34" charset="0"/>
-              <a:buNone/>
-            </a:pPr>
-            <a:r>
-              <a:rPr lang="en-US" b="1"/>
-              <a:t>Accelerated Development</a:t>
-            </a:r>
-          </a:p>
-          <a:p>
-            <a:pPr marL="0" lvl="1" indent="0">
-              <a:buFont typeface="Arial" panose="020B0604020202020204" pitchFamily="34" charset="0"/>
-              <a:buNone/>
-            </a:pPr>
-            <a:r>
-              <a:t>Leverages ready-made integrations to speed up prototyping and deployment of AI agents without custom coding.</a:t>
-            </a:r>
-            <a:endParaRPr lang="en-US"/>
-          </a:p>
-          <a:p>
-            <a:pPr marL="0" indent="0">
-              <a:spcBef>
-                <a:spcPts val="2500"/>
-              </a:spcBef>
-              <a:buFont typeface="Arial" panose="020B0604020202020204" pitchFamily="34" charset="0"/>
-              <a:buNone/>
-            </a:pPr>
-            <a:r>
-              <a:rPr lang="en-US" b="1"/>
-              <a:t>Encourages Experimentation and Learning</a:t>
-            </a:r>
-          </a:p>
-          <a:p>
-            <a:pPr marL="0" lvl="1" indent="0">
-              <a:buFont typeface="Arial" panose="020B0604020202020204" pitchFamily="34" charset="0"/>
-              <a:buNone/>
-            </a:pPr>
-            <a:r>
-              <a:t>Availability of open-source servers lowers barriers, fostering exploration and contribution in the MCP ecosystem.</a:t>
-            </a:r>
-            <a:endParaRPr lang="en-US"/>
+            <a:r>
+              <a:rPr lang="en-US" dirty="0"/>
+              <a:t>Demonstration</a:t>
+            </a:r>
           </a:p>
         </p:txBody>
       </p:sp>
     </p:spTree>
     <p:extLst>
       <p:ext uri="{BB962C8B-B14F-4D97-AF65-F5344CB8AC3E}">
-        <p14:creationId xmlns:p14="http://schemas.microsoft.com/office/powerpoint/2010/main" val="2523612650"/>
+        <p14:creationId xmlns:p14="http://schemas.microsoft.com/office/powerpoint/2010/main" val="1803766686"/>
       </p:ext>
     </p:extLst>
   </p:cSld>
   <p:clrMapOvr>
     <a:masterClrMapping/>
   </p:clrMapOvr>
-  <p:transition>
-    <p:fade/>
-  </p:transition>
-  <p:timing>
-    <p:tnLst>
-      <p:par>
-        <p:cTn id="1" dur="indefinite" restart="never" nodeType="tmRoot">
-          <p:childTnLst>
-            <p:seq concurrent="1" nextAc="seek">
-              <p:cTn id="2" dur="indefinite" nodeType="mainSeq">
-                <p:childTnLst>
-                  <p:par>
-                    <p:cTn id="3" fill="hold">
-                      <p:stCondLst>
-                        <p:cond delay="indefinite"/>
-                        <p:cond evt="onBegin" delay="0">
-                          <p:tn val="2"/>
-                        </p:cond>
-                      </p:stCondLst>
-                      <p:childTnLst>
-                        <p:par>
-                          <p:cTn id="4" fill="hold">
-                            <p:stCondLst>
-                              <p:cond delay="0"/>
-                            </p:stCondLst>
-                            <p:childTnLst>
-                              <p:par>
-                                <p:cTn id="5" presetID="42" presetClass="entr" presetSubtype="0" fill="hold" grpId="0" nodeType="withEffect">
-                                  <p:stCondLst>
-                                    <p:cond delay="250"/>
-                                  </p:stCondLst>
-                                  <p:iterate>
-                                    <p:tmPct val="10000"/>
-                                  </p:iterate>
-                                  <p:childTnLst>
-                                    <p:set>
-                                      <p:cBhvr>
-                                        <p:cTn id="6" dur="1" fill="hold">
-                                          <p:stCondLst>
-                                            <p:cond delay="0"/>
-                                          </p:stCondLst>
-                                        </p:cTn>
-                                        <p:tgtEl>
-                                          <p:spTgt spid="4"/>
-                                        </p:tgtEl>
-                                        <p:attrNameLst>
-                                          <p:attrName>style.visibility</p:attrName>
-                                        </p:attrNameLst>
-                                      </p:cBhvr>
-                                      <p:to>
-                                        <p:strVal val="visible"/>
-                                      </p:to>
-                                    </p:set>
-                                    <p:animEffect transition="in" filter="fade">
-                                      <p:cBhvr>
-                                        <p:cTn id="7" dur="250"/>
-                                        <p:tgtEl>
-                                          <p:spTgt spid="4"/>
-                                        </p:tgtEl>
-                                      </p:cBhvr>
-                                    </p:animEffect>
-                                    <p:anim calcmode="lin" valueType="num">
-                                      <p:cBhvr>
-                                        <p:cTn id="8" dur="250" fill="hold"/>
-                                        <p:tgtEl>
-                                          <p:spTgt spid="4"/>
-                                        </p:tgtEl>
-                                        <p:attrNameLst>
-                                          <p:attrName>ppt_x</p:attrName>
-                                        </p:attrNameLst>
-                                      </p:cBhvr>
-                                      <p:tavLst>
-                                        <p:tav tm="0">
-                                          <p:val>
-                                            <p:strVal val="#ppt_x"/>
-                                          </p:val>
-                                        </p:tav>
-                                        <p:tav tm="100000">
-                                          <p:val>
-                                            <p:strVal val="#ppt_x"/>
-                                          </p:val>
-                                        </p:tav>
-                                      </p:tavLst>
-                                    </p:anim>
-                                    <p:anim calcmode="lin" valueType="num">
-                                      <p:cBhvr>
-                                        <p:cTn id="9" dur="250" fill="hold"/>
-                                        <p:tgtEl>
-                                          <p:spTgt spid="4"/>
-                                        </p:tgtEl>
-                                        <p:attrNameLst>
-                                          <p:attrName>ppt_y</p:attrName>
-                                        </p:attrNameLst>
-                                      </p:cBhvr>
-                                      <p:tavLst>
-                                        <p:tav tm="0">
-                                          <p:val>
-                                            <p:strVal val="#ppt_y+.1"/>
-                                          </p:val>
-                                        </p:tav>
-                                        <p:tav tm="100000">
-                                          <p:val>
-                                            <p:strVal val="#ppt_y"/>
-                                          </p:val>
-                                        </p:tav>
-                                      </p:tavLst>
-                                    </p:anim>
-                                  </p:childTnLst>
-                                </p:cTn>
-                              </p:par>
-                            </p:childTnLst>
-                          </p:cTn>
-                        </p:par>
-                      </p:childTnLst>
-                    </p:cTn>
-                  </p:par>
-                </p:childTnLst>
-              </p:cTn>
-              <p:prevCondLst>
-                <p:cond evt="onPrev" delay="0">
-                  <p:tgtEl>
-                    <p:sldTgt/>
-                  </p:tgtEl>
-                </p:cond>
-              </p:prevCondLst>
-              <p:nextCondLst>
-                <p:cond evt="onNext" delay="0">
-                  <p:tgtEl>
-                    <p:sldTgt/>
-                  </p:tgtEl>
-                </p:cond>
-              </p:nextCondLst>
-            </p:seq>
-          </p:childTnLst>
-        </p:cTn>
-      </p:par>
-    </p:tnLst>
-    <p:bldLst>
-      <p:bldP spid="4" grpId="0"/>
-    </p:bldLst>
-  </p:timing>
 </p:sld>
 </file>
 

--- a/MCP_Servers_Presentation.pptx
+++ b/MCP_Servers_Presentation.pptx
@@ -5,28 +5,29 @@
     <p:sldMasterId id="2147483648" r:id="rId1"/>
   </p:sldMasterIdLst>
   <p:notesMasterIdLst>
-    <p:notesMasterId r:id="rId21"/>
+    <p:notesMasterId r:id="rId22"/>
   </p:notesMasterIdLst>
   <p:sldIdLst>
     <p:sldId id="2561" r:id="rId2"/>
-    <p:sldId id="2562" r:id="rId3"/>
-    <p:sldId id="2563" r:id="rId4"/>
-    <p:sldId id="2564" r:id="rId5"/>
-    <p:sldId id="2565" r:id="rId6"/>
-    <p:sldId id="2566" r:id="rId7"/>
-    <p:sldId id="2567" r:id="rId8"/>
-    <p:sldId id="2576" r:id="rId9"/>
-    <p:sldId id="2577" r:id="rId10"/>
-    <p:sldId id="2568" r:id="rId11"/>
-    <p:sldId id="2569" r:id="rId12"/>
-    <p:sldId id="2570" r:id="rId13"/>
-    <p:sldId id="2571" r:id="rId14"/>
-    <p:sldId id="2578" r:id="rId15"/>
-    <p:sldId id="2572" r:id="rId16"/>
-    <p:sldId id="2573" r:id="rId17"/>
-    <p:sldId id="2579" r:id="rId18"/>
-    <p:sldId id="2574" r:id="rId19"/>
-    <p:sldId id="2575" r:id="rId20"/>
+    <p:sldId id="260" r:id="rId3"/>
+    <p:sldId id="2562" r:id="rId4"/>
+    <p:sldId id="2563" r:id="rId5"/>
+    <p:sldId id="2564" r:id="rId6"/>
+    <p:sldId id="2565" r:id="rId7"/>
+    <p:sldId id="2566" r:id="rId8"/>
+    <p:sldId id="2567" r:id="rId9"/>
+    <p:sldId id="2576" r:id="rId10"/>
+    <p:sldId id="2577" r:id="rId11"/>
+    <p:sldId id="2568" r:id="rId12"/>
+    <p:sldId id="2569" r:id="rId13"/>
+    <p:sldId id="2570" r:id="rId14"/>
+    <p:sldId id="2571" r:id="rId15"/>
+    <p:sldId id="2578" r:id="rId16"/>
+    <p:sldId id="2572" r:id="rId17"/>
+    <p:sldId id="2573" r:id="rId18"/>
+    <p:sldId id="2579" r:id="rId19"/>
+    <p:sldId id="2574" r:id="rId20"/>
+    <p:sldId id="2575" r:id="rId21"/>
   </p:sldIdLst>
   <p:sldSz cx="12192000" cy="6858000"/>
   <p:notesSz cx="6858000" cy="9144000"/>
@@ -131,6 +132,7 @@
         <p14:section name="Tools in your AI's Toolbox: An Introduction to MCP Servers" id="{A0B2B2BF-23B8-42C4-9D14-74B2C16D1CEB}">
           <p14:sldIdLst>
             <p14:sldId id="2561"/>
+            <p14:sldId id="260"/>
           </p14:sldIdLst>
         </p14:section>
         <p14:section name="Introduction to MCP Servers" id="{FA0C23B1-3AFA-44D2-8FA0-2F6378EA9F6B}">
@@ -698,7 +700,7 @@
           <a:lstStyle/>
           <a:p>
             <a:fld id="{322C3404-B6AB-4EFE-9F4E-60BD52F02861}" type="slidenum">
-              <a:t>12</a:t>
+              <a:t>13</a:t>
             </a:fld>
             <a:endParaRPr lang="en-US"/>
           </a:p>
@@ -785,7 +787,7 @@
           <a:lstStyle/>
           <a:p>
             <a:fld id="{322C3404-B6AB-4EFE-9F4E-60BD52F02861}" type="slidenum">
-              <a:t>13</a:t>
+              <a:t>14</a:t>
             </a:fld>
             <a:endParaRPr lang="en-US"/>
           </a:p>
@@ -871,7 +873,7 @@
           <a:lstStyle/>
           <a:p>
             <a:fld id="{322C3404-B6AB-4EFE-9F4E-60BD52F02861}" type="slidenum">
-              <a:t>15</a:t>
+              <a:t>16</a:t>
             </a:fld>
             <a:endParaRPr lang="en-US"/>
           </a:p>
@@ -958,7 +960,7 @@
           <a:lstStyle/>
           <a:p>
             <a:fld id="{322C3404-B6AB-4EFE-9F4E-60BD52F02861}" type="slidenum">
-              <a:t>16</a:t>
+              <a:t>17</a:t>
             </a:fld>
             <a:endParaRPr lang="en-US"/>
           </a:p>
@@ -1044,7 +1046,7 @@
           <a:lstStyle/>
           <a:p>
             <a:fld id="{322C3404-B6AB-4EFE-9F4E-60BD52F02861}" type="slidenum">
-              <a:t>18</a:t>
+              <a:t>19</a:t>
             </a:fld>
             <a:endParaRPr lang="en-US"/>
           </a:p>
@@ -1131,7 +1133,7 @@
           <a:lstStyle/>
           <a:p>
             <a:fld id="{322C3404-B6AB-4EFE-9F4E-60BD52F02861}" type="slidenum">
-              <a:t>19</a:t>
+              <a:t>20</a:t>
             </a:fld>
             <a:endParaRPr lang="en-US"/>
           </a:p>
@@ -1217,7 +1219,7 @@
           <a:lstStyle/>
           <a:p>
             <a:fld id="{322C3404-B6AB-4EFE-9F4E-60BD52F02861}" type="slidenum">
-              <a:t>2</a:t>
+              <a:t>3</a:t>
             </a:fld>
             <a:endParaRPr lang="en-US"/>
           </a:p>
@@ -1304,7 +1306,7 @@
           <a:lstStyle/>
           <a:p>
             <a:fld id="{322C3404-B6AB-4EFE-9F4E-60BD52F02861}" type="slidenum">
-              <a:t>3</a:t>
+              <a:t>4</a:t>
             </a:fld>
             <a:endParaRPr lang="en-US"/>
           </a:p>
@@ -1390,7 +1392,7 @@
           <a:lstStyle/>
           <a:p>
             <a:fld id="{322C3404-B6AB-4EFE-9F4E-60BD52F02861}" type="slidenum">
-              <a:t>4</a:t>
+              <a:t>5</a:t>
             </a:fld>
             <a:endParaRPr lang="en-US"/>
           </a:p>
@@ -1477,7 +1479,7 @@
           <a:lstStyle/>
           <a:p>
             <a:fld id="{322C3404-B6AB-4EFE-9F4E-60BD52F02861}" type="slidenum">
-              <a:t>5</a:t>
+              <a:t>6</a:t>
             </a:fld>
             <a:endParaRPr lang="en-US"/>
           </a:p>
@@ -1563,7 +1565,7 @@
           <a:lstStyle/>
           <a:p>
             <a:fld id="{322C3404-B6AB-4EFE-9F4E-60BD52F02861}" type="slidenum">
-              <a:t>6</a:t>
+              <a:t>7</a:t>
             </a:fld>
             <a:endParaRPr lang="en-US"/>
           </a:p>
@@ -1650,7 +1652,7 @@
           <a:lstStyle/>
           <a:p>
             <a:fld id="{322C3404-B6AB-4EFE-9F4E-60BD52F02861}" type="slidenum">
-              <a:t>7</a:t>
+              <a:t>8</a:t>
             </a:fld>
             <a:endParaRPr lang="en-US"/>
           </a:p>
@@ -1736,7 +1738,7 @@
           <a:lstStyle/>
           <a:p>
             <a:fld id="{322C3404-B6AB-4EFE-9F4E-60BD52F02861}" type="slidenum">
-              <a:t>10</a:t>
+              <a:t>11</a:t>
             </a:fld>
             <a:endParaRPr lang="en-US"/>
           </a:p>
@@ -1823,7 +1825,7 @@
           <a:lstStyle/>
           <a:p>
             <a:fld id="{322C3404-B6AB-4EFE-9F4E-60BD52F02861}" type="slidenum">
-              <a:t>11</a:t>
+              <a:t>12</a:t>
             </a:fld>
             <a:endParaRPr lang="en-US"/>
           </a:p>
@@ -20726,6 +20728,500 @@
 </p:sldLayout>
 </file>
 
+<file path=ppt/slideLayouts/slideLayout51.xml><?xml version="1.0" encoding="utf-8"?>
+<p:sldLayout xmlns:a="http://schemas.openxmlformats.org/drawingml/2006/main" xmlns:r="http://schemas.openxmlformats.org/officeDocument/2006/relationships" xmlns:p="http://schemas.openxmlformats.org/presentationml/2006/main">
+  <p:cSld name="1_Two Content">
+    <p:spTree>
+      <p:nvGrpSpPr>
+        <p:cNvPr id="1" name=""/>
+        <p:cNvGrpSpPr/>
+        <p:nvPr/>
+      </p:nvGrpSpPr>
+      <p:grpSpPr>
+        <a:xfrm>
+          <a:off x="0" y="0"/>
+          <a:ext cx="0" cy="0"/>
+          <a:chOff x="0" y="0"/>
+          <a:chExt cx="0" cy="0"/>
+        </a:xfrm>
+      </p:grpSpPr>
+      <p:sp>
+        <p:nvSpPr>
+          <p:cNvPr id="9" name="Content Placeholder 8"/>
+          <p:cNvSpPr>
+            <a:spLocks noGrp="1"/>
+          </p:cNvSpPr>
+          <p:nvPr>
+            <p:ph sz="quarter" idx="13"/>
+          </p:nvPr>
+        </p:nvSpPr>
+        <p:spPr>
+          <a:xfrm>
+            <a:off x="294640" y="1284923"/>
+            <a:ext cx="5705856" cy="4874578"/>
+          </a:xfrm>
+        </p:spPr>
+        <p:txBody>
+          <a:bodyPr/>
+          <a:lstStyle>
+            <a:lvl1pPr>
+              <a:defRPr>
+                <a:solidFill>
+                  <a:schemeClr val="accent6"/>
+                </a:solidFill>
+              </a:defRPr>
+            </a:lvl1pPr>
+            <a:lvl2pPr>
+              <a:defRPr>
+                <a:solidFill>
+                  <a:schemeClr val="accent6"/>
+                </a:solidFill>
+              </a:defRPr>
+            </a:lvl2pPr>
+            <a:lvl3pPr>
+              <a:defRPr>
+                <a:solidFill>
+                  <a:schemeClr val="accent6"/>
+                </a:solidFill>
+              </a:defRPr>
+            </a:lvl3pPr>
+            <a:lvl4pPr>
+              <a:defRPr>
+                <a:solidFill>
+                  <a:schemeClr val="accent6"/>
+                </a:solidFill>
+              </a:defRPr>
+            </a:lvl4pPr>
+            <a:lvl5pPr>
+              <a:defRPr>
+                <a:solidFill>
+                  <a:schemeClr val="accent6"/>
+                </a:solidFill>
+              </a:defRPr>
+            </a:lvl5pPr>
+          </a:lstStyle>
+          <a:p>
+            <a:pPr lvl="0"/>
+            <a:r>
+              <a:rPr lang="en-US"/>
+              <a:t>Click to edit Master text styles</a:t>
+            </a:r>
+          </a:p>
+          <a:p>
+            <a:pPr lvl="1"/>
+            <a:r>
+              <a:rPr lang="en-US"/>
+              <a:t>Second level</a:t>
+            </a:r>
+          </a:p>
+          <a:p>
+            <a:pPr lvl="2"/>
+            <a:r>
+              <a:rPr lang="en-US"/>
+              <a:t>Third level</a:t>
+            </a:r>
+          </a:p>
+          <a:p>
+            <a:pPr lvl="3"/>
+            <a:r>
+              <a:rPr lang="en-US"/>
+              <a:t>Fourth level</a:t>
+            </a:r>
+          </a:p>
+          <a:p>
+            <a:pPr lvl="4"/>
+            <a:r>
+              <a:rPr lang="en-US"/>
+              <a:t>Fifth level</a:t>
+            </a:r>
+          </a:p>
+        </p:txBody>
+      </p:sp>
+      <p:sp>
+        <p:nvSpPr>
+          <p:cNvPr id="11" name="Content Placeholder 10"/>
+          <p:cNvSpPr>
+            <a:spLocks noGrp="1"/>
+          </p:cNvSpPr>
+          <p:nvPr>
+            <p:ph sz="quarter" idx="14"/>
+          </p:nvPr>
+        </p:nvSpPr>
+        <p:spPr>
+          <a:xfrm>
+            <a:off x="6244336" y="1284924"/>
+            <a:ext cx="5730240" cy="4874577"/>
+          </a:xfrm>
+        </p:spPr>
+        <p:txBody>
+          <a:bodyPr/>
+          <a:lstStyle>
+            <a:lvl1pPr>
+              <a:defRPr>
+                <a:solidFill>
+                  <a:schemeClr val="accent6"/>
+                </a:solidFill>
+              </a:defRPr>
+            </a:lvl1pPr>
+            <a:lvl2pPr>
+              <a:defRPr>
+                <a:solidFill>
+                  <a:schemeClr val="accent6"/>
+                </a:solidFill>
+              </a:defRPr>
+            </a:lvl2pPr>
+            <a:lvl3pPr>
+              <a:defRPr>
+                <a:solidFill>
+                  <a:schemeClr val="accent6"/>
+                </a:solidFill>
+              </a:defRPr>
+            </a:lvl3pPr>
+            <a:lvl4pPr>
+              <a:defRPr>
+                <a:solidFill>
+                  <a:schemeClr val="accent6"/>
+                </a:solidFill>
+              </a:defRPr>
+            </a:lvl4pPr>
+            <a:lvl5pPr>
+              <a:defRPr>
+                <a:solidFill>
+                  <a:schemeClr val="accent6"/>
+                </a:solidFill>
+              </a:defRPr>
+            </a:lvl5pPr>
+          </a:lstStyle>
+          <a:p>
+            <a:pPr lvl="0"/>
+            <a:r>
+              <a:rPr lang="en-US"/>
+              <a:t>Click to edit Master text styles</a:t>
+            </a:r>
+          </a:p>
+          <a:p>
+            <a:pPr lvl="1"/>
+            <a:r>
+              <a:rPr lang="en-US"/>
+              <a:t>Second level</a:t>
+            </a:r>
+          </a:p>
+          <a:p>
+            <a:pPr lvl="2"/>
+            <a:r>
+              <a:rPr lang="en-US"/>
+              <a:t>Third level</a:t>
+            </a:r>
+          </a:p>
+          <a:p>
+            <a:pPr lvl="3"/>
+            <a:r>
+              <a:rPr lang="en-US"/>
+              <a:t>Fourth level</a:t>
+            </a:r>
+          </a:p>
+          <a:p>
+            <a:pPr lvl="4"/>
+            <a:r>
+              <a:rPr lang="en-US"/>
+              <a:t>Fifth level</a:t>
+            </a:r>
+          </a:p>
+        </p:txBody>
+      </p:sp>
+      <p:sp>
+        <p:nvSpPr>
+          <p:cNvPr id="8" name="Title 1"/>
+          <p:cNvSpPr>
+            <a:spLocks noGrp="1"/>
+          </p:cNvSpPr>
+          <p:nvPr>
+            <p:ph type="title" hasCustomPrompt="1"/>
+          </p:nvPr>
+        </p:nvSpPr>
+        <p:spPr>
+          <a:xfrm>
+            <a:off x="289400" y="169154"/>
+            <a:ext cx="11634376" cy="654576"/>
+          </a:xfrm>
+        </p:spPr>
+        <p:txBody>
+          <a:bodyPr>
+            <a:normAutofit/>
+          </a:bodyPr>
+          <a:lstStyle>
+            <a:lvl1pPr>
+              <a:defRPr sz="3600" b="1" i="0" baseline="0">
+                <a:solidFill>
+                  <a:schemeClr val="tx1"/>
+                </a:solidFill>
+                <a:latin typeface="+mj-lt"/>
+                <a:ea typeface="Tahoma" charset="0"/>
+                <a:cs typeface="Tahoma" charset="0"/>
+              </a:defRPr>
+            </a:lvl1pPr>
+          </a:lstStyle>
+          <a:p>
+            <a:r>
+              <a:rPr lang="en-US"/>
+              <a:t>Slide Title</a:t>
+            </a:r>
+          </a:p>
+        </p:txBody>
+      </p:sp>
+      <p:sp>
+        <p:nvSpPr>
+          <p:cNvPr id="10" name="Subtitle 2"/>
+          <p:cNvSpPr>
+            <a:spLocks noGrp="1"/>
+          </p:cNvSpPr>
+          <p:nvPr>
+            <p:ph type="subTitle" idx="15" hasCustomPrompt="1"/>
+          </p:nvPr>
+        </p:nvSpPr>
+        <p:spPr>
+          <a:xfrm>
+            <a:off x="289400" y="823731"/>
+            <a:ext cx="11634376" cy="340973"/>
+          </a:xfrm>
+        </p:spPr>
+        <p:txBody>
+          <a:bodyPr>
+            <a:normAutofit/>
+          </a:bodyPr>
+          <a:lstStyle>
+            <a:lvl1pPr marL="0" indent="0" algn="l">
+              <a:buNone/>
+              <a:defRPr sz="1600" b="0" i="0">
+                <a:solidFill>
+                  <a:schemeClr val="tx1"/>
+                </a:solidFill>
+                <a:latin typeface="+mn-lt"/>
+                <a:ea typeface="Tahoma" charset="0"/>
+                <a:cs typeface="Tahoma" charset="0"/>
+              </a:defRPr>
+            </a:lvl1pPr>
+            <a:lvl2pPr marL="342900" indent="0" algn="ctr">
+              <a:buNone/>
+              <a:defRPr>
+                <a:solidFill>
+                  <a:schemeClr val="tx1">
+                    <a:tint val="75000"/>
+                  </a:schemeClr>
+                </a:solidFill>
+              </a:defRPr>
+            </a:lvl2pPr>
+            <a:lvl3pPr marL="685800" indent="0" algn="ctr">
+              <a:buNone/>
+              <a:defRPr>
+                <a:solidFill>
+                  <a:schemeClr val="tx1">
+                    <a:tint val="75000"/>
+                  </a:schemeClr>
+                </a:solidFill>
+              </a:defRPr>
+            </a:lvl3pPr>
+            <a:lvl4pPr marL="1028700" indent="0" algn="ctr">
+              <a:buNone/>
+              <a:defRPr>
+                <a:solidFill>
+                  <a:schemeClr val="tx1">
+                    <a:tint val="75000"/>
+                  </a:schemeClr>
+                </a:solidFill>
+              </a:defRPr>
+            </a:lvl4pPr>
+            <a:lvl5pPr marL="1371600" indent="0" algn="ctr">
+              <a:buNone/>
+              <a:defRPr>
+                <a:solidFill>
+                  <a:schemeClr val="tx1">
+                    <a:tint val="75000"/>
+                  </a:schemeClr>
+                </a:solidFill>
+              </a:defRPr>
+            </a:lvl5pPr>
+            <a:lvl6pPr marL="1714500" indent="0" algn="ctr">
+              <a:buNone/>
+              <a:defRPr>
+                <a:solidFill>
+                  <a:schemeClr val="tx1">
+                    <a:tint val="75000"/>
+                  </a:schemeClr>
+                </a:solidFill>
+              </a:defRPr>
+            </a:lvl6pPr>
+            <a:lvl7pPr marL="2057400" indent="0" algn="ctr">
+              <a:buNone/>
+              <a:defRPr>
+                <a:solidFill>
+                  <a:schemeClr val="tx1">
+                    <a:tint val="75000"/>
+                  </a:schemeClr>
+                </a:solidFill>
+              </a:defRPr>
+            </a:lvl7pPr>
+            <a:lvl8pPr marL="2400300" indent="0" algn="ctr">
+              <a:buNone/>
+              <a:defRPr>
+                <a:solidFill>
+                  <a:schemeClr val="tx1">
+                    <a:tint val="75000"/>
+                  </a:schemeClr>
+                </a:solidFill>
+              </a:defRPr>
+            </a:lvl8pPr>
+            <a:lvl9pPr marL="2743200" indent="0" algn="ctr">
+              <a:buNone/>
+              <a:defRPr>
+                <a:solidFill>
+                  <a:schemeClr val="tx1">
+                    <a:tint val="75000"/>
+                  </a:schemeClr>
+                </a:solidFill>
+              </a:defRPr>
+            </a:lvl9pPr>
+          </a:lstStyle>
+          <a:p>
+            <a:r>
+              <a:rPr lang="en-US"/>
+              <a:t>Click to edit Master subtitle style </a:t>
+            </a:r>
+          </a:p>
+        </p:txBody>
+      </p:sp>
+      <p:sp>
+        <p:nvSpPr>
+          <p:cNvPr id="15" name="Date Placeholder 3"/>
+          <p:cNvSpPr>
+            <a:spLocks noGrp="1"/>
+          </p:cNvSpPr>
+          <p:nvPr>
+            <p:ph type="dt" sz="half" idx="2"/>
+          </p:nvPr>
+        </p:nvSpPr>
+        <p:spPr>
+          <a:xfrm>
+            <a:off x="1251588" y="6356353"/>
+            <a:ext cx="1210733" cy="365125"/>
+          </a:xfrm>
+          <a:prstGeom prst="rect">
+            <a:avLst/>
+          </a:prstGeom>
+        </p:spPr>
+        <p:txBody>
+          <a:bodyPr vert="horz" lIns="91440" tIns="45720" rIns="91440" bIns="45720" rtlCol="0" anchor="ctr"/>
+          <a:lstStyle>
+            <a:lvl1pPr algn="l">
+              <a:defRPr sz="1200">
+                <a:solidFill>
+                  <a:schemeClr val="tx1">
+                    <a:tint val="75000"/>
+                  </a:schemeClr>
+                </a:solidFill>
+              </a:defRPr>
+            </a:lvl1pPr>
+          </a:lstStyle>
+          <a:p>
+            <a:fld id="{6048702F-412C-4CEF-ABE7-C49B765E9059}" type="datetimeFigureOut">
+              <a:rPr lang="en-US" smtClean="0"/>
+              <a:t>9/3/2025</a:t>
+            </a:fld>
+            <a:endParaRPr lang="en-US"/>
+          </a:p>
+        </p:txBody>
+      </p:sp>
+      <p:sp>
+        <p:nvSpPr>
+          <p:cNvPr id="16" name="Footer Placeholder 4"/>
+          <p:cNvSpPr>
+            <a:spLocks noGrp="1"/>
+          </p:cNvSpPr>
+          <p:nvPr>
+            <p:ph type="ftr" sz="quarter" idx="3"/>
+          </p:nvPr>
+        </p:nvSpPr>
+        <p:spPr>
+          <a:xfrm>
+            <a:off x="2654042" y="6356353"/>
+            <a:ext cx="7773705" cy="365125"/>
+          </a:xfrm>
+          <a:prstGeom prst="rect">
+            <a:avLst/>
+          </a:prstGeom>
+        </p:spPr>
+        <p:txBody>
+          <a:bodyPr vert="horz" lIns="91440" tIns="45720" rIns="91440" bIns="45720" rtlCol="0" anchor="ctr"/>
+          <a:lstStyle>
+            <a:lvl1pPr algn="ctr">
+              <a:defRPr sz="1200">
+                <a:solidFill>
+                  <a:schemeClr val="tx1">
+                    <a:tint val="75000"/>
+                  </a:schemeClr>
+                </a:solidFill>
+              </a:defRPr>
+            </a:lvl1pPr>
+          </a:lstStyle>
+          <a:p>
+            <a:endParaRPr lang="en-US"/>
+          </a:p>
+        </p:txBody>
+      </p:sp>
+      <p:sp>
+        <p:nvSpPr>
+          <p:cNvPr id="17" name="Slide Number Placeholder 5"/>
+          <p:cNvSpPr>
+            <a:spLocks noGrp="1"/>
+          </p:cNvSpPr>
+          <p:nvPr>
+            <p:ph type="sldNum" sz="quarter" idx="4"/>
+          </p:nvPr>
+        </p:nvSpPr>
+        <p:spPr>
+          <a:xfrm>
+            <a:off x="289400" y="6356353"/>
+            <a:ext cx="770467" cy="365125"/>
+          </a:xfrm>
+          <a:prstGeom prst="rect">
+            <a:avLst/>
+          </a:prstGeom>
+        </p:spPr>
+        <p:txBody>
+          <a:bodyPr vert="horz" lIns="91440" tIns="45720" rIns="91440" bIns="45720" rtlCol="0" anchor="ctr"/>
+          <a:lstStyle>
+            <a:lvl1pPr algn="r">
+              <a:defRPr sz="1200">
+                <a:solidFill>
+                  <a:schemeClr val="tx1">
+                    <a:tint val="75000"/>
+                  </a:schemeClr>
+                </a:solidFill>
+              </a:defRPr>
+            </a:lvl1pPr>
+          </a:lstStyle>
+          <a:p>
+            <a:fld id="{AC14B51C-DFC7-4853-98B8-136744874381}" type="slidenum">
+              <a:rPr lang="en-US" smtClean="0"/>
+              <a:t>‹#›</a:t>
+            </a:fld>
+            <a:endParaRPr lang="en-US"/>
+          </a:p>
+        </p:txBody>
+      </p:sp>
+    </p:spTree>
+    <p:extLst>
+      <p:ext uri="{BB962C8B-B14F-4D97-AF65-F5344CB8AC3E}">
+        <p14:creationId xmlns:p14="http://schemas.microsoft.com/office/powerpoint/2010/main" val="4109001649"/>
+      </p:ext>
+    </p:extLst>
+  </p:cSld>
+  <p:clrMapOvr>
+    <a:masterClrMapping/>
+  </p:clrMapOvr>
+</p:sldLayout>
+</file>
+
 <file path=ppt/slideLayouts/slideLayout6.xml><?xml version="1.0" encoding="utf-8"?>
 <p:sldLayout xmlns:a="http://schemas.openxmlformats.org/drawingml/2006/main" xmlns:r="http://schemas.openxmlformats.org/officeDocument/2006/relationships" xmlns:p="http://schemas.openxmlformats.org/presentationml/2006/main" type="title" preserve="1">
   <p:cSld name="Title 2">
@@ -22533,6 +23029,7 @@
     <p:sldLayoutId id="2147483708" r:id="rId48"/>
     <p:sldLayoutId id="2147483709" r:id="rId49"/>
     <p:sldLayoutId id="2147483710" r:id="rId50"/>
+    <p:sldLayoutId id="2147483711" r:id="rId51"/>
   </p:sldLayoutIdLst>
   <p:txStyles>
     <p:titleStyle>
@@ -23208,6 +23705,92 @@
       </p:grpSpPr>
       <p:sp>
         <p:nvSpPr>
+          <p:cNvPr id="5" name="Title 4">
+            <a:extLst>
+              <a:ext uri="{FF2B5EF4-FFF2-40B4-BE49-F238E27FC236}">
+                <a16:creationId xmlns:a16="http://schemas.microsoft.com/office/drawing/2014/main" id="{A18D4A22-5F39-C9F4-EF5A-FB81BC8128D7}"/>
+              </a:ext>
+            </a:extLst>
+          </p:cNvPr>
+          <p:cNvSpPr>
+            <a:spLocks noGrp="1"/>
+          </p:cNvSpPr>
+          <p:nvPr>
+            <p:ph type="ctrTitle"/>
+          </p:nvPr>
+        </p:nvSpPr>
+        <p:spPr/>
+        <p:txBody>
+          <a:bodyPr/>
+          <a:lstStyle/>
+          <a:p>
+            <a:r>
+              <a:rPr lang="en-US" dirty="0"/>
+              <a:t>GitHub Remote Server</a:t>
+            </a:r>
+          </a:p>
+        </p:txBody>
+      </p:sp>
+      <p:sp>
+        <p:nvSpPr>
+          <p:cNvPr id="6" name="Subtitle 5">
+            <a:extLst>
+              <a:ext uri="{FF2B5EF4-FFF2-40B4-BE49-F238E27FC236}">
+                <a16:creationId xmlns:a16="http://schemas.microsoft.com/office/drawing/2014/main" id="{43994C03-9C0C-B305-596C-072F88C94D5B}"/>
+              </a:ext>
+            </a:extLst>
+          </p:cNvPr>
+          <p:cNvSpPr>
+            <a:spLocks noGrp="1"/>
+          </p:cNvSpPr>
+          <p:nvPr>
+            <p:ph type="subTitle" idx="1"/>
+          </p:nvPr>
+        </p:nvSpPr>
+        <p:spPr/>
+        <p:txBody>
+          <a:bodyPr/>
+          <a:lstStyle/>
+          <a:p>
+            <a:r>
+              <a:rPr lang="en-US" dirty="0"/>
+              <a:t>Demonstration</a:t>
+            </a:r>
+          </a:p>
+        </p:txBody>
+      </p:sp>
+    </p:spTree>
+    <p:extLst>
+      <p:ext uri="{BB962C8B-B14F-4D97-AF65-F5344CB8AC3E}">
+        <p14:creationId xmlns:p14="http://schemas.microsoft.com/office/powerpoint/2010/main" val="1803766686"/>
+      </p:ext>
+    </p:extLst>
+  </p:cSld>
+  <p:clrMapOvr>
+    <a:masterClrMapping/>
+  </p:clrMapOvr>
+</p:sld>
+</file>
+
+<file path=ppt/slides/slide11.xml><?xml version="1.0" encoding="utf-8"?>
+<p:sld xmlns:a="http://schemas.openxmlformats.org/drawingml/2006/main" xmlns:r="http://schemas.openxmlformats.org/officeDocument/2006/relationships" xmlns:p="http://schemas.openxmlformats.org/presentationml/2006/main">
+  <p:cSld>
+    <p:spTree>
+      <p:nvGrpSpPr>
+        <p:cNvPr id="1" name=""/>
+        <p:cNvGrpSpPr/>
+        <p:nvPr/>
+      </p:nvGrpSpPr>
+      <p:grpSpPr>
+        <a:xfrm>
+          <a:off x="0" y="0"/>
+          <a:ext cx="0" cy="0"/>
+          <a:chOff x="0" y="0"/>
+          <a:chExt cx="0" cy="0"/>
+        </a:xfrm>
+      </p:grpSpPr>
+      <p:sp>
+        <p:nvSpPr>
           <p:cNvPr id="2" name="Title 1">
             <a:extLst>
               <a:ext uri="{FF2B5EF4-FFF2-40B4-BE49-F238E27FC236}">
@@ -23349,7 +23932,7 @@
 </p:sld>
 </file>
 
-<file path=ppt/slides/slide11.xml><?xml version="1.0" encoding="utf-8"?>
+<file path=ppt/slides/slide12.xml><?xml version="1.0" encoding="utf-8"?>
 <p:sld xmlns:a="http://schemas.openxmlformats.org/drawingml/2006/main" xmlns:r="http://schemas.openxmlformats.org/officeDocument/2006/relationships" xmlns:p="http://schemas.openxmlformats.org/presentationml/2006/main">
   <p:cSld>
     <p:spTree>
@@ -23720,7 +24303,7 @@
 </p:sld>
 </file>
 
-<file path=ppt/slides/slide12.xml><?xml version="1.0" encoding="utf-8"?>
+<file path=ppt/slides/slide13.xml><?xml version="1.0" encoding="utf-8"?>
 <p:sld xmlns:a="http://schemas.openxmlformats.org/drawingml/2006/main" xmlns:r="http://schemas.openxmlformats.org/officeDocument/2006/relationships" xmlns:p="http://schemas.openxmlformats.org/presentationml/2006/main">
   <p:cSld>
     <p:spTree>
@@ -23880,7 +24463,7 @@
 </p:sld>
 </file>
 
-<file path=ppt/slides/slide13.xml><?xml version="1.0" encoding="utf-8"?>
+<file path=ppt/slides/slide14.xml><?xml version="1.0" encoding="utf-8"?>
 <p:sld xmlns:a="http://schemas.openxmlformats.org/drawingml/2006/main" xmlns:r="http://schemas.openxmlformats.org/officeDocument/2006/relationships" xmlns:p="http://schemas.openxmlformats.org/presentationml/2006/main">
   <p:cSld>
     <p:spTree>
@@ -24251,7 +24834,7 @@
 </p:sld>
 </file>
 
-<file path=ppt/slides/slide14.xml><?xml version="1.0" encoding="utf-8"?>
+<file path=ppt/slides/slide15.xml><?xml version="1.0" encoding="utf-8"?>
 <p:sld xmlns:a="http://schemas.openxmlformats.org/drawingml/2006/main" xmlns:r="http://schemas.openxmlformats.org/officeDocument/2006/relationships" xmlns:p="http://schemas.openxmlformats.org/presentationml/2006/main">
   <p:cSld>
     <p:spTree>
@@ -24347,7 +24930,7 @@
 </p:sld>
 </file>
 
-<file path=ppt/slides/slide15.xml><?xml version="1.0" encoding="utf-8"?>
+<file path=ppt/slides/slide16.xml><?xml version="1.0" encoding="utf-8"?>
 <p:sld xmlns:a="http://schemas.openxmlformats.org/drawingml/2006/main" xmlns:r="http://schemas.openxmlformats.org/officeDocument/2006/relationships" xmlns:p="http://schemas.openxmlformats.org/presentationml/2006/main">
   <p:cSld>
     <p:spTree>
@@ -24507,7 +25090,7 @@
 </p:sld>
 </file>
 
-<file path=ppt/slides/slide16.xml><?xml version="1.0" encoding="utf-8"?>
+<file path=ppt/slides/slide17.xml><?xml version="1.0" encoding="utf-8"?>
 <p:sld xmlns:a="http://schemas.openxmlformats.org/drawingml/2006/main" xmlns:r="http://schemas.openxmlformats.org/officeDocument/2006/relationships" xmlns:p="http://schemas.openxmlformats.org/presentationml/2006/main">
   <p:cSld>
     <p:spTree>
@@ -24878,7 +25461,7 @@
 </p:sld>
 </file>
 
-<file path=ppt/slides/slide17.xml><?xml version="1.0" encoding="utf-8"?>
+<file path=ppt/slides/slide18.xml><?xml version="1.0" encoding="utf-8"?>
 <p:sld xmlns:a="http://schemas.openxmlformats.org/drawingml/2006/main" xmlns:r="http://schemas.openxmlformats.org/officeDocument/2006/relationships" xmlns:p="http://schemas.openxmlformats.org/presentationml/2006/main">
   <p:cSld>
     <p:spTree>
@@ -24970,7 +25553,7 @@
 </p:sld>
 </file>
 
-<file path=ppt/slides/slide18.xml><?xml version="1.0" encoding="utf-8"?>
+<file path=ppt/slides/slide19.xml><?xml version="1.0" encoding="utf-8"?>
 <p:sld xmlns:a="http://schemas.openxmlformats.org/drawingml/2006/main" xmlns:r="http://schemas.openxmlformats.org/officeDocument/2006/relationships" xmlns:p="http://schemas.openxmlformats.org/presentationml/2006/main">
   <p:cSld>
     <p:spTree>
@@ -25130,7 +25713,213 @@
 </p:sld>
 </file>
 
-<file path=ppt/slides/slide19.xml><?xml version="1.0" encoding="utf-8"?>
+<file path=ppt/slides/slide2.xml><?xml version="1.0" encoding="utf-8"?>
+<p:sld xmlns:a="http://schemas.openxmlformats.org/drawingml/2006/main" xmlns:r="http://schemas.openxmlformats.org/officeDocument/2006/relationships" xmlns:p="http://schemas.openxmlformats.org/presentationml/2006/main">
+  <p:cSld>
+    <p:spTree>
+      <p:nvGrpSpPr>
+        <p:cNvPr id="1" name=""/>
+        <p:cNvGrpSpPr/>
+        <p:nvPr/>
+      </p:nvGrpSpPr>
+      <p:grpSpPr>
+        <a:xfrm>
+          <a:off x="0" y="0"/>
+          <a:ext cx="0" cy="0"/>
+          <a:chOff x="0" y="0"/>
+          <a:chExt cx="0" cy="0"/>
+        </a:xfrm>
+      </p:grpSpPr>
+      <p:sp>
+        <p:nvSpPr>
+          <p:cNvPr id="5" name="Title 4">
+            <a:extLst>
+              <a:ext uri="{FF2B5EF4-FFF2-40B4-BE49-F238E27FC236}">
+                <a16:creationId xmlns:a16="http://schemas.microsoft.com/office/drawing/2014/main" id="{A052CA08-BFB4-E89B-4D92-B77BCC2B40CA}"/>
+              </a:ext>
+            </a:extLst>
+          </p:cNvPr>
+          <p:cNvSpPr>
+            <a:spLocks noGrp="1"/>
+          </p:cNvSpPr>
+          <p:nvPr>
+            <p:ph type="title"/>
+          </p:nvPr>
+        </p:nvSpPr>
+        <p:spPr>
+          <a:xfrm>
+            <a:off x="5970589" y="131546"/>
+            <a:ext cx="5664198" cy="863023"/>
+          </a:xfrm>
+        </p:spPr>
+        <p:txBody>
+          <a:bodyPr>
+            <a:normAutofit fontScale="90000"/>
+          </a:bodyPr>
+          <a:lstStyle/>
+          <a:p>
+            <a:r>
+              <a:rPr lang="en-US" dirty="0"/>
+              <a:t>Tim Rayburn</a:t>
+            </a:r>
+          </a:p>
+        </p:txBody>
+      </p:sp>
+      <p:sp>
+        <p:nvSpPr>
+          <p:cNvPr id="6" name="Content Placeholder 5">
+            <a:extLst>
+              <a:ext uri="{FF2B5EF4-FFF2-40B4-BE49-F238E27FC236}">
+                <a16:creationId xmlns:a16="http://schemas.microsoft.com/office/drawing/2014/main" id="{48FF2279-58EF-0FFD-23EC-F46B5F9C650B}"/>
+              </a:ext>
+            </a:extLst>
+          </p:cNvPr>
+          <p:cNvSpPr>
+            <a:spLocks noGrp="1"/>
+          </p:cNvSpPr>
+          <p:nvPr>
+            <p:ph sz="quarter" idx="13"/>
+          </p:nvPr>
+        </p:nvSpPr>
+        <p:spPr>
+          <a:xfrm>
+            <a:off x="5785980" y="994569"/>
+            <a:ext cx="6351199" cy="5597005"/>
+          </a:xfrm>
+        </p:spPr>
+        <p:txBody>
+          <a:bodyPr anchor="t">
+            <a:normAutofit/>
+          </a:bodyPr>
+          <a:lstStyle/>
+          <a:p>
+            <a:r>
+              <a:rPr lang="en-US" sz="1800" dirty="0"/>
+              <a:t>11-time Microsoft MVP (2007-2018)</a:t>
+            </a:r>
+          </a:p>
+          <a:p>
+            <a:r>
+              <a:rPr lang="en-US" sz="1800" dirty="0"/>
+              <a:t>Open Source Maintainer for Highway Framework</a:t>
+            </a:r>
+          </a:p>
+          <a:p>
+            <a:r>
+              <a:rPr lang="en-US" sz="1800" dirty="0"/>
+              <a:t>BBQ Fanatic – Feed over 200 people every July 4</a:t>
+            </a:r>
+            <a:r>
+              <a:rPr lang="en-US" sz="1800" baseline="30000" dirty="0"/>
+              <a:t>th</a:t>
+            </a:r>
+            <a:r>
+              <a:rPr lang="en-US" sz="1800" dirty="0"/>
+              <a:t> at the Improving Dallas office</a:t>
+            </a:r>
+          </a:p>
+          <a:p>
+            <a:r>
+              <a:rPr lang="en-US" sz="1800" dirty="0"/>
+              <a:t>Soccer Fan – Season ticket holder for FC Dallas, Followed the USWNT through the World Cup playoff rounds in France (2019)</a:t>
+            </a:r>
+          </a:p>
+          <a:p>
+            <a:r>
+              <a:rPr lang="en-US" sz="1800" dirty="0"/>
+              <a:t>Former Game Store Owner</a:t>
+            </a:r>
+          </a:p>
+          <a:p>
+            <a:r>
+              <a:rPr lang="en-US" sz="1800" dirty="0"/>
+              <a:t>Avid Magic the Gathering player (Commander)</a:t>
+            </a:r>
+          </a:p>
+          <a:p>
+            <a:r>
+              <a:rPr lang="en-US" sz="1800" dirty="0"/>
+              <a:t>Former D&amp;D Podcaster (Radio Free </a:t>
+            </a:r>
+            <a:r>
+              <a:rPr lang="en-US" sz="1800" dirty="0" err="1"/>
+              <a:t>Hommlet</a:t>
+            </a:r>
+            <a:r>
+              <a:rPr lang="en-US" sz="1800" dirty="0"/>
+              <a:t>)</a:t>
+            </a:r>
+          </a:p>
+          <a:p>
+            <a:r>
+              <a:rPr lang="en-US" sz="1800" dirty="0"/>
+              <a:t>Drone Pilot</a:t>
+            </a:r>
+          </a:p>
+          <a:p>
+            <a:r>
+              <a:rPr lang="en-US" sz="1800" dirty="0"/>
+              <a:t>Firearms Instructor</a:t>
+            </a:r>
+          </a:p>
+          <a:p>
+            <a:r>
+              <a:rPr lang="en-US" sz="1800" b="1" dirty="0"/>
+              <a:t>Specialization is for Insects.</a:t>
+            </a:r>
+          </a:p>
+        </p:txBody>
+      </p:sp>
+      <p:pic>
+        <p:nvPicPr>
+          <p:cNvPr id="9" name="Content Placeholder 9" descr="A picture containing person, person, outdoor, standing&#10;&#10;Description automatically generated">
+            <a:extLst>
+              <a:ext uri="{FF2B5EF4-FFF2-40B4-BE49-F238E27FC236}">
+                <a16:creationId xmlns:a16="http://schemas.microsoft.com/office/drawing/2014/main" id="{8B421111-3E74-15D2-B0D7-5DF537E91BA1}"/>
+              </a:ext>
+            </a:extLst>
+          </p:cNvPr>
+          <p:cNvPicPr>
+            <a:picLocks noGrp="1" noChangeAspect="1"/>
+          </p:cNvPicPr>
+          <p:nvPr>
+            <p:ph type="pic" sz="quarter" idx="17"/>
+          </p:nvPr>
+        </p:nvPicPr>
+        <p:blipFill>
+          <a:blip r:embed="rId2">
+            <a:extLst>
+              <a:ext uri="{28A0092B-C50C-407E-A947-70E740481C1C}">
+                <a14:useLocalDpi xmlns:a14="http://schemas.microsoft.com/office/drawing/2010/main" val="0"/>
+              </a:ext>
+            </a:extLst>
+          </a:blip>
+          <a:srcRect l="10532" r="10532"/>
+          <a:stretch>
+            <a:fillRect/>
+          </a:stretch>
+        </p:blipFill>
+        <p:spPr>
+          <a:xfrm>
+            <a:off x="119063" y="0"/>
+            <a:ext cx="5413375" cy="6858000"/>
+          </a:xfrm>
+        </p:spPr>
+      </p:pic>
+    </p:spTree>
+    <p:extLst>
+      <p:ext uri="{BB962C8B-B14F-4D97-AF65-F5344CB8AC3E}">
+        <p14:creationId xmlns:p14="http://schemas.microsoft.com/office/powerpoint/2010/main" val="4031217866"/>
+      </p:ext>
+    </p:extLst>
+  </p:cSld>
+  <p:clrMapOvr>
+    <a:masterClrMapping/>
+  </p:clrMapOvr>
+</p:sld>
+</file>
+
+<file path=ppt/slides/slide20.xml><?xml version="1.0" encoding="utf-8"?>
 <p:sld xmlns:a="http://schemas.openxmlformats.org/drawingml/2006/main" xmlns:r="http://schemas.openxmlformats.org/officeDocument/2006/relationships" xmlns:p="http://schemas.openxmlformats.org/presentationml/2006/main">
   <p:cSld>
     <p:spTree>
@@ -25501,7 +26290,7 @@
 </p:sld>
 </file>
 
-<file path=ppt/slides/slide2.xml><?xml version="1.0" encoding="utf-8"?>
+<file path=ppt/slides/slide3.xml><?xml version="1.0" encoding="utf-8"?>
 <p:sld xmlns:a="http://schemas.openxmlformats.org/drawingml/2006/main" xmlns:r="http://schemas.openxmlformats.org/officeDocument/2006/relationships" xmlns:p="http://schemas.openxmlformats.org/presentationml/2006/main">
   <p:cSld>
     <p:spTree>
@@ -25661,7 +26450,7 @@
 </p:sld>
 </file>
 
-<file path=ppt/slides/slide3.xml><?xml version="1.0" encoding="utf-8"?>
+<file path=ppt/slides/slide4.xml><?xml version="1.0" encoding="utf-8"?>
 <p:sld xmlns:a="http://schemas.openxmlformats.org/drawingml/2006/main" xmlns:r="http://schemas.openxmlformats.org/officeDocument/2006/relationships" xmlns:p="http://schemas.openxmlformats.org/presentationml/2006/main">
   <p:cSld>
     <p:spTree>
@@ -26032,7 +26821,7 @@
 </p:sld>
 </file>
 
-<file path=ppt/slides/slide4.xml><?xml version="1.0" encoding="utf-8"?>
+<file path=ppt/slides/slide5.xml><?xml version="1.0" encoding="utf-8"?>
 <p:sld xmlns:a="http://schemas.openxmlformats.org/drawingml/2006/main" xmlns:r="http://schemas.openxmlformats.org/officeDocument/2006/relationships" xmlns:p="http://schemas.openxmlformats.org/presentationml/2006/main">
   <p:cSld>
     <p:spTree>
@@ -26192,7 +26981,7 @@
 </p:sld>
 </file>
 
-<file path=ppt/slides/slide5.xml><?xml version="1.0" encoding="utf-8"?>
+<file path=ppt/slides/slide6.xml><?xml version="1.0" encoding="utf-8"?>
 <p:sld xmlns:a="http://schemas.openxmlformats.org/drawingml/2006/main" xmlns:r="http://schemas.openxmlformats.org/officeDocument/2006/relationships" xmlns:p="http://schemas.openxmlformats.org/presentationml/2006/main">
   <p:cSld>
     <p:spTree>
@@ -26563,7 +27352,7 @@
 </p:sld>
 </file>
 
-<file path=ppt/slides/slide6.xml><?xml version="1.0" encoding="utf-8"?>
+<file path=ppt/slides/slide7.xml><?xml version="1.0" encoding="utf-8"?>
 <p:sld xmlns:a="http://schemas.openxmlformats.org/drawingml/2006/main" xmlns:r="http://schemas.openxmlformats.org/officeDocument/2006/relationships" xmlns:p="http://schemas.openxmlformats.org/presentationml/2006/main">
   <p:cSld>
     <p:spTree>
@@ -26723,7 +27512,7 @@
 </p:sld>
 </file>
 
-<file path=ppt/slides/slide7.xml><?xml version="1.0" encoding="utf-8"?>
+<file path=ppt/slides/slide8.xml><?xml version="1.0" encoding="utf-8"?>
 <p:sld xmlns:a="http://schemas.openxmlformats.org/drawingml/2006/main" xmlns:r="http://schemas.openxmlformats.org/officeDocument/2006/relationships" xmlns:p="http://schemas.openxmlformats.org/presentationml/2006/main">
   <p:cSld>
     <p:spTree>
@@ -27098,201 +27887,6 @@
 </p:sld>
 </file>
 
-<file path=ppt/slides/slide8.xml><?xml version="1.0" encoding="utf-8"?>
-<p:sld xmlns:a="http://schemas.openxmlformats.org/drawingml/2006/main" xmlns:r="http://schemas.openxmlformats.org/officeDocument/2006/relationships" xmlns:p="http://schemas.openxmlformats.org/presentationml/2006/main">
-  <p:cSld>
-    <p:spTree>
-      <p:nvGrpSpPr>
-        <p:cNvPr id="1" name=""/>
-        <p:cNvGrpSpPr/>
-        <p:nvPr/>
-      </p:nvGrpSpPr>
-      <p:grpSpPr>
-        <a:xfrm>
-          <a:off x="0" y="0"/>
-          <a:ext cx="0" cy="0"/>
-          <a:chOff x="0" y="0"/>
-          <a:chExt cx="0" cy="0"/>
-        </a:xfrm>
-      </p:grpSpPr>
-      <p:sp>
-        <p:nvSpPr>
-          <p:cNvPr id="2" name="Title 1">
-            <a:extLst>
-              <a:ext uri="{FF2B5EF4-FFF2-40B4-BE49-F238E27FC236}">
-                <a16:creationId xmlns:a16="http://schemas.microsoft.com/office/drawing/2014/main" id="{F943BBDF-3479-BFE8-20B9-A4E397309DE1}"/>
-              </a:ext>
-            </a:extLst>
-          </p:cNvPr>
-          <p:cNvSpPr>
-            <a:spLocks noGrp="1"/>
-          </p:cNvSpPr>
-          <p:nvPr>
-            <p:ph type="title"/>
-          </p:nvPr>
-        </p:nvSpPr>
-        <p:spPr/>
-        <p:txBody>
-          <a:bodyPr/>
-          <a:lstStyle/>
-          <a:p>
-            <a:r>
-              <a:rPr lang="en-US" dirty="0"/>
-              <a:t>The Protocol for </a:t>
-            </a:r>
-            <a:br>
-              <a:rPr lang="en-US" dirty="0"/>
-            </a:br>
-            <a:r>
-              <a:rPr lang="en-US" dirty="0"/>
-              <a:t>Direct AI Connections</a:t>
-            </a:r>
-          </a:p>
-        </p:txBody>
-      </p:sp>
-      <p:pic>
-        <p:nvPicPr>
-          <p:cNvPr id="6" name="Picture Placeholder 5" descr="Moving bus">
-            <a:extLst>
-              <a:ext uri="{FF2B5EF4-FFF2-40B4-BE49-F238E27FC236}">
-                <a16:creationId xmlns:a16="http://schemas.microsoft.com/office/drawing/2014/main" id="{4410B7F8-9126-7450-5CE8-A8AD17D4B9E5}"/>
-              </a:ext>
-            </a:extLst>
-          </p:cNvPr>
-          <p:cNvPicPr>
-            <a:picLocks noGrp="1" noChangeAspect="1"/>
-          </p:cNvPicPr>
-          <p:nvPr>
-            <p:ph type="pic" sz="quarter" idx="15"/>
-          </p:nvPr>
-        </p:nvPicPr>
-        <p:blipFill>
-          <a:blip r:embed="rId2" cstate="print">
-            <a:extLst>
-              <a:ext uri="{28A0092B-C50C-407E-A947-70E740481C1C}">
-                <a14:useLocalDpi xmlns:a14="http://schemas.microsoft.com/office/drawing/2010/main" val="0"/>
-              </a:ext>
-            </a:extLst>
-          </a:blip>
-          <a:srcRect l="11332" r="11332"/>
-          <a:stretch>
-            <a:fillRect/>
-          </a:stretch>
-        </p:blipFill>
-        <p:spPr/>
-      </p:pic>
-      <p:sp>
-        <p:nvSpPr>
-          <p:cNvPr id="4" name="Content Placeholder 3">
-            <a:extLst>
-              <a:ext uri="{FF2B5EF4-FFF2-40B4-BE49-F238E27FC236}">
-                <a16:creationId xmlns:a16="http://schemas.microsoft.com/office/drawing/2014/main" id="{B1761C51-E898-52AF-E1C9-FA5EF15AA94E}"/>
-              </a:ext>
-            </a:extLst>
-          </p:cNvPr>
-          <p:cNvSpPr>
-            <a:spLocks noGrp="1"/>
-          </p:cNvSpPr>
-          <p:nvPr>
-            <p:ph sz="quarter" idx="14"/>
-          </p:nvPr>
-        </p:nvSpPr>
-        <p:spPr/>
-        <p:txBody>
-          <a:bodyPr/>
-          <a:lstStyle/>
-          <a:p>
-            <a:pPr marL="0" indent="0">
-              <a:spcBef>
-                <a:spcPts val="2500"/>
-              </a:spcBef>
-              <a:buNone/>
-            </a:pPr>
-            <a:r>
-              <a:rPr lang="en-US" sz="1800" b="1" dirty="0"/>
-              <a:t>Does not solve Tool or Agent Discovery</a:t>
-            </a:r>
-          </a:p>
-          <a:p>
-            <a:pPr marL="0" lvl="1" indent="0">
-              <a:buNone/>
-            </a:pPr>
-            <a:r>
-              <a:rPr lang="en-US" sz="1800" dirty="0"/>
-              <a:t>You need some sort of registry to find MCP servers either that you can run, or that are hosted online.</a:t>
-            </a:r>
-          </a:p>
-          <a:p>
-            <a:pPr marL="0" indent="0">
-              <a:spcBef>
-                <a:spcPts val="2500"/>
-              </a:spcBef>
-              <a:buNone/>
-            </a:pPr>
-            <a:r>
-              <a:rPr lang="en-US" sz="1800" b="1" dirty="0"/>
-              <a:t>Does not let one tool directly call another</a:t>
-            </a:r>
-          </a:p>
-          <a:p>
-            <a:pPr marL="0" lvl="1" indent="0">
-              <a:buNone/>
-            </a:pPr>
-            <a:r>
-              <a:rPr lang="en-US" sz="1800" dirty="0"/>
-              <a:t>This does not handle </a:t>
-            </a:r>
-            <a:r>
-              <a:rPr lang="en-US" sz="1800" dirty="0" err="1"/>
-              <a:t>eventing</a:t>
-            </a:r>
-            <a:r>
-              <a:rPr lang="en-US" sz="1800" dirty="0"/>
-              <a:t> between agents.</a:t>
-            </a:r>
-          </a:p>
-          <a:p>
-            <a:pPr marL="0" indent="0">
-              <a:spcBef>
-                <a:spcPts val="2500"/>
-              </a:spcBef>
-              <a:buNone/>
-            </a:pPr>
-            <a:r>
-              <a:rPr lang="en-US" sz="1800" b="1" dirty="0"/>
-              <a:t>Protocol Adoption is In Progress</a:t>
-            </a:r>
-          </a:p>
-          <a:p>
-            <a:pPr marL="0" lvl="1" indent="0">
-              <a:buNone/>
-            </a:pPr>
-            <a:r>
-              <a:rPr lang="en-US" sz="1800" dirty="0"/>
-              <a:t>The protocol has become the clear front-runner in the space, but few tools fully support it today.</a:t>
-            </a:r>
-          </a:p>
-          <a:p>
-            <a:pPr marL="0" indent="0">
-              <a:buNone/>
-            </a:pPr>
-            <a:endParaRPr lang="en-US" dirty="0"/>
-          </a:p>
-        </p:txBody>
-      </p:sp>
-    </p:spTree>
-    <p:extLst>
-      <p:ext uri="{BB962C8B-B14F-4D97-AF65-F5344CB8AC3E}">
-        <p14:creationId xmlns:p14="http://schemas.microsoft.com/office/powerpoint/2010/main" val="3262718414"/>
-      </p:ext>
-    </p:extLst>
-  </p:cSld>
-  <p:clrMapOvr>
-    <a:masterClrMapping/>
-  </p:clrMapOvr>
-</p:sld>
-</file>
-
 <file path=ppt/slides/slide9.xml><?xml version="1.0" encoding="utf-8"?>
 <p:sld xmlns:a="http://schemas.openxmlformats.org/drawingml/2006/main" xmlns:r="http://schemas.openxmlformats.org/officeDocument/2006/relationships" xmlns:p="http://schemas.openxmlformats.org/presentationml/2006/main">
   <p:cSld>
@@ -27312,18 +27906,18 @@
       </p:grpSpPr>
       <p:sp>
         <p:nvSpPr>
-          <p:cNvPr id="5" name="Title 4">
-            <a:extLst>
-              <a:ext uri="{FF2B5EF4-FFF2-40B4-BE49-F238E27FC236}">
-                <a16:creationId xmlns:a16="http://schemas.microsoft.com/office/drawing/2014/main" id="{A18D4A22-5F39-C9F4-EF5A-FB81BC8128D7}"/>
-              </a:ext>
-            </a:extLst>
-          </p:cNvPr>
-          <p:cNvSpPr>
-            <a:spLocks noGrp="1"/>
-          </p:cNvSpPr>
-          <p:nvPr>
-            <p:ph type="ctrTitle"/>
+          <p:cNvPr id="2" name="Title 1">
+            <a:extLst>
+              <a:ext uri="{FF2B5EF4-FFF2-40B4-BE49-F238E27FC236}">
+                <a16:creationId xmlns:a16="http://schemas.microsoft.com/office/drawing/2014/main" id="{F943BBDF-3479-BFE8-20B9-A4E397309DE1}"/>
+              </a:ext>
+            </a:extLst>
+          </p:cNvPr>
+          <p:cNvSpPr>
+            <a:spLocks noGrp="1"/>
+          </p:cNvSpPr>
+          <p:nvPr>
+            <p:ph type="title"/>
           </p:nvPr>
         </p:nvSpPr>
         <p:spPr/>
@@ -27333,25 +27927,63 @@
           <a:p>
             <a:r>
               <a:rPr lang="en-US" dirty="0"/>
-              <a:t>GitHub Remote Server</a:t>
-            </a:r>
-          </a:p>
-        </p:txBody>
-      </p:sp>
-      <p:sp>
-        <p:nvSpPr>
-          <p:cNvPr id="6" name="Subtitle 5">
-            <a:extLst>
-              <a:ext uri="{FF2B5EF4-FFF2-40B4-BE49-F238E27FC236}">
-                <a16:creationId xmlns:a16="http://schemas.microsoft.com/office/drawing/2014/main" id="{43994C03-9C0C-B305-596C-072F88C94D5B}"/>
-              </a:ext>
-            </a:extLst>
-          </p:cNvPr>
-          <p:cNvSpPr>
-            <a:spLocks noGrp="1"/>
-          </p:cNvSpPr>
-          <p:nvPr>
-            <p:ph type="subTitle" idx="1"/>
+              <a:t>The Protocol for </a:t>
+            </a:r>
+            <a:br>
+              <a:rPr lang="en-US" dirty="0"/>
+            </a:br>
+            <a:r>
+              <a:rPr lang="en-US" dirty="0"/>
+              <a:t>Direct AI Connections</a:t>
+            </a:r>
+          </a:p>
+        </p:txBody>
+      </p:sp>
+      <p:pic>
+        <p:nvPicPr>
+          <p:cNvPr id="6" name="Picture Placeholder 5" descr="Moving bus">
+            <a:extLst>
+              <a:ext uri="{FF2B5EF4-FFF2-40B4-BE49-F238E27FC236}">
+                <a16:creationId xmlns:a16="http://schemas.microsoft.com/office/drawing/2014/main" id="{4410B7F8-9126-7450-5CE8-A8AD17D4B9E5}"/>
+              </a:ext>
+            </a:extLst>
+          </p:cNvPr>
+          <p:cNvPicPr>
+            <a:picLocks noGrp="1" noChangeAspect="1"/>
+          </p:cNvPicPr>
+          <p:nvPr>
+            <p:ph type="pic" sz="quarter" idx="15"/>
+          </p:nvPr>
+        </p:nvPicPr>
+        <p:blipFill>
+          <a:blip r:embed="rId2" cstate="print">
+            <a:extLst>
+              <a:ext uri="{28A0092B-C50C-407E-A947-70E740481C1C}">
+                <a14:useLocalDpi xmlns:a14="http://schemas.microsoft.com/office/drawing/2010/main" val="0"/>
+              </a:ext>
+            </a:extLst>
+          </a:blip>
+          <a:srcRect l="11332" r="11332"/>
+          <a:stretch>
+            <a:fillRect/>
+          </a:stretch>
+        </p:blipFill>
+        <p:spPr/>
+      </p:pic>
+      <p:sp>
+        <p:nvSpPr>
+          <p:cNvPr id="4" name="Content Placeholder 3">
+            <a:extLst>
+              <a:ext uri="{FF2B5EF4-FFF2-40B4-BE49-F238E27FC236}">
+                <a16:creationId xmlns:a16="http://schemas.microsoft.com/office/drawing/2014/main" id="{B1761C51-E898-52AF-E1C9-FA5EF15AA94E}"/>
+              </a:ext>
+            </a:extLst>
+          </p:cNvPr>
+          <p:cNvSpPr>
+            <a:spLocks noGrp="1"/>
+          </p:cNvSpPr>
+          <p:nvPr>
+            <p:ph sz="quarter" idx="14"/>
           </p:nvPr>
         </p:nvSpPr>
         <p:spPr/>
@@ -27359,17 +27991,88 @@
           <a:bodyPr/>
           <a:lstStyle/>
           <a:p>
-            <a:r>
-              <a:rPr lang="en-US" dirty="0"/>
-              <a:t>Demonstration</a:t>
-            </a:r>
+            <a:pPr marL="0" indent="0">
+              <a:spcBef>
+                <a:spcPts val="2500"/>
+              </a:spcBef>
+              <a:buNone/>
+            </a:pPr>
+            <a:r>
+              <a:rPr lang="en-US" sz="1800" b="1" dirty="0"/>
+              <a:t>Does not solve Tool or Agent Discovery</a:t>
+            </a:r>
+          </a:p>
+          <a:p>
+            <a:pPr marL="0" lvl="1" indent="0">
+              <a:buNone/>
+            </a:pPr>
+            <a:r>
+              <a:rPr lang="en-US" sz="1800" dirty="0"/>
+              <a:t>You need some sort of registry to find MCP servers either that you can run, or that are hosted online.</a:t>
+            </a:r>
+          </a:p>
+          <a:p>
+            <a:pPr marL="0" indent="0">
+              <a:spcBef>
+                <a:spcPts val="2500"/>
+              </a:spcBef>
+              <a:buNone/>
+            </a:pPr>
+            <a:r>
+              <a:rPr lang="en-US" sz="1800" b="1" dirty="0"/>
+              <a:t>Does not let one tool directly call another</a:t>
+            </a:r>
+          </a:p>
+          <a:p>
+            <a:pPr marL="0" lvl="1" indent="0">
+              <a:buNone/>
+            </a:pPr>
+            <a:r>
+              <a:rPr lang="en-US" sz="1800" dirty="0"/>
+              <a:t>This does not handle </a:t>
+            </a:r>
+            <a:r>
+              <a:rPr lang="en-US" sz="1800" dirty="0" err="1"/>
+              <a:t>eventing</a:t>
+            </a:r>
+            <a:r>
+              <a:rPr lang="en-US" sz="1800" dirty="0"/>
+              <a:t> between agents.</a:t>
+            </a:r>
+          </a:p>
+          <a:p>
+            <a:pPr marL="0" indent="0">
+              <a:spcBef>
+                <a:spcPts val="2500"/>
+              </a:spcBef>
+              <a:buNone/>
+            </a:pPr>
+            <a:r>
+              <a:rPr lang="en-US" sz="1800" b="1" dirty="0"/>
+              <a:t>Protocol Adoption is In Progress</a:t>
+            </a:r>
+          </a:p>
+          <a:p>
+            <a:pPr marL="0" lvl="1" indent="0">
+              <a:buNone/>
+            </a:pPr>
+            <a:r>
+              <a:rPr lang="en-US" sz="1800" dirty="0"/>
+              <a:t>The protocol has become the clear front-runner in the space, but few tools fully support it today.</a:t>
+            </a:r>
+          </a:p>
+          <a:p>
+            <a:pPr marL="0" indent="0">
+              <a:buNone/>
+            </a:pPr>
+            <a:endParaRPr lang="en-US" dirty="0"/>
           </a:p>
         </p:txBody>
       </p:sp>
     </p:spTree>
     <p:extLst>
       <p:ext uri="{BB962C8B-B14F-4D97-AF65-F5344CB8AC3E}">
-        <p14:creationId xmlns:p14="http://schemas.microsoft.com/office/powerpoint/2010/main" val="1803766686"/>
+        <p14:creationId xmlns:p14="http://schemas.microsoft.com/office/powerpoint/2010/main" val="3262718414"/>
       </p:ext>
     </p:extLst>
   </p:cSld>

--- a/MCP_Servers_Presentation.pptx
+++ b/MCP_Servers_Presentation.pptx
@@ -5,7 +5,7 @@
     <p:sldMasterId id="2147483648" r:id="rId1"/>
   </p:sldMasterIdLst>
   <p:notesMasterIdLst>
-    <p:notesMasterId r:id="rId28"/>
+    <p:notesMasterId r:id="rId29"/>
   </p:notesMasterIdLst>
   <p:sldIdLst>
     <p:sldId id="2561" r:id="rId2"/>
@@ -19,21 +19,22 @@
     <p:sldId id="2589" r:id="rId10"/>
     <p:sldId id="2584" r:id="rId11"/>
     <p:sldId id="2590" r:id="rId12"/>
-    <p:sldId id="2564" r:id="rId13"/>
-    <p:sldId id="2585" r:id="rId14"/>
-    <p:sldId id="2566" r:id="rId15"/>
-    <p:sldId id="2567" r:id="rId16"/>
-    <p:sldId id="2580" r:id="rId17"/>
-    <p:sldId id="2581" r:id="rId18"/>
-    <p:sldId id="2586" r:id="rId19"/>
-    <p:sldId id="2587" r:id="rId20"/>
-    <p:sldId id="2577" r:id="rId21"/>
-    <p:sldId id="2578" r:id="rId22"/>
-    <p:sldId id="2572" r:id="rId23"/>
-    <p:sldId id="2573" r:id="rId24"/>
-    <p:sldId id="2579" r:id="rId25"/>
-    <p:sldId id="2574" r:id="rId26"/>
-    <p:sldId id="2575" r:id="rId27"/>
+    <p:sldId id="2591" r:id="rId13"/>
+    <p:sldId id="2564" r:id="rId14"/>
+    <p:sldId id="2585" r:id="rId15"/>
+    <p:sldId id="2566" r:id="rId16"/>
+    <p:sldId id="2567" r:id="rId17"/>
+    <p:sldId id="2580" r:id="rId18"/>
+    <p:sldId id="2581" r:id="rId19"/>
+    <p:sldId id="2586" r:id="rId20"/>
+    <p:sldId id="2587" r:id="rId21"/>
+    <p:sldId id="2577" r:id="rId22"/>
+    <p:sldId id="2578" r:id="rId23"/>
+    <p:sldId id="2572" r:id="rId24"/>
+    <p:sldId id="2573" r:id="rId25"/>
+    <p:sldId id="2579" r:id="rId26"/>
+    <p:sldId id="2574" r:id="rId27"/>
+    <p:sldId id="2575" r:id="rId28"/>
   </p:sldIdLst>
   <p:sldSz cx="12192000" cy="6858000"/>
   <p:notesSz cx="6858000" cy="9144000"/>
@@ -152,6 +153,7 @@
             <p14:sldId id="2589"/>
             <p14:sldId id="2584"/>
             <p14:sldId id="2590"/>
+            <p14:sldId id="2591"/>
           </p14:sldIdLst>
         </p14:section>
         <p14:section name="Challenges in AI Integration" id="{DACF0260-1362-46A0-BD67-FA4E3DB331AC}">
@@ -207,6 +209,1972 @@
     <p1510:client id="{ECA92156-2263-4BE9-8E45-416A067DAEAD}" v="18" dt="2025-09-03T16:20:03.671"/>
   </p1510:revLst>
 </p1510:revInfo>
+</file>
+
+<file path=ppt/charts/chart1.xml><?xml version="1.0" encoding="utf-8"?>
+<c:chartSpace xmlns:c="http://schemas.openxmlformats.org/drawingml/2006/chart" xmlns:a="http://schemas.openxmlformats.org/drawingml/2006/main" xmlns:r="http://schemas.openxmlformats.org/officeDocument/2006/relationships" xmlns:c16r2="http://schemas.microsoft.com/office/drawing/2015/06/chart">
+  <c:date1904 val="0"/>
+  <c:lang val="en-US"/>
+  <c:roundedCorners val="0"/>
+  <mc:AlternateContent xmlns:mc="http://schemas.openxmlformats.org/markup-compatibility/2006">
+    <mc:Choice xmlns:c14="http://schemas.microsoft.com/office/drawing/2007/8/2/chart" Requires="c14">
+      <c14:style val="102"/>
+    </mc:Choice>
+    <mc:Fallback>
+      <c:style val="2"/>
+    </mc:Fallback>
+  </mc:AlternateContent>
+  <c:chart>
+    <c:title>
+      <c:tx>
+        <c:rich>
+          <a:bodyPr rot="0" spcFirstLastPara="1" vertOverflow="ellipsis" vert="horz" wrap="square" anchor="ctr" anchorCtr="1"/>
+          <a:lstStyle/>
+          <a:p>
+            <a:pPr>
+              <a:defRPr sz="4000" b="1" i="0" u="none" strike="noStrike" kern="1200" spc="0" baseline="0">
+                <a:solidFill>
+                  <a:schemeClr val="tx1">
+                    <a:lumMod val="65000"/>
+                    <a:lumOff val="35000"/>
+                  </a:schemeClr>
+                </a:solidFill>
+                <a:latin typeface="+mn-lt"/>
+                <a:ea typeface="+mn-ea"/>
+                <a:cs typeface="+mn-cs"/>
+              </a:defRPr>
+            </a:pPr>
+            <a:r>
+              <a:rPr lang="en-US" sz="4000" b="1" dirty="0"/>
+              <a:t>Context vs Result Quality</a:t>
+            </a:r>
+          </a:p>
+        </c:rich>
+      </c:tx>
+      <c:overlay val="0"/>
+      <c:spPr>
+        <a:noFill/>
+        <a:ln>
+          <a:noFill/>
+        </a:ln>
+        <a:effectLst/>
+      </c:spPr>
+      <c:txPr>
+        <a:bodyPr rot="0" spcFirstLastPara="1" vertOverflow="ellipsis" vert="horz" wrap="square" anchor="ctr" anchorCtr="1"/>
+        <a:lstStyle/>
+        <a:p>
+          <a:pPr>
+            <a:defRPr sz="4000" b="1" i="0" u="none" strike="noStrike" kern="1200" spc="0" baseline="0">
+              <a:solidFill>
+                <a:schemeClr val="tx1">
+                  <a:lumMod val="65000"/>
+                  <a:lumOff val="35000"/>
+                </a:schemeClr>
+              </a:solidFill>
+              <a:latin typeface="+mn-lt"/>
+              <a:ea typeface="+mn-ea"/>
+              <a:cs typeface="+mn-cs"/>
+            </a:defRPr>
+          </a:pPr>
+          <a:endParaRPr lang="en-US"/>
+        </a:p>
+      </c:txPr>
+    </c:title>
+    <c:autoTitleDeleted val="0"/>
+    <c:plotArea>
+      <c:layout/>
+      <c:lineChart>
+        <c:grouping val="standard"/>
+        <c:varyColors val="0"/>
+        <c:ser>
+          <c:idx val="0"/>
+          <c:order val="0"/>
+          <c:tx>
+            <c:strRef>
+              <c:f>Sheet1!$B$1</c:f>
+              <c:strCache>
+                <c:ptCount val="1"/>
+                <c:pt idx="0">
+                  <c:v>Series 1</c:v>
+                </c:pt>
+              </c:strCache>
+            </c:strRef>
+          </c:tx>
+          <c:spPr>
+            <a:ln w="28575" cap="rnd">
+              <a:solidFill>
+                <a:schemeClr val="accent1"/>
+              </a:solidFill>
+              <a:round/>
+            </a:ln>
+            <a:effectLst/>
+          </c:spPr>
+          <c:marker>
+            <c:symbol val="none"/>
+          </c:marker>
+          <c:cat>
+            <c:numRef>
+              <c:f>Sheet1!$A$2:$A$11</c:f>
+              <c:numCache>
+                <c:formatCode>General</c:formatCode>
+                <c:ptCount val="10"/>
+              </c:numCache>
+            </c:numRef>
+          </c:cat>
+          <c:val>
+            <c:numRef>
+              <c:f>Sheet1!$B$2:$B$11</c:f>
+              <c:numCache>
+                <c:formatCode>General</c:formatCode>
+                <c:ptCount val="10"/>
+                <c:pt idx="0">
+                  <c:v>10</c:v>
+                </c:pt>
+                <c:pt idx="1">
+                  <c:v>40</c:v>
+                </c:pt>
+                <c:pt idx="2">
+                  <c:v>70</c:v>
+                </c:pt>
+                <c:pt idx="3">
+                  <c:v>90</c:v>
+                </c:pt>
+                <c:pt idx="4">
+                  <c:v>95</c:v>
+                </c:pt>
+                <c:pt idx="5">
+                  <c:v>30</c:v>
+                </c:pt>
+                <c:pt idx="6">
+                  <c:v>20</c:v>
+                </c:pt>
+                <c:pt idx="7">
+                  <c:v>10</c:v>
+                </c:pt>
+                <c:pt idx="8">
+                  <c:v>5</c:v>
+                </c:pt>
+                <c:pt idx="9">
+                  <c:v>1</c:v>
+                </c:pt>
+              </c:numCache>
+            </c:numRef>
+          </c:val>
+          <c:smooth val="0"/>
+          <c:extLst>
+            <c:ext xmlns:c16="http://schemas.microsoft.com/office/drawing/2014/chart" uri="{C3380CC4-5D6E-409C-BE32-E72D297353CC}">
+              <c16:uniqueId val="{00000000-AE4F-4DF7-9449-E5FD224BE4BE}"/>
+            </c:ext>
+          </c:extLst>
+        </c:ser>
+        <c:dLbls>
+          <c:showLegendKey val="0"/>
+          <c:showVal val="0"/>
+          <c:showCatName val="0"/>
+          <c:showSerName val="0"/>
+          <c:showPercent val="0"/>
+          <c:showBubbleSize val="0"/>
+        </c:dLbls>
+        <c:smooth val="0"/>
+        <c:axId val="1534040016"/>
+        <c:axId val="1534040496"/>
+      </c:lineChart>
+      <c:catAx>
+        <c:axId val="1534040016"/>
+        <c:scaling>
+          <c:orientation val="minMax"/>
+        </c:scaling>
+        <c:delete val="0"/>
+        <c:axPos val="b"/>
+        <c:title>
+          <c:tx>
+            <c:rich>
+              <a:bodyPr rot="0" spcFirstLastPara="1" vertOverflow="ellipsis" vert="horz" wrap="square" anchor="ctr" anchorCtr="1"/>
+              <a:lstStyle/>
+              <a:p>
+                <a:pPr>
+                  <a:defRPr sz="2400" b="0" i="0" u="none" strike="noStrike" kern="1200" baseline="0">
+                    <a:solidFill>
+                      <a:schemeClr val="tx1">
+                        <a:lumMod val="65000"/>
+                        <a:lumOff val="35000"/>
+                      </a:schemeClr>
+                    </a:solidFill>
+                    <a:latin typeface="+mn-lt"/>
+                    <a:ea typeface="+mn-ea"/>
+                    <a:cs typeface="+mn-cs"/>
+                  </a:defRPr>
+                </a:pPr>
+                <a:r>
+                  <a:rPr lang="en-US" sz="2400" dirty="0"/>
+                  <a:t>Context Size</a:t>
+                </a:r>
+              </a:p>
+            </c:rich>
+          </c:tx>
+          <c:overlay val="0"/>
+          <c:spPr>
+            <a:noFill/>
+            <a:ln>
+              <a:noFill/>
+            </a:ln>
+            <a:effectLst/>
+          </c:spPr>
+          <c:txPr>
+            <a:bodyPr rot="0" spcFirstLastPara="1" vertOverflow="ellipsis" vert="horz" wrap="square" anchor="ctr" anchorCtr="1"/>
+            <a:lstStyle/>
+            <a:p>
+              <a:pPr>
+                <a:defRPr sz="2400" b="0" i="0" u="none" strike="noStrike" kern="1200" baseline="0">
+                  <a:solidFill>
+                    <a:schemeClr val="tx1">
+                      <a:lumMod val="65000"/>
+                      <a:lumOff val="35000"/>
+                    </a:schemeClr>
+                  </a:solidFill>
+                  <a:latin typeface="+mn-lt"/>
+                  <a:ea typeface="+mn-ea"/>
+                  <a:cs typeface="+mn-cs"/>
+                </a:defRPr>
+              </a:pPr>
+              <a:endParaRPr lang="en-US"/>
+            </a:p>
+          </c:txPr>
+        </c:title>
+        <c:numFmt formatCode="General" sourceLinked="1"/>
+        <c:majorTickMark val="none"/>
+        <c:minorTickMark val="none"/>
+        <c:tickLblPos val="nextTo"/>
+        <c:spPr>
+          <a:noFill/>
+          <a:ln w="9525" cap="flat" cmpd="sng" algn="ctr">
+            <a:solidFill>
+              <a:schemeClr val="tx1">
+                <a:lumMod val="15000"/>
+                <a:lumOff val="85000"/>
+              </a:schemeClr>
+            </a:solidFill>
+            <a:round/>
+          </a:ln>
+          <a:effectLst/>
+        </c:spPr>
+        <c:txPr>
+          <a:bodyPr rot="-60000000" spcFirstLastPara="1" vertOverflow="ellipsis" vert="horz" wrap="square" anchor="ctr" anchorCtr="1"/>
+          <a:lstStyle/>
+          <a:p>
+            <a:pPr>
+              <a:defRPr sz="1197" b="0" i="0" u="none" strike="noStrike" kern="1200" baseline="0">
+                <a:solidFill>
+                  <a:schemeClr val="tx1">
+                    <a:lumMod val="65000"/>
+                    <a:lumOff val="35000"/>
+                  </a:schemeClr>
+                </a:solidFill>
+                <a:latin typeface="+mn-lt"/>
+                <a:ea typeface="+mn-ea"/>
+                <a:cs typeface="+mn-cs"/>
+              </a:defRPr>
+            </a:pPr>
+            <a:endParaRPr lang="en-US"/>
+          </a:p>
+        </c:txPr>
+        <c:crossAx val="1534040496"/>
+        <c:crosses val="autoZero"/>
+        <c:auto val="1"/>
+        <c:lblAlgn val="ctr"/>
+        <c:lblOffset val="100"/>
+        <c:noMultiLvlLbl val="0"/>
+      </c:catAx>
+      <c:valAx>
+        <c:axId val="1534040496"/>
+        <c:scaling>
+          <c:orientation val="minMax"/>
+        </c:scaling>
+        <c:delete val="0"/>
+        <c:axPos val="l"/>
+        <c:majorGridlines>
+          <c:spPr>
+            <a:ln w="9525" cap="flat" cmpd="sng" algn="ctr">
+              <a:solidFill>
+                <a:schemeClr val="tx1">
+                  <a:lumMod val="15000"/>
+                  <a:lumOff val="85000"/>
+                </a:schemeClr>
+              </a:solidFill>
+              <a:round/>
+            </a:ln>
+            <a:effectLst/>
+          </c:spPr>
+        </c:majorGridlines>
+        <c:title>
+          <c:tx>
+            <c:rich>
+              <a:bodyPr rot="-5400000" spcFirstLastPara="1" vertOverflow="ellipsis" vert="horz" wrap="square" anchor="ctr" anchorCtr="1"/>
+              <a:lstStyle/>
+              <a:p>
+                <a:pPr>
+                  <a:defRPr sz="2400" b="0" i="0" u="none" strike="noStrike" kern="1200" baseline="0">
+                    <a:solidFill>
+                      <a:schemeClr val="tx1">
+                        <a:lumMod val="65000"/>
+                        <a:lumOff val="35000"/>
+                      </a:schemeClr>
+                    </a:solidFill>
+                    <a:latin typeface="+mn-lt"/>
+                    <a:ea typeface="+mn-ea"/>
+                    <a:cs typeface="+mn-cs"/>
+                  </a:defRPr>
+                </a:pPr>
+                <a:r>
+                  <a:rPr lang="en-US" sz="2400" dirty="0"/>
+                  <a:t>Result Quality</a:t>
+                </a:r>
+              </a:p>
+            </c:rich>
+          </c:tx>
+          <c:overlay val="0"/>
+          <c:spPr>
+            <a:noFill/>
+            <a:ln>
+              <a:noFill/>
+            </a:ln>
+            <a:effectLst/>
+          </c:spPr>
+          <c:txPr>
+            <a:bodyPr rot="-5400000" spcFirstLastPara="1" vertOverflow="ellipsis" vert="horz" wrap="square" anchor="ctr" anchorCtr="1"/>
+            <a:lstStyle/>
+            <a:p>
+              <a:pPr>
+                <a:defRPr sz="2400" b="0" i="0" u="none" strike="noStrike" kern="1200" baseline="0">
+                  <a:solidFill>
+                    <a:schemeClr val="tx1">
+                      <a:lumMod val="65000"/>
+                      <a:lumOff val="35000"/>
+                    </a:schemeClr>
+                  </a:solidFill>
+                  <a:latin typeface="+mn-lt"/>
+                  <a:ea typeface="+mn-ea"/>
+                  <a:cs typeface="+mn-cs"/>
+                </a:defRPr>
+              </a:pPr>
+              <a:endParaRPr lang="en-US"/>
+            </a:p>
+          </c:txPr>
+        </c:title>
+        <c:numFmt formatCode="General" sourceLinked="1"/>
+        <c:majorTickMark val="none"/>
+        <c:minorTickMark val="none"/>
+        <c:tickLblPos val="nextTo"/>
+        <c:spPr>
+          <a:noFill/>
+          <a:ln>
+            <a:noFill/>
+          </a:ln>
+          <a:effectLst/>
+        </c:spPr>
+        <c:txPr>
+          <a:bodyPr rot="-60000000" spcFirstLastPara="1" vertOverflow="ellipsis" vert="horz" wrap="square" anchor="ctr" anchorCtr="1"/>
+          <a:lstStyle/>
+          <a:p>
+            <a:pPr>
+              <a:defRPr sz="1197" b="0" i="0" u="none" strike="noStrike" kern="1200" baseline="0">
+                <a:solidFill>
+                  <a:schemeClr val="tx1">
+                    <a:lumMod val="65000"/>
+                    <a:lumOff val="35000"/>
+                  </a:schemeClr>
+                </a:solidFill>
+                <a:latin typeface="+mn-lt"/>
+                <a:ea typeface="+mn-ea"/>
+                <a:cs typeface="+mn-cs"/>
+              </a:defRPr>
+            </a:pPr>
+            <a:endParaRPr lang="en-US"/>
+          </a:p>
+        </c:txPr>
+        <c:crossAx val="1534040016"/>
+        <c:crosses val="autoZero"/>
+        <c:crossBetween val="between"/>
+      </c:valAx>
+      <c:spPr>
+        <a:noFill/>
+        <a:ln>
+          <a:noFill/>
+        </a:ln>
+        <a:effectLst/>
+      </c:spPr>
+    </c:plotArea>
+    <c:plotVisOnly val="1"/>
+    <c:dispBlanksAs val="gap"/>
+    <c:showDLblsOverMax val="0"/>
+    <c:extLst>
+      <c:ext xmlns:c16r3="http://schemas.microsoft.com/office/drawing/2017/03/chart" uri="{56B9EC1D-385E-4148-901F-78D8002777C0}">
+        <c16r3:dataDisplayOptions16>
+          <c16r3:dispNaAsBlank val="1"/>
+        </c16r3:dataDisplayOptions16>
+      </c:ext>
+    </c:extLst>
+  </c:chart>
+  <c:spPr>
+    <a:noFill/>
+    <a:ln>
+      <a:noFill/>
+    </a:ln>
+    <a:effectLst/>
+  </c:spPr>
+  <c:txPr>
+    <a:bodyPr/>
+    <a:lstStyle/>
+    <a:p>
+      <a:pPr>
+        <a:defRPr/>
+      </a:pPr>
+      <a:endParaRPr lang="en-US"/>
+    </a:p>
+  </c:txPr>
+  <c:externalData r:id="rId3">
+    <c:autoUpdate val="0"/>
+  </c:externalData>
+</c:chartSpace>
+</file>
+
+<file path=ppt/charts/chart2.xml><?xml version="1.0" encoding="utf-8"?>
+<c:chartSpace xmlns:c="http://schemas.openxmlformats.org/drawingml/2006/chart" xmlns:a="http://schemas.openxmlformats.org/drawingml/2006/main" xmlns:r="http://schemas.openxmlformats.org/officeDocument/2006/relationships" xmlns:c16r2="http://schemas.microsoft.com/office/drawing/2015/06/chart">
+  <c:date1904 val="0"/>
+  <c:lang val="en-US"/>
+  <c:roundedCorners val="0"/>
+  <mc:AlternateContent xmlns:mc="http://schemas.openxmlformats.org/markup-compatibility/2006">
+    <mc:Choice xmlns:c14="http://schemas.microsoft.com/office/drawing/2007/8/2/chart" Requires="c14">
+      <c14:style val="102"/>
+    </mc:Choice>
+    <mc:Fallback>
+      <c:style val="2"/>
+    </mc:Fallback>
+  </mc:AlternateContent>
+  <c:chart>
+    <c:title>
+      <c:tx>
+        <c:rich>
+          <a:bodyPr rot="0" spcFirstLastPara="1" vertOverflow="ellipsis" vert="horz" wrap="square" anchor="ctr" anchorCtr="1"/>
+          <a:lstStyle/>
+          <a:p>
+            <a:pPr>
+              <a:defRPr sz="4000" b="1" i="0" u="none" strike="noStrike" kern="1200" spc="0" baseline="0">
+                <a:solidFill>
+                  <a:schemeClr val="tx1">
+                    <a:lumMod val="65000"/>
+                    <a:lumOff val="35000"/>
+                  </a:schemeClr>
+                </a:solidFill>
+                <a:latin typeface="+mn-lt"/>
+                <a:ea typeface="+mn-ea"/>
+                <a:cs typeface="+mn-cs"/>
+              </a:defRPr>
+            </a:pPr>
+            <a:r>
+              <a:rPr lang="en-US" sz="4000" b="1" dirty="0"/>
+              <a:t>Context vs Result Quality</a:t>
+            </a:r>
+          </a:p>
+        </c:rich>
+      </c:tx>
+      <c:overlay val="0"/>
+      <c:spPr>
+        <a:noFill/>
+        <a:ln>
+          <a:noFill/>
+        </a:ln>
+        <a:effectLst/>
+      </c:spPr>
+      <c:txPr>
+        <a:bodyPr rot="0" spcFirstLastPara="1" vertOverflow="ellipsis" vert="horz" wrap="square" anchor="ctr" anchorCtr="1"/>
+        <a:lstStyle/>
+        <a:p>
+          <a:pPr>
+            <a:defRPr sz="4000" b="1" i="0" u="none" strike="noStrike" kern="1200" spc="0" baseline="0">
+              <a:solidFill>
+                <a:schemeClr val="tx1">
+                  <a:lumMod val="65000"/>
+                  <a:lumOff val="35000"/>
+                </a:schemeClr>
+              </a:solidFill>
+              <a:latin typeface="+mn-lt"/>
+              <a:ea typeface="+mn-ea"/>
+              <a:cs typeface="+mn-cs"/>
+            </a:defRPr>
+          </a:pPr>
+          <a:endParaRPr lang="en-US"/>
+        </a:p>
+      </c:txPr>
+    </c:title>
+    <c:autoTitleDeleted val="0"/>
+    <c:plotArea>
+      <c:layout/>
+      <c:lineChart>
+        <c:grouping val="standard"/>
+        <c:varyColors val="0"/>
+        <c:ser>
+          <c:idx val="0"/>
+          <c:order val="0"/>
+          <c:tx>
+            <c:strRef>
+              <c:f>Sheet1!$B$1</c:f>
+              <c:strCache>
+                <c:ptCount val="1"/>
+                <c:pt idx="0">
+                  <c:v>Series 1</c:v>
+                </c:pt>
+              </c:strCache>
+            </c:strRef>
+          </c:tx>
+          <c:spPr>
+            <a:ln w="28575" cap="rnd">
+              <a:solidFill>
+                <a:schemeClr val="accent1"/>
+              </a:solidFill>
+              <a:round/>
+            </a:ln>
+            <a:effectLst/>
+          </c:spPr>
+          <c:marker>
+            <c:symbol val="none"/>
+          </c:marker>
+          <c:cat>
+            <c:numRef>
+              <c:f>Sheet1!$A$2:$A$11</c:f>
+              <c:numCache>
+                <c:formatCode>General</c:formatCode>
+                <c:ptCount val="10"/>
+              </c:numCache>
+            </c:numRef>
+          </c:cat>
+          <c:val>
+            <c:numRef>
+              <c:f>Sheet1!$B$2:$B$11</c:f>
+              <c:numCache>
+                <c:formatCode>General</c:formatCode>
+                <c:ptCount val="10"/>
+                <c:pt idx="0">
+                  <c:v>10</c:v>
+                </c:pt>
+                <c:pt idx="1">
+                  <c:v>40</c:v>
+                </c:pt>
+                <c:pt idx="2">
+                  <c:v>70</c:v>
+                </c:pt>
+                <c:pt idx="3">
+                  <c:v>90</c:v>
+                </c:pt>
+                <c:pt idx="4">
+                  <c:v>95</c:v>
+                </c:pt>
+                <c:pt idx="5">
+                  <c:v>30</c:v>
+                </c:pt>
+                <c:pt idx="6">
+                  <c:v>20</c:v>
+                </c:pt>
+                <c:pt idx="7">
+                  <c:v>10</c:v>
+                </c:pt>
+                <c:pt idx="8">
+                  <c:v>5</c:v>
+                </c:pt>
+                <c:pt idx="9">
+                  <c:v>1</c:v>
+                </c:pt>
+              </c:numCache>
+            </c:numRef>
+          </c:val>
+          <c:smooth val="0"/>
+          <c:extLst>
+            <c:ext xmlns:c16="http://schemas.microsoft.com/office/drawing/2014/chart" uri="{C3380CC4-5D6E-409C-BE32-E72D297353CC}">
+              <c16:uniqueId val="{00000000-AE4F-4DF7-9449-E5FD224BE4BE}"/>
+            </c:ext>
+          </c:extLst>
+        </c:ser>
+        <c:dLbls>
+          <c:showLegendKey val="0"/>
+          <c:showVal val="0"/>
+          <c:showCatName val="0"/>
+          <c:showSerName val="0"/>
+          <c:showPercent val="0"/>
+          <c:showBubbleSize val="0"/>
+        </c:dLbls>
+        <c:smooth val="0"/>
+        <c:axId val="1534040016"/>
+        <c:axId val="1534040496"/>
+      </c:lineChart>
+      <c:catAx>
+        <c:axId val="1534040016"/>
+        <c:scaling>
+          <c:orientation val="minMax"/>
+        </c:scaling>
+        <c:delete val="0"/>
+        <c:axPos val="b"/>
+        <c:title>
+          <c:tx>
+            <c:rich>
+              <a:bodyPr rot="0" spcFirstLastPara="1" vertOverflow="ellipsis" vert="horz" wrap="square" anchor="ctr" anchorCtr="1"/>
+              <a:lstStyle/>
+              <a:p>
+                <a:pPr>
+                  <a:defRPr sz="2400" b="0" i="0" u="none" strike="noStrike" kern="1200" baseline="0">
+                    <a:solidFill>
+                      <a:schemeClr val="tx1">
+                        <a:lumMod val="65000"/>
+                        <a:lumOff val="35000"/>
+                      </a:schemeClr>
+                    </a:solidFill>
+                    <a:latin typeface="+mn-lt"/>
+                    <a:ea typeface="+mn-ea"/>
+                    <a:cs typeface="+mn-cs"/>
+                  </a:defRPr>
+                </a:pPr>
+                <a:r>
+                  <a:rPr lang="en-US" sz="2400" dirty="0"/>
+                  <a:t>Context Size</a:t>
+                </a:r>
+              </a:p>
+            </c:rich>
+          </c:tx>
+          <c:overlay val="0"/>
+          <c:spPr>
+            <a:noFill/>
+            <a:ln>
+              <a:noFill/>
+            </a:ln>
+            <a:effectLst/>
+          </c:spPr>
+          <c:txPr>
+            <a:bodyPr rot="0" spcFirstLastPara="1" vertOverflow="ellipsis" vert="horz" wrap="square" anchor="ctr" anchorCtr="1"/>
+            <a:lstStyle/>
+            <a:p>
+              <a:pPr>
+                <a:defRPr sz="2400" b="0" i="0" u="none" strike="noStrike" kern="1200" baseline="0">
+                  <a:solidFill>
+                    <a:schemeClr val="tx1">
+                      <a:lumMod val="65000"/>
+                      <a:lumOff val="35000"/>
+                    </a:schemeClr>
+                  </a:solidFill>
+                  <a:latin typeface="+mn-lt"/>
+                  <a:ea typeface="+mn-ea"/>
+                  <a:cs typeface="+mn-cs"/>
+                </a:defRPr>
+              </a:pPr>
+              <a:endParaRPr lang="en-US"/>
+            </a:p>
+          </c:txPr>
+        </c:title>
+        <c:numFmt formatCode="General" sourceLinked="1"/>
+        <c:majorTickMark val="none"/>
+        <c:minorTickMark val="none"/>
+        <c:tickLblPos val="nextTo"/>
+        <c:spPr>
+          <a:noFill/>
+          <a:ln w="9525" cap="flat" cmpd="sng" algn="ctr">
+            <a:solidFill>
+              <a:schemeClr val="tx1">
+                <a:lumMod val="15000"/>
+                <a:lumOff val="85000"/>
+              </a:schemeClr>
+            </a:solidFill>
+            <a:round/>
+          </a:ln>
+          <a:effectLst/>
+        </c:spPr>
+        <c:txPr>
+          <a:bodyPr rot="-60000000" spcFirstLastPara="1" vertOverflow="ellipsis" vert="horz" wrap="square" anchor="ctr" anchorCtr="1"/>
+          <a:lstStyle/>
+          <a:p>
+            <a:pPr>
+              <a:defRPr sz="1197" b="0" i="0" u="none" strike="noStrike" kern="1200" baseline="0">
+                <a:solidFill>
+                  <a:schemeClr val="tx1">
+                    <a:lumMod val="65000"/>
+                    <a:lumOff val="35000"/>
+                  </a:schemeClr>
+                </a:solidFill>
+                <a:latin typeface="+mn-lt"/>
+                <a:ea typeface="+mn-ea"/>
+                <a:cs typeface="+mn-cs"/>
+              </a:defRPr>
+            </a:pPr>
+            <a:endParaRPr lang="en-US"/>
+          </a:p>
+        </c:txPr>
+        <c:crossAx val="1534040496"/>
+        <c:crosses val="autoZero"/>
+        <c:auto val="1"/>
+        <c:lblAlgn val="ctr"/>
+        <c:lblOffset val="100"/>
+        <c:noMultiLvlLbl val="0"/>
+      </c:catAx>
+      <c:valAx>
+        <c:axId val="1534040496"/>
+        <c:scaling>
+          <c:orientation val="minMax"/>
+        </c:scaling>
+        <c:delete val="0"/>
+        <c:axPos val="l"/>
+        <c:majorGridlines>
+          <c:spPr>
+            <a:ln w="9525" cap="flat" cmpd="sng" algn="ctr">
+              <a:solidFill>
+                <a:schemeClr val="tx1">
+                  <a:lumMod val="15000"/>
+                  <a:lumOff val="85000"/>
+                </a:schemeClr>
+              </a:solidFill>
+              <a:round/>
+            </a:ln>
+            <a:effectLst/>
+          </c:spPr>
+        </c:majorGridlines>
+        <c:title>
+          <c:tx>
+            <c:rich>
+              <a:bodyPr rot="-5400000" spcFirstLastPara="1" vertOverflow="ellipsis" vert="horz" wrap="square" anchor="ctr" anchorCtr="1"/>
+              <a:lstStyle/>
+              <a:p>
+                <a:pPr>
+                  <a:defRPr sz="2400" b="0" i="0" u="none" strike="noStrike" kern="1200" baseline="0">
+                    <a:solidFill>
+                      <a:schemeClr val="tx1">
+                        <a:lumMod val="65000"/>
+                        <a:lumOff val="35000"/>
+                      </a:schemeClr>
+                    </a:solidFill>
+                    <a:latin typeface="+mn-lt"/>
+                    <a:ea typeface="+mn-ea"/>
+                    <a:cs typeface="+mn-cs"/>
+                  </a:defRPr>
+                </a:pPr>
+                <a:r>
+                  <a:rPr lang="en-US" sz="2400" dirty="0"/>
+                  <a:t>Result Quality</a:t>
+                </a:r>
+              </a:p>
+            </c:rich>
+          </c:tx>
+          <c:overlay val="0"/>
+          <c:spPr>
+            <a:noFill/>
+            <a:ln>
+              <a:noFill/>
+            </a:ln>
+            <a:effectLst/>
+          </c:spPr>
+          <c:txPr>
+            <a:bodyPr rot="-5400000" spcFirstLastPara="1" vertOverflow="ellipsis" vert="horz" wrap="square" anchor="ctr" anchorCtr="1"/>
+            <a:lstStyle/>
+            <a:p>
+              <a:pPr>
+                <a:defRPr sz="2400" b="0" i="0" u="none" strike="noStrike" kern="1200" baseline="0">
+                  <a:solidFill>
+                    <a:schemeClr val="tx1">
+                      <a:lumMod val="65000"/>
+                      <a:lumOff val="35000"/>
+                    </a:schemeClr>
+                  </a:solidFill>
+                  <a:latin typeface="+mn-lt"/>
+                  <a:ea typeface="+mn-ea"/>
+                  <a:cs typeface="+mn-cs"/>
+                </a:defRPr>
+              </a:pPr>
+              <a:endParaRPr lang="en-US"/>
+            </a:p>
+          </c:txPr>
+        </c:title>
+        <c:numFmt formatCode="General" sourceLinked="1"/>
+        <c:majorTickMark val="none"/>
+        <c:minorTickMark val="none"/>
+        <c:tickLblPos val="nextTo"/>
+        <c:spPr>
+          <a:noFill/>
+          <a:ln>
+            <a:noFill/>
+          </a:ln>
+          <a:effectLst/>
+        </c:spPr>
+        <c:txPr>
+          <a:bodyPr rot="-60000000" spcFirstLastPara="1" vertOverflow="ellipsis" vert="horz" wrap="square" anchor="ctr" anchorCtr="1"/>
+          <a:lstStyle/>
+          <a:p>
+            <a:pPr>
+              <a:defRPr sz="1197" b="0" i="0" u="none" strike="noStrike" kern="1200" baseline="0">
+                <a:solidFill>
+                  <a:schemeClr val="tx1">
+                    <a:lumMod val="65000"/>
+                    <a:lumOff val="35000"/>
+                  </a:schemeClr>
+                </a:solidFill>
+                <a:latin typeface="+mn-lt"/>
+                <a:ea typeface="+mn-ea"/>
+                <a:cs typeface="+mn-cs"/>
+              </a:defRPr>
+            </a:pPr>
+            <a:endParaRPr lang="en-US"/>
+          </a:p>
+        </c:txPr>
+        <c:crossAx val="1534040016"/>
+        <c:crosses val="autoZero"/>
+        <c:crossBetween val="between"/>
+      </c:valAx>
+      <c:spPr>
+        <a:noFill/>
+        <a:ln>
+          <a:noFill/>
+        </a:ln>
+        <a:effectLst/>
+      </c:spPr>
+    </c:plotArea>
+    <c:plotVisOnly val="1"/>
+    <c:dispBlanksAs val="gap"/>
+    <c:showDLblsOverMax val="0"/>
+    <c:extLst>
+      <c:ext xmlns:c16r3="http://schemas.microsoft.com/office/drawing/2017/03/chart" uri="{56B9EC1D-385E-4148-901F-78D8002777C0}">
+        <c16r3:dataDisplayOptions16>
+          <c16r3:dispNaAsBlank val="1"/>
+        </c16r3:dataDisplayOptions16>
+      </c:ext>
+    </c:extLst>
+  </c:chart>
+  <c:spPr>
+    <a:noFill/>
+    <a:ln>
+      <a:noFill/>
+    </a:ln>
+    <a:effectLst/>
+  </c:spPr>
+  <c:txPr>
+    <a:bodyPr/>
+    <a:lstStyle/>
+    <a:p>
+      <a:pPr>
+        <a:defRPr/>
+      </a:pPr>
+      <a:endParaRPr lang="en-US"/>
+    </a:p>
+  </c:txPr>
+  <c:externalData r:id="rId3">
+    <c:autoUpdate val="0"/>
+  </c:externalData>
+</c:chartSpace>
+</file>
+
+<file path=ppt/charts/colors1.xml><?xml version="1.0" encoding="utf-8"?>
+<cs:colorStyle xmlns:cs="http://schemas.microsoft.com/office/drawing/2012/chartStyle" xmlns:a="http://schemas.openxmlformats.org/drawingml/2006/main" meth="cycle" id="10">
+  <a:schemeClr val="accent1"/>
+  <a:schemeClr val="accent2"/>
+  <a:schemeClr val="accent3"/>
+  <a:schemeClr val="accent4"/>
+  <a:schemeClr val="accent5"/>
+  <a:schemeClr val="accent6"/>
+  <cs:variation/>
+  <cs:variation>
+    <a:lumMod val="60000"/>
+  </cs:variation>
+  <cs:variation>
+    <a:lumMod val="80000"/>
+    <a:lumOff val="20000"/>
+  </cs:variation>
+  <cs:variation>
+    <a:lumMod val="80000"/>
+  </cs:variation>
+  <cs:variation>
+    <a:lumMod val="60000"/>
+    <a:lumOff val="40000"/>
+  </cs:variation>
+  <cs:variation>
+    <a:lumMod val="50000"/>
+  </cs:variation>
+  <cs:variation>
+    <a:lumMod val="70000"/>
+    <a:lumOff val="30000"/>
+  </cs:variation>
+  <cs:variation>
+    <a:lumMod val="70000"/>
+  </cs:variation>
+  <cs:variation>
+    <a:lumMod val="50000"/>
+    <a:lumOff val="50000"/>
+  </cs:variation>
+</cs:colorStyle>
+</file>
+
+<file path=ppt/charts/colors2.xml><?xml version="1.0" encoding="utf-8"?>
+<cs:colorStyle xmlns:cs="http://schemas.microsoft.com/office/drawing/2012/chartStyle" xmlns:a="http://schemas.openxmlformats.org/drawingml/2006/main" meth="cycle" id="10">
+  <a:schemeClr val="accent1"/>
+  <a:schemeClr val="accent2"/>
+  <a:schemeClr val="accent3"/>
+  <a:schemeClr val="accent4"/>
+  <a:schemeClr val="accent5"/>
+  <a:schemeClr val="accent6"/>
+  <cs:variation/>
+  <cs:variation>
+    <a:lumMod val="60000"/>
+  </cs:variation>
+  <cs:variation>
+    <a:lumMod val="80000"/>
+    <a:lumOff val="20000"/>
+  </cs:variation>
+  <cs:variation>
+    <a:lumMod val="80000"/>
+  </cs:variation>
+  <cs:variation>
+    <a:lumMod val="60000"/>
+    <a:lumOff val="40000"/>
+  </cs:variation>
+  <cs:variation>
+    <a:lumMod val="50000"/>
+  </cs:variation>
+  <cs:variation>
+    <a:lumMod val="70000"/>
+    <a:lumOff val="30000"/>
+  </cs:variation>
+  <cs:variation>
+    <a:lumMod val="70000"/>
+  </cs:variation>
+  <cs:variation>
+    <a:lumMod val="50000"/>
+    <a:lumOff val="50000"/>
+  </cs:variation>
+</cs:colorStyle>
+</file>
+
+<file path=ppt/charts/style1.xml><?xml version="1.0" encoding="utf-8"?>
+<cs:chartStyle xmlns:cs="http://schemas.microsoft.com/office/drawing/2012/chartStyle" xmlns:a="http://schemas.openxmlformats.org/drawingml/2006/main" id="227">
+  <cs:axisTitle>
+    <cs:lnRef idx="0"/>
+    <cs:fillRef idx="0"/>
+    <cs:effectRef idx="0"/>
+    <cs:fontRef idx="minor">
+      <a:schemeClr val="tx1">
+        <a:lumMod val="65000"/>
+        <a:lumOff val="35000"/>
+      </a:schemeClr>
+    </cs:fontRef>
+    <cs:defRPr sz="1330" kern="1200"/>
+  </cs:axisTitle>
+  <cs:categoryAxis>
+    <cs:lnRef idx="0"/>
+    <cs:fillRef idx="0"/>
+    <cs:effectRef idx="0"/>
+    <cs:fontRef idx="minor">
+      <a:schemeClr val="tx1">
+        <a:lumMod val="65000"/>
+        <a:lumOff val="35000"/>
+      </a:schemeClr>
+    </cs:fontRef>
+    <cs:spPr>
+      <a:ln w="9525" cap="flat" cmpd="sng" algn="ctr">
+        <a:solidFill>
+          <a:schemeClr val="tx1">
+            <a:lumMod val="15000"/>
+            <a:lumOff val="85000"/>
+          </a:schemeClr>
+        </a:solidFill>
+        <a:round/>
+      </a:ln>
+    </cs:spPr>
+    <cs:defRPr sz="1197" kern="1200"/>
+  </cs:categoryAxis>
+  <cs:chartArea mods="allowNoFillOverride allowNoLineOverride">
+    <cs:lnRef idx="0"/>
+    <cs:fillRef idx="0"/>
+    <cs:effectRef idx="0"/>
+    <cs:fontRef idx="minor">
+      <a:schemeClr val="tx1"/>
+    </cs:fontRef>
+    <cs:spPr>
+      <a:solidFill>
+        <a:schemeClr val="bg1"/>
+      </a:solidFill>
+      <a:ln w="9525" cap="flat" cmpd="sng" algn="ctr">
+        <a:solidFill>
+          <a:schemeClr val="tx1">
+            <a:lumMod val="15000"/>
+            <a:lumOff val="85000"/>
+          </a:schemeClr>
+        </a:solidFill>
+        <a:round/>
+      </a:ln>
+    </cs:spPr>
+    <cs:defRPr sz="1330" kern="1200"/>
+  </cs:chartArea>
+  <cs:dataLabel>
+    <cs:lnRef idx="0"/>
+    <cs:fillRef idx="0"/>
+    <cs:effectRef idx="0"/>
+    <cs:fontRef idx="minor">
+      <a:schemeClr val="tx1">
+        <a:lumMod val="75000"/>
+        <a:lumOff val="25000"/>
+      </a:schemeClr>
+    </cs:fontRef>
+    <cs:defRPr sz="1197" kern="1200"/>
+  </cs:dataLabel>
+  <cs:dataLabelCallout>
+    <cs:lnRef idx="0"/>
+    <cs:fillRef idx="0"/>
+    <cs:effectRef idx="0"/>
+    <cs:fontRef idx="minor">
+      <a:schemeClr val="dk1">
+        <a:lumMod val="65000"/>
+        <a:lumOff val="35000"/>
+      </a:schemeClr>
+    </cs:fontRef>
+    <cs:spPr>
+      <a:solidFill>
+        <a:schemeClr val="lt1"/>
+      </a:solidFill>
+      <a:ln>
+        <a:solidFill>
+          <a:schemeClr val="dk1">
+            <a:lumMod val="25000"/>
+            <a:lumOff val="75000"/>
+          </a:schemeClr>
+        </a:solidFill>
+      </a:ln>
+    </cs:spPr>
+    <cs:defRPr sz="1197" kern="1200"/>
+    <cs:bodyPr rot="0" spcFirstLastPara="1" vertOverflow="clip" horzOverflow="clip" vert="horz" wrap="square" lIns="36576" tIns="18288" rIns="36576" bIns="18288" anchor="ctr" anchorCtr="1">
+      <a:spAutoFit/>
+    </cs:bodyPr>
+  </cs:dataLabelCallout>
+  <cs:dataPoint>
+    <cs:lnRef idx="0"/>
+    <cs:fillRef idx="1">
+      <cs:styleClr val="auto"/>
+    </cs:fillRef>
+    <cs:effectRef idx="0"/>
+    <cs:fontRef idx="minor">
+      <a:schemeClr val="tx1"/>
+    </cs:fontRef>
+    <cs:spPr>
+      <a:solidFill>
+        <a:schemeClr val="phClr"/>
+      </a:solidFill>
+    </cs:spPr>
+  </cs:dataPoint>
+  <cs:dataPoint3D>
+    <cs:lnRef idx="0"/>
+    <cs:fillRef idx="1">
+      <cs:styleClr val="auto"/>
+    </cs:fillRef>
+    <cs:effectRef idx="0"/>
+    <cs:fontRef idx="minor">
+      <a:schemeClr val="tx1"/>
+    </cs:fontRef>
+    <cs:spPr>
+      <a:solidFill>
+        <a:schemeClr val="phClr"/>
+      </a:solidFill>
+    </cs:spPr>
+  </cs:dataPoint3D>
+  <cs:dataPointLine>
+    <cs:lnRef idx="0">
+      <cs:styleClr val="auto"/>
+    </cs:lnRef>
+    <cs:fillRef idx="1"/>
+    <cs:effectRef idx="0"/>
+    <cs:fontRef idx="minor">
+      <a:schemeClr val="tx1"/>
+    </cs:fontRef>
+    <cs:spPr>
+      <a:ln w="28575" cap="rnd">
+        <a:solidFill>
+          <a:schemeClr val="phClr"/>
+        </a:solidFill>
+        <a:round/>
+      </a:ln>
+    </cs:spPr>
+  </cs:dataPointLine>
+  <cs:dataPointMarker>
+    <cs:lnRef idx="0">
+      <cs:styleClr val="auto"/>
+    </cs:lnRef>
+    <cs:fillRef idx="1">
+      <cs:styleClr val="auto"/>
+    </cs:fillRef>
+    <cs:effectRef idx="0"/>
+    <cs:fontRef idx="minor">
+      <a:schemeClr val="tx1"/>
+    </cs:fontRef>
+    <cs:spPr>
+      <a:solidFill>
+        <a:schemeClr val="phClr"/>
+      </a:solidFill>
+      <a:ln w="9525">
+        <a:solidFill>
+          <a:schemeClr val="phClr"/>
+        </a:solidFill>
+      </a:ln>
+    </cs:spPr>
+  </cs:dataPointMarker>
+  <cs:dataPointMarkerLayout symbol="circle" size="5"/>
+  <cs:dataPointWireframe>
+    <cs:lnRef idx="0">
+      <cs:styleClr val="auto"/>
+    </cs:lnRef>
+    <cs:fillRef idx="1"/>
+    <cs:effectRef idx="0"/>
+    <cs:fontRef idx="minor">
+      <a:schemeClr val="tx1"/>
+    </cs:fontRef>
+    <cs:spPr>
+      <a:ln w="9525" cap="rnd">
+        <a:solidFill>
+          <a:schemeClr val="phClr"/>
+        </a:solidFill>
+        <a:round/>
+      </a:ln>
+    </cs:spPr>
+  </cs:dataPointWireframe>
+  <cs:dataTable>
+    <cs:lnRef idx="0"/>
+    <cs:fillRef idx="0"/>
+    <cs:effectRef idx="0"/>
+    <cs:fontRef idx="minor">
+      <a:schemeClr val="tx1">
+        <a:lumMod val="65000"/>
+        <a:lumOff val="35000"/>
+      </a:schemeClr>
+    </cs:fontRef>
+    <cs:spPr>
+      <a:noFill/>
+      <a:ln w="9525" cap="flat" cmpd="sng" algn="ctr">
+        <a:solidFill>
+          <a:schemeClr val="tx1">
+            <a:lumMod val="15000"/>
+            <a:lumOff val="85000"/>
+          </a:schemeClr>
+        </a:solidFill>
+        <a:round/>
+      </a:ln>
+    </cs:spPr>
+    <cs:defRPr sz="1197" kern="1200"/>
+  </cs:dataTable>
+  <cs:downBar>
+    <cs:lnRef idx="0"/>
+    <cs:fillRef idx="0"/>
+    <cs:effectRef idx="0"/>
+    <cs:fontRef idx="minor">
+      <a:schemeClr val="dk1"/>
+    </cs:fontRef>
+    <cs:spPr>
+      <a:solidFill>
+        <a:schemeClr val="dk1">
+          <a:lumMod val="65000"/>
+          <a:lumOff val="35000"/>
+        </a:schemeClr>
+      </a:solidFill>
+      <a:ln w="9525">
+        <a:solidFill>
+          <a:schemeClr val="tx1">
+            <a:lumMod val="65000"/>
+            <a:lumOff val="35000"/>
+          </a:schemeClr>
+        </a:solidFill>
+      </a:ln>
+    </cs:spPr>
+  </cs:downBar>
+  <cs:dropLine>
+    <cs:lnRef idx="0"/>
+    <cs:fillRef idx="0"/>
+    <cs:effectRef idx="0"/>
+    <cs:fontRef idx="minor">
+      <a:schemeClr val="tx1"/>
+    </cs:fontRef>
+    <cs:spPr>
+      <a:ln w="9525" cap="flat" cmpd="sng" algn="ctr">
+        <a:solidFill>
+          <a:schemeClr val="tx1">
+            <a:lumMod val="35000"/>
+            <a:lumOff val="65000"/>
+          </a:schemeClr>
+        </a:solidFill>
+        <a:round/>
+      </a:ln>
+    </cs:spPr>
+  </cs:dropLine>
+  <cs:errorBar>
+    <cs:lnRef idx="0"/>
+    <cs:fillRef idx="0"/>
+    <cs:effectRef idx="0"/>
+    <cs:fontRef idx="minor">
+      <a:schemeClr val="tx1"/>
+    </cs:fontRef>
+    <cs:spPr>
+      <a:ln w="9525" cap="flat" cmpd="sng" algn="ctr">
+        <a:solidFill>
+          <a:schemeClr val="tx1">
+            <a:lumMod val="65000"/>
+            <a:lumOff val="35000"/>
+          </a:schemeClr>
+        </a:solidFill>
+        <a:round/>
+      </a:ln>
+    </cs:spPr>
+  </cs:errorBar>
+  <cs:floor>
+    <cs:lnRef idx="0"/>
+    <cs:fillRef idx="0"/>
+    <cs:effectRef idx="0"/>
+    <cs:fontRef idx="minor">
+      <a:schemeClr val="tx1"/>
+    </cs:fontRef>
+    <cs:spPr>
+      <a:noFill/>
+      <a:ln>
+        <a:noFill/>
+      </a:ln>
+    </cs:spPr>
+  </cs:floor>
+  <cs:gridlineMajor>
+    <cs:lnRef idx="0"/>
+    <cs:fillRef idx="0"/>
+    <cs:effectRef idx="0"/>
+    <cs:fontRef idx="minor">
+      <a:schemeClr val="tx1"/>
+    </cs:fontRef>
+    <cs:spPr>
+      <a:ln w="9525" cap="flat" cmpd="sng" algn="ctr">
+        <a:solidFill>
+          <a:schemeClr val="tx1">
+            <a:lumMod val="15000"/>
+            <a:lumOff val="85000"/>
+          </a:schemeClr>
+        </a:solidFill>
+        <a:round/>
+      </a:ln>
+    </cs:spPr>
+  </cs:gridlineMajor>
+  <cs:gridlineMinor>
+    <cs:lnRef idx="0"/>
+    <cs:fillRef idx="0"/>
+    <cs:effectRef idx="0"/>
+    <cs:fontRef idx="minor">
+      <a:schemeClr val="tx1"/>
+    </cs:fontRef>
+    <cs:spPr>
+      <a:ln w="9525" cap="flat" cmpd="sng" algn="ctr">
+        <a:solidFill>
+          <a:schemeClr val="tx1">
+            <a:lumMod val="5000"/>
+            <a:lumOff val="95000"/>
+          </a:schemeClr>
+        </a:solidFill>
+        <a:round/>
+      </a:ln>
+    </cs:spPr>
+  </cs:gridlineMinor>
+  <cs:hiLoLine>
+    <cs:lnRef idx="0"/>
+    <cs:fillRef idx="0"/>
+    <cs:effectRef idx="0"/>
+    <cs:fontRef idx="minor">
+      <a:schemeClr val="tx1"/>
+    </cs:fontRef>
+    <cs:spPr>
+      <a:ln w="9525" cap="flat" cmpd="sng" algn="ctr">
+        <a:solidFill>
+          <a:schemeClr val="tx1">
+            <a:lumMod val="75000"/>
+            <a:lumOff val="25000"/>
+          </a:schemeClr>
+        </a:solidFill>
+        <a:round/>
+      </a:ln>
+    </cs:spPr>
+  </cs:hiLoLine>
+  <cs:leaderLine>
+    <cs:lnRef idx="0"/>
+    <cs:fillRef idx="0"/>
+    <cs:effectRef idx="0"/>
+    <cs:fontRef idx="minor">
+      <a:schemeClr val="tx1"/>
+    </cs:fontRef>
+    <cs:spPr>
+      <a:ln w="9525" cap="flat" cmpd="sng" algn="ctr">
+        <a:solidFill>
+          <a:schemeClr val="tx1">
+            <a:lumMod val="35000"/>
+            <a:lumOff val="65000"/>
+          </a:schemeClr>
+        </a:solidFill>
+        <a:round/>
+      </a:ln>
+    </cs:spPr>
+  </cs:leaderLine>
+  <cs:legend>
+    <cs:lnRef idx="0"/>
+    <cs:fillRef idx="0"/>
+    <cs:effectRef idx="0"/>
+    <cs:fontRef idx="minor">
+      <a:schemeClr val="tx1">
+        <a:lumMod val="65000"/>
+        <a:lumOff val="35000"/>
+      </a:schemeClr>
+    </cs:fontRef>
+    <cs:defRPr sz="1197" kern="1200"/>
+  </cs:legend>
+  <cs:plotArea mods="allowNoFillOverride allowNoLineOverride">
+    <cs:lnRef idx="0"/>
+    <cs:fillRef idx="0"/>
+    <cs:effectRef idx="0"/>
+    <cs:fontRef idx="minor">
+      <a:schemeClr val="tx1"/>
+    </cs:fontRef>
+  </cs:plotArea>
+  <cs:plotArea3D mods="allowNoFillOverride allowNoLineOverride">
+    <cs:lnRef idx="0"/>
+    <cs:fillRef idx="0"/>
+    <cs:effectRef idx="0"/>
+    <cs:fontRef idx="minor">
+      <a:schemeClr val="tx1"/>
+    </cs:fontRef>
+  </cs:plotArea3D>
+  <cs:seriesAxis>
+    <cs:lnRef idx="0"/>
+    <cs:fillRef idx="0"/>
+    <cs:effectRef idx="0"/>
+    <cs:fontRef idx="minor">
+      <a:schemeClr val="tx1">
+        <a:lumMod val="65000"/>
+        <a:lumOff val="35000"/>
+      </a:schemeClr>
+    </cs:fontRef>
+    <cs:defRPr sz="1197" kern="1200"/>
+  </cs:seriesAxis>
+  <cs:seriesLine>
+    <cs:lnRef idx="0"/>
+    <cs:fillRef idx="0"/>
+    <cs:effectRef idx="0"/>
+    <cs:fontRef idx="minor">
+      <a:schemeClr val="tx1"/>
+    </cs:fontRef>
+    <cs:spPr>
+      <a:ln w="9525" cap="flat" cmpd="sng" algn="ctr">
+        <a:solidFill>
+          <a:schemeClr val="tx1">
+            <a:lumMod val="35000"/>
+            <a:lumOff val="65000"/>
+          </a:schemeClr>
+        </a:solidFill>
+        <a:round/>
+      </a:ln>
+    </cs:spPr>
+  </cs:seriesLine>
+  <cs:title>
+    <cs:lnRef idx="0"/>
+    <cs:fillRef idx="0"/>
+    <cs:effectRef idx="0"/>
+    <cs:fontRef idx="minor">
+      <a:schemeClr val="tx1">
+        <a:lumMod val="65000"/>
+        <a:lumOff val="35000"/>
+      </a:schemeClr>
+    </cs:fontRef>
+    <cs:defRPr sz="1862" b="0" kern="1200" spc="0" baseline="0"/>
+  </cs:title>
+  <cs:trendline>
+    <cs:lnRef idx="0">
+      <cs:styleClr val="auto"/>
+    </cs:lnRef>
+    <cs:fillRef idx="0"/>
+    <cs:effectRef idx="0"/>
+    <cs:fontRef idx="minor">
+      <a:schemeClr val="tx1"/>
+    </cs:fontRef>
+    <cs:spPr>
+      <a:ln w="19050" cap="rnd">
+        <a:solidFill>
+          <a:schemeClr val="phClr"/>
+        </a:solidFill>
+        <a:prstDash val="sysDot"/>
+      </a:ln>
+    </cs:spPr>
+  </cs:trendline>
+  <cs:trendlineLabel>
+    <cs:lnRef idx="0"/>
+    <cs:fillRef idx="0"/>
+    <cs:effectRef idx="0"/>
+    <cs:fontRef idx="minor">
+      <a:schemeClr val="tx1">
+        <a:lumMod val="65000"/>
+        <a:lumOff val="35000"/>
+      </a:schemeClr>
+    </cs:fontRef>
+    <cs:defRPr sz="1197" kern="1200"/>
+  </cs:trendlineLabel>
+  <cs:upBar>
+    <cs:lnRef idx="0"/>
+    <cs:fillRef idx="0"/>
+    <cs:effectRef idx="0"/>
+    <cs:fontRef idx="minor">
+      <a:schemeClr val="dk1"/>
+    </cs:fontRef>
+    <cs:spPr>
+      <a:solidFill>
+        <a:schemeClr val="lt1"/>
+      </a:solidFill>
+      <a:ln w="9525">
+        <a:solidFill>
+          <a:schemeClr val="tx1">
+            <a:lumMod val="15000"/>
+            <a:lumOff val="85000"/>
+          </a:schemeClr>
+        </a:solidFill>
+      </a:ln>
+    </cs:spPr>
+  </cs:upBar>
+  <cs:valueAxis>
+    <cs:lnRef idx="0"/>
+    <cs:fillRef idx="0"/>
+    <cs:effectRef idx="0"/>
+    <cs:fontRef idx="minor">
+      <a:schemeClr val="tx1">
+        <a:lumMod val="65000"/>
+        <a:lumOff val="35000"/>
+      </a:schemeClr>
+    </cs:fontRef>
+    <cs:defRPr sz="1197" kern="1200"/>
+  </cs:valueAxis>
+  <cs:wall>
+    <cs:lnRef idx="0"/>
+    <cs:fillRef idx="0"/>
+    <cs:effectRef idx="0"/>
+    <cs:fontRef idx="minor">
+      <a:schemeClr val="tx1"/>
+    </cs:fontRef>
+    <cs:spPr>
+      <a:noFill/>
+      <a:ln>
+        <a:noFill/>
+      </a:ln>
+    </cs:spPr>
+  </cs:wall>
+</cs:chartStyle>
+</file>
+
+<file path=ppt/charts/style2.xml><?xml version="1.0" encoding="utf-8"?>
+<cs:chartStyle xmlns:cs="http://schemas.microsoft.com/office/drawing/2012/chartStyle" xmlns:a="http://schemas.openxmlformats.org/drawingml/2006/main" id="227">
+  <cs:axisTitle>
+    <cs:lnRef idx="0"/>
+    <cs:fillRef idx="0"/>
+    <cs:effectRef idx="0"/>
+    <cs:fontRef idx="minor">
+      <a:schemeClr val="tx1">
+        <a:lumMod val="65000"/>
+        <a:lumOff val="35000"/>
+      </a:schemeClr>
+    </cs:fontRef>
+    <cs:defRPr sz="1330" kern="1200"/>
+  </cs:axisTitle>
+  <cs:categoryAxis>
+    <cs:lnRef idx="0"/>
+    <cs:fillRef idx="0"/>
+    <cs:effectRef idx="0"/>
+    <cs:fontRef idx="minor">
+      <a:schemeClr val="tx1">
+        <a:lumMod val="65000"/>
+        <a:lumOff val="35000"/>
+      </a:schemeClr>
+    </cs:fontRef>
+    <cs:spPr>
+      <a:ln w="9525" cap="flat" cmpd="sng" algn="ctr">
+        <a:solidFill>
+          <a:schemeClr val="tx1">
+            <a:lumMod val="15000"/>
+            <a:lumOff val="85000"/>
+          </a:schemeClr>
+        </a:solidFill>
+        <a:round/>
+      </a:ln>
+    </cs:spPr>
+    <cs:defRPr sz="1197" kern="1200"/>
+  </cs:categoryAxis>
+  <cs:chartArea mods="allowNoFillOverride allowNoLineOverride">
+    <cs:lnRef idx="0"/>
+    <cs:fillRef idx="0"/>
+    <cs:effectRef idx="0"/>
+    <cs:fontRef idx="minor">
+      <a:schemeClr val="tx1"/>
+    </cs:fontRef>
+    <cs:spPr>
+      <a:solidFill>
+        <a:schemeClr val="bg1"/>
+      </a:solidFill>
+      <a:ln w="9525" cap="flat" cmpd="sng" algn="ctr">
+        <a:solidFill>
+          <a:schemeClr val="tx1">
+            <a:lumMod val="15000"/>
+            <a:lumOff val="85000"/>
+          </a:schemeClr>
+        </a:solidFill>
+        <a:round/>
+      </a:ln>
+    </cs:spPr>
+    <cs:defRPr sz="1330" kern="1200"/>
+  </cs:chartArea>
+  <cs:dataLabel>
+    <cs:lnRef idx="0"/>
+    <cs:fillRef idx="0"/>
+    <cs:effectRef idx="0"/>
+    <cs:fontRef idx="minor">
+      <a:schemeClr val="tx1">
+        <a:lumMod val="75000"/>
+        <a:lumOff val="25000"/>
+      </a:schemeClr>
+    </cs:fontRef>
+    <cs:defRPr sz="1197" kern="1200"/>
+  </cs:dataLabel>
+  <cs:dataLabelCallout>
+    <cs:lnRef idx="0"/>
+    <cs:fillRef idx="0"/>
+    <cs:effectRef idx="0"/>
+    <cs:fontRef idx="minor">
+      <a:schemeClr val="dk1">
+        <a:lumMod val="65000"/>
+        <a:lumOff val="35000"/>
+      </a:schemeClr>
+    </cs:fontRef>
+    <cs:spPr>
+      <a:solidFill>
+        <a:schemeClr val="lt1"/>
+      </a:solidFill>
+      <a:ln>
+        <a:solidFill>
+          <a:schemeClr val="dk1">
+            <a:lumMod val="25000"/>
+            <a:lumOff val="75000"/>
+          </a:schemeClr>
+        </a:solidFill>
+      </a:ln>
+    </cs:spPr>
+    <cs:defRPr sz="1197" kern="1200"/>
+    <cs:bodyPr rot="0" spcFirstLastPara="1" vertOverflow="clip" horzOverflow="clip" vert="horz" wrap="square" lIns="36576" tIns="18288" rIns="36576" bIns="18288" anchor="ctr" anchorCtr="1">
+      <a:spAutoFit/>
+    </cs:bodyPr>
+  </cs:dataLabelCallout>
+  <cs:dataPoint>
+    <cs:lnRef idx="0"/>
+    <cs:fillRef idx="1">
+      <cs:styleClr val="auto"/>
+    </cs:fillRef>
+    <cs:effectRef idx="0"/>
+    <cs:fontRef idx="minor">
+      <a:schemeClr val="tx1"/>
+    </cs:fontRef>
+    <cs:spPr>
+      <a:solidFill>
+        <a:schemeClr val="phClr"/>
+      </a:solidFill>
+    </cs:spPr>
+  </cs:dataPoint>
+  <cs:dataPoint3D>
+    <cs:lnRef idx="0"/>
+    <cs:fillRef idx="1">
+      <cs:styleClr val="auto"/>
+    </cs:fillRef>
+    <cs:effectRef idx="0"/>
+    <cs:fontRef idx="minor">
+      <a:schemeClr val="tx1"/>
+    </cs:fontRef>
+    <cs:spPr>
+      <a:solidFill>
+        <a:schemeClr val="phClr"/>
+      </a:solidFill>
+    </cs:spPr>
+  </cs:dataPoint3D>
+  <cs:dataPointLine>
+    <cs:lnRef idx="0">
+      <cs:styleClr val="auto"/>
+    </cs:lnRef>
+    <cs:fillRef idx="1"/>
+    <cs:effectRef idx="0"/>
+    <cs:fontRef idx="minor">
+      <a:schemeClr val="tx1"/>
+    </cs:fontRef>
+    <cs:spPr>
+      <a:ln w="28575" cap="rnd">
+        <a:solidFill>
+          <a:schemeClr val="phClr"/>
+        </a:solidFill>
+        <a:round/>
+      </a:ln>
+    </cs:spPr>
+  </cs:dataPointLine>
+  <cs:dataPointMarker>
+    <cs:lnRef idx="0">
+      <cs:styleClr val="auto"/>
+    </cs:lnRef>
+    <cs:fillRef idx="1">
+      <cs:styleClr val="auto"/>
+    </cs:fillRef>
+    <cs:effectRef idx="0"/>
+    <cs:fontRef idx="minor">
+      <a:schemeClr val="tx1"/>
+    </cs:fontRef>
+    <cs:spPr>
+      <a:solidFill>
+        <a:schemeClr val="phClr"/>
+      </a:solidFill>
+      <a:ln w="9525">
+        <a:solidFill>
+          <a:schemeClr val="phClr"/>
+        </a:solidFill>
+      </a:ln>
+    </cs:spPr>
+  </cs:dataPointMarker>
+  <cs:dataPointMarkerLayout symbol="circle" size="5"/>
+  <cs:dataPointWireframe>
+    <cs:lnRef idx="0">
+      <cs:styleClr val="auto"/>
+    </cs:lnRef>
+    <cs:fillRef idx="1"/>
+    <cs:effectRef idx="0"/>
+    <cs:fontRef idx="minor">
+      <a:schemeClr val="tx1"/>
+    </cs:fontRef>
+    <cs:spPr>
+      <a:ln w="9525" cap="rnd">
+        <a:solidFill>
+          <a:schemeClr val="phClr"/>
+        </a:solidFill>
+        <a:round/>
+      </a:ln>
+    </cs:spPr>
+  </cs:dataPointWireframe>
+  <cs:dataTable>
+    <cs:lnRef idx="0"/>
+    <cs:fillRef idx="0"/>
+    <cs:effectRef idx="0"/>
+    <cs:fontRef idx="minor">
+      <a:schemeClr val="tx1">
+        <a:lumMod val="65000"/>
+        <a:lumOff val="35000"/>
+      </a:schemeClr>
+    </cs:fontRef>
+    <cs:spPr>
+      <a:noFill/>
+      <a:ln w="9525" cap="flat" cmpd="sng" algn="ctr">
+        <a:solidFill>
+          <a:schemeClr val="tx1">
+            <a:lumMod val="15000"/>
+            <a:lumOff val="85000"/>
+          </a:schemeClr>
+        </a:solidFill>
+        <a:round/>
+      </a:ln>
+    </cs:spPr>
+    <cs:defRPr sz="1197" kern="1200"/>
+  </cs:dataTable>
+  <cs:downBar>
+    <cs:lnRef idx="0"/>
+    <cs:fillRef idx="0"/>
+    <cs:effectRef idx="0"/>
+    <cs:fontRef idx="minor">
+      <a:schemeClr val="dk1"/>
+    </cs:fontRef>
+    <cs:spPr>
+      <a:solidFill>
+        <a:schemeClr val="dk1">
+          <a:lumMod val="65000"/>
+          <a:lumOff val="35000"/>
+        </a:schemeClr>
+      </a:solidFill>
+      <a:ln w="9525">
+        <a:solidFill>
+          <a:schemeClr val="tx1">
+            <a:lumMod val="65000"/>
+            <a:lumOff val="35000"/>
+          </a:schemeClr>
+        </a:solidFill>
+      </a:ln>
+    </cs:spPr>
+  </cs:downBar>
+  <cs:dropLine>
+    <cs:lnRef idx="0"/>
+    <cs:fillRef idx="0"/>
+    <cs:effectRef idx="0"/>
+    <cs:fontRef idx="minor">
+      <a:schemeClr val="tx1"/>
+    </cs:fontRef>
+    <cs:spPr>
+      <a:ln w="9525" cap="flat" cmpd="sng" algn="ctr">
+        <a:solidFill>
+          <a:schemeClr val="tx1">
+            <a:lumMod val="35000"/>
+            <a:lumOff val="65000"/>
+          </a:schemeClr>
+        </a:solidFill>
+        <a:round/>
+      </a:ln>
+    </cs:spPr>
+  </cs:dropLine>
+  <cs:errorBar>
+    <cs:lnRef idx="0"/>
+    <cs:fillRef idx="0"/>
+    <cs:effectRef idx="0"/>
+    <cs:fontRef idx="minor">
+      <a:schemeClr val="tx1"/>
+    </cs:fontRef>
+    <cs:spPr>
+      <a:ln w="9525" cap="flat" cmpd="sng" algn="ctr">
+        <a:solidFill>
+          <a:schemeClr val="tx1">
+            <a:lumMod val="65000"/>
+            <a:lumOff val="35000"/>
+          </a:schemeClr>
+        </a:solidFill>
+        <a:round/>
+      </a:ln>
+    </cs:spPr>
+  </cs:errorBar>
+  <cs:floor>
+    <cs:lnRef idx="0"/>
+    <cs:fillRef idx="0"/>
+    <cs:effectRef idx="0"/>
+    <cs:fontRef idx="minor">
+      <a:schemeClr val="tx1"/>
+    </cs:fontRef>
+    <cs:spPr>
+      <a:noFill/>
+      <a:ln>
+        <a:noFill/>
+      </a:ln>
+    </cs:spPr>
+  </cs:floor>
+  <cs:gridlineMajor>
+    <cs:lnRef idx="0"/>
+    <cs:fillRef idx="0"/>
+    <cs:effectRef idx="0"/>
+    <cs:fontRef idx="minor">
+      <a:schemeClr val="tx1"/>
+    </cs:fontRef>
+    <cs:spPr>
+      <a:ln w="9525" cap="flat" cmpd="sng" algn="ctr">
+        <a:solidFill>
+          <a:schemeClr val="tx1">
+            <a:lumMod val="15000"/>
+            <a:lumOff val="85000"/>
+          </a:schemeClr>
+        </a:solidFill>
+        <a:round/>
+      </a:ln>
+    </cs:spPr>
+  </cs:gridlineMajor>
+  <cs:gridlineMinor>
+    <cs:lnRef idx="0"/>
+    <cs:fillRef idx="0"/>
+    <cs:effectRef idx="0"/>
+    <cs:fontRef idx="minor">
+      <a:schemeClr val="tx1"/>
+    </cs:fontRef>
+    <cs:spPr>
+      <a:ln w="9525" cap="flat" cmpd="sng" algn="ctr">
+        <a:solidFill>
+          <a:schemeClr val="tx1">
+            <a:lumMod val="5000"/>
+            <a:lumOff val="95000"/>
+          </a:schemeClr>
+        </a:solidFill>
+        <a:round/>
+      </a:ln>
+    </cs:spPr>
+  </cs:gridlineMinor>
+  <cs:hiLoLine>
+    <cs:lnRef idx="0"/>
+    <cs:fillRef idx="0"/>
+    <cs:effectRef idx="0"/>
+    <cs:fontRef idx="minor">
+      <a:schemeClr val="tx1"/>
+    </cs:fontRef>
+    <cs:spPr>
+      <a:ln w="9525" cap="flat" cmpd="sng" algn="ctr">
+        <a:solidFill>
+          <a:schemeClr val="tx1">
+            <a:lumMod val="75000"/>
+            <a:lumOff val="25000"/>
+          </a:schemeClr>
+        </a:solidFill>
+        <a:round/>
+      </a:ln>
+    </cs:spPr>
+  </cs:hiLoLine>
+  <cs:leaderLine>
+    <cs:lnRef idx="0"/>
+    <cs:fillRef idx="0"/>
+    <cs:effectRef idx="0"/>
+    <cs:fontRef idx="minor">
+      <a:schemeClr val="tx1"/>
+    </cs:fontRef>
+    <cs:spPr>
+      <a:ln w="9525" cap="flat" cmpd="sng" algn="ctr">
+        <a:solidFill>
+          <a:schemeClr val="tx1">
+            <a:lumMod val="35000"/>
+            <a:lumOff val="65000"/>
+          </a:schemeClr>
+        </a:solidFill>
+        <a:round/>
+      </a:ln>
+    </cs:spPr>
+  </cs:leaderLine>
+  <cs:legend>
+    <cs:lnRef idx="0"/>
+    <cs:fillRef idx="0"/>
+    <cs:effectRef idx="0"/>
+    <cs:fontRef idx="minor">
+      <a:schemeClr val="tx1">
+        <a:lumMod val="65000"/>
+        <a:lumOff val="35000"/>
+      </a:schemeClr>
+    </cs:fontRef>
+    <cs:defRPr sz="1197" kern="1200"/>
+  </cs:legend>
+  <cs:plotArea mods="allowNoFillOverride allowNoLineOverride">
+    <cs:lnRef idx="0"/>
+    <cs:fillRef idx="0"/>
+    <cs:effectRef idx="0"/>
+    <cs:fontRef idx="minor">
+      <a:schemeClr val="tx1"/>
+    </cs:fontRef>
+  </cs:plotArea>
+  <cs:plotArea3D mods="allowNoFillOverride allowNoLineOverride">
+    <cs:lnRef idx="0"/>
+    <cs:fillRef idx="0"/>
+    <cs:effectRef idx="0"/>
+    <cs:fontRef idx="minor">
+      <a:schemeClr val="tx1"/>
+    </cs:fontRef>
+  </cs:plotArea3D>
+  <cs:seriesAxis>
+    <cs:lnRef idx="0"/>
+    <cs:fillRef idx="0"/>
+    <cs:effectRef idx="0"/>
+    <cs:fontRef idx="minor">
+      <a:schemeClr val="tx1">
+        <a:lumMod val="65000"/>
+        <a:lumOff val="35000"/>
+      </a:schemeClr>
+    </cs:fontRef>
+    <cs:defRPr sz="1197" kern="1200"/>
+  </cs:seriesAxis>
+  <cs:seriesLine>
+    <cs:lnRef idx="0"/>
+    <cs:fillRef idx="0"/>
+    <cs:effectRef idx="0"/>
+    <cs:fontRef idx="minor">
+      <a:schemeClr val="tx1"/>
+    </cs:fontRef>
+    <cs:spPr>
+      <a:ln w="9525" cap="flat" cmpd="sng" algn="ctr">
+        <a:solidFill>
+          <a:schemeClr val="tx1">
+            <a:lumMod val="35000"/>
+            <a:lumOff val="65000"/>
+          </a:schemeClr>
+        </a:solidFill>
+        <a:round/>
+      </a:ln>
+    </cs:spPr>
+  </cs:seriesLine>
+  <cs:title>
+    <cs:lnRef idx="0"/>
+    <cs:fillRef idx="0"/>
+    <cs:effectRef idx="0"/>
+    <cs:fontRef idx="minor">
+      <a:schemeClr val="tx1">
+        <a:lumMod val="65000"/>
+        <a:lumOff val="35000"/>
+      </a:schemeClr>
+    </cs:fontRef>
+    <cs:defRPr sz="1862" b="0" kern="1200" spc="0" baseline="0"/>
+  </cs:title>
+  <cs:trendline>
+    <cs:lnRef idx="0">
+      <cs:styleClr val="auto"/>
+    </cs:lnRef>
+    <cs:fillRef idx="0"/>
+    <cs:effectRef idx="0"/>
+    <cs:fontRef idx="minor">
+      <a:schemeClr val="tx1"/>
+    </cs:fontRef>
+    <cs:spPr>
+      <a:ln w="19050" cap="rnd">
+        <a:solidFill>
+          <a:schemeClr val="phClr"/>
+        </a:solidFill>
+        <a:prstDash val="sysDot"/>
+      </a:ln>
+    </cs:spPr>
+  </cs:trendline>
+  <cs:trendlineLabel>
+    <cs:lnRef idx="0"/>
+    <cs:fillRef idx="0"/>
+    <cs:effectRef idx="0"/>
+    <cs:fontRef idx="minor">
+      <a:schemeClr val="tx1">
+        <a:lumMod val="65000"/>
+        <a:lumOff val="35000"/>
+      </a:schemeClr>
+    </cs:fontRef>
+    <cs:defRPr sz="1197" kern="1200"/>
+  </cs:trendlineLabel>
+  <cs:upBar>
+    <cs:lnRef idx="0"/>
+    <cs:fillRef idx="0"/>
+    <cs:effectRef idx="0"/>
+    <cs:fontRef idx="minor">
+      <a:schemeClr val="dk1"/>
+    </cs:fontRef>
+    <cs:spPr>
+      <a:solidFill>
+        <a:schemeClr val="lt1"/>
+      </a:solidFill>
+      <a:ln w="9525">
+        <a:solidFill>
+          <a:schemeClr val="tx1">
+            <a:lumMod val="15000"/>
+            <a:lumOff val="85000"/>
+          </a:schemeClr>
+        </a:solidFill>
+      </a:ln>
+    </cs:spPr>
+  </cs:upBar>
+  <cs:valueAxis>
+    <cs:lnRef idx="0"/>
+    <cs:fillRef idx="0"/>
+    <cs:effectRef idx="0"/>
+    <cs:fontRef idx="minor">
+      <a:schemeClr val="tx1">
+        <a:lumMod val="65000"/>
+        <a:lumOff val="35000"/>
+      </a:schemeClr>
+    </cs:fontRef>
+    <cs:defRPr sz="1197" kern="1200"/>
+  </cs:valueAxis>
+  <cs:wall>
+    <cs:lnRef idx="0"/>
+    <cs:fillRef idx="0"/>
+    <cs:effectRef idx="0"/>
+    <cs:fontRef idx="minor">
+      <a:schemeClr val="tx1"/>
+    </cs:fontRef>
+    <cs:spPr>
+      <a:noFill/>
+      <a:ln>
+        <a:noFill/>
+      </a:ln>
+    </cs:spPr>
+  </cs:wall>
+</cs:chartStyle>
 </file>
 
 <file path=ppt/diagrams/colors1.xml><?xml version="1.0" encoding="utf-8"?>
@@ -5935,1094 +7903,6 @@
 </dgm:styleDef>
 </file>
 
-<file path=ppt/ink/ink1.xml><?xml version="1.0" encoding="utf-8"?>
-<inkml:ink xmlns:inkml="http://www.w3.org/2003/InkML">
-  <inkml:definitions>
-    <inkml:context xml:id="ctx0">
-      <inkml:inkSource xml:id="inkSrc0">
-        <inkml:traceFormat>
-          <inkml:channel name="X" type="integer" min="-2.14748E9" max="2.14748E9" units="cm"/>
-          <inkml:channel name="Y" type="integer" min="-2.14748E9" max="2.14748E9" units="cm"/>
-          <inkml:channel name="F" type="integer" max="32767" units="dev"/>
-          <inkml:channel name="OA" type="integer" max="360" units="deg"/>
-          <inkml:channel name="OE" type="integer" max="90" units="deg"/>
-        </inkml:traceFormat>
-        <inkml:channelProperties>
-          <inkml:channelProperty channel="X" name="resolution" value="1000" units="1/cm"/>
-          <inkml:channelProperty channel="Y" name="resolution" value="1000" units="1/cm"/>
-          <inkml:channelProperty channel="F" name="resolution" value="0" units="1/dev"/>
-          <inkml:channelProperty channel="OA" name="resolution" value="1000" units="1/deg"/>
-          <inkml:channelProperty channel="OE" name="resolution" value="1000" units="1/deg"/>
-        </inkml:channelProperties>
-      </inkml:inkSource>
-      <inkml:timestamp xml:id="ts0" timeString="2025-10-11T15:11:06.854"/>
-    </inkml:context>
-    <inkml:brush xml:id="br0">
-      <inkml:brushProperty name="width" value="0.2" units="cm"/>
-      <inkml:brushProperty name="height" value="0.2" units="cm"/>
-      <inkml:brushProperty name="color" value="#004F8B"/>
-    </inkml:brush>
-  </inkml:definitions>
-  <inkml:trace contextRef="#ctx0" brushRef="#br0">58 13008 456 0 0,'-3'10'-54'0'0,"-1"0"1051"0"0,1 0-1 0 0,0 0 1 0 0,0 1 0 0 0,1-1 0 0 0,2 23 1287 0 0,5-38-1697 0 0,3-9-131 0 0,-8 12-263 0 0,2-3-1 0 0,12-44 14 0 0,-2 1 0 0 0,-2-2-1 0 0,3-63 1 0 0,-1-160 365 0 0,-20-174 521 0 0,-2 80-225 0 0,15-253-228 0 0,-1-178-602 0 0,-29 1 223 0 0,-40-471 1742 0 0,48 270-696 0 0,33-1 759 0 0,-1 120-1165 0 0,76-1589-1004 0 0,-29 1226-24 0 0,-57 799 72 0 0,4-78-16 0 0,-2 430 39 0 0,3 0-1 0 0,45-174 1 0 0,-50 250-320 0 0,-1-1 0 0 0,-1 1 0 0 0,0-1 0 0 0,-1 1 0 0 0,-1-1 0 0 0,-1 0 0 0 0,0 1 0 0 0,0-1 0 0 0,-2 0 0 0 0,0 1 0 0 0,-1-1 0 0 0,-6-20 0 0 0,1 11-1670 0 0</inkml:trace>
-</inkml:ink>
-</file>
-
-<file path=ppt/ink/ink10.xml><?xml version="1.0" encoding="utf-8"?>
-<inkml:ink xmlns:inkml="http://www.w3.org/2003/InkML">
-  <inkml:definitions>
-    <inkml:context xml:id="ctx0">
-      <inkml:inkSource xml:id="inkSrc0">
-        <inkml:traceFormat>
-          <inkml:channel name="X" type="integer" min="-2.14748E9" max="2.14748E9" units="cm"/>
-          <inkml:channel name="Y" type="integer" min="-2.14748E9" max="2.14748E9" units="cm"/>
-          <inkml:channel name="F" type="integer" max="32767" units="dev"/>
-          <inkml:channel name="OA" type="integer" max="360" units="deg"/>
-          <inkml:channel name="OE" type="integer" max="90" units="deg"/>
-        </inkml:traceFormat>
-        <inkml:channelProperties>
-          <inkml:channelProperty channel="X" name="resolution" value="1000" units="1/cm"/>
-          <inkml:channelProperty channel="Y" name="resolution" value="1000" units="1/cm"/>
-          <inkml:channelProperty channel="F" name="resolution" value="0" units="1/dev"/>
-          <inkml:channelProperty channel="OA" name="resolution" value="1000" units="1/deg"/>
-          <inkml:channelProperty channel="OE" name="resolution" value="1000" units="1/deg"/>
-        </inkml:channelProperties>
-      </inkml:inkSource>
-      <inkml:timestamp xml:id="ts0" timeString="2025-10-11T15:11:21.566"/>
-    </inkml:context>
-    <inkml:brush xml:id="br0">
-      <inkml:brushProperty name="width" value="0.2" units="cm"/>
-      <inkml:brushProperty name="height" value="0.2" units="cm"/>
-      <inkml:brushProperty name="color" value="#004F8B"/>
-    </inkml:brush>
-  </inkml:definitions>
-  <inkml:trace contextRef="#ctx0" brushRef="#br0">101 831 16131 0 0,'-37'-22'1433'0'0,"13"5"-1145"0"0,5 3-288 0 0,9 1 0 0 0,7 5 648 0 0,3-1 80 0 0,0-8 8 0 0,-2-11 8 0 0,-1-21-520 0 0,2-18-112 0 0,2-12-15 0 0,2-3-9 0 0,1 5-1025 0 0,0 1-207 0 0,1 4-40 0 0,-5 5 0 0 0,-6 1 920 0 0,-7-2 184 0 0</inkml:trace>
-</inkml:ink>
-</file>
-
-<file path=ppt/ink/ink11.xml><?xml version="1.0" encoding="utf-8"?>
-<inkml:ink xmlns:inkml="http://www.w3.org/2003/InkML">
-  <inkml:definitions>
-    <inkml:context xml:id="ctx0">
-      <inkml:inkSource xml:id="inkSrc0">
-        <inkml:traceFormat>
-          <inkml:channel name="X" type="integer" min="-2.14748E9" max="2.14748E9" units="cm"/>
-          <inkml:channel name="Y" type="integer" min="-2.14748E9" max="2.14748E9" units="cm"/>
-          <inkml:channel name="F" type="integer" max="32767" units="dev"/>
-          <inkml:channel name="OA" type="integer" max="360" units="deg"/>
-          <inkml:channel name="OE" type="integer" max="90" units="deg"/>
-        </inkml:traceFormat>
-        <inkml:channelProperties>
-          <inkml:channelProperty channel="X" name="resolution" value="1000" units="1/cm"/>
-          <inkml:channelProperty channel="Y" name="resolution" value="1000" units="1/cm"/>
-          <inkml:channelProperty channel="F" name="resolution" value="0" units="1/dev"/>
-          <inkml:channelProperty channel="OA" name="resolution" value="1000" units="1/deg"/>
-          <inkml:channelProperty channel="OE" name="resolution" value="1000" units="1/deg"/>
-        </inkml:channelProperties>
-      </inkml:inkSource>
-      <inkml:timestamp xml:id="ts0" timeString="2025-10-11T15:11:22.093"/>
-    </inkml:context>
-    <inkml:brush xml:id="br0">
-      <inkml:brushProperty name="width" value="0.2" units="cm"/>
-      <inkml:brushProperty name="height" value="0.2" units="cm"/>
-      <inkml:brushProperty name="color" value="#004F8B"/>
-    </inkml:brush>
-  </inkml:definitions>
-  <inkml:trace contextRef="#ctx0" brushRef="#br0">66 3 17972 0 0,'-13'-1'521'0'0,"9"1"-393"0"0,1-1 0 0 0,-1 1 0 0 0,1 0 0 0 0,-1 0 0 0 0,0 0 0 0 0,1 1 0 0 0,-1-1 0 0 0,1 1 0 0 0,-1 0 1 0 0,-3 1-1 0 0,6-2-169 0 0,0 1 0 0 0,1 0 1 0 0,-1-1-1 0 0,1 1 1 0 0,-1-1-1 0 0,0 1 1 0 0,1 0-1 0 0,-1-1 1 0 0,1 1-1 0 0,-1 0 0 0 0,1 0 1 0 0,0-1-1 0 0,-1 1 1 0 0,1 0-1 0 0,0 0 1 0 0,0 0-1 0 0,-1 0 1 0 0,1-1-1 0 0,0 1 0 0 0,0 0 1 0 0,0 0-1 0 0,0 0 1 0 0,0 0-1 0 0,0 0 1 0 0,0 0-1 0 0,0-1 1 0 0,0 1-1 0 0,1 0 0 0 0,-1 0 1 0 0,0 0-1 0 0,1 0 1 0 0,0 1-1 0 0,14 29-756 0 0,-12-26 351 0 0,12 26-1044 0 0,-3 1 1 0 0,0 0 0 0 0,-2 0-1 0 0,8 42 1 0 0,20 64 703 0 0,-35-131 1054 0 0,0-1 1 0 0,0 1-1 0 0,1-1 0 0 0,0 1 0 0 0,1-1 0 0 0,-1 0 0 0 0,1-1 0 0 0,0 1 1 0 0,0-1-1 0 0,1 0 0 0 0,0 0 0 0 0,-1 0 0 0 0,2-1 0 0 0,-1 0 1 0 0,0 0-1 0 0,1-1 0 0 0,0 0 0 0 0,0 0 0 0 0,0-1 0 0 0,0 1 0 0 0,0-1 1 0 0,0-1-1 0 0,1 0 0 0 0,11 1 0 0 0,-12-1-299 0 0,1-1-1 0 0,0 0 1 0 0,-1 0-1 0 0,1-1 1 0 0,-1 0-1 0 0,1 0 0 0 0,-1-1 1 0 0,0 0-1 0 0,0-1 1 0 0,0 1-1 0 0,0-1 1 0 0,0 0-1 0 0,0-1 1 0 0,-1 0-1 0 0,1 0 1 0 0,-1 0-1 0 0,0-1 1 0 0,0 0-1 0 0,-1 0 1 0 0,0 0-1 0 0,0-1 1 0 0,0 0-1 0 0,0 0 1 0 0,3-7-1 0 0,12-26-368 0 0,14-47 0 0 0,-23 56 759 0 0,1 0 0 0 0,1 1-1 0 0,1 1 1 0 0,26-40 0 0 0,-34 61-223 0 0,0 0 0 0 0,0 0 0 0 0,1 0 0 0 0,0 0 0 0 0,0 1 0 0 0,0 1 1 0 0,1-1-1 0 0,0 1 0 0 0,0 0 0 0 0,0 1 0 0 0,1 0 0 0 0,-1 0 0 0 0,1 1 0 0 0,0 0 0 0 0,0 0 0 0 0,0 1 0 0 0,0 1 0 0 0,1-1 1 0 0,15 1-1 0 0,-15 0-102 0 0,1 1 1 0 0,-1 1-1 0 0,0 0 0 0 0,1 0 1 0 0,-1 1-1 0 0,0 0 1 0 0,0 1-1 0 0,0 0 1 0 0,0 1-1 0 0,0 0 1 0 0,-1 0-1 0 0,0 1 0 0 0,0 0 1 0 0,0 1-1 0 0,0 0 1 0 0,-1 0-1 0 0,0 1 1 0 0,-1 0-1 0 0,1 0 1 0 0,-1 1-1 0 0,-1 0 0 0 0,1 0 1 0 0,-1 1-1 0 0,-1 0 1 0 0,0 0-1 0 0,0 0 1 0 0,0 1-1 0 0,-1-1 1 0 0,-1 1-1 0 0,0 0 0 0 0,0 0 1 0 0,-1 0-1 0 0,0 0 1 0 0,0 14-1 0 0,-1-3 57 0 0,-2 0-1 0 0,0-1 0 0 0,-1 1 1 0 0,-1 0-1 0 0,-1-1 0 0 0,-1 1 1 0 0,-1-1-1 0 0,0-1 0 0 0,-2 1 1 0 0,-14 27-1 0 0,0-8 23 0 0,-2-1 1 0 0,-1-1-1 0 0,-55 61 0 0 0,72-88-322 0 0,1-2-1 0 0,-2 1 1 0 0,1-1 0 0 0,-1 0-1 0 0,0-1 1 0 0,-1 0 0 0 0,0-1-1 0 0,-18 10 1 0 0</inkml:trace>
-</inkml:ink>
-</file>
-
-<file path=ppt/ink/ink12.xml><?xml version="1.0" encoding="utf-8"?>
-<inkml:ink xmlns:inkml="http://www.w3.org/2003/InkML">
-  <inkml:definitions>
-    <inkml:context xml:id="ctx0">
-      <inkml:inkSource xml:id="inkSrc0">
-        <inkml:traceFormat>
-          <inkml:channel name="X" type="integer" min="-2.14748E9" max="2.14748E9" units="cm"/>
-          <inkml:channel name="Y" type="integer" min="-2.14748E9" max="2.14748E9" units="cm"/>
-          <inkml:channel name="F" type="integer" max="32767" units="dev"/>
-          <inkml:channel name="OA" type="integer" max="360" units="deg"/>
-          <inkml:channel name="OE" type="integer" max="90" units="deg"/>
-        </inkml:traceFormat>
-        <inkml:channelProperties>
-          <inkml:channelProperty channel="X" name="resolution" value="1000" units="1/cm"/>
-          <inkml:channelProperty channel="Y" name="resolution" value="1000" units="1/cm"/>
-          <inkml:channelProperty channel="F" name="resolution" value="0" units="1/dev"/>
-          <inkml:channelProperty channel="OA" name="resolution" value="1000" units="1/deg"/>
-          <inkml:channelProperty channel="OE" name="resolution" value="1000" units="1/deg"/>
-        </inkml:channelProperties>
-      </inkml:inkSource>
-      <inkml:timestamp xml:id="ts0" timeString="2025-10-11T15:11:30.051"/>
-    </inkml:context>
-    <inkml:brush xml:id="br0">
-      <inkml:brushProperty name="width" value="0.2" units="cm"/>
-      <inkml:brushProperty name="height" value="0.2" units="cm"/>
-      <inkml:brushProperty name="color" value="#004F8B"/>
-    </inkml:brush>
-  </inkml:definitions>
-  <inkml:trace contextRef="#ctx0" brushRef="#br0">5 799 1976 0 0,'-5'-17'8494'0'0,"13"16"-8442"0"0,0 0 0 0 0,0 1 0 0 0,0 0 0 0 0,0 1 0 0 0,-1-1 0 0 0,12 4 0 0 0,1-1-46 0 0,16-1 279 0 0,0-2 1 0 0,0-1-1 0 0,0-2 1 0 0,44-8-1 0 0,14-2 109 0 0,360-13 27 0 0,-276 18-340 0 0,903-54 223 0 0,-955 52-304 0 0,207-17 0 0 0,465-53 0 0 0,-210 24-60 0 0,-197 23-79 0 0,-163 16 42 0 0,171-8-540 0 0,-159 11 2 0 0,426-22-302 0 0,602-44-404 0 0,-292 10 1246 0 0,-738 52-102 0 0,3133-143 5015 0 0,-909 132-4746 0 0,-806 19 291 0 0,-582 12 197 0 0,-160 0-347 0 0,879 23 19 0 0,-490 17 462 0 0,-165-4-195 0 0,365 5-589 0 0,-1143-26-3093 0 0,-300-12 2055 0 0</inkml:trace>
-</inkml:ink>
-</file>
-
-<file path=ppt/ink/ink13.xml><?xml version="1.0" encoding="utf-8"?>
-<inkml:ink xmlns:inkml="http://www.w3.org/2003/InkML">
-  <inkml:definitions>
-    <inkml:context xml:id="ctx0">
-      <inkml:inkSource xml:id="inkSrc0">
-        <inkml:traceFormat>
-          <inkml:channel name="X" type="integer" min="-2.14748E9" max="2.14748E9" units="cm"/>
-          <inkml:channel name="Y" type="integer" min="-2.14748E9" max="2.14748E9" units="cm"/>
-          <inkml:channel name="F" type="integer" max="32767" units="dev"/>
-          <inkml:channel name="OA" type="integer" max="360" units="deg"/>
-          <inkml:channel name="OE" type="integer" max="90" units="deg"/>
-        </inkml:traceFormat>
-        <inkml:channelProperties>
-          <inkml:channelProperty channel="X" name="resolution" value="1000" units="1/cm"/>
-          <inkml:channelProperty channel="Y" name="resolution" value="1000" units="1/cm"/>
-          <inkml:channelProperty channel="F" name="resolution" value="0" units="1/dev"/>
-          <inkml:channelProperty channel="OA" name="resolution" value="1000" units="1/deg"/>
-          <inkml:channelProperty channel="OE" name="resolution" value="1000" units="1/deg"/>
-        </inkml:channelProperties>
-      </inkml:inkSource>
-      <inkml:timestamp xml:id="ts0" timeString="2025-10-11T15:11:31.619"/>
-    </inkml:context>
-    <inkml:brush xml:id="br0">
-      <inkml:brushProperty name="width" value="0.2" units="cm"/>
-      <inkml:brushProperty name="height" value="0.2" units="cm"/>
-      <inkml:brushProperty name="color" value="#004F8B"/>
-    </inkml:brush>
-  </inkml:definitions>
-  <inkml:trace contextRef="#ctx0" brushRef="#br0">0 0 2304 0 0,'3'1'259'0'0,"-1"0"-1"0"0,1 0 0 0 0,-1 0 0 0 0,1 0 0 0 0,-1 0 0 0 0,1 1 0 0 0,2 2 1 0 0,13 6 68 0 0,43 12 1226 0 0,118 24-1 0 0,69-4 1028 0 0,-204-36-2256 0 0,561 102 2149 0 0,-480-77-2286 0 0,-1 5-1 0 0,231 101 1 0 0,-317-120-187 0 0,56 34 0 0 0,-82-43 0 0 0,1 1 0 0 0,-2-1 0 0 0,1 2 0 0 0,-1 0 0 0 0,-1 0 0 0 0,1 1 0 0 0,16 24 0 0 0,-25-32-1 0 0,1 1 1 0 0,-1 0-1 0 0,0 0 0 0 0,-1 0 1 0 0,1 0-1 0 0,-1 1 0 0 0,1-1 1 0 0,-1 0-1 0 0,-1 1 0 0 0,1-1 1 0 0,-1 0-1 0 0,1 8 0 0 0,-2-9 7 0 0,1-1-1 0 0,-1 1 0 0 0,1 0 0 0 0,-1 0 0 0 0,0 0 0 0 0,0-1 0 0 0,0 1 0 0 0,-1-1 0 0 0,1 1 0 0 0,-1-1 1 0 0,1 1-1 0 0,-1-1 0 0 0,0 0 0 0 0,0 0 0 0 0,0 0 0 0 0,0 0 0 0 0,0 0 0 0 0,0 0 0 0 0,-1 0 1 0 0,-3 1-1 0 0,-12 7 225 0 0,-1 0 0 0 0,0-1 1 0 0,-1-2-1 0 0,-29 8 0 0 0,-87 15 371 0 0,113-26-540 0 0,-221 30 251 0 0,3-1 114 0 0,193-24-373 0 0,1 3 1 0 0,1 1 0 0 0,-46 20 0 0 0,81-28-81 0 0,1 0 0 0 0,0 0 1 0 0,-1 1-1 0 0,2 0 0 0 0,-12 9 1 0 0,19-12-61 0 0,-1-1 0 0 0,0 1 0 0 0,0-1 0 0 0,1 1 0 0 0,0 0 0 0 0,0 0 0 0 0,-1 0 1 0 0,2 0-1 0 0,-1 1 0 0 0,0-1 0 0 0,1 0 0 0 0,-1 1 0 0 0,1-1 0 0 0,0 1 0 0 0,0-1 1 0 0,0 1-1 0 0,1 0 0 0 0,-1-1 0 0 0,1 1 0 0 0,0 4 0 0 0</inkml:trace>
-</inkml:ink>
-</file>
-
-<file path=ppt/ink/ink14.xml><?xml version="1.0" encoding="utf-8"?>
-<inkml:ink xmlns:inkml="http://www.w3.org/2003/InkML">
-  <inkml:definitions>
-    <inkml:context xml:id="ctx0">
-      <inkml:inkSource xml:id="inkSrc0">
-        <inkml:traceFormat>
-          <inkml:channel name="X" type="integer" min="-2.14748E9" max="2.14748E9" units="cm"/>
-          <inkml:channel name="Y" type="integer" min="-2.14748E9" max="2.14748E9" units="cm"/>
-          <inkml:channel name="F" type="integer" max="32767" units="dev"/>
-          <inkml:channel name="OA" type="integer" max="360" units="deg"/>
-          <inkml:channel name="OE" type="integer" max="90" units="deg"/>
-        </inkml:traceFormat>
-        <inkml:channelProperties>
-          <inkml:channelProperty channel="X" name="resolution" value="1000" units="1/cm"/>
-          <inkml:channelProperty channel="Y" name="resolution" value="1000" units="1/cm"/>
-          <inkml:channelProperty channel="F" name="resolution" value="0" units="1/dev"/>
-          <inkml:channelProperty channel="OA" name="resolution" value="1000" units="1/deg"/>
-          <inkml:channelProperty channel="OE" name="resolution" value="1000" units="1/deg"/>
-        </inkml:channelProperties>
-      </inkml:inkSource>
-      <inkml:timestamp xml:id="ts0" timeString="2025-10-11T15:11:33.994"/>
-    </inkml:context>
-    <inkml:brush xml:id="br0">
-      <inkml:brushProperty name="width" value="0.2" units="cm"/>
-      <inkml:brushProperty name="height" value="0.2" units="cm"/>
-      <inkml:brushProperty name="color" value="#004F8B"/>
-    </inkml:brush>
-  </inkml:definitions>
-  <inkml:trace contextRef="#ctx0" brushRef="#br0">1090 901 2304 0 0,'59'-123'3039'0'0,"62"-113"3987"0"0,-91 186-5434 0 0,41-77 2548 0 0,-62 109-3759 0 0,-2 0 1 0 0,0 0-1 0 0,-2 0 0 0 0,0-1 0 0 0,4-29 0 0 0,-7 36-352 0 0,-1 0 0 0 0,-1-1 0 0 0,0 1 0 0 0,0 0-1 0 0,-1-1 1 0 0,-1 1 0 0 0,0 0 0 0 0,-5-15 0 0 0,5 21-92 0 0,0 1 0 0 0,-1-1 0 0 0,1 1 0 0 0,-1 0 0 0 0,0 0 0 0 0,-1 0 0 0 0,1 0 0 0 0,-1 1 0 0 0,0-1 1 0 0,0 1-1 0 0,0 0 0 0 0,-1 0 0 0 0,0 1 0 0 0,1-1 0 0 0,-1 1 0 0 0,-1 0 0 0 0,1 0 0 0 0,0 1 0 0 0,-9-3 0 0 0,1 1-152 0 0,0 1-1 0 0,-1 0 0 0 0,0 1 0 0 0,1 1 0 0 0,-1 0 0 0 0,0 1 0 0 0,0 0 0 0 0,0 1 0 0 0,-16 3 0 0 0,-7 4-302 0 0,1 0 0 0 0,-43 17-1 0 0,-1 8 699 0 0,1 2 0 0 0,1 4 0 0 0,3 4-1 0 0,1 3 1 0 0,2 3 0 0 0,3 3 0 0 0,1 3-1 0 0,-65 70 1 0 0,98-88 424 0 0,1 1 0 0 0,2 2 0 0 0,-54 87 1 0 0,71-99-374 0 0,1 0 1 0 0,1 1 0 0 0,1 0-1 0 0,2 1 1 0 0,1 0 0 0 0,1 1 0 0 0,-6 53-1 0 0,13-66-172 0 0,0-1-1 0 0,2 0 0 0 0,0 0 1 0 0,1 0-1 0 0,0 0 1 0 0,2 0-1 0 0,0 0 0 0 0,1 0 1 0 0,0-1-1 0 0,2 0 1 0 0,-1 0-1 0 0,2-1 0 0 0,0 0 1 0 0,1 0-1 0 0,1-1 1 0 0,20 24-1 0 0,-10-17-38 0 0,0-1-1 0 0,2 0 1 0 0,0-2-1 0 0,1-1 1 0 0,1-1-1 0 0,0-1 1 0 0,1-1-1 0 0,1-1 1 0 0,37 13 0 0 0,-16-10 9 0 0,1-2 1 0 0,0-3-1 0 0,1-1 1 0 0,56 3-1 0 0,-33-9-14 0 0,1-3 0 0 0,87-9 0 0 0,-106 1 24 0 0,1-3 0 0 0,-1-2 0 0 0,53-19 0 0 0,151-70-2561 0 0,-209 79-4893 0 0</inkml:trace>
-</inkml:ink>
-</file>
-
-<file path=ppt/ink/ink15.xml><?xml version="1.0" encoding="utf-8"?>
-<inkml:ink xmlns:inkml="http://www.w3.org/2003/InkML">
-  <inkml:definitions>
-    <inkml:context xml:id="ctx0">
-      <inkml:inkSource xml:id="inkSrc0">
-        <inkml:traceFormat>
-          <inkml:channel name="X" type="integer" min="-2.14748E9" max="2.14748E9" units="cm"/>
-          <inkml:channel name="Y" type="integer" min="-2.14748E9" max="2.14748E9" units="cm"/>
-          <inkml:channel name="F" type="integer" max="32767" units="dev"/>
-          <inkml:channel name="OA" type="integer" max="360" units="deg"/>
-          <inkml:channel name="OE" type="integer" max="90" units="deg"/>
-        </inkml:traceFormat>
-        <inkml:channelProperties>
-          <inkml:channelProperty channel="X" name="resolution" value="1000" units="1/cm"/>
-          <inkml:channelProperty channel="Y" name="resolution" value="1000" units="1/cm"/>
-          <inkml:channelProperty channel="F" name="resolution" value="0" units="1/dev"/>
-          <inkml:channelProperty channel="OA" name="resolution" value="1000" units="1/deg"/>
-          <inkml:channelProperty channel="OE" name="resolution" value="1000" units="1/deg"/>
-        </inkml:channelProperties>
-      </inkml:inkSource>
-      <inkml:timestamp xml:id="ts0" timeString="2025-10-11T15:11:34.585"/>
-    </inkml:context>
-    <inkml:brush xml:id="br0">
-      <inkml:brushProperty name="width" value="0.2" units="cm"/>
-      <inkml:brushProperty name="height" value="0.2" units="cm"/>
-      <inkml:brushProperty name="color" value="#004F8B"/>
-    </inkml:brush>
-  </inkml:definitions>
-  <inkml:trace contextRef="#ctx0" brushRef="#br0">450 152 4145 0 0,'35'-57'1489'0'0,"-33"52"-1261"0"0,1 0 1 0 0,-1 0-1 0 0,0 0 0 0 0,0 0 1 0 0,-1 0-1 0 0,1-1 0 0 0,-1 1 1 0 0,-1 0-1 0 0,1-1 0 0 0,-1-5 1 0 0,0 9-169 0 0,0 1 1 0 0,-1-1 0 0 0,1 1-1 0 0,-1-1 1 0 0,0 0-1 0 0,0 1 1 0 0,1-1-1 0 0,-1 1 1 0 0,0 0 0 0 0,0-1-1 0 0,0 1 1 0 0,0 0-1 0 0,-1 0 1 0 0,1-1 0 0 0,0 1-1 0 0,-1 0 1 0 0,1 0-1 0 0,0 0 1 0 0,-1 0 0 0 0,1 1-1 0 0,-1-1 1 0 0,1 0-1 0 0,-1 1 1 0 0,0-1-1 0 0,1 1 1 0 0,-1-1 0 0 0,0 1-1 0 0,1 0 1 0 0,-1 0-1 0 0,0 0 1 0 0,-2 0 0 0 0,-6-1 48 0 0,-1 1 0 0 0,1 1 0 0 0,-19 3 0 0 0,8 1 39 0 0,-1 0-1 0 0,2 2 1 0 0,-1 1 0 0 0,1 0 0 0 0,0 1-1 0 0,1 2 1 0 0,-23 14 0 0 0,17-7 257 0 0,1 0-1 0 0,0 2 1 0 0,2 1 0 0 0,-33 37 0 0 0,47-49-197 0 0,1 1 0 0 0,1 0-1 0 0,-1 0 1 0 0,2 1 0 0 0,-1 0 0 0 0,1 0 0 0 0,1 0-1 0 0,0 0 1 0 0,1 1 0 0 0,0 0 0 0 0,1-1 0 0 0,0 1-1 0 0,0 15 1 0 0,1-20-128 0 0,2 0 1 0 0,-1 0-1 0 0,1 0 0 0 0,0 0 1 0 0,0 0-1 0 0,1 0 0 0 0,0 0 1 0 0,0 0-1 0 0,1-1 0 0 0,0 1 1 0 0,0-1-1 0 0,1 0 0 0 0,-1 0 1 0 0,1 0-1 0 0,0 0 0 0 0,1 0 1 0 0,0-1-1 0 0,0 0 0 0 0,0 0 1 0 0,0 0-1 0 0,1-1 0 0 0,-1 0 1 0 0,11 6-1 0 0,-3-4 0 0 0,-1-1 0 0 0,1 0 0 0 0,0-1 0 0 0,1 0 0 0 0,-1-1 0 0 0,1 0 0 0 0,-1-2 0 0 0,1 1 0 0 0,0-2 0 0 0,-1 1 0 0 0,28-5 0 0 0,-7 0 52 0 0,-1-3 0 0 0,0 0 0 0 0,55-21 0 0 0,-65 18-144 0 0,0 0-1 0 0,-1-1 1 0 0,0-1-1 0 0,-1-1 0 0 0,29-23 1 0 0,-39 28-113 0 0,-2-1 0 0 0,1 0 0 0 0,-1 0 1 0 0,-1-1-1 0 0,1 0 0 0 0,-2-1 0 0 0,1 1 0 0 0,-2-2 1 0 0,1 1-1 0 0,-2-1 0 0 0,1 0 0 0 0,3-15 1 0 0,-7 21-56 0 0,-1-1 0 0 0,0 1 1 0 0,0-1-1 0 0,-1 1 1 0 0,0-1-1 0 0,0 1 0 0 0,-1 0 1 0 0,0-1-1 0 0,0 1 0 0 0,0-1 1 0 0,-3-6-1 0 0,0 2-1602 0 0,-1 0 0 0 0,-10-20 0 0 0,-1 7-2910 0 0</inkml:trace>
-</inkml:ink>
-</file>
-
-<file path=ppt/ink/ink16.xml><?xml version="1.0" encoding="utf-8"?>
-<inkml:ink xmlns:inkml="http://www.w3.org/2003/InkML">
-  <inkml:definitions>
-    <inkml:context xml:id="ctx0">
-      <inkml:inkSource xml:id="inkSrc0">
-        <inkml:traceFormat>
-          <inkml:channel name="X" type="integer" min="-2.14748E9" max="2.14748E9" units="cm"/>
-          <inkml:channel name="Y" type="integer" min="-2.14748E9" max="2.14748E9" units="cm"/>
-          <inkml:channel name="F" type="integer" max="32767" units="dev"/>
-          <inkml:channel name="OA" type="integer" max="360" units="deg"/>
-          <inkml:channel name="OE" type="integer" max="90" units="deg"/>
-        </inkml:traceFormat>
-        <inkml:channelProperties>
-          <inkml:channelProperty channel="X" name="resolution" value="1000" units="1/cm"/>
-          <inkml:channelProperty channel="Y" name="resolution" value="1000" units="1/cm"/>
-          <inkml:channelProperty channel="F" name="resolution" value="0" units="1/dev"/>
-          <inkml:channelProperty channel="OA" name="resolution" value="1000" units="1/deg"/>
-          <inkml:channelProperty channel="OE" name="resolution" value="1000" units="1/deg"/>
-        </inkml:channelProperties>
-      </inkml:inkSource>
-      <inkml:timestamp xml:id="ts0" timeString="2025-10-11T15:11:35.424"/>
-    </inkml:context>
-    <inkml:brush xml:id="br0">
-      <inkml:brushProperty name="width" value="0.2" units="cm"/>
-      <inkml:brushProperty name="height" value="0.2" units="cm"/>
-      <inkml:brushProperty name="color" value="#004F8B"/>
-    </inkml:brush>
-  </inkml:definitions>
-  <inkml:trace contextRef="#ctx0" brushRef="#br0">95 173 4609 0 0,'1'-1'28'0'0,"-1"1"0"0"0,0-1 1 0 0,0 1-1 0 0,0 0 0 0 0,0-1 0 0 0,0 1 1 0 0,1-1-1 0 0,-1 1 0 0 0,0 0 0 0 0,0-1 1 0 0,1 1-1 0 0,-1 0 0 0 0,0-1 0 0 0,0 1 1 0 0,1 0-1 0 0,-1-1 0 0 0,0 1 0 0 0,1 0 1 0 0,-1 0-1 0 0,1-1 0 0 0,-1 1 0 0 0,0 0 1 0 0,1 0-1 0 0,-1 0 0 0 0,1 0 0 0 0,-1 0 1 0 0,0-1-1 0 0,1 1 0 0 0,-1 0 0 0 0,1 0 0 0 0,-1 0 1 0 0,1 0-1 0 0,-1 0 0 0 0,1 0 0 0 0,-1 0 1 0 0,0 0-1 0 0,1 1 0 0 0,-1-1 0 0 0,1 0 1 0 0,-1 0-1 0 0,0 0 0 0 0,1 0 0 0 0,-1 1 1 0 0,1-1-1 0 0,-1 0 0 0 0,0 0 0 0 0,1 1 1 0 0,-1-1-1 0 0,0 0 0 0 0,1 0 0 0 0,-1 1 1 0 0,0-1-1 0 0,0 0 0 0 0,1 1 0 0 0,-1-1 0 0 0,0 1 1 0 0,0-1-1 0 0,1 0 0 0 0,-1 1 0 0 0,0-1 1 0 0,0 1-1 0 0,0-1 0 0 0,0 1 0 0 0,11 25 1308 0 0,-8-8-904 0 0,0 1-1 0 0,-2-1 1 0 0,0 1-1 0 0,-1-1 1 0 0,-1 1-1 0 0,0-1 0 0 0,-2 0 1 0 0,-5 22-1 0 0,-6 12 583 0 0,-33 73 1 0 0,-9 32 1711 0 0,53-142-2159 0 0,7-29-287 0 0,8-25-57 0 0,6-31-701 0 0,3 1-1 0 0,4 2 1 0 0,54-110 0 0 0,-62 147-137 0 0,2 1-1 0 0,0 1 0 0 0,46-50 1 0 0,-48 61 316 0 0,1 1-1 0 0,0 0 1 0 0,1 2-1 0 0,1 0 1 0 0,0 1-1 0 0,32-15 1 0 0,-48 25 267 0 0,1 1-1 0 0,0 0 1 0 0,0 0 0 0 0,0 0 0 0 0,0 1-1 0 0,0 0 1 0 0,0 0 0 0 0,0 0 0 0 0,1 1-1 0 0,-1-1 1 0 0,0 1 0 0 0,0 1-1 0 0,1-1 1 0 0,-1 1 0 0 0,0-1 0 0 0,0 2-1 0 0,0-1 1 0 0,0 0 0 0 0,0 1 0 0 0,0 0-1 0 0,0 0 1 0 0,0 1 0 0 0,-1-1-1 0 0,1 1 1 0 0,-1 0 0 0 0,0 0 0 0 0,0 1-1 0 0,0-1 1 0 0,0 1 0 0 0,0 0 0 0 0,-1 0-1 0 0,0 0 1 0 0,0 0 0 0 0,0 0-1 0 0,0 1 1 0 0,-1 0 0 0 0,1-1 0 0 0,-1 1-1 0 0,2 7 1 0 0,1 5 201 0 0,-1 0 1 0 0,-1 0-1 0 0,0 1 0 0 0,-1-1 0 0 0,-1 0 0 0 0,0 1 1 0 0,-3 27-1 0 0,-25 123 1795 0 0,21-138-1553 0 0,-3 10 186 0 0,5-24-292 0 0,0 0 1 0 0,1 0-1 0 0,1 1 1 0 0,0-1-1 0 0,1 1 1 0 0,3 31-1 0 0,2-34 78 0 0,-4-14-419 0 0,1 1 0 0 0,-1-1 0 0 0,0 0 0 0 0,0 1 0 0 0,0-1 0 0 0,0 0 0 0 0,1 1 0 0 0,-1-1 0 0 0,0 0 0 0 0,0 0 0 0 0,0 1 0 0 0,1-1 0 0 0,-1 0 0 0 0,0 0-1 0 0,1 1 1 0 0,-1-1 0 0 0,0 0 0 0 0,1 0 0 0 0,-1 0 0 0 0,0 0 0 0 0,1 1 0 0 0,-1-1 0 0 0,0 0 0 0 0,1 0 0 0 0,-1 0 0 0 0,0 0 0 0 0,1 0 0 0 0,-1 0 0 0 0,0 0 0 0 0,1 0 0 0 0,-1 0 0 0 0,0 0-1 0 0,1 0 1 0 0,-1 0 0 0 0,1 0 0 0 0,-1-1 0 0 0</inkml:trace>
-</inkml:ink>
-</file>
-
-<file path=ppt/ink/ink17.xml><?xml version="1.0" encoding="utf-8"?>
-<inkml:ink xmlns:inkml="http://www.w3.org/2003/InkML">
-  <inkml:definitions>
-    <inkml:context xml:id="ctx0">
-      <inkml:inkSource xml:id="inkSrc0">
-        <inkml:traceFormat>
-          <inkml:channel name="X" type="integer" min="-2.14748E9" max="2.14748E9" units="cm"/>
-          <inkml:channel name="Y" type="integer" min="-2.14748E9" max="2.14748E9" units="cm"/>
-          <inkml:channel name="F" type="integer" max="32767" units="dev"/>
-          <inkml:channel name="OA" type="integer" max="360" units="deg"/>
-          <inkml:channel name="OE" type="integer" max="90" units="deg"/>
-        </inkml:traceFormat>
-        <inkml:channelProperties>
-          <inkml:channelProperty channel="X" name="resolution" value="1000" units="1/cm"/>
-          <inkml:channelProperty channel="Y" name="resolution" value="1000" units="1/cm"/>
-          <inkml:channelProperty channel="F" name="resolution" value="0" units="1/dev"/>
-          <inkml:channelProperty channel="OA" name="resolution" value="1000" units="1/deg"/>
-          <inkml:channelProperty channel="OE" name="resolution" value="1000" units="1/deg"/>
-        </inkml:channelProperties>
-      </inkml:inkSource>
-      <inkml:timestamp xml:id="ts0" timeString="2025-10-11T15:11:35.839"/>
-    </inkml:context>
-    <inkml:brush xml:id="br0">
-      <inkml:brushProperty name="width" value="0.2" units="cm"/>
-      <inkml:brushProperty name="height" value="0.2" units="cm"/>
-      <inkml:brushProperty name="color" value="#004F8B"/>
-    </inkml:brush>
-  </inkml:definitions>
-  <inkml:trace contextRef="#ctx0" brushRef="#br0">165 0 11979 0 0,'-7'151'694'0'0,"-34"200"0"0"0,18-191 391 0 0,-52 557 3019 0 0,65-615-3968 0 0,4-28 191 0 0,4 0-1 0 0,2 0 1 0 0,4 0 0 0 0,3 0 0 0 0,17 74-1 0 0,-21-137-607 0 0,2 11 530 0 0</inkml:trace>
-</inkml:ink>
-</file>
-
-<file path=ppt/ink/ink18.xml><?xml version="1.0" encoding="utf-8"?>
-<inkml:ink xmlns:inkml="http://www.w3.org/2003/InkML">
-  <inkml:definitions>
-    <inkml:context xml:id="ctx0">
-      <inkml:inkSource xml:id="inkSrc0">
-        <inkml:traceFormat>
-          <inkml:channel name="X" type="integer" min="-2.14748E9" max="2.14748E9" units="cm"/>
-          <inkml:channel name="Y" type="integer" min="-2.14748E9" max="2.14748E9" units="cm"/>
-          <inkml:channel name="F" type="integer" max="32767" units="dev"/>
-          <inkml:channel name="OA" type="integer" max="360" units="deg"/>
-          <inkml:channel name="OE" type="integer" max="90" units="deg"/>
-        </inkml:traceFormat>
-        <inkml:channelProperties>
-          <inkml:channelProperty channel="X" name="resolution" value="1000" units="1/cm"/>
-          <inkml:channelProperty channel="Y" name="resolution" value="1000" units="1/cm"/>
-          <inkml:channelProperty channel="F" name="resolution" value="0" units="1/dev"/>
-          <inkml:channelProperty channel="OA" name="resolution" value="1000" units="1/deg"/>
-          <inkml:channelProperty channel="OE" name="resolution" value="1000" units="1/deg"/>
-        </inkml:channelProperties>
-      </inkml:inkSource>
-      <inkml:timestamp xml:id="ts0" timeString="2025-10-11T15:11:36.147"/>
-    </inkml:context>
-    <inkml:brush xml:id="br0">
-      <inkml:brushProperty name="width" value="0.2" units="cm"/>
-      <inkml:brushProperty name="height" value="0.2" units="cm"/>
-      <inkml:brushProperty name="color" value="#004F8B"/>
-    </inkml:brush>
-  </inkml:definitions>
-  <inkml:trace contextRef="#ctx0" brushRef="#br0">14 7 12899 0 0,'-13'-7'5633'0'0,"13"10"-5545"0"0,1 0 1 0 0,-1 0-1 0 0,1-1 1 0 0,0 1-1 0 0,0 0 1 0 0,0-1-1 0 0,1 1 0 0 0,-1-1 1 0 0,0 1-1 0 0,1-1 1 0 0,0 0-1 0 0,-1 0 1 0 0,1 1-1 0 0,0-1 0 0 0,0 0 1 0 0,0-1-1 0 0,0 1 1 0 0,1 0-1 0 0,-1 0 1 0 0,3 1-1 0 0,5 2 52 0 0,0 1-1 0 0,0-1 1 0 0,20 7-1 0 0,-4-5-153 0 0,1-1-1 0 0,0 0 1 0 0,0-3-1 0 0,0 0 1 0 0,0-1-1 0 0,50-4 1 0 0,166-33-997 0 0,-139 17 476 0 0,35 1-672 0 0,-104 15 662 0 0</inkml:trace>
-</inkml:ink>
-</file>
-
-<file path=ppt/ink/ink19.xml><?xml version="1.0" encoding="utf-8"?>
-<inkml:ink xmlns:inkml="http://www.w3.org/2003/InkML">
-  <inkml:definitions>
-    <inkml:context xml:id="ctx0">
-      <inkml:inkSource xml:id="inkSrc0">
-        <inkml:traceFormat>
-          <inkml:channel name="X" type="integer" min="-2.14748E9" max="2.14748E9" units="cm"/>
-          <inkml:channel name="Y" type="integer" min="-2.14748E9" max="2.14748E9" units="cm"/>
-          <inkml:channel name="F" type="integer" max="32767" units="dev"/>
-          <inkml:channel name="OA" type="integer" max="360" units="deg"/>
-          <inkml:channel name="OE" type="integer" max="90" units="deg"/>
-        </inkml:traceFormat>
-        <inkml:channelProperties>
-          <inkml:channelProperty channel="X" name="resolution" value="1000" units="1/cm"/>
-          <inkml:channelProperty channel="Y" name="resolution" value="1000" units="1/cm"/>
-          <inkml:channelProperty channel="F" name="resolution" value="0" units="1/dev"/>
-          <inkml:channelProperty channel="OA" name="resolution" value="1000" units="1/deg"/>
-          <inkml:channelProperty channel="OE" name="resolution" value="1000" units="1/deg"/>
-        </inkml:channelProperties>
-      </inkml:inkSource>
-      <inkml:timestamp xml:id="ts0" timeString="2025-10-11T15:11:36.863"/>
-    </inkml:context>
-    <inkml:brush xml:id="br0">
-      <inkml:brushProperty name="width" value="0.2" units="cm"/>
-      <inkml:brushProperty name="height" value="0.2" units="cm"/>
-      <inkml:brushProperty name="color" value="#004F8B"/>
-    </inkml:brush>
-  </inkml:definitions>
-  <inkml:trace contextRef="#ctx0" brushRef="#br0">0 443 4609 0 0,'17'2'5592'0'0,"10"5"-2288"0"0,-3-1-1420 0 0,11-1-1352 0 0,0-1 1 0 0,1-2 0 0 0,-1-2 0 0 0,0-1 0 0 0,48-7 0 0 0,-54 3-171 0 0,1-1 1 0 0,-2-1 0 0 0,1-1-1 0 0,-1-2 1 0 0,0-1 0 0 0,45-25 0 0 0,-64 30-575 0 0,1 0 1 0 0,-1 0-1 0 0,0-1 1 0 0,-1 0 0 0 0,1-1-1 0 0,-2 0 1 0 0,1 0-1 0 0,-1-1 1 0 0,0 0 0 0 0,-1 0-1 0 0,10-18 1 0 0,-13 20 38 0 0,0-1 0 0 0,-1 0 1 0 0,1 0-1 0 0,-1 0 0 0 0,-1 0 1 0 0,0 0-1 0 0,0 0 0 0 0,0 0 0 0 0,-1 0 1 0 0,-1 0-1 0 0,1 0 0 0 0,-1 0 0 0 0,0 0 1 0 0,-1 0-1 0 0,0 0 0 0 0,-6-15 0 0 0,6 16-48 0 0,-1 1 0 0 0,-1-1 0 0 0,1 0 0 0 0,-1 1 0 0 0,0 0-1 0 0,-1 0 1 0 0,1 0 0 0 0,-1 0 0 0 0,0 1 0 0 0,-1-1 0 0 0,1 1-1 0 0,-1 1 1 0 0,0-1 0 0 0,-9-4 0 0 0,6 4 17 0 0,0 2 0 0 0,0-1 0 0 0,-1 1 0 0 0,1 0 0 0 0,0 1 0 0 0,-1 0 1 0 0,0 0-1 0 0,1 1 0 0 0,-1 1 0 0 0,-10 0 0 0 0,3 1 142 0 0,0 1 0 0 0,0 0 0 0 0,0 2 1 0 0,0 0-1 0 0,1 0 0 0 0,0 2 0 0 0,0 0 0 0 0,0 1 1 0 0,1 0-1 0 0,0 2 0 0 0,0 0 0 0 0,-16 13 0 0 0,18-11 426 0 0,2 0 0 0 0,0 1 0 0 0,0 1 0 0 0,1 0 0 0 0,0 1 0 0 0,1 0 0 0 0,1 0-1 0 0,1 0 1 0 0,0 1 0 0 0,0 1 0 0 0,2-1 0 0 0,0 1 0 0 0,0 0 0 0 0,2 0 0 0 0,0 0 0 0 0,-1 19-1 0 0,2-11 6 0 0,1 1-1 0 0,2-1 0 0 0,0 0 0 0 0,2 1 0 0 0,0-1 0 0 0,2 0 0 0 0,0 0 0 0 0,2-1 1 0 0,1 0-1 0 0,13 29 0 0 0,-15-40-312 0 0,1-1 1 0 0,0 0-1 0 0,0 0 0 0 0,1-1 1 0 0,0 0-1 0 0,1-1 1 0 0,0 0-1 0 0,1 0 0 0 0,0-1 1 0 0,0 0-1 0 0,1-1 1 0 0,0 0-1 0 0,0 0 0 0 0,0-1 1 0 0,1-1-1 0 0,0 0 1 0 0,0-1-1 0 0,1 0 0 0 0,-1 0 1 0 0,17 1-1 0 0,4-1-277 0 0,0-1 1 0 0,0-1-1 0 0,0-3 0 0 0,1 0 0 0 0,-1-2 0 0 0,58-13 0 0 0,-32 3-1072 0 0</inkml:trace>
-</inkml:ink>
-</file>
-
-<file path=ppt/ink/ink2.xml><?xml version="1.0" encoding="utf-8"?>
-<inkml:ink xmlns:inkml="http://www.w3.org/2003/InkML">
-  <inkml:definitions>
-    <inkml:context xml:id="ctx0">
-      <inkml:inkSource xml:id="inkSrc0">
-        <inkml:traceFormat>
-          <inkml:channel name="X" type="integer" min="-2.14748E9" max="2.14748E9" units="cm"/>
-          <inkml:channel name="Y" type="integer" min="-2.14748E9" max="2.14748E9" units="cm"/>
-          <inkml:channel name="F" type="integer" max="32767" units="dev"/>
-          <inkml:channel name="OA" type="integer" max="360" units="deg"/>
-          <inkml:channel name="OE" type="integer" max="90" units="deg"/>
-        </inkml:traceFormat>
-        <inkml:channelProperties>
-          <inkml:channelProperty channel="X" name="resolution" value="1000" units="1/cm"/>
-          <inkml:channelProperty channel="Y" name="resolution" value="1000" units="1/cm"/>
-          <inkml:channelProperty channel="F" name="resolution" value="0" units="1/dev"/>
-          <inkml:channelProperty channel="OA" name="resolution" value="1000" units="1/deg"/>
-          <inkml:channelProperty channel="OE" name="resolution" value="1000" units="1/deg"/>
-        </inkml:channelProperties>
-      </inkml:inkSource>
-      <inkml:timestamp xml:id="ts0" timeString="2025-10-11T15:11:08.400"/>
-    </inkml:context>
-    <inkml:brush xml:id="br0">
-      <inkml:brushProperty name="width" value="0.2" units="cm"/>
-      <inkml:brushProperty name="height" value="0.2" units="cm"/>
-      <inkml:brushProperty name="color" value="#004F8B"/>
-    </inkml:brush>
-  </inkml:definitions>
-  <inkml:trace contextRef="#ctx0" brushRef="#br0">1 1607 6913 0 0,'11'-15'2368'0'0,"-2"3"-2452"0"0,0 0-1 0 0,10-19 0 0 0,8-34 651 0 0,37-131-1 0 0,-4-74 603 0 0,120-500-387 0 0,-142 655-781 0 0,-33 103 0 0 0,1-1 0 0 0,0 1 0 0 0,1 0 0 0 0,1 0 0 0 0,0 1 0 0 0,16-18 0 0 0,-23 27 2 0 0,0 0 1 0 0,1 1 0 0 0,-1-1 0 0 0,1 1-1 0 0,-1 0 1 0 0,1-1 0 0 0,0 1 0 0 0,0 0-1 0 0,-1 0 1 0 0,1 0 0 0 0,0 0 0 0 0,0 0-1 0 0,0 1 1 0 0,0-1 0 0 0,0 1 0 0 0,0-1 0 0 0,0 1-1 0 0,1 0 1 0 0,-1-1 0 0 0,0 1 0 0 0,0 0-1 0 0,0 1 1 0 0,0-1 0 0 0,0 0 0 0 0,0 0-1 0 0,0 1 1 0 0,0 0 0 0 0,4 1 0 0 0,-2 0 21 0 0,-1 0 1 0 0,0 1-1 0 0,0 0 1 0 0,0-1-1 0 0,0 1 1 0 0,0 0-1 0 0,0 0 1 0 0,-1 1-1 0 0,0-1 1 0 0,1 1 0 0 0,-1-1-1 0 0,-1 1 1 0 0,1-1-1 0 0,2 7 1 0 0,9 32 155 0 0,-2 1 0 0 0,-2 0 0 0 0,4 47 0 0 0,0 2-4 0 0,-8-64-171 0 0,57 300 534 0 0,29-7-27 0 0,10-68-412 0 0,-32-86-1904 0 0,-51-119 309 0 0,-9-25 485 0 0</inkml:trace>
-</inkml:ink>
-</file>
-
-<file path=ppt/ink/ink20.xml><?xml version="1.0" encoding="utf-8"?>
-<inkml:ink xmlns:inkml="http://www.w3.org/2003/InkML">
-  <inkml:definitions>
-    <inkml:context xml:id="ctx0">
-      <inkml:inkSource xml:id="inkSrc0">
-        <inkml:traceFormat>
-          <inkml:channel name="X" type="integer" min="-2.14748E9" max="2.14748E9" units="cm"/>
-          <inkml:channel name="Y" type="integer" min="-2.14748E9" max="2.14748E9" units="cm"/>
-          <inkml:channel name="F" type="integer" max="32767" units="dev"/>
-          <inkml:channel name="OA" type="integer" max="360" units="deg"/>
-          <inkml:channel name="OE" type="integer" max="90" units="deg"/>
-        </inkml:traceFormat>
-        <inkml:channelProperties>
-          <inkml:channelProperty channel="X" name="resolution" value="1000" units="1/cm"/>
-          <inkml:channelProperty channel="Y" name="resolution" value="1000" units="1/cm"/>
-          <inkml:channelProperty channel="F" name="resolution" value="0" units="1/dev"/>
-          <inkml:channelProperty channel="OA" name="resolution" value="1000" units="1/deg"/>
-          <inkml:channelProperty channel="OE" name="resolution" value="1000" units="1/deg"/>
-        </inkml:channelProperties>
-      </inkml:inkSource>
-      <inkml:timestamp xml:id="ts0" timeString="2025-10-11T15:11:37.362"/>
-    </inkml:context>
-    <inkml:brush xml:id="br0">
-      <inkml:brushProperty name="width" value="0.2" units="cm"/>
-      <inkml:brushProperty name="height" value="0.2" units="cm"/>
-      <inkml:brushProperty name="color" value="#004F8B"/>
-    </inkml:brush>
-  </inkml:definitions>
-  <inkml:trace contextRef="#ctx0" brushRef="#br0">1113 1 6913 0 0,'-169'156'3696'0'0,"-54"56"3089"0"0,24 22-4843 0 0,93-106-1876 0 0,-132 124 0 0 0,221-236-124 0 0,-51 44-566 0 0,60-54 292 0 0,0 0 0 0 0,-1 0 1 0 0,0-1-1 0 0,0 0 0 0 0,-1 0 0 0 0,-12 4 1 0 0,5-8-1372 0 0</inkml:trace>
-</inkml:ink>
-</file>
-
-<file path=ppt/ink/ink21.xml><?xml version="1.0" encoding="utf-8"?>
-<inkml:ink xmlns:inkml="http://www.w3.org/2003/InkML">
-  <inkml:definitions>
-    <inkml:context xml:id="ctx0">
-      <inkml:inkSource xml:id="inkSrc0">
-        <inkml:traceFormat>
-          <inkml:channel name="X" type="integer" min="-2.14748E9" max="2.14748E9" units="cm"/>
-          <inkml:channel name="Y" type="integer" min="-2.14748E9" max="2.14748E9" units="cm"/>
-          <inkml:channel name="F" type="integer" max="32767" units="dev"/>
-          <inkml:channel name="OA" type="integer" max="360" units="deg"/>
-          <inkml:channel name="OE" type="integer" max="90" units="deg"/>
-        </inkml:traceFormat>
-        <inkml:channelProperties>
-          <inkml:channelProperty channel="X" name="resolution" value="1000" units="1/cm"/>
-          <inkml:channelProperty channel="Y" name="resolution" value="1000" units="1/cm"/>
-          <inkml:channelProperty channel="F" name="resolution" value="0" units="1/dev"/>
-          <inkml:channelProperty channel="OA" name="resolution" value="1000" units="1/deg"/>
-          <inkml:channelProperty channel="OE" name="resolution" value="1000" units="1/deg"/>
-        </inkml:channelProperties>
-      </inkml:inkSource>
-      <inkml:timestamp xml:id="ts0" timeString="2025-10-11T15:11:37.672"/>
-    </inkml:context>
-    <inkml:brush xml:id="br0">
-      <inkml:brushProperty name="width" value="0.2" units="cm"/>
-      <inkml:brushProperty name="height" value="0.2" units="cm"/>
-      <inkml:brushProperty name="color" value="#004F8B"/>
-    </inkml:brush>
-  </inkml:definitions>
-  <inkml:trace contextRef="#ctx0" brushRef="#br0">1 42 8290 0 0,'7'-42'10713'0'0,"-6"43"-10592"0"0,33 22 607 0 0,-31-21-544 0 0,23 19 36 0 0,-1 2 1 0 0,-1 1-1 0 0,-1 1 0 0 0,-2 1 0 0 0,0 1 0 0 0,24 41 0 0 0,83 187-186 0 0,-97-186 48 0 0,-18-41-80 0 0,1 0 0 0 0,1-1 0 0 0,31 41 1 0 0,-37-58-14 0 0,0 0 1 0 0,0 0 0 0 0,1-1 0 0 0,0 0 0 0 0,1-1 0 0 0,-1 0 0 0 0,2 0-1 0 0,-1-1 1 0 0,1-1 0 0 0,25 10 0 0 0,-23-12-550 0 0,1 1 0 0 0,22 2 0 0 0,-3-3-6587 0 0</inkml:trace>
-</inkml:ink>
-</file>
-
-<file path=ppt/ink/ink22.xml><?xml version="1.0" encoding="utf-8"?>
-<inkml:ink xmlns:inkml="http://www.w3.org/2003/InkML">
-  <inkml:definitions>
-    <inkml:context xml:id="ctx0">
-      <inkml:inkSource xml:id="inkSrc0">
-        <inkml:traceFormat>
-          <inkml:channel name="X" type="integer" min="-2.14748E9" max="2.14748E9" units="cm"/>
-          <inkml:channel name="Y" type="integer" min="-2.14748E9" max="2.14748E9" units="cm"/>
-          <inkml:channel name="F" type="integer" max="32767" units="dev"/>
-          <inkml:channel name="OA" type="integer" max="360" units="deg"/>
-          <inkml:channel name="OE" type="integer" max="90" units="deg"/>
-        </inkml:traceFormat>
-        <inkml:channelProperties>
-          <inkml:channelProperty channel="X" name="resolution" value="1000" units="1/cm"/>
-          <inkml:channelProperty channel="Y" name="resolution" value="1000" units="1/cm"/>
-          <inkml:channelProperty channel="F" name="resolution" value="0" units="1/dev"/>
-          <inkml:channelProperty channel="OA" name="resolution" value="1000" units="1/deg"/>
-          <inkml:channelProperty channel="OE" name="resolution" value="1000" units="1/deg"/>
-        </inkml:channelProperties>
-      </inkml:inkSource>
-      <inkml:timestamp xml:id="ts0" timeString="2025-10-11T15:11:38.169"/>
-    </inkml:context>
-    <inkml:brush xml:id="br0">
-      <inkml:brushProperty name="width" value="0.2" units="cm"/>
-      <inkml:brushProperty name="height" value="0.2" units="cm"/>
-      <inkml:brushProperty name="color" value="#004F8B"/>
-    </inkml:brush>
-  </inkml:definitions>
-  <inkml:trace contextRef="#ctx0" brushRef="#br0">149 1 7370 0 0,'6'1'1958'0'0,"-6"-1"-1928"0"0,4 17 1601 0 0,-2 21 280 0 0,-10 33 574 0 0,-26 105 0 0 0,7-47-1343 0 0,-15 147 56 0 0,-5 283-1 0 0,44-504-1177 0 0,9 89 0 0 0,-5-127-51 0 0,2 0-1 0 0,0 0 1 0 0,1 0-1 0 0,1 0 1 0 0,0 0-1 0 0,1-1 1 0 0,1 0-1 0 0,1-1 1 0 0,12 21 0 0 0,-10-23-607 0 0,1-4-189 0 0</inkml:trace>
-</inkml:ink>
-</file>
-
-<file path=ppt/ink/ink23.xml><?xml version="1.0" encoding="utf-8"?>
-<inkml:ink xmlns:inkml="http://www.w3.org/2003/InkML">
-  <inkml:definitions>
-    <inkml:context xml:id="ctx0">
-      <inkml:inkSource xml:id="inkSrc0">
-        <inkml:traceFormat>
-          <inkml:channel name="X" type="integer" min="-2.14748E9" max="2.14748E9" units="cm"/>
-          <inkml:channel name="Y" type="integer" min="-2.14748E9" max="2.14748E9" units="cm"/>
-          <inkml:channel name="F" type="integer" max="32767" units="dev"/>
-          <inkml:channel name="OA" type="integer" max="360" units="deg"/>
-          <inkml:channel name="OE" type="integer" max="90" units="deg"/>
-        </inkml:traceFormat>
-        <inkml:channelProperties>
-          <inkml:channelProperty channel="X" name="resolution" value="1000" units="1/cm"/>
-          <inkml:channelProperty channel="Y" name="resolution" value="1000" units="1/cm"/>
-          <inkml:channelProperty channel="F" name="resolution" value="0" units="1/dev"/>
-          <inkml:channelProperty channel="OA" name="resolution" value="1000" units="1/deg"/>
-          <inkml:channelProperty channel="OE" name="resolution" value="1000" units="1/deg"/>
-        </inkml:channelProperties>
-      </inkml:inkSource>
-      <inkml:timestamp xml:id="ts0" timeString="2025-10-11T15:11:38.403"/>
-    </inkml:context>
-    <inkml:brush xml:id="br0">
-      <inkml:brushProperty name="width" value="0.2" units="cm"/>
-      <inkml:brushProperty name="height" value="0.2" units="cm"/>
-      <inkml:brushProperty name="color" value="#004F8B"/>
-    </inkml:brush>
-  </inkml:definitions>
-  <inkml:trace contextRef="#ctx0" brushRef="#br0">0 180 13827 0 0,'1'-2'90'0'0,"-1"-1"0"0"0,1 1 0 0 0,0 0 0 0 0,0 0 0 0 0,0-1 0 0 0,0 1 0 0 0,0 0 0 0 0,0 0 0 0 0,1 0 0 0 0,-1 1 0 0 0,1-1 0 0 0,-1 0 0 0 0,1 0 0 0 0,0 1 0 0 0,-1-1 0 0 0,1 1 0 0 0,0-1 0 0 0,0 1 0 0 0,0 0 0 0 0,0 0 0 0 0,0 0 0 0 0,1 0 0 0 0,-1 0 0 0 0,4-1 0 0 0,1 0 259 0 0,-1 0 0 0 0,1-1 1 0 0,-1 0-1 0 0,0 0 0 0 0,10-7 0 0 0,4-2 88 0 0,12-6-218 0 0,1 3 0 0 0,0 0-1 0 0,1 3 1 0 0,69-18 0 0 0,-81 26-142 0 0,1 1 1 0 0,-1 0-1 0 0,1 2 0 0 0,0 1 1 0 0,-1 1-1 0 0,1 0 0 0 0,0 2 1 0 0,-1 1-1 0 0,26 7 0 0 0,102 38-5749 0 0,-94-31-698 0 0</inkml:trace>
-</inkml:ink>
-</file>
-
-<file path=ppt/ink/ink24.xml><?xml version="1.0" encoding="utf-8"?>
-<inkml:ink xmlns:inkml="http://www.w3.org/2003/InkML">
-  <inkml:definitions>
-    <inkml:context xml:id="ctx0">
-      <inkml:inkSource xml:id="inkSrc0">
-        <inkml:traceFormat>
-          <inkml:channel name="X" type="integer" min="-2.14748E9" max="2.14748E9" units="cm"/>
-          <inkml:channel name="Y" type="integer" min="-2.14748E9" max="2.14748E9" units="cm"/>
-          <inkml:channel name="F" type="integer" max="32767" units="dev"/>
-          <inkml:channel name="OA" type="integer" max="360" units="deg"/>
-          <inkml:channel name="OE" type="integer" max="90" units="deg"/>
-        </inkml:traceFormat>
-        <inkml:channelProperties>
-          <inkml:channelProperty channel="X" name="resolution" value="1000" units="1/cm"/>
-          <inkml:channelProperty channel="Y" name="resolution" value="1000" units="1/cm"/>
-          <inkml:channelProperty channel="F" name="resolution" value="0" units="1/dev"/>
-          <inkml:channelProperty channel="OA" name="resolution" value="1000" units="1/deg"/>
-          <inkml:channelProperty channel="OE" name="resolution" value="1000" units="1/deg"/>
-        </inkml:channelProperties>
-      </inkml:inkSource>
-      <inkml:timestamp xml:id="ts0" timeString="2025-10-11T15:11:39.555"/>
-    </inkml:context>
-    <inkml:brush xml:id="br0">
-      <inkml:brushProperty name="width" value="0.2" units="cm"/>
-      <inkml:brushProperty name="height" value="0.2" units="cm"/>
-      <inkml:brushProperty name="color" value="#004F8B"/>
-    </inkml:brush>
-  </inkml:definitions>
-  <inkml:trace contextRef="#ctx0" brushRef="#br0">1469 583 920 0 0,'15'-62'529'0'0,"1"1"2090"0"0,-3-1 1 0 0,10-119-1 0 0,-23 168-2128 0 0,0-1 0 0 0,-1 1 0 0 0,0 0-1 0 0,-1 0 1 0 0,0 0 0 0 0,-9-24 0 0 0,9 32-388 0 0,0 0 0 0 0,0 0 1 0 0,-1 0-1 0 0,0 0 1 0 0,0 0-1 0 0,0 0 0 0 0,-1 1 1 0 0,0-1-1 0 0,1 1 1 0 0,-2 0-1 0 0,1 1 0 0 0,0-1 1 0 0,-1 1-1 0 0,1-1 1 0 0,-1 1-1 0 0,0 1 0 0 0,0-1 1 0 0,-9-3-1 0 0,-5 1-224 0 0,-1 0 1 0 0,1 1-1 0 0,-1 1 0 0 0,0 1 1 0 0,0 1-1 0 0,0 0 0 0 0,0 2 1 0 0,0 0-1 0 0,-38 8 0 0 0,25-1 14 0 0,0 0 0 0 0,1 3 0 0 0,1 0 1 0 0,0 2-1 0 0,-34 20 0 0 0,17-5 416 0 0,-69 54 0 0 0,90-60-148 0 0,1 0 0 0 0,1 3 0 0 0,-37 45-1 0 0,54-59-74 0 0,1 0-1 0 0,0 0 1 0 0,0 1-1 0 0,1 0 0 0 0,1 0 1 0 0,0 1-1 0 0,1-1 1 0 0,0 1-1 0 0,1 0 0 0 0,1 0 1 0 0,0 0-1 0 0,0 1 1 0 0,1-1-1 0 0,1 0 0 0 0,0 1 1 0 0,1-1-1 0 0,1 0 1 0 0,0 1-1 0 0,0-1 0 0 0,2 0 1 0 0,-1 0-1 0 0,2-1 1 0 0,0 1-1 0 0,0-1 0 0 0,1 0 1 0 0,10 15-1 0 0,1-3-36 0 0,0 0-1 0 0,2-2 1 0 0,0 0-1 0 0,25 21 1 0 0,97 71 3 0 0,-92-77-73 0 0,-2 2 1 0 0,51 53 0 0 0,-84-77 24 0 0,-1 2 0 0 0,-1-1-1 0 0,0 1 1 0 0,-1 1 0 0 0,-1 0 0 0 0,0 0 0 0 0,-2 1 0 0 0,0 1 0 0 0,-1-1-1 0 0,7 31 1 0 0,-13-37 31 0 0,1 0-1 0 0,-1-1 1 0 0,-1 1 0 0 0,0 0-1 0 0,-1 0 1 0 0,-1-1 0 0 0,0 1-1 0 0,0-1 1 0 0,-1 1 0 0 0,-1-1-1 0 0,0 0 1 0 0,0 0-1 0 0,-2 0 1 0 0,1-1 0 0 0,-1 0-1 0 0,-1 0 1 0 0,-15 19 0 0 0,5-9 77 0 0,-1-1 1 0 0,-1-1-1 0 0,-1-1 1 0 0,0 0 0 0 0,-1-2-1 0 0,-1 0 1 0 0,-38 19 0 0 0,37-23 15 0 0,-1-1 0 0 0,0-1 0 0 0,-1-2 1 0 0,0 0-1 0 0,-1-1 0 0 0,0-2 0 0 0,0-1 1 0 0,0-1-1 0 0,0-1 0 0 0,-51-2 0 0 0,55-2-58 0 0,-1-1 0 0 0,1-1-1 0 0,0-1 1 0 0,0-1-1 0 0,1 0 1 0 0,-1-2-1 0 0,2-1 1 0 0,-1 0-1 0 0,1-2 1 0 0,0 0-1 0 0,1-1 1 0 0,1-1 0 0 0,-18-15-1 0 0,-3-10 190 0 0,-61-74 0 0 0,-22-52 41 0 0,120 162-303 0 0,1-1-87 0 0,-13-16 143 0 0,0-1-1 0 0,-11-24 1 0 0,22 36-359 0 0,0 1 1 0 0,0-1-1 0 0,1 1 1 0 0,-2-11-1 0 0,3 14-272 0 0,0 0-1 0 0,1 0 1 0 0,0 0-1 0 0,0-1 0 0 0,0 1 1 0 0,1 0-1 0 0,-1 0 1 0 0,1 0-1 0 0,1-5 0 0 0</inkml:trace>
-</inkml:ink>
-</file>
-
-<file path=ppt/ink/ink25.xml><?xml version="1.0" encoding="utf-8"?>
-<inkml:ink xmlns:inkml="http://www.w3.org/2003/InkML">
-  <inkml:definitions>
-    <inkml:context xml:id="ctx0">
-      <inkml:inkSource xml:id="inkSrc0">
-        <inkml:traceFormat>
-          <inkml:channel name="X" type="integer" min="-2.14748E9" max="2.14748E9" units="cm"/>
-          <inkml:channel name="Y" type="integer" min="-2.14748E9" max="2.14748E9" units="cm"/>
-          <inkml:channel name="F" type="integer" max="32767" units="dev"/>
-          <inkml:channel name="OA" type="integer" max="360" units="deg"/>
-          <inkml:channel name="OE" type="integer" max="90" units="deg"/>
-        </inkml:traceFormat>
-        <inkml:channelProperties>
-          <inkml:channelProperty channel="X" name="resolution" value="1000" units="1/cm"/>
-          <inkml:channelProperty channel="Y" name="resolution" value="1000" units="1/cm"/>
-          <inkml:channelProperty channel="F" name="resolution" value="0" units="1/dev"/>
-          <inkml:channelProperty channel="OA" name="resolution" value="1000" units="1/deg"/>
-          <inkml:channelProperty channel="OE" name="resolution" value="1000" units="1/deg"/>
-        </inkml:channelProperties>
-      </inkml:inkSource>
-      <inkml:timestamp xml:id="ts0" timeString="2025-10-11T15:11:40.084"/>
-    </inkml:context>
-    <inkml:brush xml:id="br0">
-      <inkml:brushProperty name="width" value="0.2" units="cm"/>
-      <inkml:brushProperty name="height" value="0.2" units="cm"/>
-      <inkml:brushProperty name="color" value="#004F8B"/>
-    </inkml:brush>
-  </inkml:definitions>
-  <inkml:trace contextRef="#ctx0" brushRef="#br0">274 1 9386 0 0,'0'0'24'0'0,"-1"0"0"0"0,1 0 0 0 0,0 0 0 0 0,0 0 0 0 0,0 0-1 0 0,-1 0 1 0 0,1 0 0 0 0,0 0 0 0 0,0 0 0 0 0,-1 0 0 0 0,1 0 0 0 0,0 0 0 0 0,0 0 0 0 0,-1 0 0 0 0,1 0 0 0 0,0 0 0 0 0,0 0-1 0 0,0 0 1 0 0,-1 0 0 0 0,1 1 0 0 0,0-1 0 0 0,0 0 0 0 0,0 0 0 0 0,-1 0 0 0 0,1 0 0 0 0,0 0 0 0 0,0 1 0 0 0,0-1 0 0 0,0 0-1 0 0,0 0 1 0 0,-1 0 0 0 0,1 0 0 0 0,0 1 0 0 0,0-1 0 0 0,0 0 0 0 0,-5 14 1422 0 0,0 22 1460 0 0,4-29-2442 0 0,-9 59 962 0 0,-2 0-1 0 0,-32 94 1 0 0,-11 2-1228 0 0,-66 211-384 0 0,110-326-850 0 0,9-36 300 0 0</inkml:trace>
-</inkml:ink>
-</file>
-
-<file path=ppt/ink/ink26.xml><?xml version="1.0" encoding="utf-8"?>
-<inkml:ink xmlns:inkml="http://www.w3.org/2003/InkML">
-  <inkml:definitions>
-    <inkml:context xml:id="ctx0">
-      <inkml:inkSource xml:id="inkSrc0">
-        <inkml:traceFormat>
-          <inkml:channel name="X" type="integer" min="-2.14748E9" max="2.14748E9" units="cm"/>
-          <inkml:channel name="Y" type="integer" min="-2.14748E9" max="2.14748E9" units="cm"/>
-          <inkml:channel name="F" type="integer" max="32767" units="dev"/>
-          <inkml:channel name="OA" type="integer" max="360" units="deg"/>
-          <inkml:channel name="OE" type="integer" max="90" units="deg"/>
-        </inkml:traceFormat>
-        <inkml:channelProperties>
-          <inkml:channelProperty channel="X" name="resolution" value="1000" units="1/cm"/>
-          <inkml:channelProperty channel="Y" name="resolution" value="1000" units="1/cm"/>
-          <inkml:channelProperty channel="F" name="resolution" value="0" units="1/dev"/>
-          <inkml:channelProperty channel="OA" name="resolution" value="1000" units="1/deg"/>
-          <inkml:channelProperty channel="OE" name="resolution" value="1000" units="1/deg"/>
-        </inkml:channelProperties>
-      </inkml:inkSource>
-      <inkml:timestamp xml:id="ts0" timeString="2025-10-11T15:11:40.378"/>
-    </inkml:context>
-    <inkml:brush xml:id="br0">
-      <inkml:brushProperty name="width" value="0.2" units="cm"/>
-      <inkml:brushProperty name="height" value="0.2" units="cm"/>
-      <inkml:brushProperty name="color" value="#004F8B"/>
-    </inkml:brush>
-  </inkml:definitions>
-  <inkml:trace contextRef="#ctx0" brushRef="#br0">22 13 14283 0 0,'-3'-8'1272'0'0,"1"3"-1016"0"0,-1 13 1305 0 0,0-3-1401 0 0,1 2-40 0 0,-1 4-16 0 0,1 2 0 0 0,1 3-336 0 0,-1 2-72 0 0,2 4-16 0 0,2 2 0 0 0,-1 3 320 0 0</inkml:trace>
-</inkml:ink>
-</file>
-
-<file path=ppt/ink/ink27.xml><?xml version="1.0" encoding="utf-8"?>
-<inkml:ink xmlns:inkml="http://www.w3.org/2003/InkML">
-  <inkml:definitions>
-    <inkml:context xml:id="ctx0">
-      <inkml:inkSource xml:id="inkSrc0">
-        <inkml:traceFormat>
-          <inkml:channel name="X" type="integer" min="-2.14748E9" max="2.14748E9" units="cm"/>
-          <inkml:channel name="Y" type="integer" min="-2.14748E9" max="2.14748E9" units="cm"/>
-          <inkml:channel name="F" type="integer" max="32767" units="dev"/>
-          <inkml:channel name="OA" type="integer" max="360" units="deg"/>
-          <inkml:channel name="OE" type="integer" max="90" units="deg"/>
-        </inkml:traceFormat>
-        <inkml:channelProperties>
-          <inkml:channelProperty channel="X" name="resolution" value="1000" units="1/cm"/>
-          <inkml:channelProperty channel="Y" name="resolution" value="1000" units="1/cm"/>
-          <inkml:channelProperty channel="F" name="resolution" value="0" units="1/dev"/>
-          <inkml:channelProperty channel="OA" name="resolution" value="1000" units="1/deg"/>
-          <inkml:channelProperty channel="OE" name="resolution" value="1000" units="1/deg"/>
-        </inkml:channelProperties>
-      </inkml:inkSource>
-      <inkml:timestamp xml:id="ts0" timeString="2025-10-11T15:11:41.518"/>
-    </inkml:context>
-    <inkml:brush xml:id="br0">
-      <inkml:brushProperty name="width" value="0.2" units="cm"/>
-      <inkml:brushProperty name="height" value="0.2" units="cm"/>
-      <inkml:brushProperty name="color" value="#004F8B"/>
-    </inkml:brush>
-  </inkml:definitions>
-  <inkml:trace contextRef="#ctx0" brushRef="#br0">358 277 6913 0 0,'0'-1'66'0'0,"0"0"0"0"0,1 0 0 0 0,-1 0-1 0 0,0 0 1 0 0,1 0 0 0 0,-1 0 0 0 0,1 0-1 0 0,-1 1 1 0 0,1-1 0 0 0,0 0 0 0 0,-1 0-1 0 0,1 0 1 0 0,0 0 0 0 0,0 1-1 0 0,-1-1 1 0 0,1 0 0 0 0,1 0 0 0 0,20-13 658 0 0,-15 10-574 0 0,31-17 974 0 0,79-33 0 0 0,47-4-786 0 0,-99 36-46 0 0,-60 21-258 0 0,78-28 1450 0 0,111-23 0 0 0,-186 50-1256 0 0,0 1 0 0 0,0 0-1 0 0,1 0 1 0 0,-1 1 0 0 0,0 0-1 0 0,11 1 1 0 0,-17 0-205 0 0,-1-1 0 0 0,1 0 0 0 0,-1 1 0 0 0,1-1 0 0 0,-1 1-1 0 0,1 0 1 0 0,-1-1 0 0 0,1 1 0 0 0,-1 0 0 0 0,0 0 0 0 0,1 0 0 0 0,-1 0 0 0 0,0 0 0 0 0,0 0 0 0 0,0 0-1 0 0,0 0 1 0 0,0 0 0 0 0,0 1 0 0 0,0-1 0 0 0,0 0 0 0 0,0 1 0 0 0,0-1 0 0 0,-1 1 0 0 0,1-1 0 0 0,-1 1-1 0 0,1-1 1 0 0,-1 1 0 0 0,1-1 0 0 0,-1 1 0 0 0,0 0 0 0 0,0-1 0 0 0,0 1 0 0 0,0-1 0 0 0,0 1 0 0 0,0 0-1 0 0,0-1 1 0 0,-1 1 0 0 0,1-1 0 0 0,-1 3 0 0 0,-3 8-27 0 0,0 0 1 0 0,0 0-1 0 0,-1-1 1 0 0,-1 1-1 0 0,-13 20 1 0 0,7-12-32 0 0,-19 29-263 0 0,-1-1 0 0 0,-49 54 0 0 0,-88 75-928 0 0,87-103 1353 0 0,-3-4 0 0 0,-3-4 0 0 0,-110 63 0 0 0,-5-26 1964 0 0,93-51-1246 0 0,107-50-830 0 0,0 0 0 0 0,0 0 0 0 0,0 0-1 0 0,0 1 1 0 0,0-1 0 0 0,-5 6 0 0 0,8-7-9 0 0,0-1 0 0 0,-1 0 0 0 0,1 1 0 0 0,0-1 1 0 0,0 0-1 0 0,-1 1 0 0 0,1-1 0 0 0,0 0 1 0 0,0 1-1 0 0,0-1 0 0 0,0 0 0 0 0,0 1 0 0 0,-1-1 1 0 0,1 0-1 0 0,0 1 0 0 0,0-1 0 0 0,0 1 0 0 0,0-1 1 0 0,0 0-1 0 0,0 1 0 0 0,0-1 0 0 0,0 1 0 0 0,0-1 1 0 0,0 0-1 0 0,1 1 0 0 0,-1 0 0 0 0,1-1 6 0 0,-1 1-1 0 0,1-1 0 0 0,0 0 1 0 0,-1 1-1 0 0,1-1 0 0 0,0 0 1 0 0,0 1-1 0 0,0-1 1 0 0,-1 0-1 0 0,1 0 0 0 0,0 0 1 0 0,0 0-1 0 0,0 1 0 0 0,0-1 1 0 0,-1-1-1 0 0,1 1 0 0 0,0 0 1 0 0,1 0-1 0 0,16-3 81 0 0,0-1 0 0 0,0 0-1 0 0,30-12 1 0 0,-4 1 5 0 0,42-11-50 0 0,-29 7-163 0 0,1 3 0 0 0,81-12 0 0 0,370-16-2966 0 0,-378 42-164 0 0,-90 4-1551 0 0</inkml:trace>
-</inkml:ink>
-</file>
-
-<file path=ppt/ink/ink28.xml><?xml version="1.0" encoding="utf-8"?>
-<inkml:ink xmlns:inkml="http://www.w3.org/2003/InkML">
-  <inkml:definitions>
-    <inkml:context xml:id="ctx0">
-      <inkml:inkSource xml:id="inkSrc0">
-        <inkml:traceFormat>
-          <inkml:channel name="X" type="integer" min="-2.14748E9" max="2.14748E9" units="cm"/>
-          <inkml:channel name="Y" type="integer" min="-2.14748E9" max="2.14748E9" units="cm"/>
-          <inkml:channel name="F" type="integer" max="32767" units="dev"/>
-          <inkml:channel name="OA" type="integer" max="360" units="deg"/>
-          <inkml:channel name="OE" type="integer" max="90" units="deg"/>
-        </inkml:traceFormat>
-        <inkml:channelProperties>
-          <inkml:channelProperty channel="X" name="resolution" value="1000" units="1/cm"/>
-          <inkml:channelProperty channel="Y" name="resolution" value="1000" units="1/cm"/>
-          <inkml:channelProperty channel="F" name="resolution" value="0" units="1/dev"/>
-          <inkml:channelProperty channel="OA" name="resolution" value="1000" units="1/deg"/>
-          <inkml:channelProperty channel="OE" name="resolution" value="1000" units="1/deg"/>
-        </inkml:channelProperties>
-      </inkml:inkSource>
-      <inkml:timestamp xml:id="ts0" timeString="2025-10-11T15:11:42.463"/>
-    </inkml:context>
-    <inkml:brush xml:id="br0">
-      <inkml:brushProperty name="width" value="0.2" units="cm"/>
-      <inkml:brushProperty name="height" value="0.2" units="cm"/>
-      <inkml:brushProperty name="color" value="#004F8B"/>
-    </inkml:brush>
-  </inkml:definitions>
-  <inkml:trace contextRef="#ctx0" brushRef="#br0">2 400 3225 0 0,'-1'-2'5760'0'0,"10"12"-5216"0"0,1-2 1 0 0,1 0-1 0 0,0 0 1 0 0,0 0 0 0 0,1-2-1 0 0,0 1 1 0 0,0-2 0 0 0,17 7-1 0 0,6 0 428 0 0,0-2 0 0 0,37 5 0 0 0,-44-11-642 0 0,0-1 0 0 0,1-2-1 0 0,-1-1 1 0 0,1-1 0 0 0,-1-1-1 0 0,39-9 1 0 0,167-51 1484 0 0,-179 45-1372 0 0,-15 6-238 0 0,-1-2 0 0 0,0-2 0 0 0,-1-1-1 0 0,49-29 1 0 0,-76 38-213 0 0,-2 0 0 0 0,1 0 0 0 0,-1-1 1 0 0,0 0-1 0 0,-1-1 0 0 0,0 0 0 0 0,0 0 0 0 0,9-16 0 0 0,-13 18-59 0 0,0-1-1 0 0,0 0 1 0 0,-1 0 0 0 0,0-1-1 0 0,-1 1 1 0 0,0-1 0 0 0,0 1-1 0 0,0-1 1 0 0,-1 1 0 0 0,-1-1-1 0 0,0 0 1 0 0,0 0 0 0 0,-1-9 0 0 0,0 13-66 0 0,1 1 1 0 0,-1-1 0 0 0,0 0-1 0 0,0 1 1 0 0,-1-1 0 0 0,1 1-1 0 0,-1-1 1 0 0,0 1 0 0 0,0 0-1 0 0,-1 0 1 0 0,1 0 0 0 0,-1 0-1 0 0,0 0 1 0 0,0 0 0 0 0,0 1 0 0 0,0-1-1 0 0,-1 1 1 0 0,1 0 0 0 0,-1 0-1 0 0,0 0 1 0 0,0 1 0 0 0,0-1-1 0 0,0 1 1 0 0,0 0 0 0 0,-1 0-1 0 0,1 1 1 0 0,-1-1 0 0 0,1 1-1 0 0,-1 0 1 0 0,-5-1 0 0 0,-10 0-357 0 0,1 1 0 0 0,-1 0 0 0 0,0 2 0 0 0,1 0 1 0 0,-1 1-1 0 0,-19 5 0 0 0,-33 9-197 0 0,1 2-1 0 0,-115 47 1 0 0,-124 83 2006 0 0,288-137-874 0 0,0 1-1 0 0,1 1 1 0 0,1 1 0 0 0,0 1-1 0 0,-24 23 1 0 0,40-34-297 0 0,0 0 1 0 0,1 0-1 0 0,-1 0 0 0 0,1 1 0 0 0,0-1 1 0 0,0 1-1 0 0,0 0 0 0 0,1 0 0 0 0,0 0 1 0 0,0 0-1 0 0,0 0 0 0 0,0 0 1 0 0,1 1-1 0 0,0-1 0 0 0,0 0 0 0 0,0 1 1 0 0,1-1-1 0 0,0 1 0 0 0,0-1 0 0 0,0 1 1 0 0,1-1-1 0 0,0 1 0 0 0,0-1 0 0 0,0 0 1 0 0,1 1-1 0 0,-1-1 0 0 0,1 0 1 0 0,1 0-1 0 0,-1 0 0 0 0,4 5 0 0 0,4 5 31 0 0,0-1 0 0 0,1 0 0 0 0,0-1 0 0 0,2 0 0 0 0,-1-1 0 0 0,1 0 0 0 0,1-1 0 0 0,25 15 0 0 0,16 7 73 0 0,60 25 0 0 0,-86-43-190 0 0,27 10 56 0 0,1-3 0 0 0,1-1 0 0 0,76 15 0 0 0,-48-19-254 0 0,147 9 1 0 0,-153-22-82 0 0</inkml:trace>
-</inkml:ink>
-</file>
-
-<file path=ppt/ink/ink29.xml><?xml version="1.0" encoding="utf-8"?>
-<inkml:ink xmlns:inkml="http://www.w3.org/2003/InkML">
-  <inkml:definitions>
-    <inkml:context xml:id="ctx0">
-      <inkml:inkSource xml:id="inkSrc0">
-        <inkml:traceFormat>
-          <inkml:channel name="X" type="integer" min="-2.14748E9" max="2.14748E9" units="cm"/>
-          <inkml:channel name="Y" type="integer" min="-2.14748E9" max="2.14748E9" units="cm"/>
-          <inkml:channel name="F" type="integer" max="32767" units="dev"/>
-          <inkml:channel name="OA" type="integer" max="360" units="deg"/>
-          <inkml:channel name="OE" type="integer" max="90" units="deg"/>
-        </inkml:traceFormat>
-        <inkml:channelProperties>
-          <inkml:channelProperty channel="X" name="resolution" value="1000" units="1/cm"/>
-          <inkml:channelProperty channel="Y" name="resolution" value="1000" units="1/cm"/>
-          <inkml:channelProperty channel="F" name="resolution" value="0" units="1/dev"/>
-          <inkml:channelProperty channel="OA" name="resolution" value="1000" units="1/deg"/>
-          <inkml:channelProperty channel="OE" name="resolution" value="1000" units="1/deg"/>
-        </inkml:channelProperties>
-      </inkml:inkSource>
-      <inkml:timestamp xml:id="ts0" timeString="2025-10-11T15:12:41.065"/>
-    </inkml:context>
-    <inkml:brush xml:id="br0">
-      <inkml:brushProperty name="width" value="0.2" units="cm"/>
-      <inkml:brushProperty name="height" value="0.2" units="cm"/>
-      <inkml:brushProperty name="color" value="#008C3A"/>
-    </inkml:brush>
-  </inkml:definitions>
-  <inkml:trace contextRef="#ctx0" brushRef="#br0">5 7473 456 0 0,'0'-1'43'0'0,"-1"0"0"0"0,1 1 0 0 0,-1-1 0 0 0,1 0 0 0 0,-1 0 0 0 0,1 1 1 0 0,0-1-1 0 0,-1 0 0 0 0,1 0 0 0 0,0 1 0 0 0,0-1 0 0 0,0 0 0 0 0,0 0 0 0 0,-1 0 0 0 0,1 0 0 0 0,0 1 0 0 0,0-1 0 0 0,1 0 0 0 0,-1 0 0 0 0,0 0 0 0 0,0 0 0 0 0,0 1 0 0 0,0-1 0 0 0,1 0 1 0 0,-1 0-1 0 0,0 0 0 0 0,1 1 0 0 0,-1-1 0 0 0,1 0 0 0 0,-1 1 0 0 0,1-1 0 0 0,-1 0 0 0 0,1 0 0 0 0,27-27-62 0 0,-10 10-20 0 0,-10 4 8 0 0,0 0-1 0 0,5-17 1 0 0,7-11 313 0 0,331-562 5011 0 0,-156 315-4998 0 0,-107 165-275 0 0,-10 22 486 0 0,106-109 0 0 0,-51 63 202 0 0,-25 20-148 0 0,165-180 394 0 0,14 2 271 0 0,-141 146-715 0 0,99-65-204 0 0,-28 29 204 0 0,-164 142-332 0 0,285-273 1187 0 0,5-12-313 0 0,-200 191-694 0 0,146-113 159 0 0,-83 79-194 0 0,-118 106-203 0 0,3 5 0 0 0,3 3 0 0 0,3 4 0 0 0,209-100 0 0 0,-65 66-120 0 0,-15 8 0 0 0,-91 27 0 0 0,231-103 0 0 0,-172 77 0 0 0,146-60 0 0 0,77-30 0 0 0,-118 47 0 0 0,-154 71 0 0 0,267-108 0 0 0,-68 14 0 0 0,-9-19 0 0 0,-123 58-34 0 0,212-107-572 0 0,-181 105 349 0 0,212-94 150 0 0,-417 197 121 0 0,454-174 160 0 0,-324 126-156 0 0,-78 27 5 0 0,133-34 0 0 0,-203 65 9 0 0,0 0 0 0 0,34-15 0 0 0,-44 15-20 0 0,0 0 0 0 0,-1-1 0 0 0,0 0 0 0 0,0 0 0 0 0,-1-1 0 0 0,0 0 0 0 0,8-9 0 0 0,-7 6-117 0 0,5-5 222 0 0,25-21-1 0 0,-36 32-223 0 0,1 2 0 0 0,-1-1 0 0 0,1 0-1 0 0,0 1 1 0 0,0 0 0 0 0,0 0 0 0 0,0 0 0 0 0,1 0-1 0 0,-1 1 1 0 0,0 0 0 0 0,1-1 0 0 0,-1 2 0 0 0,6-2-1 0 0,6 7-2293 0 0</inkml:trace>
-</inkml:ink>
-</file>
-
-<file path=ppt/ink/ink3.xml><?xml version="1.0" encoding="utf-8"?>
-<inkml:ink xmlns:inkml="http://www.w3.org/2003/InkML">
-  <inkml:definitions>
-    <inkml:context xml:id="ctx0">
-      <inkml:inkSource xml:id="inkSrc0">
-        <inkml:traceFormat>
-          <inkml:channel name="X" type="integer" min="-2.14748E9" max="2.14748E9" units="cm"/>
-          <inkml:channel name="Y" type="integer" min="-2.14748E9" max="2.14748E9" units="cm"/>
-          <inkml:channel name="F" type="integer" max="32767" units="dev"/>
-          <inkml:channel name="OA" type="integer" max="360" units="deg"/>
-          <inkml:channel name="OE" type="integer" max="90" units="deg"/>
-        </inkml:traceFormat>
-        <inkml:channelProperties>
-          <inkml:channelProperty channel="X" name="resolution" value="1000" units="1/cm"/>
-          <inkml:channelProperty channel="Y" name="resolution" value="1000" units="1/cm"/>
-          <inkml:channelProperty channel="F" name="resolution" value="0" units="1/dev"/>
-          <inkml:channelProperty channel="OA" name="resolution" value="1000" units="1/deg"/>
-          <inkml:channelProperty channel="OE" name="resolution" value="1000" units="1/deg"/>
-        </inkml:channelProperties>
-      </inkml:inkSource>
-      <inkml:timestamp xml:id="ts0" timeString="2025-10-11T15:11:17.264"/>
-    </inkml:context>
-    <inkml:brush xml:id="br0">
-      <inkml:brushProperty name="width" value="0.2" units="cm"/>
-      <inkml:brushProperty name="height" value="0.2" units="cm"/>
-      <inkml:brushProperty name="color" value="#004F8B"/>
-    </inkml:brush>
-  </inkml:definitions>
-  <inkml:trace contextRef="#ctx0" brushRef="#br0">68 0 4145 0 0,'-8'5'1029'0'0,"1"-1"0"0"0,-1 1-1 0 0,1 0 1 0 0,1 0 0 0 0,-1 1 0 0 0,-11 12 0 0 0,12-11-8 0 0,22-13 1072 0 0,-2 4-2362 0 0,-1 0 1 0 0,22 1 0 0 0,62 8 1267 0 0,134 28 0 0 0,92 40 1296 0 0,-183-41-1800 0 0,251 65 657 0 0,-389-99-1147 0 0,-2 0-3 0 0,1 0 0 0 0,-1 0 0 0 0,0 0 0 0 0,1 0 0 0 0,-1 0 0 0 0,1 0 1 0 0,-1 0-1 0 0,1 1 0 0 0,-1-1 0 0 0,0 0 0 0 0,1 0 0 0 0,-1 0 0 0 0,0 0 1 0 0,1 0-1 0 0,-1 1 0 0 0,1-1 0 0 0,-1 0 0 0 0,0 0 0 0 0,1 1 0 0 0,-1-1 0 0 0,0 0 1 0 0,0 1-1 0 0,1-1 0 0 0,-1 0 0 0 0,0 1 0 0 0,-29-4-88 0 0,-3-10-1587 0 0</inkml:trace>
-</inkml:ink>
-</file>
-
-<file path=ppt/ink/ink30.xml><?xml version="1.0" encoding="utf-8"?>
-<inkml:ink xmlns:inkml="http://www.w3.org/2003/InkML">
-  <inkml:definitions>
-    <inkml:context xml:id="ctx0">
-      <inkml:inkSource xml:id="inkSrc0">
-        <inkml:traceFormat>
-          <inkml:channel name="X" type="integer" min="-2.14748E9" max="2.14748E9" units="cm"/>
-          <inkml:channel name="Y" type="integer" min="-2.14748E9" max="2.14748E9" units="cm"/>
-          <inkml:channel name="F" type="integer" max="32767" units="dev"/>
-          <inkml:channel name="OA" type="integer" max="360" units="deg"/>
-          <inkml:channel name="OE" type="integer" max="90" units="deg"/>
-        </inkml:traceFormat>
-        <inkml:channelProperties>
-          <inkml:channelProperty channel="X" name="resolution" value="1000" units="1/cm"/>
-          <inkml:channelProperty channel="Y" name="resolution" value="1000" units="1/cm"/>
-          <inkml:channelProperty channel="F" name="resolution" value="0" units="1/dev"/>
-          <inkml:channelProperty channel="OA" name="resolution" value="1000" units="1/deg"/>
-          <inkml:channelProperty channel="OE" name="resolution" value="1000" units="1/deg"/>
-        </inkml:channelProperties>
-      </inkml:inkSource>
-      <inkml:timestamp xml:id="ts0" timeString="2025-10-11T15:12:49.010"/>
-    </inkml:context>
-    <inkml:brush xml:id="br0">
-      <inkml:brushProperty name="width" value="0.2" units="cm"/>
-      <inkml:brushProperty name="height" value="0.2" units="cm"/>
-      <inkml:brushProperty name="color" value="#008C3A"/>
-    </inkml:brush>
-  </inkml:definitions>
-  <inkml:trace contextRef="#ctx0" brushRef="#br0">144 7477 1840 0 0,'2'2'41'0'0,"-1"-1"0"0"0,0 0-1 0 0,0 0 1 0 0,0 0 0 0 0,0 1-1 0 0,0-1 1 0 0,-1 0 0 0 0,1 1-1 0 0,0-1 1 0 0,-1 1 0 0 0,1-1-1 0 0,0 1 1 0 0,-1-1 0 0 0,0 1-1 0 0,1-1 1 0 0,-1 1 0 0 0,0 0-1 0 0,0-1 1 0 0,0 1 0 0 0,0-1-1 0 0,0 1 1 0 0,0 0 0 0 0,-1-1-1 0 0,1 1 1 0 0,-1-1 0 0 0,1 1-1 0 0,-1-1 1 0 0,1 1 0 0 0,-1-1-1 0 0,0 1 1 0 0,1-1 0 0 0,-1 0-1 0 0,0 1 1 0 0,0-1 0 0 0,-2 2-1 0 0,1 0-16 0 0,-1-1-1 0 0,1 1 1 0 0,-1-1-1 0 0,0 0 0 0 0,0 1 1 0 0,0-1-1 0 0,0 0 1 0 0,0-1-1 0 0,-1 1 0 0 0,1-1 1 0 0,0 1-1 0 0,-1-1 1 0 0,1 0-1 0 0,-6 1 0 0 0,-14-3 426 0 0,20 0-167 0 0,0 1 1 0 0,0 0-1 0 0,0-1 0 0 0,0 1 0 0 0,0 0 1 0 0,0 0-1 0 0,0 1 0 0 0,0-1 0 0 0,0 1 1 0 0,0-1-1 0 0,0 1 0 0 0,0 0 0 0 0,0 0 1 0 0,-5 3-1 0 0,5 13 654 0 0,2-6-820 0 0,1-11-114 0 0,-1 0 0 0 0,1 0-1 0 0,0 0 1 0 0,0 0 0 0 0,0 0 0 0 0,0 0 0 0 0,0 0 0 0 0,0 0 0 0 0,0 1-1 0 0,-1-1 1 0 0,1 0 0 0 0,0 0 0 0 0,0 0 0 0 0,0 0 0 0 0,0 0 0 0 0,0 0 0 0 0,0 0-1 0 0,-1 0 1 0 0,1 0 0 0 0,0 0 0 0 0,0 0 0 0 0,0 0 0 0 0,0 0 0 0 0,0 0 0 0 0,0 0-1 0 0,-1 0 1 0 0,1 0 0 0 0,0-1 0 0 0,0 1 0 0 0,0 0 0 0 0,0 0 0 0 0,0 0 0 0 0,0 0-1 0 0,0 0 1 0 0,0 0 0 0 0,-1 0 0 0 0,1 0 0 0 0,0 0 0 0 0,0 0 0 0 0,0-1-1 0 0,0 1 1 0 0,0 0 0 0 0,0 0 0 0 0,0 0 0 0 0,0 0 0 0 0,0 0 0 0 0,0 0 0 0 0,0 0-1 0 0,0-1 1 0 0,0 1 0 0 0,0 0 0 0 0,0 0 0 0 0,0 0 0 0 0,0-2 429 0 0,-2-2-303 0 0,0-1-213 0 0,-6-23 1037 0 0,8 27-907 0 0,0 0-1 0 0,0-1 1 0 0,0 1 0 0 0,0 0 0 0 0,1 0-1 0 0,-1 0 1 0 0,0-1 0 0 0,0 1-1 0 0,1 0 1 0 0,-1 0 0 0 0,1 0-1 0 0,-1-1 1 0 0,1 1 0 0 0,0 0 0 0 0,-1 0-1 0 0,1 0 1 0 0,0 0 0 0 0,0 0-1 0 0,0 1 1 0 0,0-1 0 0 0,0 0-1 0 0,0 0 1 0 0,0 0 0 0 0,1 0 0 0 0,12-8-7 0 0,0-1 1 0 0,-1-1 0 0 0,0 0-1 0 0,-1-1 1 0 0,0 0 0 0 0,17-23 0 0 0,-13 12-24 0 0,-1-1 0 0 0,-1-1 0 0 0,12-30 1 0 0,7-24 489 0 0,36-74 604 0 0,-58 133-1021 0 0,1 1-1 0 0,1-1 1 0 0,1 2 0 0 0,0 0-1 0 0,23-21 1 0 0,-7 9-52 0 0,-2-1-1 0 0,-1-1 1 0 0,-2-1 0 0 0,0-1-1 0 0,-3-1 1 0 0,-1-2-1 0 0,-2 0 1 0 0,-1-1 0 0 0,22-70-1 0 0,-30 82 285 0 0,0-1 0 0 0,2 1 0 0 0,1 1 0 0 0,1 0-1 0 0,30-41 1 0 0,-14 29-225 0 0,2 1 1 0 0,59-51-1 0 0,-60 58-95 0 0,0-1 0 0 0,-2-1 0 0 0,-2-1 0 0 0,0-2 0 0 0,-3-1 0 0 0,32-57 0 0 0,-31 48 309 0 0,2 1 0 0 0,63-78 1 0 0,81-63 378 0 0,-118 129-751 0 0,120-143 6 0 0,-26 28 121 0 0,-62 85 324 0 0,167-130 0 0 0,62-20-468 0 0,-178 117 80 0 0,-33 26 0 0 0,-55 52-1 0 0,237-193 5 0 0,-107 78 38 0 0,-73 59-31 0 0,69-34-56 0 0,-76 61 26 0 0,-49 32 19 0 0,142-113 0 0 0,-104 69 52 0 0,-28 25 45 0 0,2 2 1 0 0,100-68-1 0 0,133-101 95 0 0,-155 110-128 0 0,-71 64-64 0 0,1 3 0 0 0,120-59 0 0 0,-107 60 0 0 0,117-85 0 0 0,-118 72 6 0 0,-21 12 5 0 0,2 3 1 0 0,95-49-1 0 0,-124 76-11 0 0,46-20 11 0 0,-2-5 0 0 0,81-55-1 0 0,-113 65-11 0 0,2 3 0 0 0,80-37 0 0 0,108-29-34 0 0,-41 17 57 0 0,-18 3-11 0 0,220-99-38 0 0,30 2 61 0 0,-276 115-17 0 0,109-56-33 0 0,-175 74-11 0 0,186-96 187 0 0,-229 109-163 0 0,1 1-1 0 0,2 2 0 0 0,0 2 0 0 0,66-19 1 0 0,-68 28-5 0 0,-1-3 1 0 0,0-1-1 0 0,-1-1 0 0 0,-1-3 1 0 0,67-41-1 0 0,-38 12 4 0 0,70-44-15 0 0,-109 74 20 0 0,1 2-1 0 0,58-22 1 0 0,-43 25 72 0 0,78-12-1 0 0,-78 17-78 0 0,80-24 0 0 0,-46 3-2 0 0,56-18 53 0 0,-113 41-5 0 0,0 1 0 0 0,1 1 0 0 0,0 1-1 0 0,30 0 1 0 0,94 7-86 0 0,-135-4 51 0 0,-1-1 0 0 0,0 0 0 0 0,1-1 0 0 0,-1 0 0 0 0,0-1 0 0 0,0 0 0 0 0,-1-1 1 0 0,1 0-1 0 0,-1 0 0 0 0,10-7 0 0 0,22-8-19 0 0,21-1 14 0 0,-36 12 0 0 0,26-11 0 0 0,-46 16 0 0 0,0-1 0 0 0,0 1 0 0 0,0-1 0 0 0,-1 0 0 0 0,0-1 0 0 0,0 0 0 0 0,0 0 0 0 0,8-8 0 0 0,-12 10 38 0 0,-1 1 0 0 0,1 0 1 0 0,-1 0-1 0 0,1-1 0 0 0,-1 1 0 0 0,0-1 0 0 0,0 0 0 0 0,0 1 0 0 0,0-1 0 0 0,0 0 0 0 0,0-4 0 0 0,2-7 57 0 0,-3 13-90 0 0,1 0 0 0 0,-1 0 0 0 0,1 0 0 0 0,-1 0 0 0 0,1 0 0 0 0,-1 1 0 0 0,1-1 0 0 0,-1 0 0 0 0,1 0 0 0 0,0 0 0 0 0,0 0 0 0 0,-1 1 0 0 0,1-1 0 0 0,0 0 0 0 0,0 1 0 0 0,0-1 0 0 0,1 0 0 0 0,-1 0 0 0 0,1 1-1 0 0,-1-1 1 0 0,0 0-1 0 0,0 0 1 0 0,0 0-1 0 0,0 0 1 0 0,0 0-1 0 0,0 0 1 0 0,0-1-1 0 0,0 1 1 0 0,1-2 0 0 0,-2 2-2 0 0,1 0 1 0 0,0 0 0 0 0,0-1 0 0 0,-1 1-1 0 0,1 0 1 0 0,0 0 0 0 0,0 0 0 0 0,0 0 0 0 0,0 0-1 0 0,0 0 1 0 0,0 0 0 0 0,0 1 0 0 0,1-1 0 0 0,-1 0-1 0 0,0 0 1 0 0,0 1 0 0 0,1-1 0 0 0,-1 1 0 0 0,0-1-1 0 0,1 1 1 0 0,-1 0 0 0 0,3-1 0 0 0,1 1 23 0 0,1 0 1 0 0,-1 1 0 0 0,0-1-1 0 0,0 1 1 0 0,5 2-1 0 0,-6-2-14 0 0,-1-1-1 0 0,1 1 1 0 0,-1 0-1 0 0,1-1 0 0 0,0 0 1 0 0,-1 0-1 0 0,7 0 1 0 0,11-8-13 0 0,-17 6 0 0 0,1 0 0 0 0,0 0 0 0 0,0 0 0 0 0,1 1 0 0 0,-1-1 0 0 0,7 0 0 0 0,-11 2 0 0 0,1 0 0 0 0,-1 1 0 0 0,0-1 0 0 0,0 0 0 0 0,0 0 0 0 0,0 0 0 0 0,1 1 0 0 0,-1-1 0 0 0,0 1 0 0 0,0-1 0 0 0,0 1 0 0 0,0-1 0 0 0,0 1 0 0 0,0 0 0 0 0,0-1 0 0 0,0 1 0 0 0,0 0 0 0 0,0 0 0 0 0,-1 0 0 0 0,1 0 0 0 0,0-1 0 0 0,0 1 0 0 0,-1 0 0 0 0,1 0 0 0 0,-1 1 0 0 0,1-1 0 0 0,-1 0 0 0 0,1 0 0 0 0,-1 0 0 0 0,1 0 0 0 0,-1 0 0 0 0,0 0 0 0 0,0 1 0 0 0,0 0 0 0 0,0 0 0 0 0,0 0 0 0 0,0-1 0 0 0,0 1 0 0 0,-1-1 0 0 0,1 1 0 0 0,-1-1 0 0 0,1 1 0 0 0,-1-1 0 0 0,1 1 0 0 0,-1-1 0 0 0,0 0 0 0 0,0 1 0 0 0,0-1 0 0 0,0 0 0 0 0,0 1 0 0 0,0-1 0 0 0,0 0 0 0 0,0 0 0 0 0,0 0 0 0 0,-1 0 0 0 0,-1 1 0 0 0,2-1 0 0 0,0 0 0 0 0,-1 0 0 0 0,1 0 0 0 0,0 0 0 0 0,-1 0 0 0 0,1 0 0 0 0,-1-1 0 0 0,1 1 0 0 0,-1-1 0 0 0,0 1 0 0 0,1-1 0 0 0,-1 1 0 0 0,1-1 0 0 0,-1 0 0 0 0,0 0 0 0 0,1 0 0 0 0,-1 0 0 0 0,0 0 0 0 0,1 0 0 0 0,-3-1 0 0 0,6 4 0 0 0,0 1 0 0 0,-1-1 0 0 0,1 0 0 0 0,-1 0 0 0 0,0 0 0 0 0,0 1 0 0 0,0-1 0 0 0,-1 0 0 0 0,2 7 0 0 0,-2-9 0 0 0,14-19 0 0 0,-5 10-54 0 0,0 0 1 0 0,0 1 0 0 0,17-9 0 0 0,-24 14 37 0 0,1 1-1 0 0,-1-1 1 0 0,1 1-1 0 0,-1 0 1 0 0,1 0-1 0 0,-1 0 1 0 0,1 0 0 0 0,0 0-1 0 0,0 1 1 0 0,-1-1-1 0 0,1 1 1 0 0,0 0-1 0 0,0-1 1 0 0,0 1-1 0 0,0 1 1 0 0,-1-1 0 0 0,1 0-1 0 0,0 1 1 0 0,0-1-1 0 0,-1 1 1 0 0,1 0-1 0 0,4 2 1 0 0</inkml:trace>
-</inkml:ink>
-</file>
-
-<file path=ppt/ink/ink31.xml><?xml version="1.0" encoding="utf-8"?>
-<inkml:ink xmlns:inkml="http://www.w3.org/2003/InkML">
-  <inkml:definitions>
-    <inkml:context xml:id="ctx0">
-      <inkml:inkSource xml:id="inkSrc0">
-        <inkml:traceFormat>
-          <inkml:channel name="X" type="integer" min="-2.14748E9" max="2.14748E9" units="cm"/>
-          <inkml:channel name="Y" type="integer" min="-2.14748E9" max="2.14748E9" units="cm"/>
-          <inkml:channel name="F" type="integer" max="32767" units="dev"/>
-          <inkml:channel name="OA" type="integer" max="360" units="deg"/>
-          <inkml:channel name="OE" type="integer" max="90" units="deg"/>
-        </inkml:traceFormat>
-        <inkml:channelProperties>
-          <inkml:channelProperty channel="X" name="resolution" value="1000" units="1/cm"/>
-          <inkml:channelProperty channel="Y" name="resolution" value="1000" units="1/cm"/>
-          <inkml:channelProperty channel="F" name="resolution" value="0" units="1/dev"/>
-          <inkml:channelProperty channel="OA" name="resolution" value="1000" units="1/deg"/>
-          <inkml:channelProperty channel="OE" name="resolution" value="1000" units="1/deg"/>
-        </inkml:channelProperties>
-      </inkml:inkSource>
-      <inkml:timestamp xml:id="ts0" timeString="2025-10-11T15:13:14.616"/>
-    </inkml:context>
-    <inkml:brush xml:id="br0">
-      <inkml:brushProperty name="width" value="0.2" units="cm"/>
-      <inkml:brushProperty name="height" value="0.2" units="cm"/>
-      <inkml:brushProperty name="color" value="#E71224"/>
-    </inkml:brush>
-  </inkml:definitions>
-  <inkml:trace contextRef="#ctx0" brushRef="#br0">7 0 1376 0 0,'-7'28'4544'0'0,"7"-26"-4480"0"0,1 0 0 0 0,-1 0 0 0 0,0 0 0 0 0,1 0 0 0 0,-1 0 0 0 0,1 0 0 0 0,0 0 0 0 0,-1-1 0 0 0,1 1 0 0 0,0 0-1 0 0,0 0 1 0 0,0-1 0 0 0,1 1 0 0 0,-1-1 0 0 0,2 3 0 0 0,3 3 44 0 0,-5-3 1 0 0,1-1 0 0 0,-1 1 1 0 0,1 0-1 0 0,-1-1 0 0 0,0 1 0 0 0,-1 0 1 0 0,1 0-1 0 0,0 0 0 0 0,-1 0 1 0 0,0-1-1 0 0,0 1 0 0 0,0 0 0 0 0,-1 0 1 0 0,1 0-1 0 0,-1 0 0 0 0,0-1 0 0 0,0 1 1 0 0,-3 7-1 0 0,-3 14 2350 0 0,7-18-2296 0 0,-1 0 0 0 0,1 0 0 0 0,1 0 0 0 0,-1 0 0 0 0,1 0 0 0 0,1 0 0 0 0,-1 0 0 0 0,3 6 0 0 0,-1-4-67 0 0,-1 0-1 0 0,0 0 0 0 0,1 16 1 0 0,-2 6 359 0 0,3 1 1 0 0,10 47-1 0 0,-3-25-141 0 0,33 248 1800 0 0,-38-255-1651 0 0,2-3-254 0 0,3-1 1 0 0,2 0-1 0 0,1 0 1 0 0,26 51-1 0 0,1 5-216 0 0,65 157 41 0 0,-50-128-4 0 0,0 22 148 0 0,31 67 824 0 0,-35-115-887 0 0,95 207-106 0 0,-92-168 7 0 0,21 52-50 0 0,-56-150 173 0 0,1 0 1 0 0,36 51-1 0 0,17 10 86 0 0,58 87-170 0 0,-92-124-55 0 0,178 309 0 0 0,-195-332 4 0 0,14 29 88 0 0,3-2 0 0 0,54 72 0 0 0,67 61 327 0 0,90 121-293 0 0,90 156-53 0 0,-284-405 126 0 0,3-3-1 0 0,72 66 1 0 0,-27-35-188 0 0,-45-48-11 0 0,-2 4 0 0 0,85 113 0 0 0,-134-159 0 0 0,16 24 19 0 0,1-2-1 0 0,1 0 1 0 0,54 52-1 0 0,38 17 103 0 0,146 143-124 0 0,-234-212 16 0 0,-2 1 1 0 0,31 54-1 0 0,20 26 11 0 0,-58-92 12 0 0,1-1 0 0 0,1-2 0 0 0,40 30 1 0 0,-11-9 7 0 0,18 15-35 0 0,-19-17-8 0 0,-1 3-1 0 0,84 95 1 0 0,-98-91-1 0 0,-11-14 0 0 0,0-1 0 0 0,3-1 0 0 0,0-1 0 0 0,51 39 0 0 0,191 135 64 0 0,-129-74-64 0 0,-101-89 0 0 0,77 60 0 0 0,108 90 0 0 0,-123-100 0 0 0,49 26 21 0 0,-96-77-7 0 0,-1 3 1 0 0,71 73-1 0 0,-92-82 11 0 0,1-1 1 0 0,2-2 0 0 0,1-1-1 0 0,78 47 1 0 0,-77-54 21 0 0,-1 1 0 0 0,-1 3 0 0 0,54 50 0 0 0,-68-57-16 0 0,1-2 1 0 0,1-1-1 0 0,50 28 0 0 0,11 8-112 0 0,-40-23 81 0 0,-20-15 0 0 0,-1 1 0 0 0,36 33 0 0 0,-60-49 10 0 0,-1-1 1 0 0,1 1-1 0 0,-1-1 1 0 0,1 1-1 0 0,0 0 1 0 0,-1-1-1 0 0,1 1 1 0 0,-1 0-1 0 0,0 0 0 0 0,1-1 1 0 0,-1 1-1 0 0,1 0 1 0 0,-1 0-1 0 0,0-1 1 0 0,0 1-1 0 0,1 0 1 0 0,-1 0-1 0 0,0 0 1 0 0,0 0-1 0 0,0-1 0 0 0,0 1 1 0 0,0 0-1 0 0,0 0 1 0 0,-1 1-1 0 0,1 6-95 0 0,1-7 88 0 0,0 1 0 0 0,0-1 0 0 0,1 1 0 0 0,-1-1 1 0 0,0 1-1 0 0,1-1 0 0 0,-1 0 0 0 0,1 1 0 0 0,0-1 0 0 0,-1 0 0 0 0,1 0 0 0 0,0 0 0 0 0,0 0 1 0 0,0-1-1 0 0,-1 1 0 0 0,1 0 0 0 0,2 0 0 0 0,5 2 5 0 0,3 3-8 0 0,11 5 0 0 0,-1 1 0 0 0,23 16 0 0 0,-45-27 2 0 0,1-1 0 0 0,-1 0 1 0 0,1 0-1 0 0,-1 1 0 0 0,1-1 0 0 0,-1 0 1 0 0,1 1-1 0 0,-1-1 0 0 0,1 0 0 0 0,-1 1 1 0 0,1-1-1 0 0,-1 1 0 0 0,1-1 0 0 0,-1 1 0 0 0,0-1 1 0 0,1 1-1 0 0,-1-1 0 0 0,0 1 0 0 0,0-1 1 0 0,1 1-1 0 0,-1-1 0 0 0,0 1 0 0 0,0-1 0 0 0,0 1 1 0 0,0 0-1 0 0,0-1 0 0 0,0 1 0 0 0,0-1 1 0 0,0 1-1 0 0,0-1 0 0 0,0 1 0 0 0,0 0 0 0 0,0 0 1 0 0,-16 10 121 0 0,9-8-100 0 0,29 7 32 0 0,-7-4-48 0 0,-15-6-8 0 0,0 1 0 0 0,0-1 0 0 0,0 0 0 0 0,0 0 0 0 0,1 1 0 0 0,-1-1 0 0 0,0 0 0 0 0,0 0 0 0 0,0 1 0 0 0,0-1 0 0 0,0 0 0 0 0,0 1 0 0 0,0-1 0 0 0,0 0 0 0 0,0 0 0 0 0,0 1 0 0 0,0-1 0 0 0,0 0 0 0 0,0 0 0 0 0,0 1 0 0 0,0-1 0 0 0,-1 0 0 0 0,1 0 0 0 0,0 1 0 0 0,0-1 0 0 0,0 0 0 0 0,0 0 0 0 0,0 1 0 0 0,-1-1 0 0 0,1 0 0 0 0,0 0 0 0 0,0 1 0 0 0,0-1 0 0 0,-1 0 0 0 0,1 0 0 0 0,0 0 0 0 0,0 0 0 0 0,-1 0 0 0 0,1 1 0 0 0,0-1 0 0 0,0 0 0 0 0,-1 0 0 0 0,1 0 0 0 0,0 0 0 0 0,0 0 0 0 0,-1 0 0 0 0,1 0 0 0 0,-15 8 0 0 0,14-7 0 0 0,2-1-1 0 0,-1 1-1 0 0,0-1 1 0 0,0 0-1 0 0,1 1 1 0 0,-1-1-1 0 0,0 1 1 0 0,1-1-1 0 0,-1 1 1 0 0,0-1-1 0 0,1 0 1 0 0,-1 1-1 0 0,1-1 1 0 0,-1 0-1 0 0,1 1 1 0 0,-1-1-1 0 0,1 0 1 0 0,-1 0-1 0 0,1 0 1 0 0,-1 1-1 0 0,1-1 1 0 0,-1 0-1 0 0,1 0 1 0 0,-1 0-1 0 0,1 0 1 0 0,-1 0-1 0 0,2 0 1 0 0,-1 1-7 0 0,-5-2 6 0 0,1 0-1 0 0,0 0 0 0 0,-1 1 0 0 0,1-1 0 0 0,-1 1 0 0 0,1 0 0 0 0,0 0 0 0 0,-1 0 0 0 0,1 0 0 0 0,-8 1 0 0 0,13 2 34 0 0,8-4-422 0 0,2-3-307 0 0,0 0-1 0 0,0-1 1 0 0,19-11-1 0 0,-15 6-204 0 0</inkml:trace>
-</inkml:ink>
-</file>
-
-<file path=ppt/ink/ink32.xml><?xml version="1.0" encoding="utf-8"?>
-<inkml:ink xmlns:inkml="http://www.w3.org/2003/InkML">
-  <inkml:definitions>
-    <inkml:context xml:id="ctx0">
-      <inkml:inkSource xml:id="inkSrc0">
-        <inkml:traceFormat>
-          <inkml:channel name="X" type="integer" min="-2.14748E9" max="2.14748E9" units="cm"/>
-          <inkml:channel name="Y" type="integer" min="-2.14748E9" max="2.14748E9" units="cm"/>
-          <inkml:channel name="F" type="integer" max="32767" units="dev"/>
-          <inkml:channel name="OA" type="integer" max="360" units="deg"/>
-          <inkml:channel name="OE" type="integer" max="90" units="deg"/>
-        </inkml:traceFormat>
-        <inkml:channelProperties>
-          <inkml:channelProperty channel="X" name="resolution" value="1000" units="1/cm"/>
-          <inkml:channelProperty channel="Y" name="resolution" value="1000" units="1/cm"/>
-          <inkml:channelProperty channel="F" name="resolution" value="0" units="1/dev"/>
-          <inkml:channelProperty channel="OA" name="resolution" value="1000" units="1/deg"/>
-          <inkml:channelProperty channel="OE" name="resolution" value="1000" units="1/deg"/>
-        </inkml:channelProperties>
-      </inkml:inkSource>
-      <inkml:timestamp xml:id="ts0" timeString="2025-10-11T15:13:15.790"/>
-    </inkml:context>
-    <inkml:brush xml:id="br0">
-      <inkml:brushProperty name="width" value="0.2" units="cm"/>
-      <inkml:brushProperty name="height" value="0.2" units="cm"/>
-      <inkml:brushProperty name="color" value="#E71224"/>
-    </inkml:brush>
-  </inkml:definitions>
-  <inkml:trace contextRef="#ctx0" brushRef="#br0">0 5 1784 0 0,'3'-1'160'0'0,"-1"-1"-160"0"0,0 2 0 0 0,-1-1 0 0 0,-1 2 0 0 0,2 1 0 0 0,0-1 0 0 0,-2 1 0 0 0,1 3 0 0 0</inkml:trace>
-</inkml:ink>
-</file>
-
-<file path=ppt/ink/ink33.xml><?xml version="1.0" encoding="utf-8"?>
-<inkml:ink xmlns:inkml="http://www.w3.org/2003/InkML">
-  <inkml:definitions>
-    <inkml:context xml:id="ctx0">
-      <inkml:inkSource xml:id="inkSrc0">
-        <inkml:traceFormat>
-          <inkml:channel name="X" type="integer" min="-2.14748E9" max="2.14748E9" units="cm"/>
-          <inkml:channel name="Y" type="integer" min="-2.14748E9" max="2.14748E9" units="cm"/>
-          <inkml:channel name="F" type="integer" max="32767" units="dev"/>
-          <inkml:channel name="OA" type="integer" max="360" units="deg"/>
-          <inkml:channel name="OE" type="integer" max="90" units="deg"/>
-        </inkml:traceFormat>
-        <inkml:channelProperties>
-          <inkml:channelProperty channel="X" name="resolution" value="1000" units="1/cm"/>
-          <inkml:channelProperty channel="Y" name="resolution" value="1000" units="1/cm"/>
-          <inkml:channelProperty channel="F" name="resolution" value="0" units="1/dev"/>
-          <inkml:channelProperty channel="OA" name="resolution" value="1000" units="1/deg"/>
-          <inkml:channelProperty channel="OE" name="resolution" value="1000" units="1/deg"/>
-        </inkml:channelProperties>
-      </inkml:inkSource>
-      <inkml:timestamp xml:id="ts0" timeString="2025-10-11T15:13:15.914"/>
-    </inkml:context>
-    <inkml:brush xml:id="br0">
-      <inkml:brushProperty name="width" value="0.2" units="cm"/>
-      <inkml:brushProperty name="height" value="0.2" units="cm"/>
-      <inkml:brushProperty name="color" value="#E71224"/>
-    </inkml:brush>
-  </inkml:definitions>
-  <inkml:trace contextRef="#ctx0" brushRef="#br0">0 0 1984 0 0</inkml:trace>
-</inkml:ink>
-</file>
-
-<file path=ppt/ink/ink34.xml><?xml version="1.0" encoding="utf-8"?>
-<inkml:ink xmlns:inkml="http://www.w3.org/2003/InkML">
-  <inkml:definitions>
-    <inkml:context xml:id="ctx0">
-      <inkml:inkSource xml:id="inkSrc0">
-        <inkml:traceFormat>
-          <inkml:channel name="X" type="integer" min="-2.14748E9" max="2.14748E9" units="cm"/>
-          <inkml:channel name="Y" type="integer" min="-2.14748E9" max="2.14748E9" units="cm"/>
-          <inkml:channel name="F" type="integer" max="32767" units="dev"/>
-          <inkml:channel name="OA" type="integer" max="360" units="deg"/>
-          <inkml:channel name="OE" type="integer" max="90" units="deg"/>
-        </inkml:traceFormat>
-        <inkml:channelProperties>
-          <inkml:channelProperty channel="X" name="resolution" value="1000" units="1/cm"/>
-          <inkml:channelProperty channel="Y" name="resolution" value="1000" units="1/cm"/>
-          <inkml:channelProperty channel="F" name="resolution" value="0" units="1/dev"/>
-          <inkml:channelProperty channel="OA" name="resolution" value="1000" units="1/deg"/>
-          <inkml:channelProperty channel="OE" name="resolution" value="1000" units="1/deg"/>
-        </inkml:channelProperties>
-      </inkml:inkSource>
-      <inkml:timestamp xml:id="ts0" timeString="2025-10-11T15:13:19.444"/>
-    </inkml:context>
-    <inkml:brush xml:id="br0">
-      <inkml:brushProperty name="width" value="0.2" units="cm"/>
-      <inkml:brushProperty name="height" value="0.2" units="cm"/>
-      <inkml:brushProperty name="color" value="#E71224"/>
-    </inkml:brush>
-  </inkml:definitions>
-  <inkml:trace contextRef="#ctx0" brushRef="#br0">91 901 3225 0 0,'19'12'5745'0'0,"274"96"-3426"0"0,41 12 395 0 0,-8-19-2140 0 0,-324-100-572 0 0,62 17 818 0 0,0-3 1 0 0,85 8-1 0 0,-105-17-612 0 0,-40-5-197 0 0,-3-1-8 0 0,0 0 1 0 0,0 0-1 0 0,0 1 0 0 0,0-1 1 0 0,0 0-1 0 0,0 1 1 0 0,0-1-1 0 0,0 1 1 0 0,0-1-1 0 0,0 1 0 0 0,0-1 1 0 0,0 1-1 0 0,0 0 1 0 0,0-1-1 0 0,-1 1 0 0 0,1 0 1 0 0,0 0-1 0 0,1 1 1 0 0,-2-2-1 0 0,0 0 1 0 0,0 0 0 0 0,0 0 0 0 0,0 0 0 0 0,0 0-1 0 0,0 0 1 0 0,0 0 0 0 0,0 0 0 0 0,0 1-1 0 0,0-1 1 0 0,1 0 0 0 0,-1 0 0 0 0,0 0-1 0 0,0 0 1 0 0,0 0 0 0 0,0 0 0 0 0,0 0 0 0 0,0 1-1 0 0,0-1 1 0 0,0 0 0 0 0,0 0 0 0 0,0 0-1 0 0,0 0 1 0 0,0 0 0 0 0,0 0 0 0 0,0 0-1 0 0,0 1 1 0 0,0-1 0 0 0,0 0 0 0 0,0 0 0 0 0,0 0-1 0 0,0 0 1 0 0,-1 0 0 0 0,1 0 0 0 0,0 0-1 0 0,0 1 1 0 0,0-1 0 0 0,0 0 0 0 0,0 0-1 0 0,0 0 1 0 0,0 0 0 0 0,0 0 0 0 0,0 0 0 0 0,0 0-1 0 0,-1 0 1 0 0,1 0 0 0 0,-8 3 395 0 0,-9 0 272 0 0,12-3-594 0 0,0-1 1 0 0,0 1 0 0 0,1-1 0 0 0,-1 0 0 0 0,0 0-1 0 0,0-1 1 0 0,1 1 0 0 0,-1-1 0 0 0,1 0 0 0 0,-6-4-1 0 0,-3-2-66 0 0,1-1-1 0 0,-12-10 0 0 0,-14-12-879 0 0,35 30 883 0 0,1-1 0 0 0,0 1 0 0 0,-1-1 0 0 0,1 0 0 0 0,0 1 0 0 0,0-1 0 0 0,1 0 0 0 0,-1 0 0 0 0,0 0 0 0 0,1-1 0 0 0,-1 1 0 0 0,1 0 0 0 0,0-1 0 0 0,-1 1 0 0 0,1-1 0 0 0,0 1 0 0 0,1-1 0 0 0,-2-4 0 0 0,1 6 4 0 0,-1-4-25 0 0,0 1 0 0 0,0-1 0 0 0,-1 1 0 0 0,0 0 0 0 0,0 0-1 0 0,0 1 1 0 0,0-1 0 0 0,0 0 0 0 0,-1 1 0 0 0,0 0 0 0 0,0 0 0 0 0,0 0 0 0 0,0 0 0 0 0,0 1 0 0 0,0-1 0 0 0,-1 1-1 0 0,1 0 1 0 0,-1 1 0 0 0,1-1 0 0 0,-1 1 0 0 0,-6-1 0 0 0,10 2 14 0 0,1-1 0 0 0,0 1-1 0 0,0 0 1 0 0,0 0 0 0 0,0 0 0 0 0,-1 0 0 0 0,1 0 0 0 0,0 0-1 0 0,0 0 1 0 0,0 0 0 0 0,-1 0 0 0 0,1 0 0 0 0,0 0-1 0 0,0 0 1 0 0,0 0 0 0 0,-1 0 0 0 0,1 0 0 0 0,0 0 0 0 0,0 0-1 0 0,0 0 1 0 0,0 0 0 0 0,-1 0 0 0 0,1 1 0 0 0,0-1 0 0 0,0 0-1 0 0,0 0 1 0 0,0 0 0 0 0,-1 0 0 0 0,1 0 0 0 0,0 0-1 0 0,0 1 1 0 0,0-1 0 0 0,0 0 0 0 0,0 0 0 0 0,0 0 0 0 0,0 0-1 0 0,-1 1 1 0 0,1-1 0 0 0,0 0 0 0 0,0 0 0 0 0,0 0-1 0 0,0 0 1 0 0,0 1 0 0 0,0-1 0 0 0,0 0 0 0 0,0 0 0 0 0,0 0-1 0 0,0 1 1 0 0,0-1 0 0 0,0 0 0 0 0,0 0 0 0 0,0 0-1 0 0,0 0 1 0 0,0 1 0 0 0,0-1 0 0 0,0 0 0 0 0,0 0 0 0 0,1 0-1 0 0,-1 1 1 0 0,0-1 0 0 0,0 0 0 0 0,0 0 0 0 0,0 0-1 0 0,13 11 429 0 0,-12-11-518 0 0,-3 5-825 0 0,1-2 910 0 0,-1 0 0 0 0,1 0 0 0 0,-1 0 0 0 0,0 0 0 0 0,0 0 0 0 0,0 0 0 0 0,-1-1 0 0 0,1 1 0 0 0,0-1-1 0 0,-1 0 1 0 0,0 1 0 0 0,-2 1 0 0 0,4-4 1 0 0,1 0 1 0 0,-1 0-1 0 0,1 0 0 0 0,0 1 0 0 0,-1-1 0 0 0,1 0 1 0 0,0 0-1 0 0,-1 0 0 0 0,1 1 0 0 0,0-1 0 0 0,0 0 1 0 0,-1 1-1 0 0,1-1 0 0 0,0 0 0 0 0,0 0 0 0 0,-1 1 0 0 0,1-1 1 0 0,0 1-1 0 0,0-1 0 0 0,0 0 0 0 0,0 1 0 0 0,0-1 1 0 0,-1 0-1 0 0,1 1 0 0 0,0-1 0 0 0,0 1 0 0 0,0-1 1 0 0,0 1-1 0 0,10 2 321 0 0,17-7 2 0 0,-18 1-263 0 0,14-6-780 0 0,-39 12-1378 0 0,5-1 2210 0 0,0-1 0 0 0,0 0 0 0 0,0 0 0 0 0,0-1 0 0 0,0-1 0 0 0,0 0 0 0 0,1 0 0 0 0,-1-1 0 0 0,-12-3 0 0 0,-167-63 10 0 0,74 24-667 0 0,-109-28-1695 0 0,179 61 1869 0 0,-1 1 1 0 0,-93-7-1 0 0,130 17 505 0 0,0-1-1 0 0,0-1 0 0 0,0 0 0 0 0,0 0 1 0 0,0-1-1 0 0,0 0 0 0 0,1-1 0 0 0,0 0 0 0 0,-10-5 1 0 0,2-2-35 0 0,0-1 0 0 0,0 0 0 0 0,-20-21 0 0 0,-22-20-487 0 0,59 53 378 0 0,0 0 0 0 0,0 0 0 0 0,0 0 0 0 0,0 0 0 0 0,0 0 0 0 0,0 1 0 0 0,0-1 0 0 0,0 0 0 0 0,0 0 0 0 0,0 0 0 0 0,0 0 0 0 0,0 0 0 0 0,0 0 0 0 0,0 0 0 0 0,0 0 0 0 0,0 0 0 0 0,0 0 0 0 0,0 0 0 0 0,0 0 0 0 0,0 0 0 0 0,0 0 0 0 0,-1 0 0 0 0,1 0 0 0 0,0 1 0 0 0,0-1 0 0 0,0 0 0 0 0,0 0 0 0 0,0 0 0 0 0,0 0 0 0 0,0 0 0 0 0,0 0 0 0 0,0 0 0 0 0,0 0 0 0 0,0 0 0 0 0,0 0 0 0 0,0 0 0 0 0,0 0 0 0 0,-1 0 0 0 0,1 0 0 0 0,0 0 0 0 0,0 0 0 0 0,0 0 0 0 0,0 0 0 0 0,0 0 0 0 0,0 0 0 0 0,0 0 0 0 0,11 16-9 0 0,-9-14 29 0 0,1 0 0 0 0,-1 0 0 0 0,0 0 0 0 0,1 0 1 0 0,-1 0-1 0 0,1-1 0 0 0,0 1 0 0 0,-1-1 0 0 0,1 1 1 0 0,0-1-1 0 0,0 0 0 0 0,0 0 0 0 0,0 0 0 0 0,0-1 0 0 0,0 1 1 0 0,1-1-1 0 0,-1 1 0 0 0,5-1 0 0 0,-1-1-6 0 0,0 1 0 0 0,-1 0 0 0 0,1 1 0 0 0,0 0 0 0 0,-1 0-1 0 0,1 0 1 0 0,0 1 0 0 0,-1 0 0 0 0,0 0 0 0 0,1 0 0 0 0,-1 1 0 0 0,0 0-1 0 0,8 5 1 0 0,41 26 375 0 0,1-3-1 0 0,2-2 1 0 0,1-3-1 0 0,1-3 0 0 0,119 30 1 0 0,-37-25-318 0 0,-84-18-48 0 0,-1 2 0 0 0,92 33 0 0 0,46 41-28 0 0,-168-72 17 0 0,-1 1 0 0 0,0 1 0 0 0,-1 2 0 0 0,44 40 0 0 0,-60-48 68 0 0,7 7 687 0 0,-15-16-697 0 0,0-1 0 0 0,-1 0 0 0 0,1 1 0 0 0,0-1 1 0 0,-1 1-1 0 0,1-1 0 0 0,0 0 0 0 0,0 0 0 0 0,0 1 1 0 0,-1-1-1 0 0,1 0 0 0 0,0 0 0 0 0,0 0 0 0 0,0 0 1 0 0,-1 0-1 0 0,1 0 0 0 0,0 0 0 0 0,0 0 0 0 0,0 0 1 0 0,-1 0-1 0 0,1-1 0 0 0,0 1 0 0 0,0 0 0 0 0,0-1 1 0 0,13-5-50 0 0,0 0 1 0 0,0 1 0 0 0,1 1 0 0 0,-1 0 0 0 0,1 0 0 0 0,0 2-1 0 0,0 0 1 0 0,17 0 0 0 0,-41 1-51 0 0,0-1-1 0 0,0 1 1 0 0,0-2-1 0 0,-13-5 1 0 0,-21-4 357 0 0,34 11-297 0 0,-6-3 302 0 0,14 4-316 0 0,1 0-1 0 0,0 0 0 0 0,-1-1 1 0 0,1 1-1 0 0,0 0 0 0 0,-1 0 1 0 0,1-1-1 0 0,0 1 0 0 0,-1 0 0 0 0,1 0 1 0 0,0-1-1 0 0,0 1 0 0 0,0 0 1 0 0,-1-1-1 0 0,1 1 0 0 0,0 0 0 0 0,0-1 1 0 0,0 1-1 0 0,0 0 0 0 0,-1-1 1 0 0,1 1-1 0 0,0-1 0 0 0,0 1 1 0 0,0 0-1 0 0,0-1 0 0 0,0 1 0 0 0,0-1 1 0 0,0 1-1 0 0,0 0 0 0 0,0-1 1 0 0,0 1-1 0 0,1 0 0 0 0,-1-1 1 0 0,0-2-12 0 0,0 2-62 0 0,-1-3 8 0 0,1 1 38 0 0,-1 0 1 0 0,1 0-1 0 0,-1 0 0 0 0,0 1 0 0 0,0-1 0 0 0,0 0 0 0 0,-1 0 1 0 0,1 1-1 0 0,-1-1 0 0 0,1 1 0 0 0,-1-1 0 0 0,0 1 0 0 0,0 0 1 0 0,0 0-1 0 0,0 0 0 0 0,0 0 0 0 0,-1 0 0 0 0,-3-2 0 0 0,-66-44-315 0 0,48 34 316 0 0,1-1 1 0 0,0-1-1 0 0,1-1 1 0 0,1-1 0 0 0,-34-38-1 0 0,36 30 73 0 0,1 0 0 0 0,2-2-1 0 0,-26-55 1 0 0,-24-96 335 0 0,45 117-270 0 0,-1 1 0 0 0,-43-78 0 0 0,-88-87-755 0 0,98 152 274 0 0,-52-93 0 0 0,106 166 367 0 0,1 1 1 0 0,-1-1-1 0 0,1 1 0 0 0,0-1 1 0 0,-1 1-1 0 0,1-1 0 0 0,0 1 1 0 0,0-1-1 0 0,-1 1 0 0 0,1-1 1 0 0,0 1-1 0 0,0-1 0 0 0,0 1 1 0 0,0-1-1 0 0,0 1 0 0 0,0-1 1 0 0,0 0-1 0 0,0 1 0 0 0,0-1 1 0 0,0 1-1 0 0,0-1 0 0 0,0 1 1 0 0,0-1-1 0 0,0 1 0 0 0,1-2 1 0 0,11 4 466 0 0,28 21 519 0 0,-31-17-865 0 0,-8-5-139 0 0,0-1 1 0 0,-1 1 0 0 0,1-1 0 0 0,0 1 0 0 0,-1-1-1 0 0,1 1 1 0 0,0-1 0 0 0,-1 1 0 0 0,1-1 0 0 0,-1 1-1 0 0,1 0 1 0 0,-1-1 0 0 0,1 1 0 0 0,-1 0 0 0 0,0 0-1 0 0,1-1 1 0 0,-1 1 0 0 0,0 0 0 0 0,0 0-1 0 0,1-1 1 0 0,-1 1 0 0 0,0 0 0 0 0,0 0 0 0 0,0 0-1 0 0,0-1 1 0 0,0 1 0 0 0,0 0 0 0 0,0 0 0 0 0,0 1-1 0 0,2 17-177 0 0,1-12 110 0 0,0 2 88 0 0,1 0 0 0 0,0-1-1 0 0,1 0 1 0 0,-1 0 0 0 0,1 0 0 0 0,12 14 0 0 0,-17-22-24 0 0,0 1 0 0 0,0-1 1 0 0,0 1-1 0 0,0 0 0 0 0,0-1 1 0 0,0 1-1 0 0,0-1 0 0 0,-1 1 1 0 0,1 0-1 0 0,0-1 1 0 0,0 1-1 0 0,-1-1 0 0 0,1 1 1 0 0,0-1-1 0 0,-1 1 0 0 0,1-1 1 0 0,0 1-1 0 0,-1-1 1 0 0,1 1-1 0 0,-1-1 0 0 0,1 0 1 0 0,-1 1-1 0 0,1-1 0 0 0,-1 0 1 0 0,1 1-1 0 0,-1-1 0 0 0,1 0 1 0 0,-1 0-1 0 0,1 1 1 0 0,-2-1-1 0 0,-12 8-188 0 0,11-6 180 0 0,0 0 1 0 0,0 0-1 0 0,0 0 0 0 0,0 1 0 0 0,1-1 0 0 0,-1 1 0 0 0,-3 5 0 0 0,4-6 47 0 0,1 0 0 0 0,-1 0 0 0 0,0 0-1 0 0,1 0 1 0 0,-1-1 0 0 0,0 1 0 0 0,0 0 0 0 0,-1-1 0 0 0,1 0-1 0 0,0 1 1 0 0,-3 0 0 0 0,0 0-36 0 0,0 0 1 0 0,0 0-1 0 0,0 1 0 0 0,1-1 1 0 0,-1 1-1 0 0,1 0 0 0 0,0 0 1 0 0,-1 1-1 0 0,1-1 0 0 0,1 1 1 0 0,-1 0-1 0 0,1 0 0 0 0,-1 0 1 0 0,1 1-1 0 0,0-1 0 0 0,1 1 1 0 0,-1 0-1 0 0,1-1 0 0 0,0 1 1 0 0,0 0-1 0 0,0 1 0 0 0,1-1 1 0 0,0 0-1 0 0,-1 7 0 0 0,1 10 42 0 0,1-12 45 0 0,-1 0 0 0 0,0 0-1 0 0,0 1 1 0 0,-5 15-1 0 0,4-22-57 0 0,1-1-1 0 0,-1 0 1 0 0,1 0-1 0 0,-1 0 1 0 0,0 0-1 0 0,0 0 0 0 0,0 0 1 0 0,0 0-1 0 0,-1-1 1 0 0,1 1-1 0 0,-1-1 1 0 0,1 0-1 0 0,-1 0 0 0 0,0 0 1 0 0,0 0-1 0 0,0 0 1 0 0,-6 2-1 0 0,-14 5 90 0 0,0-2 0 0 0,-30 7 0 0 0,34-11-55 0 0,0 2 0 0 0,1 0 0 0 0,0 2 0 0 0,-34 16 1 0 0,44-19-43 0 0,1 2 0 0 0,-1-1 1 0 0,1 1-1 0 0,0 0 1 0 0,1 0-1 0 0,0 1 0 0 0,0 0 1 0 0,0 0-1 0 0,-7 12 1 0 0,0 4 70 0 0,-18 48 1 0 0,25-58-57 0 0,0-1 17 0 0,0 0 0 0 0,-1 0-1 0 0,-9 12 1 0 0,-14 23 435 0 0,30-46-469 0 0,-1-1 1 0 0,1 1 0 0 0,0-1-1 0 0,0 1 1 0 0,0-1-1 0 0,0 1 1 0 0,0-1-1 0 0,0 1 1 0 0,0-1 0 0 0,0 1-1 0 0,0-1 1 0 0,0 1-1 0 0,0-1 1 0 0,0 0 0 0 0,0 1-1 0 0,0-1 1 0 0,1 1-1 0 0,-1-1 1 0 0,0 1-1 0 0,0-1 1 0 0,0 1 0 0 0,1-1-1 0 0,-1 0 1 0 0,0 1-1 0 0,0-1 1 0 0,1 0 0 0 0,-1 1-1 0 0,1 0 1 0 0,16 9-40 0 0,21 2-91 0 0,-30-12-28 0 0,1-1 1 0 0,-1 0-1 0 0,0 0 1 0 0,1 0-1 0 0,-1-1 0 0 0,9-3 1 0 0,21-4-306 0 0,-33 8 443 0 0,0 0-1 0 0,-1 0 1 0 0,0-1-1 0 0,1 0 1 0 0,-1 0 0 0 0,0 0-1 0 0,0-1 1 0 0,0 1-1 0 0,0-1 1 0 0,0 0-1 0 0,3-3 1 0 0,-5 4-142 0 0,0 0-1 0 0,0 1 1 0 0,0-1-1 0 0,-1 0 1 0 0,1 0 0 0 0,-1 0-1 0 0,1 0 1 0 0,-1 0-1 0 0,0-1 1 0 0,0 1 0 0 0,0 0-1 0 0,0-1 1 0 0,0 1-1 0 0,0 0 1 0 0,-1-1 0 0 0,1 1-1 0 0,-1-1 1 0 0,0 1-1 0 0,0-1 1 0 0,0 1-1 0 0,0-5 1 0 0,0 7 105 0 0,0 0 0 0 0,0 0 0 0 0,0 1 0 0 0,0-1 0 0 0,0 0 0 0 0,0 1 0 0 0,-1-1 0 0 0,1 0 1 0 0,0 0-1 0 0,0 1 0 0 0,0-1 0 0 0,0 0 0 0 0,0 0 0 0 0,-1 1 0 0 0,-1 0-392 0 0,2-1 392 0 0,0 0 0 0 0,0 1 0 0 0,-1-1 0 0 0,1 0 1 0 0,0 0-1 0 0,-1 0 0 0 0,1 0 0 0 0,0 0 0 0 0,0 0 0 0 0,-1 0 0 0 0,1 0 0 0 0,0 0 0 0 0,-1 0 0 0 0,1 0 0 0 0,0 0 0 0 0,0 0 0 0 0,-1 0 0 0 0,1 0 0 0 0,0-1 0 0 0,-1 1 0 0 0,1 0 0 0 0,0 0 0 0 0,0 0 0 0 0,-1 0 0 0 0,1 0 1 0 0,0-1-1 0 0,1 6 109 0 0,1 0 1 0 0,0-1-1 0 0,0 1 1 0 0,1-1-1 0 0,0 1 1 0 0,-1-1-1 0 0,1 0 1 0 0,1 0-1 0 0,-1 0 1 0 0,0-1 0 0 0,1 1-1 0 0,0-1 1 0 0,0 0-1 0 0,7 5 1 0 0,19 9-40 0 0,1-1 0 0 0,0-1 0 0 0,1-2 1 0 0,54 15-1 0 0,-19-13-285 0 0,92 11 0 0 0,-150-25 170 0 0,70 12-778 0 0,-72-12 675 0 0,0 1 0 0 0,0 0 0 0 0,-1 0 1 0 0,1 1-1 0 0,-1 0 0 0 0,1 0 0 0 0,-1 1 0 0 0,10 7 0 0 0,-15-11 175 0 0,0 1 1 0 0,-1 0-1 0 0,1-1 0 0 0,0 1 0 0 0,0 0 0 0 0,-1 0 0 0 0,1 0 0 0 0,-1-1 0 0 0,1 1 0 0 0,-1 0 0 0 0,1 0 0 0 0,-1 0 0 0 0,1 0 0 0 0,0 2 0 0 0,-1-3 21 0 0,0 1-1 0 0,0-1 1 0 0,0 1 0 0 0,-1-1 0 0 0,1 0-1 0 0,0 1 1 0 0,0-1 0 0 0,0 1-1 0 0,0-1 1 0 0,0 0 0 0 0,0 1 0 0 0,-1-1-1 0 0,1 1 1 0 0,0-1 0 0 0,0 0 0 0 0,-1 1-1 0 0,1-1 1 0 0,0 0 0 0 0,0 1-1 0 0,-1-1 1 0 0,1 0 0 0 0,0 0 0 0 0,-1 1-1 0 0,0-1 1 0 0,0 1 46 0 0,-1 0 1 0 0,0 0-1 0 0,0-1 0 0 0,0 1 1 0 0,0-1-1 0 0,0 0 0 0 0,0 1 1 0 0,0-1-1 0 0,0 0 0 0 0,0 0 1 0 0,0 0-1 0 0,0 0 0 0 0,-3-1 1 0 0,-23-6 132 0 0,0-1 1 0 0,0-1 0 0 0,1-2-1 0 0,-38-20 1 0 0,-98-68-31 0 0,102 61-280 0 0,3-3 0 0 0,1-2-1 0 0,-69-69 1 0 0,124 109 104 0 0,-1 0 1 0 0,0 0-1 0 0,1 0 1 0 0,0 0 0 0 0,0-1-1 0 0,0 1 1 0 0,0 0-1 0 0,-1-5 1 0 0,3 8 14 0 0,0-1 0 0 0,-1 0 0 0 0,1 1 0 0 0,0-1 0 0 0,0 1 0 0 0,0-1 0 0 0,0 1 0 0 0,0-1 0 0 0,0 0 1 0 0,0 1-1 0 0,0-1 0 0 0,0 1 0 0 0,1-1 0 0 0,-1 1 0 0 0,0-1 0 0 0,0 0 0 0 0,0 1 0 0 0,1-1 0 0 0,-1 1 1 0 0,0-1-1 0 0,0 1 0 0 0,1-1 0 0 0,0 0-11 0 0,0 0 1 0 0,0 1-1 0 0,0-1 0 0 0,0 1 1 0 0,1-1-1 0 0,-1 1 0 0 0,0-1 0 0 0,0 1 1 0 0,0 0-1 0 0,0-1 0 0 0,1 1 1 0 0,-1 0-1 0 0,0 0 0 0 0,0 0 1 0 0,2 0-1 0 0,13 2-65 0 0,-1 0 0 0 0,0 1 0 0 0,0 1 0 0 0,0 0-1 0 0,0 1 1 0 0,23 12 0 0 0,9 2 165 0 0,-8-5-31 0 0,-1 2 0 0 0,-1 1 0 0 0,37 24-1 0 0,-55-29-25 0 0,0 1 0 0 0,-1 1-1 0 0,0 1 1 0 0,-1 1-1 0 0,-1 0 1 0 0,28 36-1 0 0,-40-42 156 0 0,-13-13 148 0 0,-11-10 128 0 0,-7-14-642 0 0,1 0 0 0 0,1-2 0 0 0,2-1 0 0 0,1 0 0 0 0,-19-35 0 0 0,40 62 174 0 0,0 1 0 0 0,0 0 1 0 0,0-1-1 0 0,0 1 0 0 0,0-1 1 0 0,0 1-1 0 0,1-1 0 0 0,-1 1 1 0 0,1-1-1 0 0,0 0 1 0 0,0 1-1 0 0,0-1 0 0 0,0 0 1 0 0,0 1-1 0 0,0-1 0 0 0,1 1 1 0 0,-1-1-1 0 0,1 1 0 0 0,1-4 1 0 0,-1 4 7 0 0,0 1 1 0 0,0-1-1 0 0,1 1 1 0 0,-1-1-1 0 0,0 1 1 0 0,1 0-1 0 0,-1 0 0 0 0,1-1 1 0 0,-1 1-1 0 0,1 0 1 0 0,-1 0-1 0 0,1 1 1 0 0,0-1-1 0 0,0 0 1 0 0,-1 0-1 0 0,1 1 1 0 0,0-1-1 0 0,0 1 0 0 0,0 0 1 0 0,0 0-1 0 0,-1-1 1 0 0,1 1-1 0 0,0 0 1 0 0,0 1-1 0 0,0-1 1 0 0,0 0-1 0 0,2 1 1 0 0,8 1 9 0 0,0 1 0 0 0,0 0 1 0 0,0 1-1 0 0,0 1 0 0 0,0 0 1 0 0,-1 0-1 0 0,0 1 0 0 0,17 12 1 0 0,-9-4 185 0 0,-1 0 1 0 0,-1 1-1 0 0,29 32 1 0 0,-23-10 1533 0 0,-37-68 653 0 0,7 12-2217 0 0,-15-21-501 0 0,-2 1-1 0 0,-2 0 1 0 0,-1 2 0 0 0,-37-38 0 0 0,-43-59-1107 0 0,107 133 1440 0 0,-1 0 0 0 0,0 0 0 0 0,1 1 0 0 0,-1-1 0 0 0,1 0 0 0 0,-1 0-1 0 0,1 0 1 0 0,-1 0 0 0 0,1 0 0 0 0,-1 0 0 0 0,1 0 0 0 0,0 0 0 0 0,0 0 0 0 0,-1-2 0 0 0,2 3 13 0 0,-1-1-1 0 0,0 1 1 0 0,0 0-1 0 0,1 0 1 0 0,-1 0 0 0 0,0 0-1 0 0,1-1 1 0 0,-1 1-1 0 0,0 0 1 0 0,0 0 0 0 0,1 0-1 0 0,-1 0 1 0 0,0 0-1 0 0,1 0 1 0 0,-1 0 0 0 0,0 0-1 0 0,1 0 1 0 0,-1 0-1 0 0,0 0 1 0 0,1 0 0 0 0,-1 0-1 0 0,0 0 1 0 0,1 0-1 0 0,-1 0 1 0 0,0 0 0 0 0,0 1-1 0 0,1-1 1 0 0,-1 0-1 0 0,0 0 1 0 0,1 0 0 0 0,34 19 318 0 0,-27-15-220 0 0,162 89 1645 0 0,-169-93-1748 0 0,1 1 1 0 0,-1 0-1 0 0,0-1 0 0 0,0 1 0 0 0,0 0 0 0 0,0 0 0 0 0,0 0 0 0 0,0 0 0 0 0,0 0 0 0 0,0 0 0 0 0,0 0 0 0 0,0 0 1 0 0,1 2-1 0 0,-2-3-1 0 0,0 1 1 0 0,0-1-1 0 0,0 1 0 0 0,0-1 1 0 0,0 0-1 0 0,0 1 1 0 0,0-1-1 0 0,0 1 1 0 0,0-1-1 0 0,0 0 0 0 0,0 1 1 0 0,0-1-1 0 0,-1 1 1 0 0,1-1-1 0 0,0 0 1 0 0,0 1-1 0 0,0-1 1 0 0,0 1-1 0 0,-1-1 0 0 0,1 0 1 0 0,0 1-1 0 0,0-1 1 0 0,-1 0-1 0 0,1 0 1 0 0,0 1-1 0 0,-1-1 1 0 0,0 1-1 0 0,-3 1-37 0 0,0 0-1 0 0,0 0 1 0 0,0 0-1 0 0,0 0 1 0 0,-9 1-1 0 0,6 0 19 0 0,7-3 24 0 0,0 0 0 0 0,-1 0 1 0 0,1 0-1 0 0,0 0 0 0 0,0 0 0 0 0,0 0 1 0 0,0 0-1 0 0,0 0 0 0 0,0 0 1 0 0,-1 1-1 0 0,1-1 0 0 0,0 0 0 0 0,0 0 1 0 0,0 0-1 0 0,0 0 0 0 0,0 0 0 0 0,0 0 1 0 0,0 1-1 0 0,0-1 0 0 0,0 0 0 0 0,0 0 1 0 0,0 0-1 0 0,0 0 0 0 0,0 0 0 0 0,0 1 1 0 0,0-1-1 0 0,0 0 0 0 0,0 0 0 0 0,0 0 1 0 0,0 0-1 0 0,0 0 0 0 0,0 1 1 0 0,0-1-1 0 0,0 0 0 0 0,0 0 0 0 0,0 0 1 0 0,0 0-1 0 0,0 0 0 0 0,0 1 0 0 0,0-1 1 0 0,0 0-1 0 0,0 0 0 0 0,0 0 0 0 0,1 0 1 0 0,-1 0-1 0 0,0 0 0 0 0,0 0 0 0 0,0 1 1 0 0,0-1-1 0 0,0 0 0 0 0,0 0 1 0 0,1 0-1 0 0,-1 0 0 0 0</inkml:trace>
-</inkml:ink>
-</file>
-
-<file path=ppt/ink/ink4.xml><?xml version="1.0" encoding="utf-8"?>
-<inkml:ink xmlns:inkml="http://www.w3.org/2003/InkML">
-  <inkml:definitions>
-    <inkml:context xml:id="ctx0">
-      <inkml:inkSource xml:id="inkSrc0">
-        <inkml:traceFormat>
-          <inkml:channel name="X" type="integer" min="-2.14748E9" max="2.14748E9" units="cm"/>
-          <inkml:channel name="Y" type="integer" min="-2.14748E9" max="2.14748E9" units="cm"/>
-          <inkml:channel name="F" type="integer" max="32767" units="dev"/>
-          <inkml:channel name="OA" type="integer" max="360" units="deg"/>
-          <inkml:channel name="OE" type="integer" max="90" units="deg"/>
-        </inkml:traceFormat>
-        <inkml:channelProperties>
-          <inkml:channelProperty channel="X" name="resolution" value="1000" units="1/cm"/>
-          <inkml:channelProperty channel="Y" name="resolution" value="1000" units="1/cm"/>
-          <inkml:channelProperty channel="F" name="resolution" value="0" units="1/dev"/>
-          <inkml:channelProperty channel="OA" name="resolution" value="1000" units="1/deg"/>
-          <inkml:channelProperty channel="OE" name="resolution" value="1000" units="1/deg"/>
-        </inkml:channelProperties>
-      </inkml:inkSource>
-      <inkml:timestamp xml:id="ts0" timeString="2025-10-11T15:11:18.076"/>
-    </inkml:context>
-    <inkml:brush xml:id="br0">
-      <inkml:brushProperty name="width" value="0.2" units="cm"/>
-      <inkml:brushProperty name="height" value="0.2" units="cm"/>
-      <inkml:brushProperty name="color" value="#004F8B"/>
-    </inkml:brush>
-  </inkml:definitions>
-  <inkml:trace contextRef="#ctx0" brushRef="#br0">365 1322 10138 0 0,'-4'-1'95'0'0,"0"-1"-1"0"0,0 0 1 0 0,0-1-1 0 0,0 1 1 0 0,0 0-1 0 0,1-1 1 0 0,-1 0 0 0 0,1 0-1 0 0,0 0 1 0 0,0 0-1 0 0,-4-5 1 0 0,-30-46 878 0 0,29 40-904 0 0,-18-29-146 0 0,3-2 1 0 0,1 0 0 0 0,2-2 0 0 0,-13-49 0 0 0,-43-200-414 0 0,69 265 472 0 0,1 6-22 0 0,-41-208-298 0 0,41 189 289 0 0,2 1 1 0 0,1-1-1 0 0,5-61 0 0 0,-2 97 73 0 0,1-1 0 0 0,1 1 0 0 0,-1 0 0 0 0,1-1 0 0 0,1 1 0 0 0,-1 0 0 0 0,1 0 0 0 0,5-8 0 0 0,-6 13-12 0 0,0 0 0 0 0,0 0 1 0 0,0 0-1 0 0,0 1 1 0 0,1-1-1 0 0,-1 1 1 0 0,1 0-1 0 0,0 0 0 0 0,-1 0 1 0 0,1 0-1 0 0,0 0 1 0 0,0 0-1 0 0,0 1 1 0 0,0-1-1 0 0,1 1 0 0 0,-1 0 1 0 0,0 0-1 0 0,1 0 1 0 0,-1 1-1 0 0,0-1 1 0 0,1 1-1 0 0,4-1 0 0 0,4 2 28 0 0,0 0 0 0 0,0 0 1 0 0,0 1-1 0 0,-1 1 0 0 0,1 0 0 0 0,-1 0 0 0 0,1 1 0 0 0,-1 0 0 0 0,13 8 0 0 0,5 4 216 0 0,55 41 0 0 0,-34-17 96 0 0,-2 2 0 0 0,-1 3 1 0 0,-3 1-1 0 0,77 104 0 0 0,-98-116-488 0 0,-2 2-1 0 0,-1 0 0 0 0,-2 1 1 0 0,-1 1-1 0 0,-3 1 0 0 0,0 0 1 0 0,13 72-1 0 0,-18-59-11 0 0,-3 1 1 0 0,-1 0 0 0 0,-3 0-1 0 0,-3 0 1 0 0,-11 85 0 0 0,7-100 154 0 0,-16 53 0 0 0,17-78 130 0 0,0 0 0 0 0,-1-1 0 0 0,-1 1 1 0 0,0-1-1 0 0,0 0 0 0 0,-1 0 1 0 0,-13 15-1 0 0,20-26-61 0 0,-1 0 0 0 0,0 0 0 0 0,1 0 0 0 0,-1 0 0 0 0,0 0 0 0 0,0-1 1 0 0,1 1-1 0 0,-1 0 0 0 0,0 0 0 0 0,0-1 0 0 0,0 1 0 0 0,0 0 0 0 0,0-1 0 0 0,0 1 0 0 0,0-1 0 0 0,0 0 1 0 0,0 1-1 0 0,0-1 0 0 0,0 0 0 0 0,-1 1 0 0 0,1-1 0 0 0,0 0 0 0 0,-2 0 0 0 0,2-1-5 0 0,0 1 0 0 0,0-1 0 0 0,1 0 0 0 0,-1 1 0 0 0,0-1 0 0 0,0 0-1 0 0,1 0 1 0 0,-1 1 0 0 0,1-1 0 0 0,-1 0 0 0 0,0 0 0 0 0,1 0 0 0 0,0 0 0 0 0,-1 0-1 0 0,1 0 1 0 0,-1 0 0 0 0,1 0 0 0 0,0 0 0 0 0,0-2 0 0 0,-2-8 182 0 0,1 0 0 0 0,0-1 1 0 0,2-13-1 0 0,-1 25-253 0 0,2-32-118 0 0,1-1 0 0 0,2 1 0 0 0,1 0 0 0 0,2 0 0 0 0,1 1 0 0 0,1 0 0 0 0,2 0 0 0 0,1 2-1 0 0,1-1 1 0 0,2 1 0 0 0,0 2 0 0 0,2-1 0 0 0,42-47 0 0 0,1 8 393 0 0,3 3-1 0 0,2 3 1 0 0,3 3-1 0 0,125-81 1 0 0,-132 102 79 0 0,2 3 1 0 0,96-38 0 0 0,-152 70-441 0 0,-4 1-61 0 0,0-1 0 0 0,-1 1 0 0 0,1 0 1 0 0,0-1-1 0 0,0 0 0 0 0,6-4 0 0 0</inkml:trace>
-</inkml:ink>
-</file>
-
-<file path=ppt/ink/ink5.xml><?xml version="1.0" encoding="utf-8"?>
-<inkml:ink xmlns:inkml="http://www.w3.org/2003/InkML">
-  <inkml:definitions>
-    <inkml:context xml:id="ctx0">
-      <inkml:inkSource xml:id="inkSrc0">
-        <inkml:traceFormat>
-          <inkml:channel name="X" type="integer" min="-2.14748E9" max="2.14748E9" units="cm"/>
-          <inkml:channel name="Y" type="integer" min="-2.14748E9" max="2.14748E9" units="cm"/>
-          <inkml:channel name="F" type="integer" max="32767" units="dev"/>
-          <inkml:channel name="OA" type="integer" max="360" units="deg"/>
-          <inkml:channel name="OE" type="integer" max="90" units="deg"/>
-        </inkml:traceFormat>
-        <inkml:channelProperties>
-          <inkml:channelProperty channel="X" name="resolution" value="1000" units="1/cm"/>
-          <inkml:channelProperty channel="Y" name="resolution" value="1000" units="1/cm"/>
-          <inkml:channelProperty channel="F" name="resolution" value="0" units="1/dev"/>
-          <inkml:channelProperty channel="OA" name="resolution" value="1000" units="1/deg"/>
-          <inkml:channelProperty channel="OE" name="resolution" value="1000" units="1/deg"/>
-        </inkml:channelProperties>
-      </inkml:inkSource>
-      <inkml:timestamp xml:id="ts0" timeString="2025-10-11T15:11:18.851"/>
-    </inkml:context>
-    <inkml:brush xml:id="br0">
-      <inkml:brushProperty name="width" value="0.2" units="cm"/>
-      <inkml:brushProperty name="height" value="0.2" units="cm"/>
-      <inkml:brushProperty name="color" value="#004F8B"/>
-    </inkml:brush>
-  </inkml:definitions>
-  <inkml:trace contextRef="#ctx0" brushRef="#br0">494 821 10594 0 0,'-2'-3'139'0'0,"1"0"0"0"0,0 0-1 0 0,0 0 1 0 0,0 0 0 0 0,0 0-1 0 0,0 0 1 0 0,1 0 0 0 0,0-1-1 0 0,-1 1 1 0 0,1 0 0 0 0,1-6-1 0 0,-1-3 143 0 0,-22-160 1146 0 0,10 115-2122 0 0,-2 1 0 0 0,-32-80 0 0 0,46 135 683 0 0,-17-43-819 0 0,-2 0-1 0 0,-46-76 1 0 0,56 107 667 0 0,-1 0-1 0 0,0 1 1 0 0,0 0 0 0 0,-2 0 0 0 0,-14-11-1 0 0,18 17 85 0 0,0 0-1 0 0,-1 1 1 0 0,0-1-1 0 0,-1 2 1 0 0,1-1-1 0 0,-1 1 0 0 0,1 1 1 0 0,-21-5-1 0 0,24 7 3 0 0,1 0-1 0 0,0 0 1 0 0,-1 1-1 0 0,1 0 1 0 0,-1 0-1 0 0,1 0 1 0 0,-1 1-1 0 0,1 0 1 0 0,0 0-1 0 0,-1 0 1 0 0,1 1-1 0 0,-6 2 1 0 0,8-3 51 0 0,1 0 0 0 0,0 1 0 0 0,0-1 0 0 0,-1 1 0 0 0,1 0 0 0 0,0-1 0 0 0,0 1 0 0 0,0 0 0 0 0,1 0 0 0 0,-1 0 0 0 0,0 0 0 0 0,1 1 0 0 0,-1-1 0 0 0,1 0 0 0 0,0 1 0 0 0,0-1 0 0 0,0 1 0 0 0,0-1 0 0 0,0 1 0 0 0,1-1 0 0 0,-1 1 0 0 0,1 0 0 0 0,-1-1 0 0 0,1 1 0 0 0,0 0 0 0 0,1 3 0 0 0,0 8 149 0 0,1-1 0 0 0,0 0 1 0 0,1 0-1 0 0,1 0 1 0 0,0 0-1 0 0,1-1 0 0 0,11 21 1 0 0,0-3 805 0 0,39 51 0 0 0,-32-52-358 0 0,2-1 0 0 0,1-2 1 0 0,1 0-1 0 0,1-2 0 0 0,32 21 0 0 0,165 90 2796 0 0,-196-119-3083 0 0,97 46 481 0 0,-113-57-795 0 0,1 0 0 0 0,0 0 1 0 0,0-2-1 0 0,0 0 0 0 0,0 0 1 0 0,0-2-1 0 0,22 1 0 0 0,-33-2-6 0 0,0 0 0 0 0,0 0 0 0 0,-1-1 0 0 0,1 1 1 0 0,0-1-1 0 0,0 1 0 0 0,-1-1 0 0 0,1 0 0 0 0,-1 0 0 0 0,1 0 0 0 0,-1 0 0 0 0,1-1 0 0 0,-1 1 0 0 0,0-1 0 0 0,1 1 0 0 0,-1-1 0 0 0,0 0 1 0 0,0 0-1 0 0,0 0 0 0 0,-1 0 0 0 0,3-2 0 0 0,-2-1-14 0 0,1 0 1 0 0,-1 0 0 0 0,0 0-1 0 0,0 0 1 0 0,-1-1-1 0 0,0 1 1 0 0,0 0 0 0 0,0-1-1 0 0,0-9 1 0 0,-2-16-148 0 0,-1 1 0 0 0,-1 0 1 0 0,-1 0-1 0 0,-17-55 0 0 0,6 20-814 0 0,1 6-2234 0 0,-1-1-968 0 0</inkml:trace>
-</inkml:ink>
-</file>
-
-<file path=ppt/ink/ink6.xml><?xml version="1.0" encoding="utf-8"?>
-<inkml:ink xmlns:inkml="http://www.w3.org/2003/InkML">
-  <inkml:definitions>
-    <inkml:context xml:id="ctx0">
-      <inkml:inkSource xml:id="inkSrc0">
-        <inkml:traceFormat>
-          <inkml:channel name="X" type="integer" min="-2.14748E9" max="2.14748E9" units="cm"/>
-          <inkml:channel name="Y" type="integer" min="-2.14748E9" max="2.14748E9" units="cm"/>
-          <inkml:channel name="F" type="integer" max="32767" units="dev"/>
-          <inkml:channel name="OA" type="integer" max="360" units="deg"/>
-          <inkml:channel name="OE" type="integer" max="90" units="deg"/>
-        </inkml:traceFormat>
-        <inkml:channelProperties>
-          <inkml:channelProperty channel="X" name="resolution" value="1000" units="1/cm"/>
-          <inkml:channelProperty channel="Y" name="resolution" value="1000" units="1/cm"/>
-          <inkml:channelProperty channel="F" name="resolution" value="0" units="1/dev"/>
-          <inkml:channelProperty channel="OA" name="resolution" value="1000" units="1/deg"/>
-          <inkml:channelProperty channel="OE" name="resolution" value="1000" units="1/deg"/>
-        </inkml:channelProperties>
-      </inkml:inkSource>
-      <inkml:timestamp xml:id="ts0" timeString="2025-10-11T15:11:19.428"/>
-    </inkml:context>
-    <inkml:brush xml:id="br0">
-      <inkml:brushProperty name="width" value="0.2" units="cm"/>
-      <inkml:brushProperty name="height" value="0.2" units="cm"/>
-      <inkml:brushProperty name="color" value="#004F8B"/>
-    </inkml:brush>
-  </inkml:definitions>
-  <inkml:trace contextRef="#ctx0" brushRef="#br0">133 2 5529 0 0,'-28'-1'262'0'0,"-22"0"556"0"0,46 2-801 0 0,1-1 0 0 0,0 0 0 0 0,0 1 0 0 0,0 0 1 0 0,0 0-1 0 0,-1 0 0 0 0,1 0 0 0 0,1 0 0 0 0,-1 1 1 0 0,0-1-1 0 0,0 1 0 0 0,-4 3 0 0 0,6-4-67 0 0,0 1-1 0 0,0-1 1 0 0,0 1-1 0 0,0-1 1 0 0,0 1-1 0 0,0-1 1 0 0,0 1-1 0 0,1 0 0 0 0,-1-1 1 0 0,1 1-1 0 0,-1 0 1 0 0,1 0-1 0 0,-1 0 1 0 0,1-1-1 0 0,0 1 1 0 0,0 0-1 0 0,0 0 1 0 0,0-1-1 0 0,0 1 1 0 0,1 0-1 0 0,-1 2 1 0 0,13 40-1375 0 0,-8-32 1130 0 0,66 175-1249 0 0,16-9 4337 0 0,-83-171-2533 0 0,1 1 0 0 0,-1-2 0 0 0,1 1 0 0 0,1-1 0 0 0,-1 1 0 0 0,1-1-1 0 0,0-1 1 0 0,1 1 0 0 0,-1-1 0 0 0,14 8 0 0 0,-17-12-243 0 0,-1 1 0 0 0,1-1 0 0 0,-1 0 0 0 0,1 0 0 0 0,0-1 0 0 0,0 1 0 0 0,-1 0 0 0 0,1-1 0 0 0,0 0 0 0 0,0 1 0 0 0,0-1 0 0 0,0 0 0 0 0,-1 0 0 0 0,1-1 0 0 0,0 1 0 0 0,0-1 0 0 0,0 1 0 0 0,-1-1 0 0 0,1 0-1 0 0,0 0 1 0 0,-1 0 0 0 0,1 0 0 0 0,-1-1 0 0 0,1 1 0 0 0,-1-1 0 0 0,0 0 0 0 0,1 1 0 0 0,-1-1 0 0 0,0 0 0 0 0,0 0 0 0 0,0 0 0 0 0,-1 0 0 0 0,1-1 0 0 0,2-4 0 0 0,2-1 54 0 0,-2-1-1 0 0,1 0 1 0 0,-1 0-1 0 0,0 0 1 0 0,-1 0-1 0 0,0-1 1 0 0,2-12-1 0 0,6-71 500 0 0,-8 59-502 0 0,0-5 81 0 0,14-92 95 0 0,-15 120-176 0 0,0 0-1 0 0,2-1 1 0 0,-1 1 0 0 0,2 1-1 0 0,-1-1 1 0 0,1 1-1 0 0,1-1 1 0 0,13-17-1 0 0,-18 26 0 0 0,1 0 0 0 0,0 0-1 0 0,0 0 1 0 0,0 0 0 0 0,0 0 0 0 0,0 0-1 0 0,0 1 1 0 0,1-1 0 0 0,-1 1-1 0 0,0 0 1 0 0,1-1 0 0 0,-1 1-1 0 0,1 0 1 0 0,0 0 0 0 0,-1 1-1 0 0,1-1 1 0 0,0 0 0 0 0,-1 1 0 0 0,5-1-1 0 0,-3 2 22 0 0,0-1 0 0 0,-1 1-1 0 0,1 0 1 0 0,-1 0-1 0 0,1 0 1 0 0,-1 1 0 0 0,1-1-1 0 0,-1 1 1 0 0,0 0 0 0 0,0-1-1 0 0,0 1 1 0 0,6 5-1 0 0,0 2 125 0 0,0 0 0 0 0,0 0 0 0 0,-1 1 0 0 0,-1 1 0 0 0,1-1 0 0 0,-2 1 0 0 0,8 15 0 0 0,-1 3 48 0 0,-2 1 0 0 0,-1 1-1 0 0,-1 0 1 0 0,-2 0-1 0 0,6 53 1 0 0,-10-36-243 0 0,-1 0-1 0 0,-3 0 1 0 0,-6 53 0 0 0,5-85-279 0 0,-1 0 1 0 0,-8 27 0 0 0,-2-14-4122 0 0</inkml:trace>
-</inkml:ink>
-</file>
-
-<file path=ppt/ink/ink7.xml><?xml version="1.0" encoding="utf-8"?>
-<inkml:ink xmlns:inkml="http://www.w3.org/2003/InkML">
-  <inkml:definitions>
-    <inkml:context xml:id="ctx0">
-      <inkml:inkSource xml:id="inkSrc0">
-        <inkml:traceFormat>
-          <inkml:channel name="X" type="integer" min="-2.14748E9" max="2.14748E9" units="cm"/>
-          <inkml:channel name="Y" type="integer" min="-2.14748E9" max="2.14748E9" units="cm"/>
-          <inkml:channel name="F" type="integer" max="32767" units="dev"/>
-          <inkml:channel name="OA" type="integer" max="360" units="deg"/>
-          <inkml:channel name="OE" type="integer" max="90" units="deg"/>
-        </inkml:traceFormat>
-        <inkml:channelProperties>
-          <inkml:channelProperty channel="X" name="resolution" value="1000" units="1/cm"/>
-          <inkml:channelProperty channel="Y" name="resolution" value="1000" units="1/cm"/>
-          <inkml:channelProperty channel="F" name="resolution" value="0" units="1/dev"/>
-          <inkml:channelProperty channel="OA" name="resolution" value="1000" units="1/deg"/>
-          <inkml:channelProperty channel="OE" name="resolution" value="1000" units="1/deg"/>
-        </inkml:channelProperties>
-      </inkml:inkSource>
-      <inkml:timestamp xml:id="ts0" timeString="2025-10-11T15:11:20.219"/>
-    </inkml:context>
-    <inkml:brush xml:id="br0">
-      <inkml:brushProperty name="width" value="0.2" units="cm"/>
-      <inkml:brushProperty name="height" value="0.2" units="cm"/>
-      <inkml:brushProperty name="color" value="#004F8B"/>
-    </inkml:brush>
-  </inkml:definitions>
-  <inkml:trace contextRef="#ctx0" brushRef="#br0">329 511 6913 0 0,'0'1'-102'0'0,"-1"0"0"0"0,0 0-1 0 0,0 0 1 0 0,1 0-1 0 0,-1-1 1 0 0,0 1-1 0 0,0 0 1 0 0,0-1-1 0 0,0 1 1 0 0,0-1-1 0 0,0 1 1 0 0,0-1 0 0 0,-1 1-1 0 0,1-1 1 0 0,0 0-1 0 0,0 1 1 0 0,0-1-1 0 0,-3 0 1 0 0,-24-1 148 0 0,-1 0 1393 0 0,-22 3 9226 0 0,46-4-10042 0 0,9 10 72 0 0,7 6-734 0 0,135 111 1231 0 0,-124-109-1006 0 0,1 0 1 0 0,1-2 0 0 0,0-1 0 0 0,1-1 0 0 0,26 9-1 0 0,-39-17-154 0 0,8 3 21 0 0,1-1 1 0 0,27 6-1 0 0,-44-12-51 0 0,1 1-1 0 0,0 0 1 0 0,0-1 0 0 0,0 0-1 0 0,-1 0 1 0 0,1 0 0 0 0,0-1-1 0 0,0 1 1 0 0,-1-1 0 0 0,1 0-1 0 0,0-1 1 0 0,-1 1 0 0 0,1-1-1 0 0,-1 0 1 0 0,0 0 0 0 0,5-3-1 0 0,-6 2-7 0 0,0 0 0 0 0,-1 0 0 0 0,1 0-1 0 0,-1 0 1 0 0,0-1 0 0 0,0 1 0 0 0,0 0-1 0 0,0-1 1 0 0,-1 0 0 0 0,1 1 0 0 0,-1-1-1 0 0,0 0 1 0 0,0 0 0 0 0,-1 0 0 0 0,1 1-1 0 0,-1-1 1 0 0,1 0 0 0 0,-2-4-1 0 0,1-9-26 0 0,-1-1-1 0 0,-5-27 0 0 0,-1 9-112 0 0,-2 0-1 0 0,-2 1 0 0 0,-1 0 0 0 0,-2 1 0 0 0,-1 0 0 0 0,-1 1 1 0 0,-2 1-1 0 0,-39-51 0 0 0,45 68 14 0 0,0 1 0 0 0,-2 1 1 0 0,0 0-1 0 0,0 1 0 0 0,-1 0 0 0 0,0 2 1 0 0,-1-1-1 0 0,-1 2 0 0 0,1 0 1 0 0,-1 1-1 0 0,-27-8 0 0 0,-12-1 6 0 0,-2 3 1 0 0,-75-9-1 0 0,117 21 141 0 0,12 1-27 0 0,-3 1 5 0 0,0-1 1 0 0,-1 0-1 0 0,1-1 0 0 0,0 1 1 0 0,0-2-1 0 0,0 1 0 0 0,0-1 0 0 0,0 0 1 0 0,0 0-1 0 0,1-1 0 0 0,-10-6 0 0 0,16 10-52 0 0,-1-1-1 0 0,1 0 0 0 0,-1 0 1 0 0,1 0-1 0 0,-1 0 1 0 0,1 0-1 0 0,-1 1 0 0 0,1-1 1 0 0,0 0-1 0 0,0 0 0 0 0,-1 0 1 0 0,1 0-1 0 0,0 0 0 0 0,0 0 1 0 0,0 0-1 0 0,0 0 0 0 0,0 0 1 0 0,0 0-1 0 0,1 0 1 0 0,-1 0-1 0 0,0 0 0 0 0,0 0 1 0 0,1 0-1 0 0,-1 0 0 0 0,0 0 1 0 0,1 0-1 0 0,-1 0 0 0 0,1 0 1 0 0,-1 1-1 0 0,1-1 1 0 0,0 0-1 0 0,-1 0 0 0 0,2-1 1 0 0</inkml:trace>
-</inkml:ink>
-</file>
-
-<file path=ppt/ink/ink8.xml><?xml version="1.0" encoding="utf-8"?>
-<inkml:ink xmlns:inkml="http://www.w3.org/2003/InkML">
-  <inkml:definitions>
-    <inkml:context xml:id="ctx0">
-      <inkml:inkSource xml:id="inkSrc0">
-        <inkml:traceFormat>
-          <inkml:channel name="X" type="integer" min="-2.14748E9" max="2.14748E9" units="cm"/>
-          <inkml:channel name="Y" type="integer" min="-2.14748E9" max="2.14748E9" units="cm"/>
-          <inkml:channel name="F" type="integer" max="32767" units="dev"/>
-          <inkml:channel name="OA" type="integer" max="360" units="deg"/>
-          <inkml:channel name="OE" type="integer" max="90" units="deg"/>
-        </inkml:traceFormat>
-        <inkml:channelProperties>
-          <inkml:channelProperty channel="X" name="resolution" value="1000" units="1/cm"/>
-          <inkml:channelProperty channel="Y" name="resolution" value="1000" units="1/cm"/>
-          <inkml:channelProperty channel="F" name="resolution" value="0" units="1/dev"/>
-          <inkml:channelProperty channel="OA" name="resolution" value="1000" units="1/deg"/>
-          <inkml:channelProperty channel="OE" name="resolution" value="1000" units="1/deg"/>
-        </inkml:channelProperties>
-      </inkml:inkSource>
-      <inkml:timestamp xml:id="ts0" timeString="2025-10-11T15:11:20.790"/>
-    </inkml:context>
-    <inkml:brush xml:id="br0">
-      <inkml:brushProperty name="width" value="0.2" units="cm"/>
-      <inkml:brushProperty name="height" value="0.2" units="cm"/>
-      <inkml:brushProperty name="color" value="#004F8B"/>
-    </inkml:brush>
-  </inkml:definitions>
-  <inkml:trace contextRef="#ctx0" brushRef="#br0">6 10 16588 0 0,'-6'-1'1701'0'0,"11"-2"-1348"0"0,10-2-408 0 0,-6 5-91 0 0,1 0 0 0 0,-1 1 1 0 0,0 0-1 0 0,1 1 0 0 0,-1 0 0 0 0,0 0 1 0 0,0 1-1 0 0,14 6 0 0 0,70 39-824 0 0,-59-28 580 0 0,148 88-707 0 0,10 5 2154 0 0,-133-82 404 0 0,86 32-1 0 0,193 78 1387 0 0,-298-122-2683 0 0,1-2-1 0 0,0-2 1 0 0,2-2-1 0 0,74 13 1 0 0,-111-26-203 0 0,-11-4-914 0 0</inkml:trace>
-</inkml:ink>
-</file>
-
-<file path=ppt/ink/ink9.xml><?xml version="1.0" encoding="utf-8"?>
-<inkml:ink xmlns:inkml="http://www.w3.org/2003/InkML">
-  <inkml:definitions>
-    <inkml:context xml:id="ctx0">
-      <inkml:inkSource xml:id="inkSrc0">
-        <inkml:traceFormat>
-          <inkml:channel name="X" type="integer" min="-2.14748E9" max="2.14748E9" units="cm"/>
-          <inkml:channel name="Y" type="integer" min="-2.14748E9" max="2.14748E9" units="cm"/>
-          <inkml:channel name="F" type="integer" max="32767" units="dev"/>
-          <inkml:channel name="OA" type="integer" max="360" units="deg"/>
-          <inkml:channel name="OE" type="integer" max="90" units="deg"/>
-        </inkml:traceFormat>
-        <inkml:channelProperties>
-          <inkml:channelProperty channel="X" name="resolution" value="1000" units="1/cm"/>
-          <inkml:channelProperty channel="Y" name="resolution" value="1000" units="1/cm"/>
-          <inkml:channelProperty channel="F" name="resolution" value="0" units="1/dev"/>
-          <inkml:channelProperty channel="OA" name="resolution" value="1000" units="1/deg"/>
-          <inkml:channelProperty channel="OE" name="resolution" value="1000" units="1/deg"/>
-        </inkml:channelProperties>
-      </inkml:inkSource>
-      <inkml:timestamp xml:id="ts0" timeString="2025-10-11T15:11:21.334"/>
-    </inkml:context>
-    <inkml:brush xml:id="br0">
-      <inkml:brushProperty name="width" value="0.2" units="cm"/>
-      <inkml:brushProperty name="height" value="0.2" units="cm"/>
-      <inkml:brushProperty name="color" value="#004F8B"/>
-    </inkml:brush>
-  </inkml:definitions>
-  <inkml:trace contextRef="#ctx0" brushRef="#br0">59 0 11522 0 0,'-6'2'402'0'0,"-24"4"306"0"0,28-6-690 0 0,1 1 0 0 0,0-1 0 0 0,-1 0 0 0 0,1 1 0 0 0,0-1 0 0 0,0 1 0 0 0,-1 0 0 0 0,1-1 0 0 0,0 1 0 0 0,0 0 0 0 0,0 0 0 0 0,0-1 0 0 0,0 1 0 0 0,0 0 0 0 0,0 0-1 0 0,-1 2 1 0 0,1-2 1 0 0,1 0-1 0 0,0 0 0 0 0,0 0 0 0 0,0 0 1 0 0,0 0-1 0 0,0 0 0 0 0,0 0 0 0 0,0 0 0 0 0,0 0 1 0 0,0 0-1 0 0,0 0 0 0 0,1 0 0 0 0,-1-1 0 0 0,0 1 1 0 0,1 0-1 0 0,-1 0 0 0 0,1 0 0 0 0,-1 0 1 0 0,1 0-1 0 0,-1-1 0 0 0,1 1 0 0 0,-1 0 0 0 0,1 0 1 0 0,0-1-1 0 0,-1 1 0 0 0,1 0 0 0 0,0-1 1 0 0,1 2-1 0 0,27 12 558 0 0,-23-12-543 0 0,154 71 639 0 0,125 48 1215 0 0,-114-63-203 0 0,145 47 322 0 0,-213-70-1668 0 0,146 71 0 0 0,67 34-330 0 0</inkml:trace>
-</inkml:ink>
-</file>
-
 <file path=ppt/notesMasters/notesMaster1.xml><?xml version="1.0" encoding="utf-8"?>
 <p:notesMaster xmlns:a="http://schemas.openxmlformats.org/drawingml/2006/main" xmlns:r="http://schemas.openxmlformats.org/officeDocument/2006/relationships" xmlns:p="http://schemas.openxmlformats.org/presentationml/2006/main">
   <p:cSld>
@@ -7104,7 +7984,7 @@
           </a:lstStyle>
           <a:p>
             <a:fld id="{CCD76652-6C29-4BAF-9849-D5686387BDDC}" type="datetimeFigureOut">
-              <a:t>10/11/2025</a:t>
+              <a:t>12/5/2025</a:t>
             </a:fld>
             <a:endParaRPr lang="en-US"/>
           </a:p>
@@ -7526,7 +8406,7 @@
           <a:lstStyle/>
           <a:p>
             <a:fld id="{322C3404-B6AB-4EFE-9F4E-60BD52F02861}" type="slidenum">
-              <a:t>15</a:t>
+              <a:t>16</a:t>
             </a:fld>
             <a:endParaRPr lang="en-US"/>
           </a:p>
@@ -7612,7 +8492,7 @@
           <a:lstStyle/>
           <a:p>
             <a:fld id="{322C3404-B6AB-4EFE-9F4E-60BD52F02861}" type="slidenum">
-              <a:t>22</a:t>
+              <a:t>23</a:t>
             </a:fld>
             <a:endParaRPr lang="en-US"/>
           </a:p>
@@ -7699,7 +8579,7 @@
           <a:lstStyle/>
           <a:p>
             <a:fld id="{322C3404-B6AB-4EFE-9F4E-60BD52F02861}" type="slidenum">
-              <a:t>23</a:t>
+              <a:t>24</a:t>
             </a:fld>
             <a:endParaRPr lang="en-US"/>
           </a:p>
@@ -7785,7 +8665,7 @@
           <a:lstStyle/>
           <a:p>
             <a:fld id="{322C3404-B6AB-4EFE-9F4E-60BD52F02861}" type="slidenum">
-              <a:t>25</a:t>
+              <a:t>26</a:t>
             </a:fld>
             <a:endParaRPr lang="en-US"/>
           </a:p>
@@ -7872,7 +8752,7 @@
           <a:lstStyle/>
           <a:p>
             <a:fld id="{322C3404-B6AB-4EFE-9F4E-60BD52F02861}" type="slidenum">
-              <a:t>26</a:t>
+              <a:t>27</a:t>
             </a:fld>
             <a:endParaRPr lang="en-US"/>
           </a:p>
@@ -8575,7 +9455,7 @@
           <a:lstStyle/>
           <a:p>
             <a:fld id="{322C3404-B6AB-4EFE-9F4E-60BD52F02861}" type="slidenum">
-              <a:t>12</a:t>
+              <a:t>13</a:t>
             </a:fld>
             <a:endParaRPr lang="en-US"/>
           </a:p>
@@ -8661,7 +9541,7 @@
           <a:lstStyle/>
           <a:p>
             <a:fld id="{322C3404-B6AB-4EFE-9F4E-60BD52F02861}" type="slidenum">
-              <a:t>14</a:t>
+              <a:t>15</a:t>
             </a:fld>
             <a:endParaRPr lang="en-US"/>
           </a:p>
@@ -8850,7 +9730,7 @@
           <a:p>
             <a:fld id="{3AEEF7F6-ECFE-4473-B3E9-C91BE833927A}" type="datetimeFigureOut">
               <a:rPr lang="en-US" smtClean="0"/>
-              <a:t>10/11/2025</a:t>
+              <a:t>12/5/2025</a:t>
             </a:fld>
             <a:endParaRPr lang="en-US"/>
           </a:p>
@@ -9464,7 +10344,7 @@
           <a:p>
             <a:fld id="{3AEEF7F6-ECFE-4473-B3E9-C91BE833927A}" type="datetimeFigureOut">
               <a:rPr lang="en-US" smtClean="0"/>
-              <a:t>10/11/2025</a:t>
+              <a:t>12/5/2025</a:t>
             </a:fld>
             <a:endParaRPr lang="en-US"/>
           </a:p>
@@ -9991,7 +10871,7 @@
           <a:p>
             <a:fld id="{3AEEF7F6-ECFE-4473-B3E9-C91BE833927A}" type="datetimeFigureOut">
               <a:rPr lang="en-US" smtClean="0"/>
-              <a:t>10/11/2025</a:t>
+              <a:t>12/5/2025</a:t>
             </a:fld>
             <a:endParaRPr lang="en-US"/>
           </a:p>
@@ -10391,7 +11271,7 @@
           <a:p>
             <a:fld id="{3AEEF7F6-ECFE-4473-B3E9-C91BE833927A}" type="datetimeFigureOut">
               <a:rPr lang="en-US" smtClean="0"/>
-              <a:t>10/11/2025</a:t>
+              <a:t>12/5/2025</a:t>
             </a:fld>
             <a:endParaRPr lang="en-US"/>
           </a:p>
@@ -10786,7 +11666,7 @@
           <a:p>
             <a:fld id="{3AEEF7F6-ECFE-4473-B3E9-C91BE833927A}" type="datetimeFigureOut">
               <a:rPr lang="en-US" smtClean="0"/>
-              <a:t>10/11/2025</a:t>
+              <a:t>12/5/2025</a:t>
             </a:fld>
             <a:endParaRPr lang="en-US"/>
           </a:p>
@@ -11181,7 +12061,7 @@
           <a:p>
             <a:fld id="{3AEEF7F6-ECFE-4473-B3E9-C91BE833927A}" type="datetimeFigureOut">
               <a:rPr lang="en-US" smtClean="0"/>
-              <a:t>10/11/2025</a:t>
+              <a:t>12/5/2025</a:t>
             </a:fld>
             <a:endParaRPr lang="en-US"/>
           </a:p>
@@ -11576,7 +12456,7 @@
           <a:p>
             <a:fld id="{3AEEF7F6-ECFE-4473-B3E9-C91BE833927A}" type="datetimeFigureOut">
               <a:rPr lang="en-US" smtClean="0"/>
-              <a:t>10/11/2025</a:t>
+              <a:t>12/5/2025</a:t>
             </a:fld>
             <a:endParaRPr lang="en-US"/>
           </a:p>
@@ -11973,7 +12853,7 @@
           <a:p>
             <a:fld id="{3AEEF7F6-ECFE-4473-B3E9-C91BE833927A}" type="datetimeFigureOut">
               <a:rPr lang="en-US" smtClean="0"/>
-              <a:t>10/11/2025</a:t>
+              <a:t>12/5/2025</a:t>
             </a:fld>
             <a:endParaRPr lang="en-US"/>
           </a:p>
@@ -12336,7 +13216,7 @@
           <a:p>
             <a:fld id="{3AEEF7F6-ECFE-4473-B3E9-C91BE833927A}" type="datetimeFigureOut">
               <a:rPr lang="en-US" smtClean="0"/>
-              <a:t>10/11/2025</a:t>
+              <a:t>12/5/2025</a:t>
             </a:fld>
             <a:endParaRPr lang="en-US"/>
           </a:p>
@@ -12714,7 +13594,7 @@
           <a:p>
             <a:fld id="{3AEEF7F6-ECFE-4473-B3E9-C91BE833927A}" type="datetimeFigureOut">
               <a:rPr lang="en-US" smtClean="0"/>
-              <a:t>10/11/2025</a:t>
+              <a:t>12/5/2025</a:t>
             </a:fld>
             <a:endParaRPr lang="en-US"/>
           </a:p>
@@ -13144,7 +14024,7 @@
           <a:p>
             <a:fld id="{3AEEF7F6-ECFE-4473-B3E9-C91BE833927A}" type="datetimeFigureOut">
               <a:rPr lang="en-US" smtClean="0"/>
-              <a:t>10/11/2025</a:t>
+              <a:t>12/5/2025</a:t>
             </a:fld>
             <a:endParaRPr lang="en-US"/>
           </a:p>
@@ -13519,7 +14399,7 @@
           <a:p>
             <a:fld id="{3AEEF7F6-ECFE-4473-B3E9-C91BE833927A}" type="datetimeFigureOut">
               <a:rPr lang="en-US" smtClean="0"/>
-              <a:t>10/11/2025</a:t>
+              <a:t>12/5/2025</a:t>
             </a:fld>
             <a:endParaRPr lang="en-US"/>
           </a:p>
@@ -13935,7 +14815,7 @@
           <a:p>
             <a:fld id="{3AEEF7F6-ECFE-4473-B3E9-C91BE833927A}" type="datetimeFigureOut">
               <a:rPr lang="en-US" smtClean="0"/>
-              <a:t>10/11/2025</a:t>
+              <a:t>12/5/2025</a:t>
             </a:fld>
             <a:endParaRPr lang="en-US"/>
           </a:p>
@@ -14150,7 +15030,7 @@
           <a:p>
             <a:fld id="{3AEEF7F6-ECFE-4473-B3E9-C91BE833927A}" type="datetimeFigureOut">
               <a:rPr lang="en-US" smtClean="0"/>
-              <a:t>10/11/2025</a:t>
+              <a:t>12/5/2025</a:t>
             </a:fld>
             <a:endParaRPr lang="en-US"/>
           </a:p>
@@ -14767,7 +15647,7 @@
           <a:p>
             <a:fld id="{3AEEF7F6-ECFE-4473-B3E9-C91BE833927A}" type="datetimeFigureOut">
               <a:rPr lang="en-US" smtClean="0"/>
-              <a:t>10/11/2025</a:t>
+              <a:t>12/5/2025</a:t>
             </a:fld>
             <a:endParaRPr lang="en-US"/>
           </a:p>
@@ -15136,7 +16016,7 @@
           <a:p>
             <a:fld id="{3AEEF7F6-ECFE-4473-B3E9-C91BE833927A}" type="datetimeFigureOut">
               <a:rPr lang="en-US" smtClean="0"/>
-              <a:t>10/11/2025</a:t>
+              <a:t>12/5/2025</a:t>
             </a:fld>
             <a:endParaRPr lang="en-US"/>
           </a:p>
@@ -15408,7 +16288,7 @@
           <a:p>
             <a:fld id="{3AEEF7F6-ECFE-4473-B3E9-C91BE833927A}" type="datetimeFigureOut">
               <a:rPr lang="en-US" smtClean="0"/>
-              <a:t>10/11/2025</a:t>
+              <a:t>12/5/2025</a:t>
             </a:fld>
             <a:endParaRPr lang="en-US"/>
           </a:p>
@@ -16033,7 +16913,7 @@
           <a:p>
             <a:fld id="{3AEEF7F6-ECFE-4473-B3E9-C91BE833927A}" type="datetimeFigureOut">
               <a:rPr lang="en-US" smtClean="0"/>
-              <a:t>10/11/2025</a:t>
+              <a:t>12/5/2025</a:t>
             </a:fld>
             <a:endParaRPr lang="en-US"/>
           </a:p>
@@ -16467,7 +17347,7 @@
           <a:p>
             <a:fld id="{3AEEF7F6-ECFE-4473-B3E9-C91BE833927A}" type="datetimeFigureOut">
               <a:rPr lang="en-US" smtClean="0"/>
-              <a:t>10/11/2025</a:t>
+              <a:t>12/5/2025</a:t>
             </a:fld>
             <a:endParaRPr lang="en-US"/>
           </a:p>
@@ -16714,7 +17594,7 @@
           <a:p>
             <a:fld id="{3AEEF7F6-ECFE-4473-B3E9-C91BE833927A}" type="datetimeFigureOut">
               <a:rPr lang="en-US" smtClean="0"/>
-              <a:t>10/11/2025</a:t>
+              <a:t>12/5/2025</a:t>
             </a:fld>
             <a:endParaRPr lang="en-US"/>
           </a:p>
@@ -17354,7 +18234,7 @@
           <a:p>
             <a:fld id="{3AEEF7F6-ECFE-4473-B3E9-C91BE833927A}" type="datetimeFigureOut">
               <a:rPr lang="en-US" smtClean="0"/>
-              <a:t>10/11/2025</a:t>
+              <a:t>12/5/2025</a:t>
             </a:fld>
             <a:endParaRPr lang="en-US"/>
           </a:p>
@@ -17795,7 +18675,7 @@
           <a:p>
             <a:fld id="{3AEEF7F6-ECFE-4473-B3E9-C91BE833927A}" type="datetimeFigureOut">
               <a:rPr lang="en-US" smtClean="0"/>
-              <a:t>10/11/2025</a:t>
+              <a:t>12/5/2025</a:t>
             </a:fld>
             <a:endParaRPr lang="en-US"/>
           </a:p>
@@ -18213,7 +19093,7 @@
           <a:p>
             <a:fld id="{3AEEF7F6-ECFE-4473-B3E9-C91BE833927A}" type="datetimeFigureOut">
               <a:rPr lang="en-US" smtClean="0"/>
-              <a:t>10/11/2025</a:t>
+              <a:t>12/5/2025</a:t>
             </a:fld>
             <a:endParaRPr lang="en-US"/>
           </a:p>
@@ -18521,7 +19401,7 @@
           <a:p>
             <a:fld id="{3AEEF7F6-ECFE-4473-B3E9-C91BE833927A}" type="datetimeFigureOut">
               <a:rPr lang="en-US" smtClean="0"/>
-              <a:t>10/11/2025</a:t>
+              <a:t>12/5/2025</a:t>
             </a:fld>
             <a:endParaRPr lang="en-US"/>
           </a:p>
@@ -18927,7 +19807,7 @@
           <a:p>
             <a:fld id="{3AEEF7F6-ECFE-4473-B3E9-C91BE833927A}" type="datetimeFigureOut">
               <a:rPr lang="en-US" smtClean="0"/>
-              <a:t>10/11/2025</a:t>
+              <a:t>12/5/2025</a:t>
             </a:fld>
             <a:endParaRPr lang="en-US"/>
           </a:p>
@@ -19333,7 +20213,7 @@
           <a:p>
             <a:fld id="{3AEEF7F6-ECFE-4473-B3E9-C91BE833927A}" type="datetimeFigureOut">
               <a:rPr lang="en-US" smtClean="0"/>
-              <a:t>10/11/2025</a:t>
+              <a:t>12/5/2025</a:t>
             </a:fld>
             <a:endParaRPr lang="en-US"/>
           </a:p>
@@ -19739,7 +20619,7 @@
           <a:p>
             <a:fld id="{3AEEF7F6-ECFE-4473-B3E9-C91BE833927A}" type="datetimeFigureOut">
               <a:rPr lang="en-US" smtClean="0"/>
-              <a:t>10/11/2025</a:t>
+              <a:t>12/5/2025</a:t>
             </a:fld>
             <a:endParaRPr lang="en-US"/>
           </a:p>
@@ -20421,7 +21301,7 @@
           <a:p>
             <a:fld id="{3AEEF7F6-ECFE-4473-B3E9-C91BE833927A}" type="datetimeFigureOut">
               <a:rPr lang="en-US" smtClean="0"/>
-              <a:t>10/11/2025</a:t>
+              <a:t>12/5/2025</a:t>
             </a:fld>
             <a:endParaRPr lang="en-US"/>
           </a:p>
@@ -20639,7 +21519,7 @@
           <a:p>
             <a:fld id="{3AEEF7F6-ECFE-4473-B3E9-C91BE833927A}" type="datetimeFigureOut">
               <a:rPr lang="en-US" smtClean="0"/>
-              <a:t>10/11/2025</a:t>
+              <a:t>12/5/2025</a:t>
             </a:fld>
             <a:endParaRPr lang="en-US"/>
           </a:p>
@@ -20852,7 +21732,7 @@
           <a:p>
             <a:fld id="{3AEEF7F6-ECFE-4473-B3E9-C91BE833927A}" type="datetimeFigureOut">
               <a:rPr lang="en-US" smtClean="0"/>
-              <a:t>10/11/2025</a:t>
+              <a:t>12/5/2025</a:t>
             </a:fld>
             <a:endParaRPr lang="en-US"/>
           </a:p>
@@ -21159,7 +22039,7 @@
           <a:p>
             <a:fld id="{3AEEF7F6-ECFE-4473-B3E9-C91BE833927A}" type="datetimeFigureOut">
               <a:rPr lang="en-US" smtClean="0"/>
-              <a:t>10/11/2025</a:t>
+              <a:t>12/5/2025</a:t>
             </a:fld>
             <a:endParaRPr lang="en-US"/>
           </a:p>
@@ -22170,7 +23050,7 @@
           <a:p>
             <a:fld id="{3AEEF7F6-ECFE-4473-B3E9-C91BE833927A}" type="datetimeFigureOut">
               <a:rPr lang="en-US" smtClean="0"/>
-              <a:t>10/11/2025</a:t>
+              <a:t>12/5/2025</a:t>
             </a:fld>
             <a:endParaRPr lang="en-US"/>
           </a:p>
@@ -22788,7 +23668,7 @@
           <a:p>
             <a:fld id="{3AEEF7F6-ECFE-4473-B3E9-C91BE833927A}" type="datetimeFigureOut">
               <a:rPr lang="en-US" smtClean="0"/>
-              <a:t>10/11/2025</a:t>
+              <a:t>12/5/2025</a:t>
             </a:fld>
             <a:endParaRPr lang="en-US"/>
           </a:p>
@@ -23222,7 +24102,7 @@
           <a:p>
             <a:fld id="{3AEEF7F6-ECFE-4473-B3E9-C91BE833927A}" type="datetimeFigureOut">
               <a:rPr lang="en-US" smtClean="0"/>
-              <a:t>10/11/2025</a:t>
+              <a:t>12/5/2025</a:t>
             </a:fld>
             <a:endParaRPr lang="en-US"/>
           </a:p>
@@ -23449,7 +24329,7 @@
           <a:p>
             <a:fld id="{3AEEF7F6-ECFE-4473-B3E9-C91BE833927A}" type="datetimeFigureOut">
               <a:rPr lang="en-US" smtClean="0"/>
-              <a:t>10/11/2025</a:t>
+              <a:t>12/5/2025</a:t>
             </a:fld>
             <a:endParaRPr lang="en-US"/>
           </a:p>
@@ -24135,7 +25015,7 @@
           <a:p>
             <a:fld id="{3AEEF7F6-ECFE-4473-B3E9-C91BE833927A}" type="datetimeFigureOut">
               <a:rPr lang="en-US" smtClean="0"/>
-              <a:t>10/11/2025</a:t>
+              <a:t>12/5/2025</a:t>
             </a:fld>
             <a:endParaRPr lang="en-US"/>
           </a:p>
@@ -24664,7 +25544,7 @@
           <a:p>
             <a:fld id="{3AEEF7F6-ECFE-4473-B3E9-C91BE833927A}" type="datetimeFigureOut">
               <a:rPr lang="en-US" smtClean="0"/>
-              <a:t>10/11/2025</a:t>
+              <a:t>12/5/2025</a:t>
             </a:fld>
             <a:endParaRPr lang="en-US"/>
           </a:p>
@@ -25005,7 +25885,7 @@
           <a:p>
             <a:fld id="{3AEEF7F6-ECFE-4473-B3E9-C91BE833927A}" type="datetimeFigureOut">
               <a:rPr lang="en-US" smtClean="0"/>
-              <a:t>10/11/2025</a:t>
+              <a:t>12/5/2025</a:t>
             </a:fld>
             <a:endParaRPr lang="en-US"/>
           </a:p>
@@ -25498,7 +26378,7 @@
           <a:p>
             <a:fld id="{3AEEF7F6-ECFE-4473-B3E9-C91BE833927A}" type="datetimeFigureOut">
               <a:rPr lang="en-US" smtClean="0"/>
-              <a:t>10/11/2025</a:t>
+              <a:t>12/5/2025</a:t>
             </a:fld>
             <a:endParaRPr lang="en-US"/>
           </a:p>
@@ -25640,7 +26520,7 @@
           <a:p>
             <a:fld id="{3AEEF7F6-ECFE-4473-B3E9-C91BE833927A}" type="datetimeFigureOut">
               <a:rPr lang="en-US" smtClean="0"/>
-              <a:t>10/11/2025</a:t>
+              <a:t>12/5/2025</a:t>
             </a:fld>
             <a:endParaRPr lang="en-US"/>
           </a:p>
@@ -25753,7 +26633,7 @@
           <a:p>
             <a:fld id="{3AEEF7F6-ECFE-4473-B3E9-C91BE833927A}" type="datetimeFigureOut">
               <a:rPr lang="en-US" smtClean="0"/>
-              <a:t>10/11/2025</a:t>
+              <a:t>12/5/2025</a:t>
             </a:fld>
             <a:endParaRPr lang="en-US"/>
           </a:p>
@@ -26210,7 +27090,7 @@
           <a:p>
             <a:fld id="{3AEEF7F6-ECFE-4473-B3E9-C91BE833927A}" type="datetimeFigureOut">
               <a:rPr lang="en-US" smtClean="0"/>
-              <a:t>10/11/2025</a:t>
+              <a:t>12/5/2025</a:t>
             </a:fld>
             <a:endParaRPr lang="en-US"/>
           </a:p>
@@ -26631,7 +27511,7 @@
           <a:p>
             <a:fld id="{3AEEF7F6-ECFE-4473-B3E9-C91BE833927A}" type="datetimeFigureOut">
               <a:rPr lang="en-US" smtClean="0"/>
-              <a:t>10/11/2025</a:t>
+              <a:t>12/5/2025</a:t>
             </a:fld>
             <a:endParaRPr lang="en-US"/>
           </a:p>
@@ -27031,7 +27911,7 @@
           <a:p>
             <a:fld id="{3AEEF7F6-ECFE-4473-B3E9-C91BE833927A}" type="datetimeFigureOut">
               <a:rPr lang="en-US" smtClean="0"/>
-              <a:t>10/11/2025</a:t>
+              <a:t>12/5/2025</a:t>
             </a:fld>
             <a:endParaRPr lang="en-US"/>
           </a:p>
@@ -27244,7 +28124,7 @@
           <a:p>
             <a:fld id="{3AEEF7F6-ECFE-4473-B3E9-C91BE833927A}" type="datetimeFigureOut">
               <a:rPr lang="en-US" smtClean="0"/>
-              <a:t>10/11/2025</a:t>
+              <a:t>12/5/2025</a:t>
             </a:fld>
             <a:endParaRPr lang="en-US"/>
           </a:p>
@@ -27516,7 +28396,7 @@
           <a:p>
             <a:fld id="{3AEEF7F6-ECFE-4473-B3E9-C91BE833927A}" type="datetimeFigureOut">
               <a:rPr lang="en-US" smtClean="0"/>
-              <a:t>10/11/2025</a:t>
+              <a:t>12/5/2025</a:t>
             </a:fld>
             <a:endParaRPr lang="en-US"/>
           </a:p>
@@ -27961,7 +28841,7 @@
           <a:p>
             <a:fld id="{6048702F-412C-4CEF-ABE7-C49B765E9059}" type="datetimeFigureOut">
               <a:rPr lang="en-US" smtClean="0"/>
-              <a:t>10/11/2025</a:t>
+              <a:t>12/5/2025</a:t>
             </a:fld>
             <a:endParaRPr lang="en-US"/>
           </a:p>
@@ -28223,7 +29103,7 @@
           <a:p>
             <a:fld id="{3AEEF7F6-ECFE-4473-B3E9-C91BE833927A}" type="datetimeFigureOut">
               <a:rPr lang="en-US" smtClean="0"/>
-              <a:t>10/11/2025</a:t>
+              <a:t>12/5/2025</a:t>
             </a:fld>
             <a:endParaRPr lang="en-US"/>
           </a:p>
@@ -28782,7 +29662,7 @@
           <a:p>
             <a:fld id="{3AEEF7F6-ECFE-4473-B3E9-C91BE833927A}" type="datetimeFigureOut">
               <a:rPr lang="en-US" smtClean="0"/>
-              <a:t>10/11/2025</a:t>
+              <a:t>12/5/2025</a:t>
             </a:fld>
             <a:endParaRPr lang="en-US"/>
           </a:p>
@@ -29319,7 +30199,7 @@
           <a:p>
             <a:fld id="{3AEEF7F6-ECFE-4473-B3E9-C91BE833927A}" type="datetimeFigureOut">
               <a:rPr lang="en-US" smtClean="0"/>
-              <a:t>10/11/2025</a:t>
+              <a:t>12/5/2025</a:t>
             </a:fld>
             <a:endParaRPr lang="en-US"/>
           </a:p>
@@ -29498,7 +30378,7 @@
           <a:p>
             <a:fld id="{3AEEF7F6-ECFE-4473-B3E9-C91BE833927A}" type="datetimeFigureOut">
               <a:rPr lang="en-US" smtClean="0"/>
-              <a:t>10/11/2025</a:t>
+              <a:t>12/5/2025</a:t>
             </a:fld>
             <a:endParaRPr lang="en-US"/>
           </a:p>
@@ -29755,7 +30635,7 @@
           <a:p>
             <a:fld id="{3AEEF7F6-ECFE-4473-B3E9-C91BE833927A}" type="datetimeFigureOut">
               <a:rPr lang="en-US" smtClean="0"/>
-              <a:t>10/11/2025</a:t>
+              <a:t>12/5/2025</a:t>
             </a:fld>
             <a:endParaRPr lang="en-US"/>
           </a:p>
@@ -31310,1845 +32190,86 @@
           <a:chExt cx="0" cy="0"/>
         </a:xfrm>
       </p:grpSpPr>
-      <p:grpSp>
-        <p:nvGrpSpPr>
-          <p:cNvPr id="8" name="Group 7">
-            <a:extLst>
-              <a:ext uri="{FF2B5EF4-FFF2-40B4-BE49-F238E27FC236}">
-                <a16:creationId xmlns:a16="http://schemas.microsoft.com/office/drawing/2014/main" id="{51EDC426-93AF-19F3-4A1F-3452D68B48A1}"/>
-              </a:ext>
-            </a:extLst>
-          </p:cNvPr>
-          <p:cNvGrpSpPr/>
+      <p:graphicFrame>
+        <p:nvGraphicFramePr>
+          <p:cNvPr id="4" name="Chart 3">
+            <a:extLst>
+              <a:ext uri="{FF2B5EF4-FFF2-40B4-BE49-F238E27FC236}">
+                <a16:creationId xmlns:a16="http://schemas.microsoft.com/office/drawing/2014/main" id="{74E95308-5504-4600-EFA5-9B1C9BC30A4C}"/>
+              </a:ext>
+            </a:extLst>
+          </p:cNvPr>
+          <p:cNvGraphicFramePr/>
+          <p:nvPr>
+            <p:extLst>
+              <p:ext uri="{D42A27DB-BD31-4B8C-83A1-F6EECF244321}">
+                <p14:modId xmlns:p14="http://schemas.microsoft.com/office/powerpoint/2010/main" val="2791779122"/>
+              </p:ext>
+            </p:extLst>
+          </p:nvPr>
+        </p:nvGraphicFramePr>
+        <p:xfrm>
+          <a:off x="407324" y="324196"/>
+          <a:ext cx="11367654" cy="6201295"/>
+        </p:xfrm>
+        <a:graphic>
+          <a:graphicData uri="http://schemas.openxmlformats.org/drawingml/2006/chart">
+            <c:chart xmlns:c="http://schemas.openxmlformats.org/drawingml/2006/chart" xmlns:r="http://schemas.openxmlformats.org/officeDocument/2006/relationships" r:id="rId2"/>
+          </a:graphicData>
+        </a:graphic>
+      </p:graphicFrame>
+      <p:sp>
+        <p:nvSpPr>
+          <p:cNvPr id="5" name="Rectangle 4">
+            <a:extLst>
+              <a:ext uri="{FF2B5EF4-FFF2-40B4-BE49-F238E27FC236}">
+                <a16:creationId xmlns:a16="http://schemas.microsoft.com/office/drawing/2014/main" id="{F48EAC70-1974-9537-6EBD-F545895E1582}"/>
+              </a:ext>
+            </a:extLst>
+          </p:cNvPr>
+          <p:cNvSpPr/>
           <p:nvPr/>
-        </p:nvGrpSpPr>
-        <p:grpSpPr>
+        </p:nvSpPr>
+        <p:spPr>
           <a:xfrm>
-            <a:off x="1078978" y="1027267"/>
-            <a:ext cx="358560" cy="5034960"/>
-            <a:chOff x="1078978" y="1027267"/>
-            <a:chExt cx="358560" cy="5034960"/>
+            <a:off x="5869709" y="1085273"/>
+            <a:ext cx="5905269" cy="4862945"/>
           </a:xfrm>
-        </p:grpSpPr>
-        <mc:AlternateContent xmlns:mc="http://schemas.openxmlformats.org/markup-compatibility/2006">
-          <mc:Choice xmlns:p14="http://schemas.microsoft.com/office/powerpoint/2010/main" Requires="p14">
-            <p:contentPart p14:bwMode="auto" r:id="rId2">
-              <p14:nvContentPartPr>
-                <p14:cNvPr id="6" name="Ink 5">
-                  <a:extLst>
-                    <a:ext uri="{FF2B5EF4-FFF2-40B4-BE49-F238E27FC236}">
-                      <a16:creationId xmlns:a16="http://schemas.microsoft.com/office/drawing/2014/main" id="{A94CBBF9-7C78-8BD5-42FB-FB5EEDD0A8AA}"/>
-                    </a:ext>
-                  </a:extLst>
-                </p14:cNvPr>
-                <p14:cNvContentPartPr/>
-                <p14:nvPr/>
-              </p14:nvContentPartPr>
-              <p14:xfrm>
-                <a:off x="1188418" y="1345147"/>
-                <a:ext cx="104040" cy="4717080"/>
-              </p14:xfrm>
-            </p:contentPart>
-          </mc:Choice>
-          <mc:Fallback>
-            <p:pic>
-              <p:nvPicPr>
-                <p:cNvPr id="6" name="Ink 5">
-                  <a:extLst>
-                    <a:ext uri="{FF2B5EF4-FFF2-40B4-BE49-F238E27FC236}">
-                      <a16:creationId xmlns:a16="http://schemas.microsoft.com/office/drawing/2014/main" id="{A94CBBF9-7C78-8BD5-42FB-FB5EEDD0A8AA}"/>
-                    </a:ext>
-                  </a:extLst>
-                </p:cNvPr>
-                <p:cNvPicPr/>
-                <p:nvPr/>
-              </p:nvPicPr>
-              <p:blipFill>
-                <a:blip r:embed="rId3"/>
-                <a:stretch>
-                  <a:fillRect/>
-                </a:stretch>
-              </p:blipFill>
-              <p:spPr>
-                <a:xfrm>
-                  <a:off x="1152418" y="1309507"/>
-                  <a:ext cx="175680" cy="4788720"/>
-                </a:xfrm>
-                <a:prstGeom prst="rect">
-                  <a:avLst/>
-                </a:prstGeom>
-              </p:spPr>
-            </p:pic>
-          </mc:Fallback>
-        </mc:AlternateContent>
-        <mc:AlternateContent xmlns:mc="http://schemas.openxmlformats.org/markup-compatibility/2006">
-          <mc:Choice xmlns:p14="http://schemas.microsoft.com/office/powerpoint/2010/main" Requires="p14">
-            <p:contentPart p14:bwMode="auto" r:id="rId4">
-              <p14:nvContentPartPr>
-                <p14:cNvPr id="7" name="Ink 6">
-                  <a:extLst>
-                    <a:ext uri="{FF2B5EF4-FFF2-40B4-BE49-F238E27FC236}">
-                      <a16:creationId xmlns:a16="http://schemas.microsoft.com/office/drawing/2014/main" id="{21B452A0-253B-2905-95A3-3FA580856159}"/>
-                    </a:ext>
-                  </a:extLst>
-                </p14:cNvPr>
-                <p14:cNvContentPartPr/>
-                <p14:nvPr/>
-              </p14:nvContentPartPr>
-              <p14:xfrm>
-                <a:off x="1078978" y="1027267"/>
-                <a:ext cx="358560" cy="578880"/>
-              </p14:xfrm>
-            </p:contentPart>
-          </mc:Choice>
-          <mc:Fallback>
-            <p:pic>
-              <p:nvPicPr>
-                <p:cNvPr id="7" name="Ink 6">
-                  <a:extLst>
-                    <a:ext uri="{FF2B5EF4-FFF2-40B4-BE49-F238E27FC236}">
-                      <a16:creationId xmlns:a16="http://schemas.microsoft.com/office/drawing/2014/main" id="{21B452A0-253B-2905-95A3-3FA580856159}"/>
-                    </a:ext>
-                  </a:extLst>
-                </p:cNvPr>
-                <p:cNvPicPr/>
-                <p:nvPr/>
-              </p:nvPicPr>
-              <p:blipFill>
-                <a:blip r:embed="rId5"/>
-                <a:stretch>
-                  <a:fillRect/>
-                </a:stretch>
-              </p:blipFill>
-              <p:spPr>
-                <a:xfrm>
-                  <a:off x="1043338" y="991267"/>
-                  <a:ext cx="430200" cy="650520"/>
-                </a:xfrm>
-                <a:prstGeom prst="rect">
-                  <a:avLst/>
-                </a:prstGeom>
-              </p:spPr>
-            </p:pic>
-          </mc:Fallback>
-        </mc:AlternateContent>
-      </p:grpSp>
-      <p:grpSp>
-        <p:nvGrpSpPr>
-          <p:cNvPr id="19" name="Group 18">
-            <a:extLst>
-              <a:ext uri="{FF2B5EF4-FFF2-40B4-BE49-F238E27FC236}">
-                <a16:creationId xmlns:a16="http://schemas.microsoft.com/office/drawing/2014/main" id="{F5DF04B6-3BA7-625B-584B-0B4BBA08851F}"/>
-              </a:ext>
-            </a:extLst>
-          </p:cNvPr>
-          <p:cNvGrpSpPr/>
-          <p:nvPr/>
-        </p:nvGrpSpPr>
-        <p:grpSpPr>
-          <a:xfrm>
-            <a:off x="272938" y="2246227"/>
-            <a:ext cx="637560" cy="2636640"/>
-            <a:chOff x="272938" y="2246227"/>
-            <a:chExt cx="637560" cy="2636640"/>
-          </a:xfrm>
-        </p:grpSpPr>
-        <mc:AlternateContent xmlns:mc="http://schemas.openxmlformats.org/markup-compatibility/2006">
-          <mc:Choice xmlns:p14="http://schemas.microsoft.com/office/powerpoint/2010/main" Requires="p14">
-            <p:contentPart p14:bwMode="auto" r:id="rId6">
-              <p14:nvContentPartPr>
-                <p14:cNvPr id="9" name="Ink 8">
-                  <a:extLst>
-                    <a:ext uri="{FF2B5EF4-FFF2-40B4-BE49-F238E27FC236}">
-                      <a16:creationId xmlns:a16="http://schemas.microsoft.com/office/drawing/2014/main" id="{8BCD31E6-133D-5160-FE9E-0829B74CE6DE}"/>
-                    </a:ext>
-                  </a:extLst>
-                </p14:cNvPr>
-                <p14:cNvContentPartPr/>
-                <p14:nvPr/>
-              </p14:nvContentPartPr>
-              <p14:xfrm>
-                <a:off x="386698" y="4672267"/>
-                <a:ext cx="458280" cy="108000"/>
-              </p14:xfrm>
-            </p:contentPart>
-          </mc:Choice>
-          <mc:Fallback>
-            <p:pic>
-              <p:nvPicPr>
-                <p:cNvPr id="9" name="Ink 8">
-                  <a:extLst>
-                    <a:ext uri="{FF2B5EF4-FFF2-40B4-BE49-F238E27FC236}">
-                      <a16:creationId xmlns:a16="http://schemas.microsoft.com/office/drawing/2014/main" id="{8BCD31E6-133D-5160-FE9E-0829B74CE6DE}"/>
-                    </a:ext>
-                  </a:extLst>
-                </p:cNvPr>
-                <p:cNvPicPr/>
-                <p:nvPr/>
-              </p:nvPicPr>
-              <p:blipFill>
-                <a:blip r:embed="rId7"/>
-                <a:stretch>
-                  <a:fillRect/>
-                </a:stretch>
-              </p:blipFill>
-              <p:spPr>
-                <a:xfrm>
-                  <a:off x="351058" y="4636267"/>
-                  <a:ext cx="529920" cy="179640"/>
-                </a:xfrm>
-                <a:prstGeom prst="rect">
-                  <a:avLst/>
-                </a:prstGeom>
-              </p:spPr>
-            </p:pic>
-          </mc:Fallback>
-        </mc:AlternateContent>
-        <mc:AlternateContent xmlns:mc="http://schemas.openxmlformats.org/markup-compatibility/2006">
-          <mc:Choice xmlns:p14="http://schemas.microsoft.com/office/powerpoint/2010/main" Requires="p14">
-            <p:contentPart p14:bwMode="auto" r:id="rId8">
-              <p14:nvContentPartPr>
-                <p14:cNvPr id="10" name="Ink 9">
-                  <a:extLst>
-                    <a:ext uri="{FF2B5EF4-FFF2-40B4-BE49-F238E27FC236}">
-                      <a16:creationId xmlns:a16="http://schemas.microsoft.com/office/drawing/2014/main" id="{F0AFD69B-6295-4332-D80E-39B181DCDB88}"/>
-                    </a:ext>
-                  </a:extLst>
-                </p14:cNvPr>
-                <p14:cNvContentPartPr/>
-                <p14:nvPr/>
-              </p14:nvContentPartPr>
-              <p14:xfrm>
-                <a:off x="307498" y="4357267"/>
-                <a:ext cx="597960" cy="525600"/>
-              </p14:xfrm>
-            </p:contentPart>
-          </mc:Choice>
-          <mc:Fallback>
-            <p:pic>
-              <p:nvPicPr>
-                <p:cNvPr id="10" name="Ink 9">
-                  <a:extLst>
-                    <a:ext uri="{FF2B5EF4-FFF2-40B4-BE49-F238E27FC236}">
-                      <a16:creationId xmlns:a16="http://schemas.microsoft.com/office/drawing/2014/main" id="{F0AFD69B-6295-4332-D80E-39B181DCDB88}"/>
-                    </a:ext>
-                  </a:extLst>
-                </p:cNvPr>
-                <p:cNvPicPr/>
-                <p:nvPr/>
-              </p:nvPicPr>
-              <p:blipFill>
-                <a:blip r:embed="rId9"/>
-                <a:stretch>
-                  <a:fillRect/>
-                </a:stretch>
-              </p:blipFill>
-              <p:spPr>
-                <a:xfrm>
-                  <a:off x="271498" y="4321267"/>
-                  <a:ext cx="669600" cy="597240"/>
-                </a:xfrm>
-                <a:prstGeom prst="rect">
-                  <a:avLst/>
-                </a:prstGeom>
-              </p:spPr>
-            </p:pic>
-          </mc:Fallback>
-        </mc:AlternateContent>
-        <mc:AlternateContent xmlns:mc="http://schemas.openxmlformats.org/markup-compatibility/2006">
-          <mc:Choice xmlns:p14="http://schemas.microsoft.com/office/powerpoint/2010/main" Requires="p14">
-            <p:contentPart p14:bwMode="auto" r:id="rId10">
-              <p14:nvContentPartPr>
-                <p14:cNvPr id="11" name="Ink 10">
-                  <a:extLst>
-                    <a:ext uri="{FF2B5EF4-FFF2-40B4-BE49-F238E27FC236}">
-                      <a16:creationId xmlns:a16="http://schemas.microsoft.com/office/drawing/2014/main" id="{6559A98B-ECBA-008C-4966-85F94F17780C}"/>
-                    </a:ext>
-                  </a:extLst>
-                </p14:cNvPr>
-                <p14:cNvContentPartPr/>
-                <p14:nvPr/>
-              </p14:nvContentPartPr>
-              <p14:xfrm>
-                <a:off x="554458" y="4093387"/>
-                <a:ext cx="317880" cy="295560"/>
-              </p14:xfrm>
-            </p:contentPart>
-          </mc:Choice>
-          <mc:Fallback>
-            <p:pic>
-              <p:nvPicPr>
-                <p:cNvPr id="11" name="Ink 10">
-                  <a:extLst>
-                    <a:ext uri="{FF2B5EF4-FFF2-40B4-BE49-F238E27FC236}">
-                      <a16:creationId xmlns:a16="http://schemas.microsoft.com/office/drawing/2014/main" id="{6559A98B-ECBA-008C-4966-85F94F17780C}"/>
-                    </a:ext>
-                  </a:extLst>
-                </p:cNvPr>
-                <p:cNvPicPr/>
-                <p:nvPr/>
-              </p:nvPicPr>
-              <p:blipFill>
-                <a:blip r:embed="rId11"/>
-                <a:stretch>
-                  <a:fillRect/>
-                </a:stretch>
-              </p:blipFill>
-              <p:spPr>
-                <a:xfrm>
-                  <a:off x="518458" y="4057747"/>
-                  <a:ext cx="389520" cy="367200"/>
-                </a:xfrm>
-                <a:prstGeom prst="rect">
-                  <a:avLst/>
-                </a:prstGeom>
-              </p:spPr>
-            </p:pic>
-          </mc:Fallback>
-        </mc:AlternateContent>
-        <mc:AlternateContent xmlns:mc="http://schemas.openxmlformats.org/markup-compatibility/2006">
-          <mc:Choice xmlns:p14="http://schemas.microsoft.com/office/powerpoint/2010/main" Requires="p14">
-            <p:contentPart p14:bwMode="auto" r:id="rId12">
-              <p14:nvContentPartPr>
-                <p14:cNvPr id="12" name="Ink 11">
-                  <a:extLst>
-                    <a:ext uri="{FF2B5EF4-FFF2-40B4-BE49-F238E27FC236}">
-                      <a16:creationId xmlns:a16="http://schemas.microsoft.com/office/drawing/2014/main" id="{5748925E-5CA6-FF89-5A05-11EE30714563}"/>
-                    </a:ext>
-                  </a:extLst>
-                </p14:cNvPr>
-                <p14:cNvContentPartPr/>
-                <p14:nvPr/>
-              </p14:nvContentPartPr>
-              <p14:xfrm>
-                <a:off x="585418" y="3851827"/>
-                <a:ext cx="251280" cy="254160"/>
-              </p14:xfrm>
-            </p:contentPart>
-          </mc:Choice>
-          <mc:Fallback>
-            <p:pic>
-              <p:nvPicPr>
-                <p:cNvPr id="12" name="Ink 11">
-                  <a:extLst>
-                    <a:ext uri="{FF2B5EF4-FFF2-40B4-BE49-F238E27FC236}">
-                      <a16:creationId xmlns:a16="http://schemas.microsoft.com/office/drawing/2014/main" id="{5748925E-5CA6-FF89-5A05-11EE30714563}"/>
-                    </a:ext>
-                  </a:extLst>
-                </p:cNvPr>
-                <p:cNvPicPr/>
-                <p:nvPr/>
-              </p:nvPicPr>
-              <p:blipFill>
-                <a:blip r:embed="rId13"/>
-                <a:stretch>
-                  <a:fillRect/>
-                </a:stretch>
-              </p:blipFill>
-              <p:spPr>
-                <a:xfrm>
-                  <a:off x="549418" y="3815827"/>
-                  <a:ext cx="322920" cy="325800"/>
-                </a:xfrm>
-                <a:prstGeom prst="rect">
-                  <a:avLst/>
-                </a:prstGeom>
-              </p:spPr>
-            </p:pic>
-          </mc:Fallback>
-        </mc:AlternateContent>
-        <mc:AlternateContent xmlns:mc="http://schemas.openxmlformats.org/markup-compatibility/2006">
-          <mc:Choice xmlns:p14="http://schemas.microsoft.com/office/powerpoint/2010/main" Requires="p14">
-            <p:contentPart p14:bwMode="auto" r:id="rId14">
-              <p14:nvContentPartPr>
-                <p14:cNvPr id="13" name="Ink 12">
-                  <a:extLst>
-                    <a:ext uri="{FF2B5EF4-FFF2-40B4-BE49-F238E27FC236}">
-                      <a16:creationId xmlns:a16="http://schemas.microsoft.com/office/drawing/2014/main" id="{1AC5A578-1099-9DC4-9A8B-AE89BD383DBE}"/>
-                    </a:ext>
-                  </a:extLst>
-                </p14:cNvPr>
-                <p14:cNvContentPartPr/>
-                <p14:nvPr/>
-              </p14:nvContentPartPr>
-              <p14:xfrm>
-                <a:off x="556258" y="3481747"/>
-                <a:ext cx="265680" cy="284760"/>
-              </p14:xfrm>
-            </p:contentPart>
-          </mc:Choice>
-          <mc:Fallback>
-            <p:pic>
-              <p:nvPicPr>
-                <p:cNvPr id="13" name="Ink 12">
-                  <a:extLst>
-                    <a:ext uri="{FF2B5EF4-FFF2-40B4-BE49-F238E27FC236}">
-                      <a16:creationId xmlns:a16="http://schemas.microsoft.com/office/drawing/2014/main" id="{1AC5A578-1099-9DC4-9A8B-AE89BD383DBE}"/>
-                    </a:ext>
-                  </a:extLst>
-                </p:cNvPr>
-                <p:cNvPicPr/>
-                <p:nvPr/>
-              </p:nvPicPr>
-              <p:blipFill>
-                <a:blip r:embed="rId15"/>
-                <a:stretch>
-                  <a:fillRect/>
-                </a:stretch>
-              </p:blipFill>
-              <p:spPr>
-                <a:xfrm>
-                  <a:off x="520258" y="3445747"/>
-                  <a:ext cx="337320" cy="356400"/>
-                </a:xfrm>
-                <a:prstGeom prst="rect">
-                  <a:avLst/>
-                </a:prstGeom>
-              </p:spPr>
-            </p:pic>
-          </mc:Fallback>
-        </mc:AlternateContent>
-        <mc:AlternateContent xmlns:mc="http://schemas.openxmlformats.org/markup-compatibility/2006">
-          <mc:Choice xmlns:p14="http://schemas.microsoft.com/office/powerpoint/2010/main" Requires="p14">
-            <p:contentPart p14:bwMode="auto" r:id="rId16">
-              <p14:nvContentPartPr>
-                <p14:cNvPr id="14" name="Ink 13">
-                  <a:extLst>
-                    <a:ext uri="{FF2B5EF4-FFF2-40B4-BE49-F238E27FC236}">
-                      <a16:creationId xmlns:a16="http://schemas.microsoft.com/office/drawing/2014/main" id="{42F281CD-4CCF-B427-E689-77E87C900917}"/>
-                    </a:ext>
-                  </a:extLst>
-                </p14:cNvPr>
-                <p14:cNvContentPartPr/>
-                <p14:nvPr/>
-              </p14:nvContentPartPr>
-              <p14:xfrm>
-                <a:off x="315778" y="3051187"/>
-                <a:ext cx="521640" cy="228600"/>
-              </p14:xfrm>
-            </p:contentPart>
-          </mc:Choice>
-          <mc:Fallback>
-            <p:pic>
-              <p:nvPicPr>
-                <p:cNvPr id="14" name="Ink 13">
-                  <a:extLst>
-                    <a:ext uri="{FF2B5EF4-FFF2-40B4-BE49-F238E27FC236}">
-                      <a16:creationId xmlns:a16="http://schemas.microsoft.com/office/drawing/2014/main" id="{42F281CD-4CCF-B427-E689-77E87C900917}"/>
-                    </a:ext>
-                  </a:extLst>
-                </p:cNvPr>
-                <p:cNvPicPr/>
-                <p:nvPr/>
-              </p:nvPicPr>
-              <p:blipFill>
-                <a:blip r:embed="rId17"/>
-                <a:stretch>
-                  <a:fillRect/>
-                </a:stretch>
-              </p:blipFill>
-              <p:spPr>
-                <a:xfrm>
-                  <a:off x="279778" y="3015547"/>
-                  <a:ext cx="593280" cy="300240"/>
-                </a:xfrm>
-                <a:prstGeom prst="rect">
-                  <a:avLst/>
-                </a:prstGeom>
-              </p:spPr>
-            </p:pic>
-          </mc:Fallback>
-        </mc:AlternateContent>
-        <mc:AlternateContent xmlns:mc="http://schemas.openxmlformats.org/markup-compatibility/2006">
-          <mc:Choice xmlns:p14="http://schemas.microsoft.com/office/powerpoint/2010/main" Requires="p14">
-            <p:contentPart p14:bwMode="auto" r:id="rId18">
-              <p14:nvContentPartPr>
-                <p14:cNvPr id="15" name="Ink 14">
-                  <a:extLst>
-                    <a:ext uri="{FF2B5EF4-FFF2-40B4-BE49-F238E27FC236}">
-                      <a16:creationId xmlns:a16="http://schemas.microsoft.com/office/drawing/2014/main" id="{C15B8993-BF63-8E44-043D-4B9AA69A5194}"/>
-                    </a:ext>
-                  </a:extLst>
-                </p14:cNvPr>
-                <p14:cNvContentPartPr/>
-                <p14:nvPr/>
-              </p14:nvContentPartPr>
-              <p14:xfrm>
-                <a:off x="272938" y="2598307"/>
-                <a:ext cx="592920" cy="252720"/>
-              </p14:xfrm>
-            </p:contentPart>
-          </mc:Choice>
-          <mc:Fallback>
-            <p:pic>
-              <p:nvPicPr>
-                <p:cNvPr id="15" name="Ink 14">
-                  <a:extLst>
-                    <a:ext uri="{FF2B5EF4-FFF2-40B4-BE49-F238E27FC236}">
-                      <a16:creationId xmlns:a16="http://schemas.microsoft.com/office/drawing/2014/main" id="{C15B8993-BF63-8E44-043D-4B9AA69A5194}"/>
-                    </a:ext>
-                  </a:extLst>
-                </p:cNvPr>
-                <p:cNvPicPr/>
-                <p:nvPr/>
-              </p:nvPicPr>
-              <p:blipFill>
-                <a:blip r:embed="rId19"/>
-                <a:stretch>
-                  <a:fillRect/>
-                </a:stretch>
-              </p:blipFill>
-              <p:spPr>
-                <a:xfrm>
-                  <a:off x="237298" y="2562307"/>
-                  <a:ext cx="664560" cy="324360"/>
-                </a:xfrm>
-                <a:prstGeom prst="rect">
-                  <a:avLst/>
-                </a:prstGeom>
-              </p:spPr>
-            </p:pic>
-          </mc:Fallback>
-        </mc:AlternateContent>
-        <mc:AlternateContent xmlns:mc="http://schemas.openxmlformats.org/markup-compatibility/2006">
-          <mc:Choice xmlns:p14="http://schemas.microsoft.com/office/powerpoint/2010/main" Requires="p14">
-            <p:contentPart p14:bwMode="auto" r:id="rId20">
-              <p14:nvContentPartPr>
-                <p14:cNvPr id="16" name="Ink 15">
-                  <a:extLst>
-                    <a:ext uri="{FF2B5EF4-FFF2-40B4-BE49-F238E27FC236}">
-                      <a16:creationId xmlns:a16="http://schemas.microsoft.com/office/drawing/2014/main" id="{AD64F3D8-541A-B987-5808-D7BDFD8E0ECF}"/>
-                    </a:ext>
-                  </a:extLst>
-                </p14:cNvPr>
-                <p14:cNvContentPartPr/>
-                <p14:nvPr/>
-              </p14:nvContentPartPr>
-              <p14:xfrm>
-                <a:off x="585778" y="2613427"/>
-                <a:ext cx="36720" cy="299520"/>
-              </p14:xfrm>
-            </p:contentPart>
-          </mc:Choice>
-          <mc:Fallback>
-            <p:pic>
-              <p:nvPicPr>
-                <p:cNvPr id="16" name="Ink 15">
-                  <a:extLst>
-                    <a:ext uri="{FF2B5EF4-FFF2-40B4-BE49-F238E27FC236}">
-                      <a16:creationId xmlns:a16="http://schemas.microsoft.com/office/drawing/2014/main" id="{AD64F3D8-541A-B987-5808-D7BDFD8E0ECF}"/>
-                    </a:ext>
-                  </a:extLst>
-                </p:cNvPr>
-                <p:cNvPicPr/>
-                <p:nvPr/>
-              </p:nvPicPr>
-              <p:blipFill>
-                <a:blip r:embed="rId21"/>
-                <a:stretch>
-                  <a:fillRect/>
-                </a:stretch>
-              </p:blipFill>
-              <p:spPr>
-                <a:xfrm>
-                  <a:off x="549778" y="2577427"/>
-                  <a:ext cx="108360" cy="371160"/>
-                </a:xfrm>
-                <a:prstGeom prst="rect">
-                  <a:avLst/>
-                </a:prstGeom>
-              </p:spPr>
-            </p:pic>
-          </mc:Fallback>
-        </mc:AlternateContent>
-        <mc:AlternateContent xmlns:mc="http://schemas.openxmlformats.org/markup-compatibility/2006">
-          <mc:Choice xmlns:p14="http://schemas.microsoft.com/office/powerpoint/2010/main" Requires="p14">
-            <p:contentPart p14:bwMode="auto" r:id="rId22">
-              <p14:nvContentPartPr>
-                <p14:cNvPr id="17" name="Ink 16">
-                  <a:extLst>
-                    <a:ext uri="{FF2B5EF4-FFF2-40B4-BE49-F238E27FC236}">
-                      <a16:creationId xmlns:a16="http://schemas.microsoft.com/office/drawing/2014/main" id="{9C997DBB-9262-BE57-0A8D-3D0BB353D7E9}"/>
-                    </a:ext>
-                  </a:extLst>
-                </p14:cNvPr>
-                <p14:cNvContentPartPr/>
-                <p14:nvPr/>
-              </p14:nvContentPartPr>
-              <p14:xfrm>
-                <a:off x="543658" y="2246227"/>
-                <a:ext cx="366840" cy="288360"/>
-              </p14:xfrm>
-            </p:contentPart>
-          </mc:Choice>
-          <mc:Fallback>
-            <p:pic>
-              <p:nvPicPr>
-                <p:cNvPr id="17" name="Ink 16">
-                  <a:extLst>
-                    <a:ext uri="{FF2B5EF4-FFF2-40B4-BE49-F238E27FC236}">
-                      <a16:creationId xmlns:a16="http://schemas.microsoft.com/office/drawing/2014/main" id="{9C997DBB-9262-BE57-0A8D-3D0BB353D7E9}"/>
-                    </a:ext>
-                  </a:extLst>
-                </p:cNvPr>
-                <p:cNvPicPr/>
-                <p:nvPr/>
-              </p:nvPicPr>
-              <p:blipFill>
-                <a:blip r:embed="rId23"/>
-                <a:stretch>
-                  <a:fillRect/>
-                </a:stretch>
-              </p:blipFill>
-              <p:spPr>
-                <a:xfrm>
-                  <a:off x="508018" y="2210587"/>
-                  <a:ext cx="438480" cy="360000"/>
-                </a:xfrm>
-                <a:prstGeom prst="rect">
-                  <a:avLst/>
-                </a:prstGeom>
-              </p:spPr>
-            </p:pic>
-          </mc:Fallback>
-        </mc:AlternateContent>
-      </p:grpSp>
-      <p:grpSp>
-        <p:nvGrpSpPr>
-          <p:cNvPr id="22" name="Group 21">
-            <a:extLst>
-              <a:ext uri="{FF2B5EF4-FFF2-40B4-BE49-F238E27FC236}">
-                <a16:creationId xmlns:a16="http://schemas.microsoft.com/office/drawing/2014/main" id="{E87C1D37-CF07-0D6A-6ED3-0EEC5CB5D3D4}"/>
-              </a:ext>
-            </a:extLst>
-          </p:cNvPr>
-          <p:cNvGrpSpPr/>
-          <p:nvPr/>
-        </p:nvGrpSpPr>
-        <p:grpSpPr>
-          <a:xfrm>
-            <a:off x="936778" y="5254387"/>
-            <a:ext cx="9196920" cy="440640"/>
-            <a:chOff x="936778" y="5254387"/>
-            <a:chExt cx="9196920" cy="440640"/>
-          </a:xfrm>
-        </p:grpSpPr>
-        <mc:AlternateContent xmlns:mc="http://schemas.openxmlformats.org/markup-compatibility/2006">
-          <mc:Choice xmlns:p14="http://schemas.microsoft.com/office/powerpoint/2010/main" Requires="p14">
-            <p:contentPart p14:bwMode="auto" r:id="rId24">
-              <p14:nvContentPartPr>
-                <p14:cNvPr id="20" name="Ink 19">
-                  <a:extLst>
-                    <a:ext uri="{FF2B5EF4-FFF2-40B4-BE49-F238E27FC236}">
-                      <a16:creationId xmlns:a16="http://schemas.microsoft.com/office/drawing/2014/main" id="{B6469264-8288-5D14-259A-C533370AB930}"/>
-                    </a:ext>
-                  </a:extLst>
-                </p14:cNvPr>
-                <p14:cNvContentPartPr/>
-                <p14:nvPr/>
-              </p14:nvContentPartPr>
-              <p14:xfrm>
-                <a:off x="936778" y="5407027"/>
-                <a:ext cx="8641080" cy="288000"/>
-              </p14:xfrm>
-            </p:contentPart>
-          </mc:Choice>
-          <mc:Fallback>
-            <p:pic>
-              <p:nvPicPr>
-                <p:cNvPr id="20" name="Ink 19">
-                  <a:extLst>
-                    <a:ext uri="{FF2B5EF4-FFF2-40B4-BE49-F238E27FC236}">
-                      <a16:creationId xmlns:a16="http://schemas.microsoft.com/office/drawing/2014/main" id="{B6469264-8288-5D14-259A-C533370AB930}"/>
-                    </a:ext>
-                  </a:extLst>
-                </p:cNvPr>
-                <p:cNvPicPr/>
-                <p:nvPr/>
-              </p:nvPicPr>
-              <p:blipFill>
-                <a:blip r:embed="rId25"/>
-                <a:stretch>
-                  <a:fillRect/>
-                </a:stretch>
-              </p:blipFill>
-              <p:spPr>
-                <a:xfrm>
-                  <a:off x="900778" y="5371027"/>
-                  <a:ext cx="8712720" cy="359640"/>
-                </a:xfrm>
-                <a:prstGeom prst="rect">
-                  <a:avLst/>
-                </a:prstGeom>
-              </p:spPr>
-            </p:pic>
-          </mc:Fallback>
-        </mc:AlternateContent>
-        <mc:AlternateContent xmlns:mc="http://schemas.openxmlformats.org/markup-compatibility/2006">
-          <mc:Choice xmlns:p14="http://schemas.microsoft.com/office/powerpoint/2010/main" Requires="p14">
-            <p:contentPart p14:bwMode="auto" r:id="rId26">
-              <p14:nvContentPartPr>
-                <p14:cNvPr id="21" name="Ink 20">
-                  <a:extLst>
-                    <a:ext uri="{FF2B5EF4-FFF2-40B4-BE49-F238E27FC236}">
-                      <a16:creationId xmlns:a16="http://schemas.microsoft.com/office/drawing/2014/main" id="{F6194FD4-0346-F7A6-C7A3-E01309E194CE}"/>
-                    </a:ext>
-                  </a:extLst>
-                </p14:cNvPr>
-                <p14:cNvContentPartPr/>
-                <p14:nvPr/>
-              </p14:nvContentPartPr>
-              <p14:xfrm>
-                <a:off x="9399298" y="5254387"/>
-                <a:ext cx="734400" cy="383400"/>
-              </p14:xfrm>
-            </p:contentPart>
-          </mc:Choice>
-          <mc:Fallback>
-            <p:pic>
-              <p:nvPicPr>
-                <p:cNvPr id="21" name="Ink 20">
-                  <a:extLst>
-                    <a:ext uri="{FF2B5EF4-FFF2-40B4-BE49-F238E27FC236}">
-                      <a16:creationId xmlns:a16="http://schemas.microsoft.com/office/drawing/2014/main" id="{F6194FD4-0346-F7A6-C7A3-E01309E194CE}"/>
-                    </a:ext>
-                  </a:extLst>
-                </p:cNvPr>
-                <p:cNvPicPr/>
-                <p:nvPr/>
-              </p:nvPicPr>
-              <p:blipFill>
-                <a:blip r:embed="rId27"/>
-                <a:stretch>
-                  <a:fillRect/>
-                </a:stretch>
-              </p:blipFill>
-              <p:spPr>
-                <a:xfrm>
-                  <a:off x="9363298" y="5218387"/>
-                  <a:ext cx="806040" cy="455040"/>
-                </a:xfrm>
-                <a:prstGeom prst="rect">
-                  <a:avLst/>
-                </a:prstGeom>
-              </p:spPr>
-            </p:pic>
-          </mc:Fallback>
-        </mc:AlternateContent>
-      </p:grpSp>
-      <p:grpSp>
-        <p:nvGrpSpPr>
-          <p:cNvPr id="40" name="Group 39">
-            <a:extLst>
-              <a:ext uri="{FF2B5EF4-FFF2-40B4-BE49-F238E27FC236}">
-                <a16:creationId xmlns:a16="http://schemas.microsoft.com/office/drawing/2014/main" id="{E7C94735-04BB-05D2-4D3C-EE3634C6A6FB}"/>
-              </a:ext>
-            </a:extLst>
-          </p:cNvPr>
-          <p:cNvGrpSpPr/>
-          <p:nvPr/>
-        </p:nvGrpSpPr>
-        <p:grpSpPr>
-          <a:xfrm>
-            <a:off x="3260578" y="5754067"/>
-            <a:ext cx="4728240" cy="789480"/>
-            <a:chOff x="3260578" y="5754067"/>
-            <a:chExt cx="4728240" cy="789480"/>
-          </a:xfrm>
-        </p:grpSpPr>
-        <mc:AlternateContent xmlns:mc="http://schemas.openxmlformats.org/markup-compatibility/2006">
-          <mc:Choice xmlns:p14="http://schemas.microsoft.com/office/powerpoint/2010/main" Requires="p14">
-            <p:contentPart p14:bwMode="auto" r:id="rId28">
-              <p14:nvContentPartPr>
-                <p14:cNvPr id="23" name="Ink 22">
-                  <a:extLst>
-                    <a:ext uri="{FF2B5EF4-FFF2-40B4-BE49-F238E27FC236}">
-                      <a16:creationId xmlns:a16="http://schemas.microsoft.com/office/drawing/2014/main" id="{21708F00-3E4B-72B6-542B-92454D38CF0B}"/>
-                    </a:ext>
-                  </a:extLst>
-                </p14:cNvPr>
-                <p14:cNvContentPartPr/>
-                <p14:nvPr/>
-              </p14:nvContentPartPr>
-              <p14:xfrm>
-                <a:off x="3260578" y="5921467"/>
-                <a:ext cx="558000" cy="577440"/>
-              </p14:xfrm>
-            </p:contentPart>
-          </mc:Choice>
-          <mc:Fallback>
-            <p:pic>
-              <p:nvPicPr>
-                <p:cNvPr id="23" name="Ink 22">
-                  <a:extLst>
-                    <a:ext uri="{FF2B5EF4-FFF2-40B4-BE49-F238E27FC236}">
-                      <a16:creationId xmlns:a16="http://schemas.microsoft.com/office/drawing/2014/main" id="{21708F00-3E4B-72B6-542B-92454D38CF0B}"/>
-                    </a:ext>
-                  </a:extLst>
-                </p:cNvPr>
-                <p:cNvPicPr/>
-                <p:nvPr/>
-              </p:nvPicPr>
-              <p:blipFill>
-                <a:blip r:embed="rId29"/>
-                <a:stretch>
-                  <a:fillRect/>
-                </a:stretch>
-              </p:blipFill>
-              <p:spPr>
-                <a:xfrm>
-                  <a:off x="3224578" y="5885827"/>
-                  <a:ext cx="629640" cy="649080"/>
-                </a:xfrm>
-                <a:prstGeom prst="rect">
-                  <a:avLst/>
-                </a:prstGeom>
-              </p:spPr>
-            </p:pic>
-          </mc:Fallback>
-        </mc:AlternateContent>
-        <mc:AlternateContent xmlns:mc="http://schemas.openxmlformats.org/markup-compatibility/2006">
-          <mc:Choice xmlns:p14="http://schemas.microsoft.com/office/powerpoint/2010/main" Requires="p14">
-            <p:contentPart p14:bwMode="auto" r:id="rId30">
-              <p14:nvContentPartPr>
-                <p14:cNvPr id="24" name="Ink 23">
-                  <a:extLst>
-                    <a:ext uri="{FF2B5EF4-FFF2-40B4-BE49-F238E27FC236}">
-                      <a16:creationId xmlns:a16="http://schemas.microsoft.com/office/drawing/2014/main" id="{BF205125-F453-7AAA-1222-7B803469475E}"/>
-                    </a:ext>
-                  </a:extLst>
-                </p14:cNvPr>
-                <p14:cNvContentPartPr/>
-                <p14:nvPr/>
-              </p14:nvContentPartPr>
-              <p14:xfrm>
-                <a:off x="3857098" y="6239707"/>
-                <a:ext cx="263160" cy="205200"/>
-              </p14:xfrm>
-            </p:contentPart>
-          </mc:Choice>
-          <mc:Fallback>
-            <p:pic>
-              <p:nvPicPr>
-                <p:cNvPr id="24" name="Ink 23">
-                  <a:extLst>
-                    <a:ext uri="{FF2B5EF4-FFF2-40B4-BE49-F238E27FC236}">
-                      <a16:creationId xmlns:a16="http://schemas.microsoft.com/office/drawing/2014/main" id="{BF205125-F453-7AAA-1222-7B803469475E}"/>
-                    </a:ext>
-                  </a:extLst>
-                </p:cNvPr>
-                <p:cNvPicPr/>
-                <p:nvPr/>
-              </p:nvPicPr>
-              <p:blipFill>
-                <a:blip r:embed="rId31"/>
-                <a:stretch>
-                  <a:fillRect/>
-                </a:stretch>
-              </p:blipFill>
-              <p:spPr>
-                <a:xfrm>
-                  <a:off x="3821098" y="6203707"/>
-                  <a:ext cx="334800" cy="276840"/>
-                </a:xfrm>
-                <a:prstGeom prst="rect">
-                  <a:avLst/>
-                </a:prstGeom>
-              </p:spPr>
-            </p:pic>
-          </mc:Fallback>
-        </mc:AlternateContent>
-        <mc:AlternateContent xmlns:mc="http://schemas.openxmlformats.org/markup-compatibility/2006">
-          <mc:Choice xmlns:p14="http://schemas.microsoft.com/office/powerpoint/2010/main" Requires="p14">
-            <p:contentPart p14:bwMode="auto" r:id="rId32">
-              <p14:nvContentPartPr>
-                <p14:cNvPr id="25" name="Ink 24">
-                  <a:extLst>
-                    <a:ext uri="{FF2B5EF4-FFF2-40B4-BE49-F238E27FC236}">
-                      <a16:creationId xmlns:a16="http://schemas.microsoft.com/office/drawing/2014/main" id="{762ACC44-89EA-AC0E-884D-C4A0C10279F4}"/>
-                    </a:ext>
-                  </a:extLst>
-                </p14:cNvPr>
-                <p14:cNvContentPartPr/>
-                <p14:nvPr/>
-              </p14:nvContentPartPr>
-              <p14:xfrm>
-                <a:off x="4193698" y="6196507"/>
-                <a:ext cx="229680" cy="264600"/>
-              </p14:xfrm>
-            </p:contentPart>
-          </mc:Choice>
-          <mc:Fallback>
-            <p:pic>
-              <p:nvPicPr>
-                <p:cNvPr id="25" name="Ink 24">
-                  <a:extLst>
-                    <a:ext uri="{FF2B5EF4-FFF2-40B4-BE49-F238E27FC236}">
-                      <a16:creationId xmlns:a16="http://schemas.microsoft.com/office/drawing/2014/main" id="{762ACC44-89EA-AC0E-884D-C4A0C10279F4}"/>
-                    </a:ext>
-                  </a:extLst>
-                </p:cNvPr>
-                <p:cNvPicPr/>
-                <p:nvPr/>
-              </p:nvPicPr>
-              <p:blipFill>
-                <a:blip r:embed="rId33"/>
-                <a:stretch>
-                  <a:fillRect/>
-                </a:stretch>
-              </p:blipFill>
-              <p:spPr>
-                <a:xfrm>
-                  <a:off x="4158058" y="6160507"/>
-                  <a:ext cx="301320" cy="336240"/>
-                </a:xfrm>
-                <a:prstGeom prst="rect">
-                  <a:avLst/>
-                </a:prstGeom>
-              </p:spPr>
-            </p:pic>
-          </mc:Fallback>
-        </mc:AlternateContent>
-        <mc:AlternateContent xmlns:mc="http://schemas.openxmlformats.org/markup-compatibility/2006">
-          <mc:Choice xmlns:p14="http://schemas.microsoft.com/office/powerpoint/2010/main" Requires="p14">
-            <p:contentPart p14:bwMode="auto" r:id="rId34">
-              <p14:nvContentPartPr>
-                <p14:cNvPr id="26" name="Ink 25">
-                  <a:extLst>
-                    <a:ext uri="{FF2B5EF4-FFF2-40B4-BE49-F238E27FC236}">
-                      <a16:creationId xmlns:a16="http://schemas.microsoft.com/office/drawing/2014/main" id="{914E4AAC-9A65-28BD-DE0A-D54454180F95}"/>
-                    </a:ext>
-                  </a:extLst>
-                </p14:cNvPr>
-                <p14:cNvContentPartPr/>
-                <p14:nvPr/>
-              </p14:nvContentPartPr>
-              <p14:xfrm>
-                <a:off x="4593298" y="5754067"/>
-                <a:ext cx="59400" cy="731880"/>
-              </p14:xfrm>
-            </p:contentPart>
-          </mc:Choice>
-          <mc:Fallback>
-            <p:pic>
-              <p:nvPicPr>
-                <p:cNvPr id="26" name="Ink 25">
-                  <a:extLst>
-                    <a:ext uri="{FF2B5EF4-FFF2-40B4-BE49-F238E27FC236}">
-                      <a16:creationId xmlns:a16="http://schemas.microsoft.com/office/drawing/2014/main" id="{914E4AAC-9A65-28BD-DE0A-D54454180F95}"/>
-                    </a:ext>
-                  </a:extLst>
-                </p:cNvPr>
-                <p:cNvPicPr/>
-                <p:nvPr/>
-              </p:nvPicPr>
-              <p:blipFill>
-                <a:blip r:embed="rId35"/>
-                <a:stretch>
-                  <a:fillRect/>
-                </a:stretch>
-              </p:blipFill>
-              <p:spPr>
-                <a:xfrm>
-                  <a:off x="4557658" y="5718067"/>
-                  <a:ext cx="131040" cy="803520"/>
-                </a:xfrm>
-                <a:prstGeom prst="rect">
-                  <a:avLst/>
-                </a:prstGeom>
-              </p:spPr>
-            </p:pic>
-          </mc:Fallback>
-        </mc:AlternateContent>
-        <mc:AlternateContent xmlns:mc="http://schemas.openxmlformats.org/markup-compatibility/2006">
-          <mc:Choice xmlns:p14="http://schemas.microsoft.com/office/powerpoint/2010/main" Requires="p14">
-            <p:contentPart p14:bwMode="auto" r:id="rId36">
-              <p14:nvContentPartPr>
-                <p14:cNvPr id="27" name="Ink 26">
-                  <a:extLst>
-                    <a:ext uri="{FF2B5EF4-FFF2-40B4-BE49-F238E27FC236}">
-                      <a16:creationId xmlns:a16="http://schemas.microsoft.com/office/drawing/2014/main" id="{D87CA846-768C-7BEB-0B27-C342443DC0A8}"/>
-                    </a:ext>
-                  </a:extLst>
-                </p14:cNvPr>
-                <p14:cNvContentPartPr/>
-                <p14:nvPr/>
-              </p14:nvContentPartPr>
-              <p14:xfrm>
-                <a:off x="4530298" y="6118027"/>
-                <a:ext cx="307440" cy="38160"/>
-              </p14:xfrm>
-            </p:contentPart>
-          </mc:Choice>
-          <mc:Fallback>
-            <p:pic>
-              <p:nvPicPr>
-                <p:cNvPr id="27" name="Ink 26">
-                  <a:extLst>
-                    <a:ext uri="{FF2B5EF4-FFF2-40B4-BE49-F238E27FC236}">
-                      <a16:creationId xmlns:a16="http://schemas.microsoft.com/office/drawing/2014/main" id="{D87CA846-768C-7BEB-0B27-C342443DC0A8}"/>
-                    </a:ext>
-                  </a:extLst>
-                </p:cNvPr>
-                <p:cNvPicPr/>
-                <p:nvPr/>
-              </p:nvPicPr>
-              <p:blipFill>
-                <a:blip r:embed="rId37"/>
-                <a:stretch>
-                  <a:fillRect/>
-                </a:stretch>
-              </p:blipFill>
-              <p:spPr>
-                <a:xfrm>
-                  <a:off x="4494658" y="6082027"/>
-                  <a:ext cx="379080" cy="109800"/>
-                </a:xfrm>
-                <a:prstGeom prst="rect">
-                  <a:avLst/>
-                </a:prstGeom>
-              </p:spPr>
-            </p:pic>
-          </mc:Fallback>
-        </mc:AlternateContent>
-        <mc:AlternateContent xmlns:mc="http://schemas.openxmlformats.org/markup-compatibility/2006">
-          <mc:Choice xmlns:p14="http://schemas.microsoft.com/office/powerpoint/2010/main" Requires="p14">
-            <p:contentPart p14:bwMode="auto" r:id="rId38">
-              <p14:nvContentPartPr>
-                <p14:cNvPr id="28" name="Ink 27">
-                  <a:extLst>
-                    <a:ext uri="{FF2B5EF4-FFF2-40B4-BE49-F238E27FC236}">
-                      <a16:creationId xmlns:a16="http://schemas.microsoft.com/office/drawing/2014/main" id="{F5846FAC-F6C5-5750-02C7-1E8F2AB2DFEF}"/>
-                    </a:ext>
-                  </a:extLst>
-                </p14:cNvPr>
-                <p14:cNvContentPartPr/>
-                <p14:nvPr/>
-              </p14:nvContentPartPr>
-              <p14:xfrm>
-                <a:off x="4880578" y="6132067"/>
-                <a:ext cx="273240" cy="290880"/>
-              </p14:xfrm>
-            </p:contentPart>
-          </mc:Choice>
-          <mc:Fallback>
-            <p:pic>
-              <p:nvPicPr>
-                <p:cNvPr id="28" name="Ink 27">
-                  <a:extLst>
-                    <a:ext uri="{FF2B5EF4-FFF2-40B4-BE49-F238E27FC236}">
-                      <a16:creationId xmlns:a16="http://schemas.microsoft.com/office/drawing/2014/main" id="{F5846FAC-F6C5-5750-02C7-1E8F2AB2DFEF}"/>
-                    </a:ext>
-                  </a:extLst>
-                </p:cNvPr>
-                <p:cNvPicPr/>
-                <p:nvPr/>
-              </p:nvPicPr>
-              <p:blipFill>
-                <a:blip r:embed="rId39"/>
-                <a:stretch>
-                  <a:fillRect/>
-                </a:stretch>
-              </p:blipFill>
-              <p:spPr>
-                <a:xfrm>
-                  <a:off x="4844578" y="6096427"/>
-                  <a:ext cx="344880" cy="362520"/>
-                </a:xfrm>
-                <a:prstGeom prst="rect">
-                  <a:avLst/>
-                </a:prstGeom>
-              </p:spPr>
-            </p:pic>
-          </mc:Fallback>
-        </mc:AlternateContent>
-        <mc:AlternateContent xmlns:mc="http://schemas.openxmlformats.org/markup-compatibility/2006">
-          <mc:Choice xmlns:p14="http://schemas.microsoft.com/office/powerpoint/2010/main" Requires="p14">
-            <p:contentPart p14:bwMode="auto" r:id="rId40">
-              <p14:nvContentPartPr>
-                <p14:cNvPr id="29" name="Ink 28">
-                  <a:extLst>
-                    <a:ext uri="{FF2B5EF4-FFF2-40B4-BE49-F238E27FC236}">
-                      <a16:creationId xmlns:a16="http://schemas.microsoft.com/office/drawing/2014/main" id="{6440C69F-A229-464F-A366-BEE9C9B6F977}"/>
-                    </a:ext>
-                  </a:extLst>
-                </p14:cNvPr>
-                <p14:cNvContentPartPr/>
-                <p14:nvPr/>
-              </p14:nvContentPartPr>
-              <p14:xfrm>
-                <a:off x="5167138" y="6146827"/>
-                <a:ext cx="400680" cy="396720"/>
-              </p14:xfrm>
-            </p:contentPart>
-          </mc:Choice>
-          <mc:Fallback>
-            <p:pic>
-              <p:nvPicPr>
-                <p:cNvPr id="29" name="Ink 28">
-                  <a:extLst>
-                    <a:ext uri="{FF2B5EF4-FFF2-40B4-BE49-F238E27FC236}">
-                      <a16:creationId xmlns:a16="http://schemas.microsoft.com/office/drawing/2014/main" id="{6440C69F-A229-464F-A366-BEE9C9B6F977}"/>
-                    </a:ext>
-                  </a:extLst>
-                </p:cNvPr>
-                <p:cNvPicPr/>
-                <p:nvPr/>
-              </p:nvPicPr>
-              <p:blipFill>
-                <a:blip r:embed="rId41"/>
-                <a:stretch>
-                  <a:fillRect/>
-                </a:stretch>
-              </p:blipFill>
-              <p:spPr>
-                <a:xfrm>
-                  <a:off x="5131498" y="6111187"/>
-                  <a:ext cx="472320" cy="468360"/>
-                </a:xfrm>
-                <a:prstGeom prst="rect">
-                  <a:avLst/>
-                </a:prstGeom>
-              </p:spPr>
-            </p:pic>
-          </mc:Fallback>
-        </mc:AlternateContent>
-        <mc:AlternateContent xmlns:mc="http://schemas.openxmlformats.org/markup-compatibility/2006">
-          <mc:Choice xmlns:p14="http://schemas.microsoft.com/office/powerpoint/2010/main" Requires="p14">
-            <p:contentPart p14:bwMode="auto" r:id="rId42">
-              <p14:nvContentPartPr>
-                <p14:cNvPr id="30" name="Ink 29">
-                  <a:extLst>
-                    <a:ext uri="{FF2B5EF4-FFF2-40B4-BE49-F238E27FC236}">
-                      <a16:creationId xmlns:a16="http://schemas.microsoft.com/office/drawing/2014/main" id="{79EFA71D-0EED-9D73-992E-BF48761E64CC}"/>
-                    </a:ext>
-                  </a:extLst>
-                </p14:cNvPr>
-                <p14:cNvContentPartPr/>
-                <p14:nvPr/>
-              </p14:nvContentPartPr>
-              <p14:xfrm>
-                <a:off x="5308978" y="6178867"/>
-                <a:ext cx="258480" cy="300960"/>
-              </p14:xfrm>
-            </p:contentPart>
-          </mc:Choice>
-          <mc:Fallback>
-            <p:pic>
-              <p:nvPicPr>
-                <p:cNvPr id="30" name="Ink 29">
-                  <a:extLst>
-                    <a:ext uri="{FF2B5EF4-FFF2-40B4-BE49-F238E27FC236}">
-                      <a16:creationId xmlns:a16="http://schemas.microsoft.com/office/drawing/2014/main" id="{79EFA71D-0EED-9D73-992E-BF48761E64CC}"/>
-                    </a:ext>
-                  </a:extLst>
-                </p:cNvPr>
-                <p:cNvPicPr/>
-                <p:nvPr/>
-              </p:nvPicPr>
-              <p:blipFill>
-                <a:blip r:embed="rId43"/>
-                <a:stretch>
-                  <a:fillRect/>
-                </a:stretch>
-              </p:blipFill>
-              <p:spPr>
-                <a:xfrm>
-                  <a:off x="5273338" y="6142867"/>
-                  <a:ext cx="330120" cy="372600"/>
-                </a:xfrm>
-                <a:prstGeom prst="rect">
-                  <a:avLst/>
-                </a:prstGeom>
-              </p:spPr>
-            </p:pic>
-          </mc:Fallback>
-        </mc:AlternateContent>
-        <mc:AlternateContent xmlns:mc="http://schemas.openxmlformats.org/markup-compatibility/2006">
-          <mc:Choice xmlns:p14="http://schemas.microsoft.com/office/powerpoint/2010/main" Requires="p14">
-            <p:contentPart p14:bwMode="auto" r:id="rId44">
-              <p14:nvContentPartPr>
-                <p14:cNvPr id="31" name="Ink 30">
-                  <a:extLst>
-                    <a:ext uri="{FF2B5EF4-FFF2-40B4-BE49-F238E27FC236}">
-                      <a16:creationId xmlns:a16="http://schemas.microsoft.com/office/drawing/2014/main" id="{CF499D12-3FFF-081E-2188-06366A01132F}"/>
-                    </a:ext>
-                  </a:extLst>
-                </p14:cNvPr>
-                <p14:cNvContentPartPr/>
-                <p14:nvPr/>
-              </p14:nvContentPartPr>
-              <p14:xfrm>
-                <a:off x="5766538" y="5790427"/>
-                <a:ext cx="58320" cy="602640"/>
-              </p14:xfrm>
-            </p:contentPart>
-          </mc:Choice>
-          <mc:Fallback>
-            <p:pic>
-              <p:nvPicPr>
-                <p:cNvPr id="31" name="Ink 30">
-                  <a:extLst>
-                    <a:ext uri="{FF2B5EF4-FFF2-40B4-BE49-F238E27FC236}">
-                      <a16:creationId xmlns:a16="http://schemas.microsoft.com/office/drawing/2014/main" id="{CF499D12-3FFF-081E-2188-06366A01132F}"/>
-                    </a:ext>
-                  </a:extLst>
-                </p:cNvPr>
-                <p:cNvPicPr/>
-                <p:nvPr/>
-              </p:nvPicPr>
-              <p:blipFill>
-                <a:blip r:embed="rId45"/>
-                <a:stretch>
-                  <a:fillRect/>
-                </a:stretch>
-              </p:blipFill>
-              <p:spPr>
-                <a:xfrm>
-                  <a:off x="5730538" y="5754787"/>
-                  <a:ext cx="129960" cy="674280"/>
-                </a:xfrm>
-                <a:prstGeom prst="rect">
-                  <a:avLst/>
-                </a:prstGeom>
-              </p:spPr>
-            </p:pic>
-          </mc:Fallback>
-        </mc:AlternateContent>
-        <mc:AlternateContent xmlns:mc="http://schemas.openxmlformats.org/markup-compatibility/2006">
-          <mc:Choice xmlns:p14="http://schemas.microsoft.com/office/powerpoint/2010/main" Requires="p14">
-            <p:contentPart p14:bwMode="auto" r:id="rId46">
-              <p14:nvContentPartPr>
-                <p14:cNvPr id="32" name="Ink 31">
-                  <a:extLst>
-                    <a:ext uri="{FF2B5EF4-FFF2-40B4-BE49-F238E27FC236}">
-                      <a16:creationId xmlns:a16="http://schemas.microsoft.com/office/drawing/2014/main" id="{7BCBEE73-CFFE-4ECC-676E-9332A77EA004}"/>
-                    </a:ext>
-                  </a:extLst>
-                </p14:cNvPr>
-                <p14:cNvContentPartPr/>
-                <p14:nvPr/>
-              </p14:nvContentPartPr>
-              <p14:xfrm>
-                <a:off x="5676538" y="6073027"/>
-                <a:ext cx="289080" cy="64800"/>
-              </p14:xfrm>
-            </p:contentPart>
-          </mc:Choice>
-          <mc:Fallback>
-            <p:pic>
-              <p:nvPicPr>
-                <p:cNvPr id="32" name="Ink 31">
-                  <a:extLst>
-                    <a:ext uri="{FF2B5EF4-FFF2-40B4-BE49-F238E27FC236}">
-                      <a16:creationId xmlns:a16="http://schemas.microsoft.com/office/drawing/2014/main" id="{7BCBEE73-CFFE-4ECC-676E-9332A77EA004}"/>
-                    </a:ext>
-                  </a:extLst>
-                </p:cNvPr>
-                <p:cNvPicPr/>
-                <p:nvPr/>
-              </p:nvPicPr>
-              <p:blipFill>
-                <a:blip r:embed="rId47"/>
-                <a:stretch>
-                  <a:fillRect/>
-                </a:stretch>
-              </p:blipFill>
-              <p:spPr>
-                <a:xfrm>
-                  <a:off x="5640538" y="6037387"/>
-                  <a:ext cx="360720" cy="136440"/>
-                </a:xfrm>
-                <a:prstGeom prst="rect">
-                  <a:avLst/>
-                </a:prstGeom>
-              </p:spPr>
-            </p:pic>
-          </mc:Fallback>
-        </mc:AlternateContent>
-        <mc:AlternateContent xmlns:mc="http://schemas.openxmlformats.org/markup-compatibility/2006">
-          <mc:Choice xmlns:p14="http://schemas.microsoft.com/office/powerpoint/2010/main" Requires="p14">
-            <p:contentPart p14:bwMode="auto" r:id="rId48">
-              <p14:nvContentPartPr>
-                <p14:cNvPr id="34" name="Ink 33">
-                  <a:extLst>
-                    <a:ext uri="{FF2B5EF4-FFF2-40B4-BE49-F238E27FC236}">
-                      <a16:creationId xmlns:a16="http://schemas.microsoft.com/office/drawing/2014/main" id="{995913EA-5DB9-45F1-EE53-277D1B425BE5}"/>
-                    </a:ext>
-                  </a:extLst>
-                </p14:cNvPr>
-                <p14:cNvContentPartPr/>
-                <p14:nvPr/>
-              </p14:nvContentPartPr>
-              <p14:xfrm>
-                <a:off x="6307258" y="5788987"/>
-                <a:ext cx="553320" cy="653400"/>
-              </p14:xfrm>
-            </p:contentPart>
-          </mc:Choice>
-          <mc:Fallback>
-            <p:pic>
-              <p:nvPicPr>
-                <p:cNvPr id="34" name="Ink 33">
-                  <a:extLst>
-                    <a:ext uri="{FF2B5EF4-FFF2-40B4-BE49-F238E27FC236}">
-                      <a16:creationId xmlns:a16="http://schemas.microsoft.com/office/drawing/2014/main" id="{995913EA-5DB9-45F1-EE53-277D1B425BE5}"/>
-                    </a:ext>
-                  </a:extLst>
-                </p:cNvPr>
-                <p:cNvPicPr/>
-                <p:nvPr/>
-              </p:nvPicPr>
-              <p:blipFill>
-                <a:blip r:embed="rId49"/>
-                <a:stretch>
-                  <a:fillRect/>
-                </a:stretch>
-              </p:blipFill>
-              <p:spPr>
-                <a:xfrm>
-                  <a:off x="6271258" y="5752987"/>
-                  <a:ext cx="624960" cy="725040"/>
-                </a:xfrm>
-                <a:prstGeom prst="rect">
-                  <a:avLst/>
-                </a:prstGeom>
-              </p:spPr>
-            </p:pic>
-          </mc:Fallback>
-        </mc:AlternateContent>
-        <mc:AlternateContent xmlns:mc="http://schemas.openxmlformats.org/markup-compatibility/2006">
-          <mc:Choice xmlns:p14="http://schemas.microsoft.com/office/powerpoint/2010/main" Requires="p14">
-            <p:contentPart p14:bwMode="auto" r:id="rId50">
-              <p14:nvContentPartPr>
-                <p14:cNvPr id="35" name="Ink 34">
-                  <a:extLst>
-                    <a:ext uri="{FF2B5EF4-FFF2-40B4-BE49-F238E27FC236}">
-                      <a16:creationId xmlns:a16="http://schemas.microsoft.com/office/drawing/2014/main" id="{0BE0DCB7-B3AC-C78B-17B5-3834B869B8B4}"/>
-                    </a:ext>
-                  </a:extLst>
-                </p14:cNvPr>
-                <p14:cNvContentPartPr/>
-                <p14:nvPr/>
-              </p14:nvContentPartPr>
-              <p14:xfrm>
-                <a:off x="6841498" y="6147187"/>
-                <a:ext cx="98640" cy="340560"/>
-              </p14:xfrm>
-            </p:contentPart>
-          </mc:Choice>
-          <mc:Fallback>
-            <p:pic>
-              <p:nvPicPr>
-                <p:cNvPr id="35" name="Ink 34">
-                  <a:extLst>
-                    <a:ext uri="{FF2B5EF4-FFF2-40B4-BE49-F238E27FC236}">
-                      <a16:creationId xmlns:a16="http://schemas.microsoft.com/office/drawing/2014/main" id="{0BE0DCB7-B3AC-C78B-17B5-3834B869B8B4}"/>
-                    </a:ext>
-                  </a:extLst>
-                </p:cNvPr>
-                <p:cNvPicPr/>
-                <p:nvPr/>
-              </p:nvPicPr>
-              <p:blipFill>
-                <a:blip r:embed="rId51"/>
-                <a:stretch>
-                  <a:fillRect/>
-                </a:stretch>
-              </p:blipFill>
-              <p:spPr>
-                <a:xfrm>
-                  <a:off x="6805858" y="6111547"/>
-                  <a:ext cx="170280" cy="412200"/>
-                </a:xfrm>
-                <a:prstGeom prst="rect">
-                  <a:avLst/>
-                </a:prstGeom>
-              </p:spPr>
-            </p:pic>
-          </mc:Fallback>
-        </mc:AlternateContent>
-        <mc:AlternateContent xmlns:mc="http://schemas.openxmlformats.org/markup-compatibility/2006">
-          <mc:Choice xmlns:p14="http://schemas.microsoft.com/office/powerpoint/2010/main" Requires="p14">
-            <p:contentPart p14:bwMode="auto" r:id="rId52">
-              <p14:nvContentPartPr>
-                <p14:cNvPr id="36" name="Ink 35">
-                  <a:extLst>
-                    <a:ext uri="{FF2B5EF4-FFF2-40B4-BE49-F238E27FC236}">
-                      <a16:creationId xmlns:a16="http://schemas.microsoft.com/office/drawing/2014/main" id="{8A812104-9DD2-2D2B-CF63-601FA1214318}"/>
-                    </a:ext>
-                  </a:extLst>
-                </p14:cNvPr>
-                <p14:cNvContentPartPr/>
-                <p14:nvPr/>
-              </p14:nvContentPartPr>
-              <p14:xfrm>
-                <a:off x="6932218" y="5980867"/>
-                <a:ext cx="7920" cy="54720"/>
-              </p14:xfrm>
-            </p:contentPart>
-          </mc:Choice>
-          <mc:Fallback>
-            <p:pic>
-              <p:nvPicPr>
-                <p:cNvPr id="36" name="Ink 35">
-                  <a:extLst>
-                    <a:ext uri="{FF2B5EF4-FFF2-40B4-BE49-F238E27FC236}">
-                      <a16:creationId xmlns:a16="http://schemas.microsoft.com/office/drawing/2014/main" id="{8A812104-9DD2-2D2B-CF63-601FA1214318}"/>
-                    </a:ext>
-                  </a:extLst>
-                </p:cNvPr>
-                <p:cNvPicPr/>
-                <p:nvPr/>
-              </p:nvPicPr>
-              <p:blipFill>
-                <a:blip r:embed="rId53"/>
-                <a:stretch>
-                  <a:fillRect/>
-                </a:stretch>
-              </p:blipFill>
-              <p:spPr>
-                <a:xfrm>
-                  <a:off x="6896578" y="5944867"/>
-                  <a:ext cx="79560" cy="126360"/>
-                </a:xfrm>
-                <a:prstGeom prst="rect">
-                  <a:avLst/>
-                </a:prstGeom>
-              </p:spPr>
-            </p:pic>
-          </mc:Fallback>
-        </mc:AlternateContent>
-        <mc:AlternateContent xmlns:mc="http://schemas.openxmlformats.org/markup-compatibility/2006">
-          <mc:Choice xmlns:p14="http://schemas.microsoft.com/office/powerpoint/2010/main" Requires="p14">
-            <p:contentPart p14:bwMode="auto" r:id="rId54">
-              <p14:nvContentPartPr>
-                <p14:cNvPr id="38" name="Ink 37">
-                  <a:extLst>
-                    <a:ext uri="{FF2B5EF4-FFF2-40B4-BE49-F238E27FC236}">
-                      <a16:creationId xmlns:a16="http://schemas.microsoft.com/office/drawing/2014/main" id="{7358386C-16BD-A8D0-E9A6-493A9B34C8ED}"/>
-                    </a:ext>
-                  </a:extLst>
-                </p14:cNvPr>
-                <p14:cNvContentPartPr/>
-                <p14:nvPr/>
-              </p14:nvContentPartPr>
-              <p14:xfrm>
-                <a:off x="7005658" y="6122347"/>
-                <a:ext cx="426600" cy="384840"/>
-              </p14:xfrm>
-            </p:contentPart>
-          </mc:Choice>
-          <mc:Fallback>
-            <p:pic>
-              <p:nvPicPr>
-                <p:cNvPr id="38" name="Ink 37">
-                  <a:extLst>
-                    <a:ext uri="{FF2B5EF4-FFF2-40B4-BE49-F238E27FC236}">
-                      <a16:creationId xmlns:a16="http://schemas.microsoft.com/office/drawing/2014/main" id="{7358386C-16BD-A8D0-E9A6-493A9B34C8ED}"/>
-                    </a:ext>
-                  </a:extLst>
-                </p:cNvPr>
-                <p:cNvPicPr/>
-                <p:nvPr/>
-              </p:nvPicPr>
-              <p:blipFill>
-                <a:blip r:embed="rId55"/>
-                <a:stretch>
-                  <a:fillRect/>
-                </a:stretch>
-              </p:blipFill>
-              <p:spPr>
-                <a:xfrm>
-                  <a:off x="6969658" y="6086707"/>
-                  <a:ext cx="498240" cy="456480"/>
-                </a:xfrm>
-                <a:prstGeom prst="rect">
-                  <a:avLst/>
-                </a:prstGeom>
-              </p:spPr>
-            </p:pic>
-          </mc:Fallback>
-        </mc:AlternateContent>
-        <mc:AlternateContent xmlns:mc="http://schemas.openxmlformats.org/markup-compatibility/2006">
-          <mc:Choice xmlns:p14="http://schemas.microsoft.com/office/powerpoint/2010/main" Requires="p14">
-            <p:contentPart p14:bwMode="auto" r:id="rId56">
-              <p14:nvContentPartPr>
-                <p14:cNvPr id="39" name="Ink 38">
-                  <a:extLst>
-                    <a:ext uri="{FF2B5EF4-FFF2-40B4-BE49-F238E27FC236}">
-                      <a16:creationId xmlns:a16="http://schemas.microsoft.com/office/drawing/2014/main" id="{D9213031-A6CC-5703-54E6-DDC68DABBF18}"/>
-                    </a:ext>
-                  </a:extLst>
-                </p14:cNvPr>
-                <p14:cNvContentPartPr/>
-                <p14:nvPr/>
-              </p14:nvContentPartPr>
-              <p14:xfrm>
-                <a:off x="7576258" y="6130987"/>
-                <a:ext cx="412560" cy="327600"/>
-              </p14:xfrm>
-            </p:contentPart>
-          </mc:Choice>
-          <mc:Fallback>
-            <p:pic>
-              <p:nvPicPr>
-                <p:cNvPr id="39" name="Ink 38">
-                  <a:extLst>
-                    <a:ext uri="{FF2B5EF4-FFF2-40B4-BE49-F238E27FC236}">
-                      <a16:creationId xmlns:a16="http://schemas.microsoft.com/office/drawing/2014/main" id="{D9213031-A6CC-5703-54E6-DDC68DABBF18}"/>
-                    </a:ext>
-                  </a:extLst>
-                </p:cNvPr>
-                <p:cNvPicPr/>
-                <p:nvPr/>
-              </p:nvPicPr>
-              <p:blipFill>
-                <a:blip r:embed="rId57"/>
-                <a:stretch>
-                  <a:fillRect/>
-                </a:stretch>
-              </p:blipFill>
-              <p:spPr>
-                <a:xfrm>
-                  <a:off x="7540618" y="6094987"/>
-                  <a:ext cx="484200" cy="399240"/>
-                </a:xfrm>
-                <a:prstGeom prst="rect">
-                  <a:avLst/>
-                </a:prstGeom>
-              </p:spPr>
-            </p:pic>
-          </mc:Fallback>
-        </mc:AlternateContent>
-      </p:grpSp>
-      <mc:AlternateContent xmlns:mc="http://schemas.openxmlformats.org/markup-compatibility/2006">
-        <mc:Choice xmlns:p14="http://schemas.microsoft.com/office/powerpoint/2010/main" Requires="p14">
-          <p:contentPart p14:bwMode="auto" r:id="rId58">
-            <p14:nvContentPartPr>
-              <p14:cNvPr id="42" name="Ink 41">
-                <a:extLst>
-                  <a:ext uri="{FF2B5EF4-FFF2-40B4-BE49-F238E27FC236}">
-                    <a16:creationId xmlns:a16="http://schemas.microsoft.com/office/drawing/2014/main" id="{2FBD16A9-78E0-0FD0-E0A1-F8D29635B65F}"/>
-                  </a:ext>
-                </a:extLst>
-              </p14:cNvPr>
-              <p14:cNvContentPartPr/>
-              <p14:nvPr/>
-            </p14:nvContentPartPr>
-            <p14:xfrm>
-              <a:off x="1450498" y="1650787"/>
-              <a:ext cx="3804120" cy="2690280"/>
-            </p14:xfrm>
-          </p:contentPart>
-        </mc:Choice>
-        <mc:Fallback>
-          <p:pic>
-            <p:nvPicPr>
-              <p:cNvPr id="42" name="Ink 41">
-                <a:extLst>
-                  <a:ext uri="{FF2B5EF4-FFF2-40B4-BE49-F238E27FC236}">
-                    <a16:creationId xmlns:a16="http://schemas.microsoft.com/office/drawing/2014/main" id="{2FBD16A9-78E0-0FD0-E0A1-F8D29635B65F}"/>
-                  </a:ext>
-                </a:extLst>
-              </p:cNvPr>
-              <p:cNvPicPr/>
-              <p:nvPr/>
-            </p:nvPicPr>
-            <p:blipFill>
-              <a:blip r:embed="rId59"/>
-              <a:stretch>
-                <a:fillRect/>
-              </a:stretch>
-            </p:blipFill>
-            <p:spPr>
-              <a:xfrm>
-                <a:off x="1414498" y="1614787"/>
-                <a:ext cx="3875760" cy="2761920"/>
-              </a:xfrm>
-              <a:prstGeom prst="rect">
-                <a:avLst/>
-              </a:prstGeom>
-            </p:spPr>
-          </p:pic>
-        </mc:Fallback>
-      </mc:AlternateContent>
-      <mc:AlternateContent xmlns:mc="http://schemas.openxmlformats.org/markup-compatibility/2006">
-        <mc:Choice xmlns:p14="http://schemas.microsoft.com/office/powerpoint/2010/main" Requires="p14">
-          <p:contentPart p14:bwMode="auto" r:id="rId60">
-            <p14:nvContentPartPr>
-              <p14:cNvPr id="43" name="Ink 42">
-                <a:extLst>
-                  <a:ext uri="{FF2B5EF4-FFF2-40B4-BE49-F238E27FC236}">
-                    <a16:creationId xmlns:a16="http://schemas.microsoft.com/office/drawing/2014/main" id="{F9B4565B-A101-064D-495E-BF2E5117D3D0}"/>
-                  </a:ext>
-                </a:extLst>
-              </p14:cNvPr>
-              <p14:cNvContentPartPr/>
-              <p14:nvPr/>
-            </p14:nvContentPartPr>
-            <p14:xfrm>
-              <a:off x="1372018" y="1683187"/>
-              <a:ext cx="3907800" cy="2734200"/>
-            </p14:xfrm>
-          </p:contentPart>
-        </mc:Choice>
-        <mc:Fallback>
-          <p:pic>
-            <p:nvPicPr>
-              <p:cNvPr id="43" name="Ink 42">
-                <a:extLst>
-                  <a:ext uri="{FF2B5EF4-FFF2-40B4-BE49-F238E27FC236}">
-                    <a16:creationId xmlns:a16="http://schemas.microsoft.com/office/drawing/2014/main" id="{F9B4565B-A101-064D-495E-BF2E5117D3D0}"/>
-                  </a:ext>
-                </a:extLst>
-              </p:cNvPr>
-              <p:cNvPicPr/>
-              <p:nvPr/>
-            </p:nvPicPr>
-            <p:blipFill>
-              <a:blip r:embed="rId61"/>
-              <a:stretch>
-                <a:fillRect/>
-              </a:stretch>
-            </p:blipFill>
-            <p:spPr>
-              <a:xfrm>
-                <a:off x="1336378" y="1647187"/>
-                <a:ext cx="3979440" cy="2805840"/>
-              </a:xfrm>
-              <a:prstGeom prst="rect">
-                <a:avLst/>
-              </a:prstGeom>
-            </p:spPr>
-          </p:pic>
-        </mc:Fallback>
-      </mc:AlternateContent>
-      <p:grpSp>
-        <p:nvGrpSpPr>
-          <p:cNvPr id="48" name="Group 47">
-            <a:extLst>
-              <a:ext uri="{FF2B5EF4-FFF2-40B4-BE49-F238E27FC236}">
-                <a16:creationId xmlns:a16="http://schemas.microsoft.com/office/drawing/2014/main" id="{5B49087E-D74F-CE50-99F3-95F2DFC29E95}"/>
-              </a:ext>
-            </a:extLst>
-          </p:cNvPr>
-          <p:cNvGrpSpPr/>
-          <p:nvPr/>
-        </p:nvGrpSpPr>
-        <p:grpSpPr>
-          <a:xfrm>
-            <a:off x="5290618" y="1699387"/>
-            <a:ext cx="2684880" cy="3420000"/>
-            <a:chOff x="5290618" y="1699387"/>
-            <a:chExt cx="2684880" cy="3420000"/>
-          </a:xfrm>
-        </p:grpSpPr>
-        <mc:AlternateContent xmlns:mc="http://schemas.openxmlformats.org/markup-compatibility/2006">
-          <mc:Choice xmlns:p14="http://schemas.microsoft.com/office/powerpoint/2010/main" Requires="p14">
-            <p:contentPart p14:bwMode="auto" r:id="rId62">
-              <p14:nvContentPartPr>
-                <p14:cNvPr id="44" name="Ink 43">
-                  <a:extLst>
-                    <a:ext uri="{FF2B5EF4-FFF2-40B4-BE49-F238E27FC236}">
-                      <a16:creationId xmlns:a16="http://schemas.microsoft.com/office/drawing/2014/main" id="{E0DEBB7F-4B03-7640-7458-670279D69A6E}"/>
-                    </a:ext>
-                  </a:extLst>
-                </p14:cNvPr>
-                <p14:cNvContentPartPr/>
-                <p14:nvPr/>
-              </p14:nvContentPartPr>
-              <p14:xfrm>
-                <a:off x="5290618" y="1699387"/>
-                <a:ext cx="2460240" cy="3270600"/>
-              </p14:xfrm>
-            </p:contentPart>
-          </mc:Choice>
-          <mc:Fallback>
-            <p:pic>
-              <p:nvPicPr>
-                <p:cNvPr id="44" name="Ink 43">
-                  <a:extLst>
-                    <a:ext uri="{FF2B5EF4-FFF2-40B4-BE49-F238E27FC236}">
-                      <a16:creationId xmlns:a16="http://schemas.microsoft.com/office/drawing/2014/main" id="{E0DEBB7F-4B03-7640-7458-670279D69A6E}"/>
-                    </a:ext>
-                  </a:extLst>
-                </p:cNvPr>
-                <p:cNvPicPr/>
-                <p:nvPr/>
-              </p:nvPicPr>
-              <p:blipFill>
-                <a:blip r:embed="rId63"/>
-                <a:stretch>
-                  <a:fillRect/>
-                </a:stretch>
-              </p:blipFill>
-              <p:spPr>
-                <a:xfrm>
-                  <a:off x="5254618" y="1663387"/>
-                  <a:ext cx="2531880" cy="3342240"/>
-                </a:xfrm>
-                <a:prstGeom prst="rect">
-                  <a:avLst/>
-                </a:prstGeom>
-              </p:spPr>
-            </p:pic>
-          </mc:Fallback>
-        </mc:AlternateContent>
-        <mc:AlternateContent xmlns:mc="http://schemas.openxmlformats.org/markup-compatibility/2006">
-          <mc:Choice xmlns:p14="http://schemas.microsoft.com/office/powerpoint/2010/main" Requires="p14">
-            <p:contentPart p14:bwMode="auto" r:id="rId64">
-              <p14:nvContentPartPr>
-                <p14:cNvPr id="45" name="Ink 44">
-                  <a:extLst>
-                    <a:ext uri="{FF2B5EF4-FFF2-40B4-BE49-F238E27FC236}">
-                      <a16:creationId xmlns:a16="http://schemas.microsoft.com/office/drawing/2014/main" id="{6E60F90D-847B-05F4-2F61-AF7E3FBF0DD2}"/>
-                    </a:ext>
-                  </a:extLst>
-                </p14:cNvPr>
-                <p14:cNvContentPartPr/>
-                <p14:nvPr/>
-              </p14:nvContentPartPr>
-              <p14:xfrm>
-                <a:off x="7472218" y="4905907"/>
-                <a:ext cx="5040" cy="4320"/>
-              </p14:xfrm>
-            </p:contentPart>
-          </mc:Choice>
-          <mc:Fallback>
-            <p:pic>
-              <p:nvPicPr>
-                <p:cNvPr id="45" name="Ink 44">
-                  <a:extLst>
-                    <a:ext uri="{FF2B5EF4-FFF2-40B4-BE49-F238E27FC236}">
-                      <a16:creationId xmlns:a16="http://schemas.microsoft.com/office/drawing/2014/main" id="{6E60F90D-847B-05F4-2F61-AF7E3FBF0DD2}"/>
-                    </a:ext>
-                  </a:extLst>
-                </p:cNvPr>
-                <p:cNvPicPr/>
-                <p:nvPr/>
-              </p:nvPicPr>
-              <p:blipFill>
-                <a:blip r:embed="rId65"/>
-                <a:stretch>
-                  <a:fillRect/>
-                </a:stretch>
-              </p:blipFill>
-              <p:spPr>
-                <a:xfrm>
-                  <a:off x="7436218" y="4870267"/>
-                  <a:ext cx="76680" cy="75960"/>
-                </a:xfrm>
-                <a:prstGeom prst="rect">
-                  <a:avLst/>
-                </a:prstGeom>
-              </p:spPr>
-            </p:pic>
-          </mc:Fallback>
-        </mc:AlternateContent>
-        <mc:AlternateContent xmlns:mc="http://schemas.openxmlformats.org/markup-compatibility/2006">
-          <mc:Choice xmlns:p14="http://schemas.microsoft.com/office/powerpoint/2010/main" Requires="p14">
-            <p:contentPart p14:bwMode="auto" r:id="rId66">
-              <p14:nvContentPartPr>
-                <p14:cNvPr id="46" name="Ink 45">
-                  <a:extLst>
-                    <a:ext uri="{FF2B5EF4-FFF2-40B4-BE49-F238E27FC236}">
-                      <a16:creationId xmlns:a16="http://schemas.microsoft.com/office/drawing/2014/main" id="{7434AF59-0AEA-17EB-0D7F-B3CF934C5A8A}"/>
-                    </a:ext>
-                  </a:extLst>
-                </p14:cNvPr>
-                <p14:cNvContentPartPr/>
-                <p14:nvPr/>
-              </p14:nvContentPartPr>
-              <p14:xfrm>
-                <a:off x="7469338" y="4950547"/>
-                <a:ext cx="360" cy="360"/>
-              </p14:xfrm>
-            </p:contentPart>
-          </mc:Choice>
-          <mc:Fallback>
-            <p:pic>
-              <p:nvPicPr>
-                <p:cNvPr id="46" name="Ink 45">
-                  <a:extLst>
-                    <a:ext uri="{FF2B5EF4-FFF2-40B4-BE49-F238E27FC236}">
-                      <a16:creationId xmlns:a16="http://schemas.microsoft.com/office/drawing/2014/main" id="{7434AF59-0AEA-17EB-0D7F-B3CF934C5A8A}"/>
-                    </a:ext>
-                  </a:extLst>
-                </p:cNvPr>
-                <p:cNvPicPr/>
-                <p:nvPr/>
-              </p:nvPicPr>
-              <p:blipFill>
-                <a:blip r:embed="rId67"/>
-                <a:stretch>
-                  <a:fillRect/>
-                </a:stretch>
-              </p:blipFill>
-              <p:spPr>
-                <a:xfrm>
-                  <a:off x="7433338" y="4914547"/>
-                  <a:ext cx="72000" cy="72000"/>
-                </a:xfrm>
-                <a:prstGeom prst="rect">
-                  <a:avLst/>
-                </a:prstGeom>
-              </p:spPr>
-            </p:pic>
-          </mc:Fallback>
-        </mc:AlternateContent>
-        <mc:AlternateContent xmlns:mc="http://schemas.openxmlformats.org/markup-compatibility/2006">
-          <mc:Choice xmlns:p14="http://schemas.microsoft.com/office/powerpoint/2010/main" Requires="p14">
-            <p:contentPart p14:bwMode="auto" r:id="rId68">
-              <p14:nvContentPartPr>
-                <p14:cNvPr id="47" name="Ink 46">
-                  <a:extLst>
-                    <a:ext uri="{FF2B5EF4-FFF2-40B4-BE49-F238E27FC236}">
-                      <a16:creationId xmlns:a16="http://schemas.microsoft.com/office/drawing/2014/main" id="{24676195-9247-8CA5-E4D0-A14460FDA41E}"/>
-                    </a:ext>
-                  </a:extLst>
-                </p14:cNvPr>
-                <p14:cNvContentPartPr/>
-                <p14:nvPr/>
-              </p14:nvContentPartPr>
-              <p14:xfrm>
-                <a:off x="7398418" y="4612507"/>
-                <a:ext cx="577080" cy="506880"/>
-              </p14:xfrm>
-            </p:contentPart>
-          </mc:Choice>
-          <mc:Fallback>
-            <p:pic>
-              <p:nvPicPr>
-                <p:cNvPr id="47" name="Ink 46">
-                  <a:extLst>
-                    <a:ext uri="{FF2B5EF4-FFF2-40B4-BE49-F238E27FC236}">
-                      <a16:creationId xmlns:a16="http://schemas.microsoft.com/office/drawing/2014/main" id="{24676195-9247-8CA5-E4D0-A14460FDA41E}"/>
-                    </a:ext>
-                  </a:extLst>
-                </p:cNvPr>
-                <p:cNvPicPr/>
-                <p:nvPr/>
-              </p:nvPicPr>
-              <p:blipFill>
-                <a:blip r:embed="rId69"/>
-                <a:stretch>
-                  <a:fillRect/>
-                </a:stretch>
-              </p:blipFill>
-              <p:spPr>
-                <a:xfrm>
-                  <a:off x="7362778" y="4576507"/>
-                  <a:ext cx="648720" cy="578520"/>
-                </a:xfrm>
-                <a:prstGeom prst="rect">
-                  <a:avLst/>
-                </a:prstGeom>
-              </p:spPr>
-            </p:pic>
-          </mc:Fallback>
-        </mc:AlternateContent>
-      </p:grpSp>
+          <a:prstGeom prst="rect">
+            <a:avLst/>
+          </a:prstGeom>
+          <a:solidFill>
+            <a:schemeClr val="bg1"/>
+          </a:solidFill>
+          <a:ln>
+            <a:noFill/>
+          </a:ln>
+        </p:spPr>
+        <p:style>
+          <a:lnRef idx="2">
+            <a:schemeClr val="accent1">
+              <a:shade val="15000"/>
+            </a:schemeClr>
+          </a:lnRef>
+          <a:fillRef idx="1">
+            <a:schemeClr val="accent1"/>
+          </a:fillRef>
+          <a:effectRef idx="0">
+            <a:schemeClr val="accent1"/>
+          </a:effectRef>
+          <a:fontRef idx="minor">
+            <a:schemeClr val="lt1"/>
+          </a:fontRef>
+        </p:style>
+        <p:txBody>
+          <a:bodyPr rtlCol="0" anchor="ctr"/>
+          <a:lstStyle/>
+          <a:p>
+            <a:pPr algn="ctr"/>
+            <a:endParaRPr lang="en-US"/>
+          </a:p>
+        </p:txBody>
+      </p:sp>
     </p:spTree>
     <p:extLst>
       <p:ext uri="{BB962C8B-B14F-4D97-AF65-F5344CB8AC3E}">
@@ -33163,6 +32284,64 @@
 </file>
 
 <file path=ppt/slides/slide12.xml><?xml version="1.0" encoding="utf-8"?>
+<p:sld xmlns:a="http://schemas.openxmlformats.org/drawingml/2006/main" xmlns:r="http://schemas.openxmlformats.org/officeDocument/2006/relationships" xmlns:p="http://schemas.openxmlformats.org/presentationml/2006/main">
+  <p:cSld>
+    <p:spTree>
+      <p:nvGrpSpPr>
+        <p:cNvPr id="1" name="">
+          <a:extLst>
+            <a:ext uri="{FF2B5EF4-FFF2-40B4-BE49-F238E27FC236}">
+              <a16:creationId xmlns:a16="http://schemas.microsoft.com/office/drawing/2014/main" id="{77E45E28-A30F-770F-AF6A-0A3F6EEE4F72}"/>
+            </a:ext>
+          </a:extLst>
+        </p:cNvPr>
+        <p:cNvGrpSpPr/>
+        <p:nvPr/>
+      </p:nvGrpSpPr>
+      <p:grpSpPr>
+        <a:xfrm>
+          <a:off x="0" y="0"/>
+          <a:ext cx="0" cy="0"/>
+          <a:chOff x="0" y="0"/>
+          <a:chExt cx="0" cy="0"/>
+        </a:xfrm>
+      </p:grpSpPr>
+      <p:graphicFrame>
+        <p:nvGraphicFramePr>
+          <p:cNvPr id="4" name="Chart 3">
+            <a:extLst>
+              <a:ext uri="{FF2B5EF4-FFF2-40B4-BE49-F238E27FC236}">
+                <a16:creationId xmlns:a16="http://schemas.microsoft.com/office/drawing/2014/main" id="{F436E37E-9CA5-7D46-62C4-EDD11CAD04EA}"/>
+              </a:ext>
+            </a:extLst>
+          </p:cNvPr>
+          <p:cNvGraphicFramePr/>
+          <p:nvPr/>
+        </p:nvGraphicFramePr>
+        <p:xfrm>
+          <a:off x="407324" y="324196"/>
+          <a:ext cx="11367654" cy="6201295"/>
+        </p:xfrm>
+        <a:graphic>
+          <a:graphicData uri="http://schemas.openxmlformats.org/drawingml/2006/chart">
+            <c:chart xmlns:c="http://schemas.openxmlformats.org/drawingml/2006/chart" xmlns:r="http://schemas.openxmlformats.org/officeDocument/2006/relationships" r:id="rId2"/>
+          </a:graphicData>
+        </a:graphic>
+      </p:graphicFrame>
+    </p:spTree>
+    <p:extLst>
+      <p:ext uri="{BB962C8B-B14F-4D97-AF65-F5344CB8AC3E}">
+        <p14:creationId xmlns:p14="http://schemas.microsoft.com/office/powerpoint/2010/main" val="3934699218"/>
+      </p:ext>
+    </p:extLst>
+  </p:cSld>
+  <p:clrMapOvr>
+    <a:masterClrMapping/>
+  </p:clrMapOvr>
+</p:sld>
+</file>
+
+<file path=ppt/slides/slide13.xml><?xml version="1.0" encoding="utf-8"?>
 <p:sld xmlns:a="http://schemas.openxmlformats.org/drawingml/2006/main" xmlns:r="http://schemas.openxmlformats.org/officeDocument/2006/relationships" xmlns:p="http://schemas.openxmlformats.org/presentationml/2006/main">
   <p:cSld>
     <p:spTree>
@@ -33322,7 +32501,7 @@
 </p:sld>
 </file>
 
-<file path=ppt/slides/slide13.xml><?xml version="1.0" encoding="utf-8"?>
+<file path=ppt/slides/slide14.xml><?xml version="1.0" encoding="utf-8"?>
 <p:sld xmlns:a="http://schemas.openxmlformats.org/drawingml/2006/main" xmlns:r="http://schemas.openxmlformats.org/officeDocument/2006/relationships" xmlns:p="http://schemas.openxmlformats.org/presentationml/2006/main">
   <p:cSld>
     <p:spTree>
@@ -33430,7 +32609,7 @@
 </p:sld>
 </file>
 
-<file path=ppt/slides/slide14.xml><?xml version="1.0" encoding="utf-8"?>
+<file path=ppt/slides/slide15.xml><?xml version="1.0" encoding="utf-8"?>
 <p:sld xmlns:a="http://schemas.openxmlformats.org/drawingml/2006/main" xmlns:r="http://schemas.openxmlformats.org/officeDocument/2006/relationships" xmlns:p="http://schemas.openxmlformats.org/presentationml/2006/main">
   <p:cSld>
     <p:spTree>
@@ -33590,7 +32769,7 @@
 </p:sld>
 </file>
 
-<file path=ppt/slides/slide15.xml><?xml version="1.0" encoding="utf-8"?>
+<file path=ppt/slides/slide16.xml><?xml version="1.0" encoding="utf-8"?>
 <p:sld xmlns:a="http://schemas.openxmlformats.org/drawingml/2006/main" xmlns:r="http://schemas.openxmlformats.org/officeDocument/2006/relationships" xmlns:p="http://schemas.openxmlformats.org/presentationml/2006/main">
   <p:cSld>
     <p:spTree>
@@ -33908,7 +33087,7 @@
 </p:sld>
 </file>
 
-<file path=ppt/slides/slide16.xml><?xml version="1.0" encoding="utf-8"?>
+<file path=ppt/slides/slide17.xml><?xml version="1.0" encoding="utf-8"?>
 <p:sld xmlns:a="http://schemas.openxmlformats.org/drawingml/2006/main" xmlns:r="http://schemas.openxmlformats.org/officeDocument/2006/relationships" xmlns:p="http://schemas.openxmlformats.org/presentationml/2006/main">
   <p:cSld>
     <p:spTree>
@@ -34583,7 +33762,7 @@
 </p:sld>
 </file>
 
-<file path=ppt/slides/slide17.xml><?xml version="1.0" encoding="utf-8"?>
+<file path=ppt/slides/slide18.xml><?xml version="1.0" encoding="utf-8"?>
 <p:sld xmlns:a="http://schemas.openxmlformats.org/drawingml/2006/main" xmlns:r="http://schemas.openxmlformats.org/officeDocument/2006/relationships" xmlns:p="http://schemas.openxmlformats.org/presentationml/2006/main">
   <p:cSld>
     <p:spTree>
@@ -35516,7 +34695,7 @@
 </p:sld>
 </file>
 
-<file path=ppt/slides/slide18.xml><?xml version="1.0" encoding="utf-8"?>
+<file path=ppt/slides/slide19.xml><?xml version="1.0" encoding="utf-8"?>
 <p:sld xmlns:a="http://schemas.openxmlformats.org/drawingml/2006/main" xmlns:r="http://schemas.openxmlformats.org/officeDocument/2006/relationships" xmlns:p="http://schemas.openxmlformats.org/presentationml/2006/main">
   <p:cSld>
     <p:spTree>
@@ -35696,283 +34875,6 @@
     <p:extLst>
       <p:ext uri="{BB962C8B-B14F-4D97-AF65-F5344CB8AC3E}">
         <p14:creationId xmlns:p14="http://schemas.microsoft.com/office/powerpoint/2010/main" val="3654210916"/>
-      </p:ext>
-    </p:extLst>
-  </p:cSld>
-  <p:clrMapOvr>
-    <a:masterClrMapping/>
-  </p:clrMapOvr>
-</p:sld>
-</file>
-
-<file path=ppt/slides/slide19.xml><?xml version="1.0" encoding="utf-8"?>
-<p:sld xmlns:a="http://schemas.openxmlformats.org/drawingml/2006/main" xmlns:r="http://schemas.openxmlformats.org/officeDocument/2006/relationships" xmlns:p="http://schemas.openxmlformats.org/presentationml/2006/main">
-  <p:cSld>
-    <p:spTree>
-      <p:nvGrpSpPr>
-        <p:cNvPr id="1" name="">
-          <a:extLst>
-            <a:ext uri="{FF2B5EF4-FFF2-40B4-BE49-F238E27FC236}">
-              <a16:creationId xmlns:a16="http://schemas.microsoft.com/office/drawing/2014/main" id="{80BCB02E-CF17-7F99-5F10-E51A89E4C773}"/>
-            </a:ext>
-          </a:extLst>
-        </p:cNvPr>
-        <p:cNvGrpSpPr/>
-        <p:nvPr/>
-      </p:nvGrpSpPr>
-      <p:grpSpPr>
-        <a:xfrm>
-          <a:off x="0" y="0"/>
-          <a:ext cx="0" cy="0"/>
-          <a:chOff x="0" y="0"/>
-          <a:chExt cx="0" cy="0"/>
-        </a:xfrm>
-      </p:grpSpPr>
-      <p:sp>
-        <p:nvSpPr>
-          <p:cNvPr id="17" name="Rectangle 16">
-            <a:extLst>
-              <a:ext uri="{FF2B5EF4-FFF2-40B4-BE49-F238E27FC236}">
-                <a16:creationId xmlns:a16="http://schemas.microsoft.com/office/drawing/2014/main" id="{E0C514F1-F5BE-2162-505F-48FE4542CAFC}"/>
-              </a:ext>
-            </a:extLst>
-          </p:cNvPr>
-          <p:cNvSpPr/>
-          <p:nvPr/>
-        </p:nvSpPr>
-        <p:spPr>
-          <a:xfrm>
-            <a:off x="642203" y="1137897"/>
-            <a:ext cx="2901082" cy="1552507"/>
-          </a:xfrm>
-          <a:prstGeom prst="rect">
-            <a:avLst/>
-          </a:prstGeom>
-        </p:spPr>
-        <p:style>
-          <a:lnRef idx="2">
-            <a:schemeClr val="accent1">
-              <a:shade val="15000"/>
-            </a:schemeClr>
-          </a:lnRef>
-          <a:fillRef idx="1">
-            <a:schemeClr val="accent1"/>
-          </a:fillRef>
-          <a:effectRef idx="0">
-            <a:schemeClr val="accent1"/>
-          </a:effectRef>
-          <a:fontRef idx="minor">
-            <a:schemeClr val="lt1"/>
-          </a:fontRef>
-        </p:style>
-        <p:txBody>
-          <a:bodyPr rtlCol="0" anchor="ctr"/>
-          <a:lstStyle/>
-          <a:p>
-            <a:pPr algn="ctr"/>
-            <a:r>
-              <a:rPr lang="en-US" sz="3600" dirty="0"/>
-              <a:t>Agent</a:t>
-            </a:r>
-          </a:p>
-          <a:p>
-            <a:pPr algn="ctr"/>
-            <a:r>
-              <a:rPr lang="en-US" sz="3600" dirty="0"/>
-              <a:t>(MCP Client)</a:t>
-            </a:r>
-          </a:p>
-        </p:txBody>
-      </p:sp>
-      <p:sp>
-        <p:nvSpPr>
-          <p:cNvPr id="18" name="Rectangle 17">
-            <a:extLst>
-              <a:ext uri="{FF2B5EF4-FFF2-40B4-BE49-F238E27FC236}">
-                <a16:creationId xmlns:a16="http://schemas.microsoft.com/office/drawing/2014/main" id="{3924B8FC-DF2B-53E6-B4EA-108C8ADE5564}"/>
-              </a:ext>
-            </a:extLst>
-          </p:cNvPr>
-          <p:cNvSpPr/>
-          <p:nvPr/>
-        </p:nvSpPr>
-        <p:spPr>
-          <a:xfrm>
-            <a:off x="8449190" y="1219715"/>
-            <a:ext cx="2901082" cy="1552507"/>
-          </a:xfrm>
-          <a:prstGeom prst="rect">
-            <a:avLst/>
-          </a:prstGeom>
-        </p:spPr>
-        <p:style>
-          <a:lnRef idx="2">
-            <a:schemeClr val="accent4">
-              <a:shade val="15000"/>
-            </a:schemeClr>
-          </a:lnRef>
-          <a:fillRef idx="1">
-            <a:schemeClr val="accent4"/>
-          </a:fillRef>
-          <a:effectRef idx="0">
-            <a:schemeClr val="accent4"/>
-          </a:effectRef>
-          <a:fontRef idx="minor">
-            <a:schemeClr val="lt1"/>
-          </a:fontRef>
-        </p:style>
-        <p:txBody>
-          <a:bodyPr rtlCol="0" anchor="ctr"/>
-          <a:lstStyle/>
-          <a:p>
-            <a:pPr algn="ctr"/>
-            <a:r>
-              <a:rPr lang="en-US" sz="3600" dirty="0"/>
-              <a:t>Model</a:t>
-            </a:r>
-          </a:p>
-        </p:txBody>
-      </p:sp>
-      <p:sp>
-        <p:nvSpPr>
-          <p:cNvPr id="2" name="Rectangle 1">
-            <a:extLst>
-              <a:ext uri="{FF2B5EF4-FFF2-40B4-BE49-F238E27FC236}">
-                <a16:creationId xmlns:a16="http://schemas.microsoft.com/office/drawing/2014/main" id="{19C30823-EC2A-FC53-9FB3-0FDBA8A0E934}"/>
-              </a:ext>
-            </a:extLst>
-          </p:cNvPr>
-          <p:cNvSpPr/>
-          <p:nvPr/>
-        </p:nvSpPr>
-        <p:spPr>
-          <a:xfrm>
-            <a:off x="8449190" y="3778816"/>
-            <a:ext cx="2901082" cy="1552507"/>
-          </a:xfrm>
-          <a:prstGeom prst="rect">
-            <a:avLst/>
-          </a:prstGeom>
-          <a:solidFill>
-            <a:schemeClr val="accent6">
-              <a:lumMod val="50000"/>
-            </a:schemeClr>
-          </a:solidFill>
-        </p:spPr>
-        <p:style>
-          <a:lnRef idx="2">
-            <a:schemeClr val="accent4">
-              <a:shade val="15000"/>
-            </a:schemeClr>
-          </a:lnRef>
-          <a:fillRef idx="1">
-            <a:schemeClr val="accent4"/>
-          </a:fillRef>
-          <a:effectRef idx="0">
-            <a:schemeClr val="accent4"/>
-          </a:effectRef>
-          <a:fontRef idx="minor">
-            <a:schemeClr val="lt1"/>
-          </a:fontRef>
-        </p:style>
-        <p:txBody>
-          <a:bodyPr rtlCol="0" anchor="ctr"/>
-          <a:lstStyle/>
-          <a:p>
-            <a:pPr algn="ctr"/>
-            <a:r>
-              <a:rPr lang="en-US" sz="3600" dirty="0"/>
-              <a:t>MCP Server(s)</a:t>
-            </a:r>
-          </a:p>
-        </p:txBody>
-      </p:sp>
-      <p:sp>
-        <p:nvSpPr>
-          <p:cNvPr id="4" name="Rectangle 3">
-            <a:extLst>
-              <a:ext uri="{FF2B5EF4-FFF2-40B4-BE49-F238E27FC236}">
-                <a16:creationId xmlns:a16="http://schemas.microsoft.com/office/drawing/2014/main" id="{85B66E06-BFD9-299D-9BDF-2F904D3D52B2}"/>
-              </a:ext>
-            </a:extLst>
-          </p:cNvPr>
-          <p:cNvSpPr/>
-          <p:nvPr/>
-        </p:nvSpPr>
-        <p:spPr>
-          <a:xfrm>
-            <a:off x="8449190" y="5331323"/>
-            <a:ext cx="2901082" cy="667141"/>
-          </a:xfrm>
-          <a:prstGeom prst="rect">
-            <a:avLst/>
-          </a:prstGeom>
-          <a:solidFill>
-            <a:schemeClr val="accent6">
-              <a:lumMod val="75000"/>
-            </a:schemeClr>
-          </a:solidFill>
-        </p:spPr>
-        <p:style>
-          <a:lnRef idx="2">
-            <a:schemeClr val="accent4">
-              <a:shade val="15000"/>
-            </a:schemeClr>
-          </a:lnRef>
-          <a:fillRef idx="1">
-            <a:schemeClr val="accent4"/>
-          </a:fillRef>
-          <a:effectRef idx="0">
-            <a:schemeClr val="accent4"/>
-          </a:effectRef>
-          <a:fontRef idx="minor">
-            <a:schemeClr val="lt1"/>
-          </a:fontRef>
-        </p:style>
-        <p:txBody>
-          <a:bodyPr rtlCol="0" anchor="ctr"/>
-          <a:lstStyle/>
-          <a:p>
-            <a:pPr algn="ctr"/>
-            <a:r>
-              <a:rPr lang="en-US" sz="3600" dirty="0"/>
-              <a:t>Tools</a:t>
-            </a:r>
-          </a:p>
-        </p:txBody>
-      </p:sp>
-      <p:graphicFrame>
-        <p:nvGraphicFramePr>
-          <p:cNvPr id="5" name="Diagram 4">
-            <a:extLst>
-              <a:ext uri="{FF2B5EF4-FFF2-40B4-BE49-F238E27FC236}">
-                <a16:creationId xmlns:a16="http://schemas.microsoft.com/office/drawing/2014/main" id="{C3E3847A-CBC3-118A-169C-D88CF881453D}"/>
-              </a:ext>
-            </a:extLst>
-          </p:cNvPr>
-          <p:cNvGraphicFramePr/>
-          <p:nvPr>
-            <p:extLst>
-              <p:ext uri="{D42A27DB-BD31-4B8C-83A1-F6EECF244321}">
-                <p14:modId xmlns:p14="http://schemas.microsoft.com/office/powerpoint/2010/main" val="738527319"/>
-              </p:ext>
-            </p:extLst>
-          </p:nvPr>
-        </p:nvGraphicFramePr>
-        <p:xfrm>
-          <a:off x="2560938" y="1357200"/>
-          <a:ext cx="6870599" cy="4641264"/>
-        </p:xfrm>
-        <a:graphic>
-          <a:graphicData uri="http://schemas.openxmlformats.org/drawingml/2006/diagram">
-            <dgm:relIds xmlns:dgm="http://schemas.openxmlformats.org/drawingml/2006/diagram" xmlns:r="http://schemas.openxmlformats.org/officeDocument/2006/relationships" r:dm="rId2" r:lo="rId3" r:qs="rId4" r:cs="rId5"/>
-          </a:graphicData>
-        </a:graphic>
-      </p:graphicFrame>
-    </p:spTree>
-    <p:extLst>
-      <p:ext uri="{BB962C8B-B14F-4D97-AF65-F5344CB8AC3E}">
-        <p14:creationId xmlns:p14="http://schemas.microsoft.com/office/powerpoint/2010/main" val="3551887674"/>
       </p:ext>
     </p:extLst>
   </p:cSld>
@@ -36042,6 +34944,283 @@
   <p:cSld>
     <p:spTree>
       <p:nvGrpSpPr>
+        <p:cNvPr id="1" name="">
+          <a:extLst>
+            <a:ext uri="{FF2B5EF4-FFF2-40B4-BE49-F238E27FC236}">
+              <a16:creationId xmlns:a16="http://schemas.microsoft.com/office/drawing/2014/main" id="{80BCB02E-CF17-7F99-5F10-E51A89E4C773}"/>
+            </a:ext>
+          </a:extLst>
+        </p:cNvPr>
+        <p:cNvGrpSpPr/>
+        <p:nvPr/>
+      </p:nvGrpSpPr>
+      <p:grpSpPr>
+        <a:xfrm>
+          <a:off x="0" y="0"/>
+          <a:ext cx="0" cy="0"/>
+          <a:chOff x="0" y="0"/>
+          <a:chExt cx="0" cy="0"/>
+        </a:xfrm>
+      </p:grpSpPr>
+      <p:sp>
+        <p:nvSpPr>
+          <p:cNvPr id="17" name="Rectangle 16">
+            <a:extLst>
+              <a:ext uri="{FF2B5EF4-FFF2-40B4-BE49-F238E27FC236}">
+                <a16:creationId xmlns:a16="http://schemas.microsoft.com/office/drawing/2014/main" id="{E0C514F1-F5BE-2162-505F-48FE4542CAFC}"/>
+              </a:ext>
+            </a:extLst>
+          </p:cNvPr>
+          <p:cNvSpPr/>
+          <p:nvPr/>
+        </p:nvSpPr>
+        <p:spPr>
+          <a:xfrm>
+            <a:off x="642203" y="1137897"/>
+            <a:ext cx="2901082" cy="1552507"/>
+          </a:xfrm>
+          <a:prstGeom prst="rect">
+            <a:avLst/>
+          </a:prstGeom>
+        </p:spPr>
+        <p:style>
+          <a:lnRef idx="2">
+            <a:schemeClr val="accent1">
+              <a:shade val="15000"/>
+            </a:schemeClr>
+          </a:lnRef>
+          <a:fillRef idx="1">
+            <a:schemeClr val="accent1"/>
+          </a:fillRef>
+          <a:effectRef idx="0">
+            <a:schemeClr val="accent1"/>
+          </a:effectRef>
+          <a:fontRef idx="minor">
+            <a:schemeClr val="lt1"/>
+          </a:fontRef>
+        </p:style>
+        <p:txBody>
+          <a:bodyPr rtlCol="0" anchor="ctr"/>
+          <a:lstStyle/>
+          <a:p>
+            <a:pPr algn="ctr"/>
+            <a:r>
+              <a:rPr lang="en-US" sz="3600" dirty="0"/>
+              <a:t>Agent</a:t>
+            </a:r>
+          </a:p>
+          <a:p>
+            <a:pPr algn="ctr"/>
+            <a:r>
+              <a:rPr lang="en-US" sz="3600" dirty="0"/>
+              <a:t>(MCP Client)</a:t>
+            </a:r>
+          </a:p>
+        </p:txBody>
+      </p:sp>
+      <p:sp>
+        <p:nvSpPr>
+          <p:cNvPr id="18" name="Rectangle 17">
+            <a:extLst>
+              <a:ext uri="{FF2B5EF4-FFF2-40B4-BE49-F238E27FC236}">
+                <a16:creationId xmlns:a16="http://schemas.microsoft.com/office/drawing/2014/main" id="{3924B8FC-DF2B-53E6-B4EA-108C8ADE5564}"/>
+              </a:ext>
+            </a:extLst>
+          </p:cNvPr>
+          <p:cNvSpPr/>
+          <p:nvPr/>
+        </p:nvSpPr>
+        <p:spPr>
+          <a:xfrm>
+            <a:off x="8449190" y="1219715"/>
+            <a:ext cx="2901082" cy="1552507"/>
+          </a:xfrm>
+          <a:prstGeom prst="rect">
+            <a:avLst/>
+          </a:prstGeom>
+        </p:spPr>
+        <p:style>
+          <a:lnRef idx="2">
+            <a:schemeClr val="accent4">
+              <a:shade val="15000"/>
+            </a:schemeClr>
+          </a:lnRef>
+          <a:fillRef idx="1">
+            <a:schemeClr val="accent4"/>
+          </a:fillRef>
+          <a:effectRef idx="0">
+            <a:schemeClr val="accent4"/>
+          </a:effectRef>
+          <a:fontRef idx="minor">
+            <a:schemeClr val="lt1"/>
+          </a:fontRef>
+        </p:style>
+        <p:txBody>
+          <a:bodyPr rtlCol="0" anchor="ctr"/>
+          <a:lstStyle/>
+          <a:p>
+            <a:pPr algn="ctr"/>
+            <a:r>
+              <a:rPr lang="en-US" sz="3600" dirty="0"/>
+              <a:t>Model</a:t>
+            </a:r>
+          </a:p>
+        </p:txBody>
+      </p:sp>
+      <p:sp>
+        <p:nvSpPr>
+          <p:cNvPr id="2" name="Rectangle 1">
+            <a:extLst>
+              <a:ext uri="{FF2B5EF4-FFF2-40B4-BE49-F238E27FC236}">
+                <a16:creationId xmlns:a16="http://schemas.microsoft.com/office/drawing/2014/main" id="{19C30823-EC2A-FC53-9FB3-0FDBA8A0E934}"/>
+              </a:ext>
+            </a:extLst>
+          </p:cNvPr>
+          <p:cNvSpPr/>
+          <p:nvPr/>
+        </p:nvSpPr>
+        <p:spPr>
+          <a:xfrm>
+            <a:off x="8449190" y="3778816"/>
+            <a:ext cx="2901082" cy="1552507"/>
+          </a:xfrm>
+          <a:prstGeom prst="rect">
+            <a:avLst/>
+          </a:prstGeom>
+          <a:solidFill>
+            <a:schemeClr val="accent6">
+              <a:lumMod val="50000"/>
+            </a:schemeClr>
+          </a:solidFill>
+        </p:spPr>
+        <p:style>
+          <a:lnRef idx="2">
+            <a:schemeClr val="accent4">
+              <a:shade val="15000"/>
+            </a:schemeClr>
+          </a:lnRef>
+          <a:fillRef idx="1">
+            <a:schemeClr val="accent4"/>
+          </a:fillRef>
+          <a:effectRef idx="0">
+            <a:schemeClr val="accent4"/>
+          </a:effectRef>
+          <a:fontRef idx="minor">
+            <a:schemeClr val="lt1"/>
+          </a:fontRef>
+        </p:style>
+        <p:txBody>
+          <a:bodyPr rtlCol="0" anchor="ctr"/>
+          <a:lstStyle/>
+          <a:p>
+            <a:pPr algn="ctr"/>
+            <a:r>
+              <a:rPr lang="en-US" sz="3600" dirty="0"/>
+              <a:t>MCP Server(s)</a:t>
+            </a:r>
+          </a:p>
+        </p:txBody>
+      </p:sp>
+      <p:sp>
+        <p:nvSpPr>
+          <p:cNvPr id="4" name="Rectangle 3">
+            <a:extLst>
+              <a:ext uri="{FF2B5EF4-FFF2-40B4-BE49-F238E27FC236}">
+                <a16:creationId xmlns:a16="http://schemas.microsoft.com/office/drawing/2014/main" id="{85B66E06-BFD9-299D-9BDF-2F904D3D52B2}"/>
+              </a:ext>
+            </a:extLst>
+          </p:cNvPr>
+          <p:cNvSpPr/>
+          <p:nvPr/>
+        </p:nvSpPr>
+        <p:spPr>
+          <a:xfrm>
+            <a:off x="8449190" y="5331323"/>
+            <a:ext cx="2901082" cy="667141"/>
+          </a:xfrm>
+          <a:prstGeom prst="rect">
+            <a:avLst/>
+          </a:prstGeom>
+          <a:solidFill>
+            <a:schemeClr val="accent6">
+              <a:lumMod val="75000"/>
+            </a:schemeClr>
+          </a:solidFill>
+        </p:spPr>
+        <p:style>
+          <a:lnRef idx="2">
+            <a:schemeClr val="accent4">
+              <a:shade val="15000"/>
+            </a:schemeClr>
+          </a:lnRef>
+          <a:fillRef idx="1">
+            <a:schemeClr val="accent4"/>
+          </a:fillRef>
+          <a:effectRef idx="0">
+            <a:schemeClr val="accent4"/>
+          </a:effectRef>
+          <a:fontRef idx="minor">
+            <a:schemeClr val="lt1"/>
+          </a:fontRef>
+        </p:style>
+        <p:txBody>
+          <a:bodyPr rtlCol="0" anchor="ctr"/>
+          <a:lstStyle/>
+          <a:p>
+            <a:pPr algn="ctr"/>
+            <a:r>
+              <a:rPr lang="en-US" sz="3600" dirty="0"/>
+              <a:t>Tools</a:t>
+            </a:r>
+          </a:p>
+        </p:txBody>
+      </p:sp>
+      <p:graphicFrame>
+        <p:nvGraphicFramePr>
+          <p:cNvPr id="5" name="Diagram 4">
+            <a:extLst>
+              <a:ext uri="{FF2B5EF4-FFF2-40B4-BE49-F238E27FC236}">
+                <a16:creationId xmlns:a16="http://schemas.microsoft.com/office/drawing/2014/main" id="{C3E3847A-CBC3-118A-169C-D88CF881453D}"/>
+              </a:ext>
+            </a:extLst>
+          </p:cNvPr>
+          <p:cNvGraphicFramePr/>
+          <p:nvPr>
+            <p:extLst>
+              <p:ext uri="{D42A27DB-BD31-4B8C-83A1-F6EECF244321}">
+                <p14:modId xmlns:p14="http://schemas.microsoft.com/office/powerpoint/2010/main" val="738527319"/>
+              </p:ext>
+            </p:extLst>
+          </p:nvPr>
+        </p:nvGraphicFramePr>
+        <p:xfrm>
+          <a:off x="2560938" y="1357200"/>
+          <a:ext cx="6870599" cy="4641264"/>
+        </p:xfrm>
+        <a:graphic>
+          <a:graphicData uri="http://schemas.openxmlformats.org/drawingml/2006/diagram">
+            <dgm:relIds xmlns:dgm="http://schemas.openxmlformats.org/drawingml/2006/diagram" xmlns:r="http://schemas.openxmlformats.org/officeDocument/2006/relationships" r:dm="rId2" r:lo="rId3" r:qs="rId4" r:cs="rId5"/>
+          </a:graphicData>
+        </a:graphic>
+      </p:graphicFrame>
+    </p:spTree>
+    <p:extLst>
+      <p:ext uri="{BB962C8B-B14F-4D97-AF65-F5344CB8AC3E}">
+        <p14:creationId xmlns:p14="http://schemas.microsoft.com/office/powerpoint/2010/main" val="3551887674"/>
+      </p:ext>
+    </p:extLst>
+  </p:cSld>
+  <p:clrMapOvr>
+    <a:masterClrMapping/>
+  </p:clrMapOvr>
+</p:sld>
+</file>
+
+<file path=ppt/slides/slide21.xml><?xml version="1.0" encoding="utf-8"?>
+<p:sld xmlns:a="http://schemas.openxmlformats.org/drawingml/2006/main" xmlns:r="http://schemas.openxmlformats.org/officeDocument/2006/relationships" xmlns:p="http://schemas.openxmlformats.org/presentationml/2006/main">
+  <p:cSld>
+    <p:spTree>
+      <p:nvGrpSpPr>
         <p:cNvPr id="1" name=""/>
         <p:cNvGrpSpPr/>
         <p:nvPr/>
@@ -36123,7 +35302,7 @@
 </p:sld>
 </file>
 
-<file path=ppt/slides/slide21.xml><?xml version="1.0" encoding="utf-8"?>
+<file path=ppt/slides/slide22.xml><?xml version="1.0" encoding="utf-8"?>
 <p:sld xmlns:a="http://schemas.openxmlformats.org/drawingml/2006/main" xmlns:r="http://schemas.openxmlformats.org/officeDocument/2006/relationships" xmlns:p="http://schemas.openxmlformats.org/presentationml/2006/main">
   <p:cSld>
     <p:spTree>
@@ -36219,7 +35398,7 @@
 </p:sld>
 </file>
 
-<file path=ppt/slides/slide22.xml><?xml version="1.0" encoding="utf-8"?>
+<file path=ppt/slides/slide23.xml><?xml version="1.0" encoding="utf-8"?>
 <p:sld xmlns:a="http://schemas.openxmlformats.org/drawingml/2006/main" xmlns:r="http://schemas.openxmlformats.org/officeDocument/2006/relationships" xmlns:p="http://schemas.openxmlformats.org/presentationml/2006/main">
   <p:cSld>
     <p:spTree>
@@ -36379,7 +35558,7 @@
 </p:sld>
 </file>
 
-<file path=ppt/slides/slide23.xml><?xml version="1.0" encoding="utf-8"?>
+<file path=ppt/slides/slide24.xml><?xml version="1.0" encoding="utf-8"?>
 <p:sld xmlns:a="http://schemas.openxmlformats.org/drawingml/2006/main" xmlns:r="http://schemas.openxmlformats.org/officeDocument/2006/relationships" xmlns:p="http://schemas.openxmlformats.org/presentationml/2006/main">
   <p:cSld>
     <p:spTree>
@@ -36750,7 +35929,7 @@
 </p:sld>
 </file>
 
-<file path=ppt/slides/slide24.xml><?xml version="1.0" encoding="utf-8"?>
+<file path=ppt/slides/slide25.xml><?xml version="1.0" encoding="utf-8"?>
 <p:sld xmlns:a="http://schemas.openxmlformats.org/drawingml/2006/main" xmlns:r="http://schemas.openxmlformats.org/officeDocument/2006/relationships" xmlns:p="http://schemas.openxmlformats.org/presentationml/2006/main">
   <p:cSld>
     <p:spTree>
@@ -36842,7 +36021,7 @@
 </p:sld>
 </file>
 
-<file path=ppt/slides/slide25.xml><?xml version="1.0" encoding="utf-8"?>
+<file path=ppt/slides/slide26.xml><?xml version="1.0" encoding="utf-8"?>
 <p:sld xmlns:a="http://schemas.openxmlformats.org/drawingml/2006/main" xmlns:r="http://schemas.openxmlformats.org/officeDocument/2006/relationships" xmlns:p="http://schemas.openxmlformats.org/presentationml/2006/main">
   <p:cSld>
     <p:spTree>
@@ -37002,7 +36181,7 @@
 </p:sld>
 </file>
 
-<file path=ppt/slides/slide26.xml><?xml version="1.0" encoding="utf-8"?>
+<file path=ppt/slides/slide27.xml><?xml version="1.0" encoding="utf-8"?>
 <p:sld xmlns:a="http://schemas.openxmlformats.org/drawingml/2006/main" xmlns:r="http://schemas.openxmlformats.org/officeDocument/2006/relationships" xmlns:p="http://schemas.openxmlformats.org/presentationml/2006/main">
   <p:cSld>
     <p:spTree>
